--- a/pt0713_silnuext/poster/591 poster.pptx
+++ b/pt0713_silnuext/poster/591 poster.pptx
@@ -2,7 +2,7 @@
 <file path=ppt/presentation.xml><?xml version="1.0" encoding="utf-8"?>
 <p:presentation xmlns:a="http://schemas.openxmlformats.org/drawingml/2006/main" xmlns:r="http://schemas.openxmlformats.org/officeDocument/2006/relationships" xmlns:p="http://schemas.openxmlformats.org/presentationml/2006/main" strictFirstAndLastChars="0" saveSubsetFonts="1" autoCompressPictures="0">
   <p:sldMasterIdLst>
-    <p:sldMasterId id="2147483648" r:id="rId1"/>
+    <p:sldMasterId id="2147483684" r:id="rId1"/>
   </p:sldMasterIdLst>
   <p:notesMasterIdLst>
     <p:notesMasterId r:id="rId3"/>
@@ -263,14 +263,14 @@
               <ma14:placeholderFlag xmlns:ma14="http://schemas.microsoft.com/office/mac/drawingml/2011/main" val="1"/>
             </a:ext>
             <a:ext uri="{909E8E84-426E-40dd-AFC4-6F175D3DCCD1}">
-              <a14:hiddenFill xmlns:a14="http://schemas.microsoft.com/office/drawing/2010/main" xmlns="">
+              <a14:hiddenFill xmlns="" xmlns:a14="http://schemas.microsoft.com/office/drawing/2010/main">
                 <a:solidFill>
                   <a:srgbClr val="FFFFFF"/>
                 </a:solidFill>
               </a14:hiddenFill>
             </a:ext>
             <a:ext uri="{91240B29-F687-4f45-9708-019B960494DF}">
-              <a14:hiddenLine xmlns:a14="http://schemas.microsoft.com/office/drawing/2010/main" xmlns="" w="9525">
+              <a14:hiddenLine xmlns="" xmlns:a14="http://schemas.microsoft.com/office/drawing/2010/main" w="9525">
                 <a:solidFill>
                   <a:srgbClr val="000000"/>
                 </a:solidFill>
@@ -280,7 +280,7 @@
               </a14:hiddenLine>
             </a:ext>
             <a:ext uri="{AF507438-7753-43e0-B8FC-AC1667EBCBE1}">
-              <a14:hiddenEffects xmlns:a14="http://schemas.microsoft.com/office/drawing/2010/main" xmlns="">
+              <a14:hiddenEffects xmlns="" xmlns:a14="http://schemas.microsoft.com/office/drawing/2010/main">
                 <a:effectLst>
                   <a:outerShdw blurRad="63500" dist="38099" dir="2700000" algn="ctr" rotWithShape="0">
                     <a:schemeClr val="bg2">
@@ -321,14 +321,14 @@
               <ma14:placeholderFlag xmlns:ma14="http://schemas.microsoft.com/office/mac/drawingml/2011/main" val="1"/>
             </a:ext>
             <a:ext uri="{909E8E84-426E-40dd-AFC4-6F175D3DCCD1}">
-              <a14:hiddenFill xmlns:a14="http://schemas.microsoft.com/office/drawing/2010/main" xmlns="">
+              <a14:hiddenFill xmlns="" xmlns:a14="http://schemas.microsoft.com/office/drawing/2010/main">
                 <a:solidFill>
                   <a:srgbClr val="FFFFFF"/>
                 </a:solidFill>
               </a14:hiddenFill>
             </a:ext>
             <a:ext uri="{91240B29-F687-4f45-9708-019B960494DF}">
-              <a14:hiddenLine xmlns:a14="http://schemas.microsoft.com/office/drawing/2010/main" xmlns="" w="9525">
+              <a14:hiddenLine xmlns="" xmlns:a14="http://schemas.microsoft.com/office/drawing/2010/main" w="9525">
                 <a:solidFill>
                   <a:srgbClr val="000000"/>
                 </a:solidFill>
@@ -338,7 +338,7 @@
               </a14:hiddenLine>
             </a:ext>
             <a:ext uri="{AF507438-7753-43e0-B8FC-AC1667EBCBE1}">
-              <a14:hiddenEffects xmlns:a14="http://schemas.microsoft.com/office/drawing/2010/main" xmlns="">
+              <a14:hiddenEffects xmlns="" xmlns:a14="http://schemas.microsoft.com/office/drawing/2010/main">
                 <a:effectLst>
                   <a:outerShdw blurRad="63500" dist="38099" dir="2700000" algn="ctr" rotWithShape="0">
                     <a:schemeClr val="bg2">
@@ -391,14 +391,14 @@
               <ma14:placeholderFlag xmlns:ma14="http://schemas.microsoft.com/office/mac/drawingml/2011/main" val="1"/>
             </a:ext>
             <a:ext uri="{909E8E84-426E-40dd-AFC4-6F175D3DCCD1}">
-              <a14:hiddenFill xmlns:a14="http://schemas.microsoft.com/office/drawing/2010/main" xmlns="">
+              <a14:hiddenFill xmlns="" xmlns:a14="http://schemas.microsoft.com/office/drawing/2010/main">
                 <a:solidFill>
                   <a:srgbClr val="FFFFFF"/>
                 </a:solidFill>
               </a14:hiddenFill>
             </a:ext>
             <a:ext uri="{91240B29-F687-4f45-9708-019B960494DF}">
-              <a14:hiddenLine xmlns:a14="http://schemas.microsoft.com/office/drawing/2010/main" xmlns="" w="9525">
+              <a14:hiddenLine xmlns="" xmlns:a14="http://schemas.microsoft.com/office/drawing/2010/main" w="9525">
                 <a:solidFill>
                   <a:srgbClr val="000000"/>
                 </a:solidFill>
@@ -408,7 +408,7 @@
               </a14:hiddenLine>
             </a:ext>
             <a:ext uri="{AF507438-7753-43e0-B8FC-AC1667EBCBE1}">
-              <a14:hiddenEffects xmlns:a14="http://schemas.microsoft.com/office/drawing/2010/main" xmlns="">
+              <a14:hiddenEffects xmlns="" xmlns:a14="http://schemas.microsoft.com/office/drawing/2010/main">
                 <a:effectLst>
                   <a:outerShdw blurRad="63500" dist="38099" dir="2700000" algn="ctr" rotWithShape="0">
                     <a:schemeClr val="bg2">
@@ -480,14 +480,14 @@
               <ma14:placeholderFlag xmlns:ma14="http://schemas.microsoft.com/office/mac/drawingml/2011/main" val="1"/>
             </a:ext>
             <a:ext uri="{909E8E84-426E-40dd-AFC4-6F175D3DCCD1}">
-              <a14:hiddenFill xmlns:a14="http://schemas.microsoft.com/office/drawing/2010/main" xmlns="">
+              <a14:hiddenFill xmlns="" xmlns:a14="http://schemas.microsoft.com/office/drawing/2010/main">
                 <a:solidFill>
                   <a:srgbClr val="FFFFFF"/>
                 </a:solidFill>
               </a14:hiddenFill>
             </a:ext>
             <a:ext uri="{91240B29-F687-4f45-9708-019B960494DF}">
-              <a14:hiddenLine xmlns:a14="http://schemas.microsoft.com/office/drawing/2010/main" xmlns="" w="9525">
+              <a14:hiddenLine xmlns="" xmlns:a14="http://schemas.microsoft.com/office/drawing/2010/main" w="9525">
                 <a:solidFill>
                   <a:srgbClr val="000000"/>
                 </a:solidFill>
@@ -497,7 +497,7 @@
               </a14:hiddenLine>
             </a:ext>
             <a:ext uri="{AF507438-7753-43e0-B8FC-AC1667EBCBE1}">
-              <a14:hiddenEffects xmlns:a14="http://schemas.microsoft.com/office/drawing/2010/main" xmlns="">
+              <a14:hiddenEffects xmlns="" xmlns:a14="http://schemas.microsoft.com/office/drawing/2010/main">
                 <a:effectLst>
                   <a:outerShdw blurRad="63500" dist="38099" dir="2700000" algn="ctr" rotWithShape="0">
                     <a:schemeClr val="bg2">
@@ -569,14 +569,14 @@
               <ma14:placeholderFlag xmlns:ma14="http://schemas.microsoft.com/office/mac/drawingml/2011/main" val="1"/>
             </a:ext>
             <a:ext uri="{909E8E84-426E-40dd-AFC4-6F175D3DCCD1}">
-              <a14:hiddenFill xmlns:a14="http://schemas.microsoft.com/office/drawing/2010/main" xmlns="">
+              <a14:hiddenFill xmlns="" xmlns:a14="http://schemas.microsoft.com/office/drawing/2010/main">
                 <a:solidFill>
                   <a:srgbClr val="FFFFFF"/>
                 </a:solidFill>
               </a14:hiddenFill>
             </a:ext>
             <a:ext uri="{91240B29-F687-4f45-9708-019B960494DF}">
-              <a14:hiddenLine xmlns:a14="http://schemas.microsoft.com/office/drawing/2010/main" xmlns="" w="9525">
+              <a14:hiddenLine xmlns="" xmlns:a14="http://schemas.microsoft.com/office/drawing/2010/main" w="9525">
                 <a:solidFill>
                   <a:srgbClr val="000000"/>
                 </a:solidFill>
@@ -586,7 +586,7 @@
               </a14:hiddenLine>
             </a:ext>
             <a:ext uri="{AF507438-7753-43e0-B8FC-AC1667EBCBE1}">
-              <a14:hiddenEffects xmlns:a14="http://schemas.microsoft.com/office/drawing/2010/main" xmlns="">
+              <a14:hiddenEffects xmlns="" xmlns:a14="http://schemas.microsoft.com/office/drawing/2010/main">
                 <a:effectLst>
                   <a:outerShdw blurRad="63500" dist="38099" dir="2700000" algn="ctr" rotWithShape="0">
                     <a:schemeClr val="bg2">
@@ -658,14 +658,14 @@
               <ma14:placeholderFlag xmlns:ma14="http://schemas.microsoft.com/office/mac/drawingml/2011/main" val="1"/>
             </a:ext>
             <a:ext uri="{909E8E84-426E-40dd-AFC4-6F175D3DCCD1}">
-              <a14:hiddenFill xmlns:a14="http://schemas.microsoft.com/office/drawing/2010/main" xmlns="">
+              <a14:hiddenFill xmlns="" xmlns:a14="http://schemas.microsoft.com/office/drawing/2010/main">
                 <a:solidFill>
                   <a:srgbClr val="FFFFFF"/>
                 </a:solidFill>
               </a14:hiddenFill>
             </a:ext>
             <a:ext uri="{91240B29-F687-4f45-9708-019B960494DF}">
-              <a14:hiddenLine xmlns:a14="http://schemas.microsoft.com/office/drawing/2010/main" xmlns="" w="9525">
+              <a14:hiddenLine xmlns="" xmlns:a14="http://schemas.microsoft.com/office/drawing/2010/main" w="9525">
                 <a:solidFill>
                   <a:srgbClr val="000000"/>
                 </a:solidFill>
@@ -675,7 +675,7 @@
               </a14:hiddenLine>
             </a:ext>
             <a:ext uri="{AF507438-7753-43e0-B8FC-AC1667EBCBE1}">
-              <a14:hiddenEffects xmlns:a14="http://schemas.microsoft.com/office/drawing/2010/main" xmlns="">
+              <a14:hiddenEffects xmlns="" xmlns:a14="http://schemas.microsoft.com/office/drawing/2010/main">
                 <a:effectLst>
                   <a:outerShdw blurRad="63500" dist="38099" dir="2700000" algn="ctr" rotWithShape="0">
                     <a:schemeClr val="bg2">
@@ -969,7 +969,7 @@
 
 <file path=ppt/slideLayouts/slideLayout1.xml><?xml version="1.0" encoding="utf-8"?>
 <p:sldLayout xmlns:a="http://schemas.openxmlformats.org/drawingml/2006/main" xmlns:r="http://schemas.openxmlformats.org/officeDocument/2006/relationships" xmlns:p="http://schemas.openxmlformats.org/presentationml/2006/main" type="title" preserve="1">
-  <p:cSld name="Title Slide">
+  <p:cSld name="標題投影片">
     <p:spTree>
       <p:nvGrpSpPr>
         <p:cNvPr id="1" name=""/>
@@ -984,6 +984,36 @@
           <a:chExt cx="0" cy="0"/>
         </a:xfrm>
       </p:grpSpPr>
+      <p:pic>
+        <p:nvPicPr>
+          <p:cNvPr id="7" name="Picture 6" descr="C0-HD-BTM.png"/>
+          <p:cNvPicPr>
+            <a:picLocks noChangeAspect="1"/>
+          </p:cNvPicPr>
+          <p:nvPr/>
+        </p:nvPicPr>
+        <p:blipFill>
+          <a:blip r:embed="rId2">
+            <a:extLst>
+              <a:ext uri="{28A0092B-C50C-407E-A947-70E740481C1C}">
+                <a14:useLocalDpi xmlns:a14="http://schemas.microsoft.com/office/drawing/2010/main" val="0"/>
+              </a:ext>
+            </a:extLst>
+          </a:blip>
+          <a:stretch>
+            <a:fillRect/>
+          </a:stretch>
+        </p:blipFill>
+        <p:spPr>
+          <a:xfrm>
+            <a:off x="0" y="19983448"/>
+            <a:ext cx="36576000" cy="7448552"/>
+          </a:xfrm>
+          <a:prstGeom prst="rect">
+            <a:avLst/>
+          </a:prstGeom>
+        </p:spPr>
+      </p:pic>
       <p:sp>
         <p:nvSpPr>
           <p:cNvPr id="2" name="Title 1"/>
@@ -996,23 +1026,25 @@
         </p:nvSpPr>
         <p:spPr>
           <a:xfrm>
-            <a:off x="4572000" y="4489450"/>
-            <a:ext cx="27432000" cy="9550400"/>
-          </a:xfrm>
-        </p:spPr>
-        <p:txBody>
-          <a:bodyPr anchor="b"/>
+            <a:off x="3657600" y="7213620"/>
+            <a:ext cx="29260800" cy="7300384"/>
+          </a:xfrm>
+        </p:spPr>
+        <p:txBody>
+          <a:bodyPr anchor="b">
+            <a:normAutofit/>
+          </a:bodyPr>
           <a:lstStyle>
-            <a:lvl1pPr algn="ctr">
-              <a:defRPr sz="6000"/>
+            <a:lvl1pPr algn="l">
+              <a:defRPr sz="24000"/>
             </a:lvl1pPr>
           </a:lstStyle>
           <a:p>
             <a:r>
-              <a:rPr lang="en-US" smtClean="0"/>
-              <a:t>Click to edit Master title style</a:t>
-            </a:r>
-            <a:endParaRPr lang="en-US"/>
+              <a:rPr lang="zh-TW" altLang="en-US" smtClean="0"/>
+              <a:t>按一下以編輯母片標題樣式</a:t>
+            </a:r>
+            <a:endParaRPr lang="en-US" dirty="0"/>
           </a:p>
         </p:txBody>
       </p:sp>
@@ -1028,56 +1060,58 @@
         </p:nvSpPr>
         <p:spPr>
           <a:xfrm>
-            <a:off x="4572000" y="14408150"/>
-            <a:ext cx="27432000" cy="6623050"/>
-          </a:xfrm>
-        </p:spPr>
-        <p:txBody>
-          <a:bodyPr/>
+            <a:off x="3657600" y="14528804"/>
+            <a:ext cx="29260800" cy="2743200"/>
+          </a:xfrm>
+        </p:spPr>
+        <p:txBody>
+          <a:bodyPr>
+            <a:normAutofit/>
+          </a:bodyPr>
           <a:lstStyle>
-            <a:lvl1pPr marL="0" indent="0" algn="ctr">
-              <a:buNone/>
-              <a:defRPr sz="2400"/>
+            <a:lvl1pPr marL="0" indent="0" algn="l">
+              <a:buNone/>
+              <a:defRPr sz="8000"/>
             </a:lvl1pPr>
-            <a:lvl2pPr marL="457200" indent="0" algn="ctr">
-              <a:buNone/>
-              <a:defRPr sz="2000"/>
+            <a:lvl2pPr marL="1828800" indent="0" algn="ctr">
+              <a:buNone/>
+              <a:defRPr sz="8000"/>
             </a:lvl2pPr>
-            <a:lvl3pPr marL="914400" indent="0" algn="ctr">
-              <a:buNone/>
-              <a:defRPr sz="1800"/>
+            <a:lvl3pPr marL="3657600" indent="0" algn="ctr">
+              <a:buNone/>
+              <a:defRPr sz="7200"/>
             </a:lvl3pPr>
-            <a:lvl4pPr marL="1371600" indent="0" algn="ctr">
-              <a:buNone/>
-              <a:defRPr sz="1600"/>
+            <a:lvl4pPr marL="5486400" indent="0" algn="ctr">
+              <a:buNone/>
+              <a:defRPr sz="6400"/>
             </a:lvl4pPr>
-            <a:lvl5pPr marL="1828800" indent="0" algn="ctr">
-              <a:buNone/>
-              <a:defRPr sz="1600"/>
+            <a:lvl5pPr marL="7315200" indent="0" algn="ctr">
+              <a:buNone/>
+              <a:defRPr sz="6400"/>
             </a:lvl5pPr>
-            <a:lvl6pPr marL="2286000" indent="0" algn="ctr">
-              <a:buNone/>
-              <a:defRPr sz="1600"/>
+            <a:lvl6pPr marL="9144000" indent="0" algn="ctr">
+              <a:buNone/>
+              <a:defRPr sz="6400"/>
             </a:lvl6pPr>
-            <a:lvl7pPr marL="2743200" indent="0" algn="ctr">
-              <a:buNone/>
-              <a:defRPr sz="1600"/>
+            <a:lvl7pPr marL="10972800" indent="0" algn="ctr">
+              <a:buNone/>
+              <a:defRPr sz="6400"/>
             </a:lvl7pPr>
-            <a:lvl8pPr marL="3200400" indent="0" algn="ctr">
-              <a:buNone/>
-              <a:defRPr sz="1600"/>
+            <a:lvl8pPr marL="12801600" indent="0" algn="ctr">
+              <a:buNone/>
+              <a:defRPr sz="6400"/>
             </a:lvl8pPr>
-            <a:lvl9pPr marL="3657600" indent="0" algn="ctr">
-              <a:buNone/>
-              <a:defRPr sz="1600"/>
+            <a:lvl9pPr marL="14630400" indent="0" algn="ctr">
+              <a:buNone/>
+              <a:defRPr sz="6400"/>
             </a:lvl9pPr>
           </a:lstStyle>
           <a:p>
             <a:r>
-              <a:rPr lang="en-US" smtClean="0"/>
-              <a:t>Click to edit Master subtitle style</a:t>
-            </a:r>
-            <a:endParaRPr lang="en-US"/>
+              <a:rPr lang="zh-TW" altLang="en-US" smtClean="0"/>
+              <a:t>按一下以編輯母片副標題樣式</a:t>
+            </a:r>
+            <a:endParaRPr lang="en-US" dirty="0"/>
           </a:p>
         </p:txBody>
       </p:sp>
@@ -1088,17 +1122,18 @@
             <a:spLocks noGrp="1"/>
           </p:cNvSpPr>
           <p:nvPr>
-            <p:ph type="dt" idx="10"/>
-          </p:nvPr>
-        </p:nvSpPr>
-        <p:spPr/>
+            <p:ph type="dt" sz="half" idx="10"/>
+          </p:nvPr>
+        </p:nvSpPr>
+        <p:spPr>
+          <a:xfrm>
+            <a:off x="23728682" y="17295382"/>
+            <a:ext cx="9189716" cy="1460500"/>
+          </a:xfrm>
+        </p:spPr>
         <p:txBody>
           <a:bodyPr/>
-          <a:lstStyle>
-            <a:lvl1pPr>
-              <a:defRPr/>
-            </a:lvl1pPr>
-          </a:lstStyle>
+          <a:lstStyle/>
           <a:p>
             <a:endParaRPr lang="en-GB" altLang="x-none"/>
           </a:p>
@@ -1111,17 +1146,18 @@
             <a:spLocks noGrp="1"/>
           </p:cNvSpPr>
           <p:nvPr>
-            <p:ph type="ftr" idx="11"/>
-          </p:nvPr>
-        </p:nvSpPr>
-        <p:spPr/>
+            <p:ph type="ftr" sz="quarter" idx="11"/>
+          </p:nvPr>
+        </p:nvSpPr>
+        <p:spPr>
+          <a:xfrm>
+            <a:off x="3657600" y="17295386"/>
+            <a:ext cx="19522440" cy="1460500"/>
+          </a:xfrm>
+        </p:spPr>
         <p:txBody>
           <a:bodyPr/>
-          <a:lstStyle>
-            <a:lvl1pPr>
-              <a:defRPr/>
-            </a:lvl1pPr>
-          </a:lstStyle>
+          <a:lstStyle/>
           <a:p>
             <a:endParaRPr lang="en-GB" altLang="x-none"/>
           </a:p>
@@ -1134,20 +1170,21 @@
             <a:spLocks noGrp="1"/>
           </p:cNvSpPr>
           <p:nvPr>
-            <p:ph type="sldNum" idx="12"/>
-          </p:nvPr>
-        </p:nvSpPr>
-        <p:spPr/>
+            <p:ph type="sldNum" sz="quarter" idx="12"/>
+          </p:nvPr>
+        </p:nvSpPr>
+        <p:spPr>
+          <a:xfrm>
+            <a:off x="24231600" y="5723470"/>
+            <a:ext cx="8686800" cy="1460500"/>
+          </a:xfrm>
+        </p:spPr>
         <p:txBody>
           <a:bodyPr/>
-          <a:lstStyle>
-            <a:lvl1pPr>
-              <a:defRPr/>
-            </a:lvl1pPr>
-          </a:lstStyle>
-          <a:p>
-            <a:fld id="{C95D9100-B959-404D-8BAD-5893ACFDD5D3}" type="slidenum">
-              <a:rPr lang="en-GB" altLang="x-none"/>
+          <a:lstStyle/>
+          <a:p>
+            <a:fld id="{AD74203F-F9AA-184C-B023-F705B72C1A29}" type="slidenum">
+              <a:rPr lang="en-GB" altLang="x-none" smtClean="0"/>
               <a:pPr/>
               <a:t>‹#›</a:t>
             </a:fld>
@@ -1156,21 +1193,22 @@
         </p:txBody>
       </p:sp>
     </p:spTree>
-    <p:extLst>
-      <p:ext uri="{BB962C8B-B14F-4D97-AF65-F5344CB8AC3E}">
-        <p14:creationId xmlns:p14="http://schemas.microsoft.com/office/powerpoint/2010/main" val="1338292485"/>
-      </p:ext>
-    </p:extLst>
   </p:cSld>
   <p:clrMapOvr>
     <a:masterClrMapping/>
   </p:clrMapOvr>
+  <p:hf sldNum="0" hdr="0" ftr="0" dt="0"/>
+  <p:extLst>
+    <p:ext uri="{DCECCB84-F9BA-43D5-87BE-67443E8EF086}">
+      <p15:sldGuideLst xmlns:p15="http://schemas.microsoft.com/office/powerpoint/2012/main"/>
+    </p:ext>
+  </p:extLst>
 </p:sldLayout>
 </file>
 
 <file path=ppt/slideLayouts/slideLayout10.xml><?xml version="1.0" encoding="utf-8"?>
-<p:sldLayout xmlns:a="http://schemas.openxmlformats.org/drawingml/2006/main" xmlns:r="http://schemas.openxmlformats.org/officeDocument/2006/relationships" xmlns:p="http://schemas.openxmlformats.org/presentationml/2006/main" type="vertTx" preserve="1">
-  <p:cSld name="Title and Vertical Text">
+<p:sldLayout xmlns:a="http://schemas.openxmlformats.org/drawingml/2006/main" xmlns:r="http://schemas.openxmlformats.org/officeDocument/2006/relationships" xmlns:p="http://schemas.openxmlformats.org/presentationml/2006/main" preserve="1">
+  <p:cSld name="含標題的全景圖片">
     <p:spTree>
       <p:nvGrpSpPr>
         <p:cNvPr id="1" name=""/>
@@ -1195,138 +1233,213 @@
             <p:ph type="title"/>
           </p:nvPr>
         </p:nvSpPr>
+        <p:spPr>
+          <a:xfrm>
+            <a:off x="2377420" y="18789446"/>
+            <a:ext cx="31825928" cy="3277420"/>
+          </a:xfrm>
+        </p:spPr>
+        <p:txBody>
+          <a:bodyPr anchor="b"/>
+          <a:lstStyle>
+            <a:lvl1pPr algn="l">
+              <a:defRPr sz="12800"/>
+            </a:lvl1pPr>
+          </a:lstStyle>
+          <a:p>
+            <a:r>
+              <a:rPr lang="zh-TW" altLang="en-US" smtClean="0"/>
+              <a:t>按一下以編輯母片標題樣式</a:t>
+            </a:r>
+            <a:endParaRPr lang="en-US" dirty="0"/>
+          </a:p>
+        </p:txBody>
+      </p:sp>
+      <p:sp>
+        <p:nvSpPr>
+          <p:cNvPr id="3" name="Picture Placeholder 2"/>
+          <p:cNvSpPr>
+            <a:spLocks noGrp="1" noChangeAspect="1"/>
+          </p:cNvSpPr>
+          <p:nvPr>
+            <p:ph type="pic" idx="1"/>
+          </p:nvPr>
+        </p:nvSpPr>
+        <p:spPr>
+          <a:xfrm>
+            <a:off x="2377420" y="3908140"/>
+            <a:ext cx="31801040" cy="13627888"/>
+          </a:xfrm>
+        </p:spPr>
+        <p:txBody>
+          <a:bodyPr anchor="t"/>
+          <a:lstStyle>
+            <a:lvl1pPr marL="0" indent="0">
+              <a:buNone/>
+              <a:defRPr sz="12800"/>
+            </a:lvl1pPr>
+            <a:lvl2pPr marL="1828800" indent="0">
+              <a:buNone/>
+              <a:defRPr sz="11200"/>
+            </a:lvl2pPr>
+            <a:lvl3pPr marL="3657600" indent="0">
+              <a:buNone/>
+              <a:defRPr sz="9600"/>
+            </a:lvl3pPr>
+            <a:lvl4pPr marL="5486400" indent="0">
+              <a:buNone/>
+              <a:defRPr sz="8000"/>
+            </a:lvl4pPr>
+            <a:lvl5pPr marL="7315200" indent="0">
+              <a:buNone/>
+              <a:defRPr sz="8000"/>
+            </a:lvl5pPr>
+            <a:lvl6pPr marL="9144000" indent="0">
+              <a:buNone/>
+              <a:defRPr sz="8000"/>
+            </a:lvl6pPr>
+            <a:lvl7pPr marL="10972800" indent="0">
+              <a:buNone/>
+              <a:defRPr sz="8000"/>
+            </a:lvl7pPr>
+            <a:lvl8pPr marL="12801600" indent="0">
+              <a:buNone/>
+              <a:defRPr sz="8000"/>
+            </a:lvl8pPr>
+            <a:lvl9pPr marL="14630400" indent="0">
+              <a:buNone/>
+              <a:defRPr sz="8000"/>
+            </a:lvl9pPr>
+          </a:lstStyle>
+          <a:p>
+            <a:r>
+              <a:rPr lang="zh-TW" altLang="en-US" smtClean="0"/>
+              <a:t>將圖片拖曳至版面配置區或按一下圖示以新增</a:t>
+            </a:r>
+            <a:endParaRPr lang="en-US" dirty="0"/>
+          </a:p>
+        </p:txBody>
+      </p:sp>
+      <p:sp>
+        <p:nvSpPr>
+          <p:cNvPr id="4" name="Text Placeholder 3"/>
+          <p:cNvSpPr>
+            <a:spLocks noGrp="1"/>
+          </p:cNvSpPr>
+          <p:nvPr>
+            <p:ph type="body" sz="half" idx="2"/>
+          </p:nvPr>
+        </p:nvSpPr>
+        <p:spPr>
+          <a:xfrm>
+            <a:off x="2377440" y="22066864"/>
+            <a:ext cx="31821120" cy="2987696"/>
+          </a:xfrm>
+        </p:spPr>
+        <p:txBody>
+          <a:bodyPr/>
+          <a:lstStyle>
+            <a:lvl1pPr marL="0" indent="0" algn="l">
+              <a:buNone/>
+              <a:defRPr sz="6400"/>
+            </a:lvl1pPr>
+            <a:lvl2pPr marL="1828800" indent="0">
+              <a:buNone/>
+              <a:defRPr sz="5600"/>
+            </a:lvl2pPr>
+            <a:lvl3pPr marL="3657600" indent="0">
+              <a:buNone/>
+              <a:defRPr sz="4800"/>
+            </a:lvl3pPr>
+            <a:lvl4pPr marL="5486400" indent="0">
+              <a:buNone/>
+              <a:defRPr sz="4000"/>
+            </a:lvl4pPr>
+            <a:lvl5pPr marL="7315200" indent="0">
+              <a:buNone/>
+              <a:defRPr sz="4000"/>
+            </a:lvl5pPr>
+            <a:lvl6pPr marL="9144000" indent="0">
+              <a:buNone/>
+              <a:defRPr sz="4000"/>
+            </a:lvl6pPr>
+            <a:lvl7pPr marL="10972800" indent="0">
+              <a:buNone/>
+              <a:defRPr sz="4000"/>
+            </a:lvl7pPr>
+            <a:lvl8pPr marL="12801600" indent="0">
+              <a:buNone/>
+              <a:defRPr sz="4000"/>
+            </a:lvl8pPr>
+            <a:lvl9pPr marL="14630400" indent="0">
+              <a:buNone/>
+              <a:defRPr sz="4000"/>
+            </a:lvl9pPr>
+          </a:lstStyle>
+          <a:p>
+            <a:pPr lvl="0"/>
+            <a:r>
+              <a:rPr lang="zh-TW" altLang="en-US" smtClean="0"/>
+              <a:t>按一下以編輯母片文字樣式</a:t>
+            </a:r>
+          </a:p>
+        </p:txBody>
+      </p:sp>
+      <p:sp>
+        <p:nvSpPr>
+          <p:cNvPr id="5" name="Date Placeholder 4"/>
+          <p:cNvSpPr>
+            <a:spLocks noGrp="1"/>
+          </p:cNvSpPr>
+          <p:nvPr>
+            <p:ph type="dt" sz="half" idx="10"/>
+          </p:nvPr>
+        </p:nvSpPr>
         <p:spPr/>
         <p:txBody>
           <a:bodyPr/>
           <a:lstStyle/>
           <a:p>
-            <a:r>
-              <a:rPr lang="en-US" smtClean="0"/>
-              <a:t>Click to edit Master title style</a:t>
-            </a:r>
-            <a:endParaRPr lang="en-US"/>
-          </a:p>
-        </p:txBody>
-      </p:sp>
-      <p:sp>
-        <p:nvSpPr>
-          <p:cNvPr id="3" name="Vertical Text Placeholder 2"/>
-          <p:cNvSpPr>
-            <a:spLocks noGrp="1"/>
-          </p:cNvSpPr>
-          <p:nvPr>
-            <p:ph type="body" orient="vert" idx="1"/>
+            <a:endParaRPr lang="en-GB" altLang="x-none"/>
+          </a:p>
+        </p:txBody>
+      </p:sp>
+      <p:sp>
+        <p:nvSpPr>
+          <p:cNvPr id="6" name="Footer Placeholder 5"/>
+          <p:cNvSpPr>
+            <a:spLocks noGrp="1"/>
+          </p:cNvSpPr>
+          <p:nvPr>
+            <p:ph type="ftr" sz="quarter" idx="11"/>
           </p:nvPr>
         </p:nvSpPr>
         <p:spPr/>
         <p:txBody>
-          <a:bodyPr vert="eaVert"/>
+          <a:bodyPr/>
           <a:lstStyle/>
           <a:p>
-            <a:pPr lvl="0"/>
-            <a:r>
-              <a:rPr lang="en-US" smtClean="0"/>
-              <a:t>Click to edit Master text styles</a:t>
-            </a:r>
-          </a:p>
-          <a:p>
-            <a:pPr lvl="1"/>
-            <a:r>
-              <a:rPr lang="en-US" smtClean="0"/>
-              <a:t>Second level</a:t>
-            </a:r>
-          </a:p>
-          <a:p>
-            <a:pPr lvl="2"/>
-            <a:r>
-              <a:rPr lang="en-US" smtClean="0"/>
-              <a:t>Third level</a:t>
-            </a:r>
-          </a:p>
-          <a:p>
-            <a:pPr lvl="3"/>
-            <a:r>
-              <a:rPr lang="en-US" smtClean="0"/>
-              <a:t>Fourth level</a:t>
-            </a:r>
-          </a:p>
-          <a:p>
-            <a:pPr lvl="4"/>
-            <a:r>
-              <a:rPr lang="en-US" smtClean="0"/>
-              <a:t>Fifth level</a:t>
-            </a:r>
-            <a:endParaRPr lang="en-US"/>
-          </a:p>
-        </p:txBody>
-      </p:sp>
-      <p:sp>
-        <p:nvSpPr>
-          <p:cNvPr id="4" name="Date Placeholder 3"/>
-          <p:cNvSpPr>
-            <a:spLocks noGrp="1"/>
-          </p:cNvSpPr>
-          <p:nvPr>
-            <p:ph type="dt" idx="10"/>
+            <a:endParaRPr lang="en-GB" altLang="x-none"/>
+          </a:p>
+        </p:txBody>
+      </p:sp>
+      <p:sp>
+        <p:nvSpPr>
+          <p:cNvPr id="7" name="Slide Number Placeholder 6"/>
+          <p:cNvSpPr>
+            <a:spLocks noGrp="1"/>
+          </p:cNvSpPr>
+          <p:nvPr>
+            <p:ph type="sldNum" sz="quarter" idx="12"/>
           </p:nvPr>
         </p:nvSpPr>
         <p:spPr/>
         <p:txBody>
           <a:bodyPr/>
-          <a:lstStyle>
-            <a:lvl1pPr>
-              <a:defRPr/>
-            </a:lvl1pPr>
-          </a:lstStyle>
-          <a:p>
-            <a:endParaRPr lang="en-GB" altLang="x-none"/>
-          </a:p>
-        </p:txBody>
-      </p:sp>
-      <p:sp>
-        <p:nvSpPr>
-          <p:cNvPr id="5" name="Footer Placeholder 4"/>
-          <p:cNvSpPr>
-            <a:spLocks noGrp="1"/>
-          </p:cNvSpPr>
-          <p:nvPr>
-            <p:ph type="ftr" idx="11"/>
-          </p:nvPr>
-        </p:nvSpPr>
-        <p:spPr/>
-        <p:txBody>
-          <a:bodyPr/>
-          <a:lstStyle>
-            <a:lvl1pPr>
-              <a:defRPr/>
-            </a:lvl1pPr>
-          </a:lstStyle>
-          <a:p>
-            <a:endParaRPr lang="en-GB" altLang="x-none"/>
-          </a:p>
-        </p:txBody>
-      </p:sp>
-      <p:sp>
-        <p:nvSpPr>
-          <p:cNvPr id="6" name="Slide Number Placeholder 5"/>
-          <p:cNvSpPr>
-            <a:spLocks noGrp="1"/>
-          </p:cNvSpPr>
-          <p:nvPr>
-            <p:ph type="sldNum" idx="12"/>
-          </p:nvPr>
-        </p:nvSpPr>
-        <p:spPr/>
-        <p:txBody>
-          <a:bodyPr/>
-          <a:lstStyle>
-            <a:lvl1pPr>
-              <a:defRPr/>
-            </a:lvl1pPr>
-          </a:lstStyle>
-          <a:p>
-            <a:fld id="{511FA1DA-8A39-1F43-ACED-D9EC8EB5951E}" type="slidenum">
-              <a:rPr lang="en-GB" altLang="x-none"/>
+          <a:lstStyle/>
+          <a:p>
+            <a:fld id="{AD74203F-F9AA-184C-B023-F705B72C1A29}" type="slidenum">
+              <a:rPr lang="en-GB" altLang="x-none" smtClean="0"/>
               <a:pPr/>
               <a:t>‹#›</a:t>
             </a:fld>
@@ -1335,21 +1448,17 @@
         </p:txBody>
       </p:sp>
     </p:spTree>
-    <p:extLst>
-      <p:ext uri="{BB962C8B-B14F-4D97-AF65-F5344CB8AC3E}">
-        <p14:creationId xmlns:p14="http://schemas.microsoft.com/office/powerpoint/2010/main" val="40046730"/>
-      </p:ext>
-    </p:extLst>
   </p:cSld>
   <p:clrMapOvr>
     <a:masterClrMapping/>
   </p:clrMapOvr>
+  <p:hf sldNum="0" hdr="0" ftr="0" dt="0"/>
 </p:sldLayout>
 </file>
 
 <file path=ppt/slideLayouts/slideLayout11.xml><?xml version="1.0" encoding="utf-8"?>
-<p:sldLayout xmlns:a="http://schemas.openxmlformats.org/drawingml/2006/main" xmlns:r="http://schemas.openxmlformats.org/officeDocument/2006/relationships" xmlns:p="http://schemas.openxmlformats.org/presentationml/2006/main" type="vertTitleAndTx" preserve="1">
-  <p:cSld name="Vertical Title and Text">
+<p:sldLayout xmlns:a="http://schemas.openxmlformats.org/drawingml/2006/main" xmlns:r="http://schemas.openxmlformats.org/officeDocument/2006/relationships" xmlns:p="http://schemas.openxmlformats.org/presentationml/2006/main" showMasterSp="0" preserve="1">
+  <p:cSld name="標題和說明文字">
     <p:spTree>
       <p:nvGrpSpPr>
         <p:cNvPr id="1" name=""/>
@@ -1364,106 +1473,153 @@
           <a:chExt cx="0" cy="0"/>
         </a:xfrm>
       </p:grpSpPr>
-      <p:sp>
-        <p:nvSpPr>
-          <p:cNvPr id="2" name="Vertical Title 1"/>
-          <p:cNvSpPr>
-            <a:spLocks noGrp="1"/>
-          </p:cNvSpPr>
-          <p:nvPr>
-            <p:ph type="title" orient="vert"/>
-          </p:nvPr>
-        </p:nvSpPr>
+      <p:pic>
+        <p:nvPicPr>
+          <p:cNvPr id="9" name="Picture 8" descr="C0-HD-BTM.png"/>
+          <p:cNvPicPr>
+            <a:picLocks noChangeAspect="1"/>
+          </p:cNvPicPr>
+          <p:nvPr/>
+        </p:nvPicPr>
+        <p:blipFill>
+          <a:blip r:embed="rId2">
+            <a:extLst>
+              <a:ext uri="{28A0092B-C50C-407E-A947-70E740481C1C}">
+                <a14:useLocalDpi xmlns:a14="http://schemas.microsoft.com/office/drawing/2010/main" val="0"/>
+              </a:ext>
+            </a:extLst>
+          </a:blip>
+          <a:stretch>
+            <a:fillRect/>
+          </a:stretch>
+        </p:blipFill>
         <p:spPr>
           <a:xfrm>
-            <a:off x="26516013" y="1093788"/>
-            <a:ext cx="8228012" cy="23426737"/>
-          </a:xfrm>
-        </p:spPr>
-        <p:txBody>
-          <a:bodyPr vert="eaVert"/>
-          <a:lstStyle/>
-          <a:p>
-            <a:r>
-              <a:rPr lang="en-US" smtClean="0"/>
-              <a:t>Click to edit Master title style</a:t>
-            </a:r>
-            <a:endParaRPr lang="en-US"/>
-          </a:p>
-        </p:txBody>
-      </p:sp>
-      <p:sp>
-        <p:nvSpPr>
-          <p:cNvPr id="3" name="Vertical Text Placeholder 2"/>
-          <p:cNvSpPr>
-            <a:spLocks noGrp="1"/>
-          </p:cNvSpPr>
-          <p:nvPr>
-            <p:ph type="body" orient="vert" idx="1"/>
+            <a:off x="0" y="19983448"/>
+            <a:ext cx="36576000" cy="7448552"/>
+          </a:xfrm>
+          <a:prstGeom prst="rect">
+            <a:avLst/>
+          </a:prstGeom>
+        </p:spPr>
+      </p:pic>
+      <p:sp>
+        <p:nvSpPr>
+          <p:cNvPr id="2" name="Title 1"/>
+          <p:cNvSpPr>
+            <a:spLocks noGrp="1"/>
+          </p:cNvSpPr>
+          <p:nvPr>
+            <p:ph type="title"/>
           </p:nvPr>
         </p:nvSpPr>
         <p:spPr>
           <a:xfrm>
-            <a:off x="1828800" y="1093788"/>
-            <a:ext cx="24534813" cy="23426737"/>
-          </a:xfrm>
-        </p:spPr>
-        <p:txBody>
-          <a:bodyPr vert="eaVert"/>
-          <a:lstStyle/>
+            <a:off x="2377440" y="3014134"/>
+            <a:ext cx="31821120" cy="11209868"/>
+          </a:xfrm>
+        </p:spPr>
+        <p:txBody>
+          <a:bodyPr anchor="ctr"/>
+          <a:lstStyle>
+            <a:lvl1pPr algn="l">
+              <a:defRPr sz="12800"/>
+            </a:lvl1pPr>
+          </a:lstStyle>
+          <a:p>
+            <a:r>
+              <a:rPr lang="zh-TW" altLang="en-US" smtClean="0"/>
+              <a:t>按一下以編輯母片標題樣式</a:t>
+            </a:r>
+            <a:endParaRPr lang="en-US" dirty="0"/>
+          </a:p>
+        </p:txBody>
+      </p:sp>
+      <p:sp>
+        <p:nvSpPr>
+          <p:cNvPr id="4" name="Text Placeholder 3"/>
+          <p:cNvSpPr>
+            <a:spLocks noGrp="1"/>
+          </p:cNvSpPr>
+          <p:nvPr>
+            <p:ph type="body" sz="half" idx="2"/>
+          </p:nvPr>
+        </p:nvSpPr>
+        <p:spPr>
+          <a:xfrm>
+            <a:off x="2743200" y="14596536"/>
+            <a:ext cx="31089600" cy="5323408"/>
+          </a:xfrm>
+        </p:spPr>
+        <p:txBody>
+          <a:bodyPr anchor="ctr"/>
+          <a:lstStyle>
+            <a:lvl1pPr marL="0" indent="0">
+              <a:buNone/>
+              <a:defRPr sz="6400"/>
+            </a:lvl1pPr>
+            <a:lvl2pPr marL="1828800" indent="0">
+              <a:buNone/>
+              <a:defRPr sz="5600"/>
+            </a:lvl2pPr>
+            <a:lvl3pPr marL="3657600" indent="0">
+              <a:buNone/>
+              <a:defRPr sz="4800"/>
+            </a:lvl3pPr>
+            <a:lvl4pPr marL="5486400" indent="0">
+              <a:buNone/>
+              <a:defRPr sz="4000"/>
+            </a:lvl4pPr>
+            <a:lvl5pPr marL="7315200" indent="0">
+              <a:buNone/>
+              <a:defRPr sz="4000"/>
+            </a:lvl5pPr>
+            <a:lvl6pPr marL="9144000" indent="0">
+              <a:buNone/>
+              <a:defRPr sz="4000"/>
+            </a:lvl6pPr>
+            <a:lvl7pPr marL="10972800" indent="0">
+              <a:buNone/>
+              <a:defRPr sz="4000"/>
+            </a:lvl7pPr>
+            <a:lvl8pPr marL="12801600" indent="0">
+              <a:buNone/>
+              <a:defRPr sz="4000"/>
+            </a:lvl8pPr>
+            <a:lvl9pPr marL="14630400" indent="0">
+              <a:buNone/>
+              <a:defRPr sz="4000"/>
+            </a:lvl9pPr>
+          </a:lstStyle>
           <a:p>
             <a:pPr lvl="0"/>
             <a:r>
-              <a:rPr lang="en-US" smtClean="0"/>
-              <a:t>Click to edit Master text styles</a:t>
-            </a:r>
-          </a:p>
-          <a:p>
-            <a:pPr lvl="1"/>
-            <a:r>
-              <a:rPr lang="en-US" smtClean="0"/>
-              <a:t>Second level</a:t>
-            </a:r>
-          </a:p>
-          <a:p>
-            <a:pPr lvl="2"/>
-            <a:r>
-              <a:rPr lang="en-US" smtClean="0"/>
-              <a:t>Third level</a:t>
-            </a:r>
-          </a:p>
-          <a:p>
-            <a:pPr lvl="3"/>
-            <a:r>
-              <a:rPr lang="en-US" smtClean="0"/>
-              <a:t>Fourth level</a:t>
-            </a:r>
-          </a:p>
-          <a:p>
-            <a:pPr lvl="4"/>
-            <a:r>
-              <a:rPr lang="en-US" smtClean="0"/>
-              <a:t>Fifth level</a:t>
-            </a:r>
-            <a:endParaRPr lang="en-US"/>
-          </a:p>
-        </p:txBody>
-      </p:sp>
-      <p:sp>
-        <p:nvSpPr>
-          <p:cNvPr id="4" name="Date Placeholder 3"/>
-          <p:cNvSpPr>
-            <a:spLocks noGrp="1"/>
-          </p:cNvSpPr>
-          <p:nvPr>
-            <p:ph type="dt" idx="10"/>
-          </p:nvPr>
-        </p:nvSpPr>
-        <p:spPr/>
+              <a:rPr lang="zh-TW" altLang="en-US" smtClean="0"/>
+              <a:t>按一下以編輯母片文字樣式</a:t>
+            </a:r>
+          </a:p>
+        </p:txBody>
+      </p:sp>
+      <p:sp>
+        <p:nvSpPr>
+          <p:cNvPr id="5" name="Date Placeholder 4"/>
+          <p:cNvSpPr>
+            <a:spLocks noGrp="1"/>
+          </p:cNvSpPr>
+          <p:nvPr>
+            <p:ph type="dt" sz="half" idx="10"/>
+          </p:nvPr>
+        </p:nvSpPr>
+        <p:spPr>
+          <a:xfrm>
+            <a:off x="22248704" y="1524006"/>
+            <a:ext cx="8732520" cy="1460500"/>
+          </a:xfrm>
+        </p:spPr>
         <p:txBody>
           <a:bodyPr/>
           <a:lstStyle>
-            <a:lvl1pPr>
+            <a:lvl1pPr algn="r">
               <a:defRPr/>
             </a:lvl1pPr>
           </a:lstStyle>
@@ -1474,22 +1630,23 @@
       </p:sp>
       <p:sp>
         <p:nvSpPr>
-          <p:cNvPr id="5" name="Footer Placeholder 4"/>
-          <p:cNvSpPr>
-            <a:spLocks noGrp="1"/>
-          </p:cNvSpPr>
-          <p:nvPr>
-            <p:ph type="ftr" idx="11"/>
-          </p:nvPr>
-        </p:nvSpPr>
-        <p:spPr/>
+          <p:cNvPr id="6" name="Footer Placeholder 5"/>
+          <p:cNvSpPr>
+            <a:spLocks noGrp="1"/>
+          </p:cNvSpPr>
+          <p:nvPr>
+            <p:ph type="ftr" sz="quarter" idx="11"/>
+          </p:nvPr>
+        </p:nvSpPr>
+        <p:spPr>
+          <a:xfrm>
+            <a:off x="2377440" y="1524006"/>
+            <a:ext cx="19322624" cy="1460500"/>
+          </a:xfrm>
+        </p:spPr>
         <p:txBody>
           <a:bodyPr/>
-          <a:lstStyle>
-            <a:lvl1pPr>
-              <a:defRPr/>
-            </a:lvl1pPr>
-          </a:lstStyle>
+          <a:lstStyle/>
           <a:p>
             <a:endParaRPr lang="en-GB" altLang="x-none"/>
           </a:p>
@@ -1497,25 +1654,26 @@
       </p:sp>
       <p:sp>
         <p:nvSpPr>
-          <p:cNvPr id="6" name="Slide Number Placeholder 5"/>
-          <p:cNvSpPr>
-            <a:spLocks noGrp="1"/>
-          </p:cNvSpPr>
-          <p:nvPr>
-            <p:ph type="sldNum" idx="12"/>
-          </p:nvPr>
-        </p:nvSpPr>
-        <p:spPr/>
+          <p:cNvPr id="7" name="Slide Number Placeholder 6"/>
+          <p:cNvSpPr>
+            <a:spLocks noGrp="1"/>
+          </p:cNvSpPr>
+          <p:nvPr>
+            <p:ph type="sldNum" sz="quarter" idx="12"/>
+          </p:nvPr>
+        </p:nvSpPr>
+        <p:spPr>
+          <a:xfrm>
+            <a:off x="31529864" y="1524006"/>
+            <a:ext cx="2668696" cy="1460500"/>
+          </a:xfrm>
+        </p:spPr>
         <p:txBody>
           <a:bodyPr/>
-          <a:lstStyle>
-            <a:lvl1pPr>
-              <a:defRPr/>
-            </a:lvl1pPr>
-          </a:lstStyle>
-          <a:p>
-            <a:fld id="{AFC651C9-7FF1-394B-B31B-CA6F9014019D}" type="slidenum">
-              <a:rPr lang="en-GB" altLang="x-none"/>
+          <a:lstStyle/>
+          <a:p>
+            <a:fld id="{AD74203F-F9AA-184C-B023-F705B72C1A29}" type="slidenum">
+              <a:rPr lang="en-GB" altLang="x-none" smtClean="0"/>
               <a:pPr/>
               <a:t>‹#›</a:t>
             </a:fld>
@@ -1524,21 +1682,17 @@
         </p:txBody>
       </p:sp>
     </p:spTree>
-    <p:extLst>
-      <p:ext uri="{BB962C8B-B14F-4D97-AF65-F5344CB8AC3E}">
-        <p14:creationId xmlns:p14="http://schemas.microsoft.com/office/powerpoint/2010/main" val="903009599"/>
-      </p:ext>
-    </p:extLst>
   </p:cSld>
   <p:clrMapOvr>
     <a:masterClrMapping/>
   </p:clrMapOvr>
+  <p:hf sldNum="0" hdr="0" ftr="0" dt="0"/>
 </p:sldLayout>
 </file>
 
-<file path=ppt/slideLayouts/slideLayout2.xml><?xml version="1.0" encoding="utf-8"?>
-<p:sldLayout xmlns:a="http://schemas.openxmlformats.org/drawingml/2006/main" xmlns:r="http://schemas.openxmlformats.org/officeDocument/2006/relationships" xmlns:p="http://schemas.openxmlformats.org/presentationml/2006/main" type="obj" preserve="1">
-  <p:cSld name="Title and Content">
+<file path=ppt/slideLayouts/slideLayout12.xml><?xml version="1.0" encoding="utf-8"?>
+<p:sldLayout xmlns:a="http://schemas.openxmlformats.org/drawingml/2006/main" xmlns:r="http://schemas.openxmlformats.org/officeDocument/2006/relationships" xmlns:p="http://schemas.openxmlformats.org/presentationml/2006/main" showMasterSp="0" preserve="1">
+  <p:cSld name="具有說明文字的引述">
     <p:spTree>
       <p:nvGrpSpPr>
         <p:cNvPr id="1" name=""/>
@@ -1553,6 +1707,36 @@
           <a:chExt cx="0" cy="0"/>
         </a:xfrm>
       </p:grpSpPr>
+      <p:pic>
+        <p:nvPicPr>
+          <p:cNvPr id="11" name="Picture 10" descr="C0-HD-BTM.png"/>
+          <p:cNvPicPr>
+            <a:picLocks noChangeAspect="1"/>
+          </p:cNvPicPr>
+          <p:nvPr/>
+        </p:nvPicPr>
+        <p:blipFill>
+          <a:blip r:embed="rId2">
+            <a:extLst>
+              <a:ext uri="{28A0092B-C50C-407E-A947-70E740481C1C}">
+                <a14:useLocalDpi xmlns:a14="http://schemas.microsoft.com/office/drawing/2010/main" val="0"/>
+              </a:ext>
+            </a:extLst>
+          </a:blip>
+          <a:stretch>
+            <a:fillRect/>
+          </a:stretch>
+        </p:blipFill>
+        <p:spPr>
+          <a:xfrm>
+            <a:off x="0" y="19983448"/>
+            <a:ext cx="36576000" cy="7448552"/>
+          </a:xfrm>
+          <a:prstGeom prst="rect">
+            <a:avLst/>
+          </a:prstGeom>
+        </p:spPr>
+      </p:pic>
       <p:sp>
         <p:nvSpPr>
           <p:cNvPr id="2" name="Title 1"/>
@@ -1563,86 +1747,182 @@
             <p:ph type="title"/>
           </p:nvPr>
         </p:nvSpPr>
-        <p:spPr/>
-        <p:txBody>
-          <a:bodyPr/>
-          <a:lstStyle/>
-          <a:p>
-            <a:r>
-              <a:rPr lang="en-US" smtClean="0"/>
-              <a:t>Click to edit Master title style</a:t>
-            </a:r>
-            <a:endParaRPr lang="en-US"/>
-          </a:p>
-        </p:txBody>
-      </p:sp>
-      <p:sp>
-        <p:nvSpPr>
-          <p:cNvPr id="3" name="Content Placeholder 2"/>
-          <p:cNvSpPr>
-            <a:spLocks noGrp="1"/>
-          </p:cNvSpPr>
-          <p:nvPr>
-            <p:ph idx="1"/>
-          </p:nvPr>
-        </p:nvSpPr>
-        <p:spPr/>
-        <p:txBody>
-          <a:bodyPr/>
-          <a:lstStyle/>
+        <p:spPr>
+          <a:xfrm>
+            <a:off x="3073404" y="3014136"/>
+            <a:ext cx="30454600" cy="11024936"/>
+          </a:xfrm>
+        </p:spPr>
+        <p:txBody>
+          <a:bodyPr anchor="ctr"/>
+          <a:lstStyle>
+            <a:lvl1pPr algn="l">
+              <a:defRPr sz="12800"/>
+            </a:lvl1pPr>
+          </a:lstStyle>
+          <a:p>
+            <a:r>
+              <a:rPr lang="zh-TW" altLang="en-US" smtClean="0"/>
+              <a:t>按一下以編輯母片標題樣式</a:t>
+            </a:r>
+            <a:endParaRPr lang="en-US" dirty="0"/>
+          </a:p>
+        </p:txBody>
+      </p:sp>
+      <p:sp>
+        <p:nvSpPr>
+          <p:cNvPr id="12" name="Text Placeholder 3"/>
+          <p:cNvSpPr>
+            <a:spLocks noGrp="1"/>
+          </p:cNvSpPr>
+          <p:nvPr>
+            <p:ph type="body" sz="half" idx="13"/>
+          </p:nvPr>
+        </p:nvSpPr>
+        <p:spPr>
+          <a:xfrm>
+            <a:off x="3911596" y="14039074"/>
+            <a:ext cx="28778208" cy="1777772"/>
+          </a:xfrm>
+        </p:spPr>
+        <p:txBody>
+          <a:bodyPr anchor="t">
+            <a:normAutofit/>
+          </a:bodyPr>
+          <a:lstStyle>
+            <a:lvl1pPr marL="0" indent="0">
+              <a:buNone/>
+              <a:defRPr sz="5600"/>
+            </a:lvl1pPr>
+            <a:lvl2pPr marL="1828800" indent="0">
+              <a:buNone/>
+              <a:defRPr sz="5600"/>
+            </a:lvl2pPr>
+            <a:lvl3pPr marL="3657600" indent="0">
+              <a:buNone/>
+              <a:defRPr sz="4800"/>
+            </a:lvl3pPr>
+            <a:lvl4pPr marL="5486400" indent="0">
+              <a:buNone/>
+              <a:defRPr sz="4000"/>
+            </a:lvl4pPr>
+            <a:lvl5pPr marL="7315200" indent="0">
+              <a:buNone/>
+              <a:defRPr sz="4000"/>
+            </a:lvl5pPr>
+            <a:lvl6pPr marL="9144000" indent="0">
+              <a:buNone/>
+              <a:defRPr sz="4000"/>
+            </a:lvl6pPr>
+            <a:lvl7pPr marL="10972800" indent="0">
+              <a:buNone/>
+              <a:defRPr sz="4000"/>
+            </a:lvl7pPr>
+            <a:lvl8pPr marL="12801600" indent="0">
+              <a:buNone/>
+              <a:defRPr sz="4000"/>
+            </a:lvl8pPr>
+            <a:lvl9pPr marL="14630400" indent="0">
+              <a:buNone/>
+              <a:defRPr sz="4000"/>
+            </a:lvl9pPr>
+          </a:lstStyle>
           <a:p>
             <a:pPr lvl="0"/>
             <a:r>
-              <a:rPr lang="en-US" smtClean="0"/>
-              <a:t>Click to edit Master text styles</a:t>
-            </a:r>
-          </a:p>
-          <a:p>
-            <a:pPr lvl="1"/>
-            <a:r>
-              <a:rPr lang="en-US" smtClean="0"/>
-              <a:t>Second level</a:t>
-            </a:r>
-          </a:p>
-          <a:p>
-            <a:pPr lvl="2"/>
-            <a:r>
-              <a:rPr lang="en-US" smtClean="0"/>
-              <a:t>Third level</a:t>
-            </a:r>
-          </a:p>
-          <a:p>
-            <a:pPr lvl="3"/>
-            <a:r>
-              <a:rPr lang="en-US" smtClean="0"/>
-              <a:t>Fourth level</a:t>
-            </a:r>
-          </a:p>
-          <a:p>
-            <a:pPr lvl="4"/>
-            <a:r>
-              <a:rPr lang="en-US" smtClean="0"/>
-              <a:t>Fifth level</a:t>
-            </a:r>
-            <a:endParaRPr lang="en-US"/>
-          </a:p>
-        </p:txBody>
-      </p:sp>
-      <p:sp>
-        <p:nvSpPr>
-          <p:cNvPr id="4" name="Date Placeholder 3"/>
-          <p:cNvSpPr>
-            <a:spLocks noGrp="1"/>
-          </p:cNvSpPr>
-          <p:nvPr>
-            <p:ph type="dt" idx="10"/>
-          </p:nvPr>
-        </p:nvSpPr>
-        <p:spPr/>
+              <a:rPr lang="zh-TW" altLang="en-US" smtClean="0"/>
+              <a:t>按一下以編輯母片文字樣式</a:t>
+            </a:r>
+          </a:p>
+        </p:txBody>
+      </p:sp>
+      <p:sp>
+        <p:nvSpPr>
+          <p:cNvPr id="4" name="Text Placeholder 3"/>
+          <p:cNvSpPr>
+            <a:spLocks noGrp="1"/>
+          </p:cNvSpPr>
+          <p:nvPr>
+            <p:ph type="body" sz="half" idx="2"/>
+          </p:nvPr>
+        </p:nvSpPr>
+        <p:spPr>
+          <a:xfrm>
+            <a:off x="2743200" y="16698390"/>
+            <a:ext cx="31115008" cy="3285060"/>
+          </a:xfrm>
+        </p:spPr>
+        <p:txBody>
+          <a:bodyPr anchor="ctr">
+            <a:normAutofit/>
+          </a:bodyPr>
+          <a:lstStyle>
+            <a:lvl1pPr marL="0" indent="0">
+              <a:buNone/>
+              <a:defRPr sz="6400"/>
+            </a:lvl1pPr>
+            <a:lvl2pPr marL="1828800" indent="0">
+              <a:buNone/>
+              <a:defRPr sz="5600"/>
+            </a:lvl2pPr>
+            <a:lvl3pPr marL="3657600" indent="0">
+              <a:buNone/>
+              <a:defRPr sz="4800"/>
+            </a:lvl3pPr>
+            <a:lvl4pPr marL="5486400" indent="0">
+              <a:buNone/>
+              <a:defRPr sz="4000"/>
+            </a:lvl4pPr>
+            <a:lvl5pPr marL="7315200" indent="0">
+              <a:buNone/>
+              <a:defRPr sz="4000"/>
+            </a:lvl5pPr>
+            <a:lvl6pPr marL="9144000" indent="0">
+              <a:buNone/>
+              <a:defRPr sz="4000"/>
+            </a:lvl6pPr>
+            <a:lvl7pPr marL="10972800" indent="0">
+              <a:buNone/>
+              <a:defRPr sz="4000"/>
+            </a:lvl7pPr>
+            <a:lvl8pPr marL="12801600" indent="0">
+              <a:buNone/>
+              <a:defRPr sz="4000"/>
+            </a:lvl8pPr>
+            <a:lvl9pPr marL="14630400" indent="0">
+              <a:buNone/>
+              <a:defRPr sz="4000"/>
+            </a:lvl9pPr>
+          </a:lstStyle>
+          <a:p>
+            <a:pPr lvl="0"/>
+            <a:r>
+              <a:rPr lang="zh-TW" altLang="en-US" smtClean="0"/>
+              <a:t>按一下以編輯母片文字樣式</a:t>
+            </a:r>
+          </a:p>
+        </p:txBody>
+      </p:sp>
+      <p:sp>
+        <p:nvSpPr>
+          <p:cNvPr id="5" name="Date Placeholder 4"/>
+          <p:cNvSpPr>
+            <a:spLocks noGrp="1"/>
+          </p:cNvSpPr>
+          <p:nvPr>
+            <p:ph type="dt" sz="half" idx="10"/>
+          </p:nvPr>
+        </p:nvSpPr>
+        <p:spPr>
+          <a:xfrm>
+            <a:off x="22248704" y="1524006"/>
+            <a:ext cx="8732520" cy="1460500"/>
+          </a:xfrm>
+        </p:spPr>
         <p:txBody>
           <a:bodyPr/>
           <a:lstStyle>
-            <a:lvl1pPr>
+            <a:lvl1pPr algn="r">
               <a:defRPr/>
             </a:lvl1pPr>
           </a:lstStyle>
@@ -1653,22 +1933,23 @@
       </p:sp>
       <p:sp>
         <p:nvSpPr>
-          <p:cNvPr id="5" name="Footer Placeholder 4"/>
-          <p:cNvSpPr>
-            <a:spLocks noGrp="1"/>
-          </p:cNvSpPr>
-          <p:nvPr>
-            <p:ph type="ftr" idx="11"/>
-          </p:nvPr>
-        </p:nvSpPr>
-        <p:spPr/>
+          <p:cNvPr id="6" name="Footer Placeholder 5"/>
+          <p:cNvSpPr>
+            <a:spLocks noGrp="1"/>
+          </p:cNvSpPr>
+          <p:nvPr>
+            <p:ph type="ftr" sz="quarter" idx="11"/>
+          </p:nvPr>
+        </p:nvSpPr>
+        <p:spPr>
+          <a:xfrm>
+            <a:off x="2377440" y="1517754"/>
+            <a:ext cx="19322624" cy="1460500"/>
+          </a:xfrm>
+        </p:spPr>
         <p:txBody>
           <a:bodyPr/>
-          <a:lstStyle>
-            <a:lvl1pPr>
-              <a:defRPr/>
-            </a:lvl1pPr>
-          </a:lstStyle>
+          <a:lstStyle/>
           <a:p>
             <a:endParaRPr lang="en-GB" altLang="x-none"/>
           </a:p>
@@ -1676,25 +1957,26 @@
       </p:sp>
       <p:sp>
         <p:nvSpPr>
-          <p:cNvPr id="6" name="Slide Number Placeholder 5"/>
-          <p:cNvSpPr>
-            <a:spLocks noGrp="1"/>
-          </p:cNvSpPr>
-          <p:nvPr>
-            <p:ph type="sldNum" idx="12"/>
-          </p:nvPr>
-        </p:nvSpPr>
-        <p:spPr/>
+          <p:cNvPr id="7" name="Slide Number Placeholder 6"/>
+          <p:cNvSpPr>
+            <a:spLocks noGrp="1"/>
+          </p:cNvSpPr>
+          <p:nvPr>
+            <p:ph type="sldNum" sz="quarter" idx="12"/>
+          </p:nvPr>
+        </p:nvSpPr>
+        <p:spPr>
+          <a:xfrm>
+            <a:off x="31529864" y="1524006"/>
+            <a:ext cx="2668696" cy="1460500"/>
+          </a:xfrm>
+        </p:spPr>
         <p:txBody>
           <a:bodyPr/>
-          <a:lstStyle>
-            <a:lvl1pPr>
-              <a:defRPr/>
-            </a:lvl1pPr>
-          </a:lstStyle>
-          <a:p>
-            <a:fld id="{729B094D-8F15-314C-9987-E3045643C233}" type="slidenum">
-              <a:rPr lang="en-GB" altLang="x-none"/>
+          <a:lstStyle/>
+          <a:p>
+            <a:fld id="{AD74203F-F9AA-184C-B023-F705B72C1A29}" type="slidenum">
+              <a:rPr lang="en-GB" altLang="x-none" smtClean="0"/>
               <a:pPr/>
               <a:t>‹#›</a:t>
             </a:fld>
@@ -1702,22 +1984,250 @@
           </a:p>
         </p:txBody>
       </p:sp>
+      <p:sp>
+        <p:nvSpPr>
+          <p:cNvPr id="13" name="TextBox 12"/>
+          <p:cNvSpPr txBox="1"/>
+          <p:nvPr/>
+        </p:nvSpPr>
+        <p:spPr>
+          <a:xfrm>
+            <a:off x="925832" y="3230880"/>
+            <a:ext cx="1828800" cy="2339104"/>
+          </a:xfrm>
+          <a:prstGeom prst="rect">
+            <a:avLst/>
+          </a:prstGeom>
+        </p:spPr>
+        <p:txBody>
+          <a:bodyPr vert="horz" lIns="365760" tIns="182880" rIns="365760" bIns="182880" rtlCol="0" anchor="ctr">
+            <a:noAutofit/>
+          </a:bodyPr>
+          <a:lstStyle>
+            <a:lvl1pPr>
+              <a:spcBef>
+                <a:spcPct val="0"/>
+              </a:spcBef>
+              <a:buNone/>
+              <a:defRPr sz="3200" b="0" cap="all">
+                <a:ln w="3175" cmpd="sng">
+                  <a:noFill/>
+                </a:ln>
+                <a:effectLst>
+                  <a:glow rad="38100">
+                    <a:schemeClr val="bg1">
+                      <a:lumMod val="65000"/>
+                      <a:lumOff val="35000"/>
+                      <a:alpha val="40000"/>
+                    </a:schemeClr>
+                  </a:glow>
+                  <a:outerShdw blurRad="28575" dist="38100" dir="14040000" algn="tl" rotWithShape="0">
+                    <a:srgbClr val="000000">
+                      <a:alpha val="25000"/>
+                    </a:srgbClr>
+                  </a:outerShdw>
+                </a:effectLst>
+              </a:defRPr>
+            </a:lvl1pPr>
+            <a:lvl2pPr>
+              <a:defRPr>
+                <a:solidFill>
+                  <a:schemeClr val="tx2"/>
+                </a:solidFill>
+              </a:defRPr>
+            </a:lvl2pPr>
+            <a:lvl3pPr>
+              <a:defRPr>
+                <a:solidFill>
+                  <a:schemeClr val="tx2"/>
+                </a:solidFill>
+              </a:defRPr>
+            </a:lvl3pPr>
+            <a:lvl4pPr>
+              <a:defRPr>
+                <a:solidFill>
+                  <a:schemeClr val="tx2"/>
+                </a:solidFill>
+              </a:defRPr>
+            </a:lvl4pPr>
+            <a:lvl5pPr>
+              <a:defRPr>
+                <a:solidFill>
+                  <a:schemeClr val="tx2"/>
+                </a:solidFill>
+              </a:defRPr>
+            </a:lvl5pPr>
+            <a:lvl6pPr>
+              <a:defRPr>
+                <a:solidFill>
+                  <a:schemeClr val="tx2"/>
+                </a:solidFill>
+              </a:defRPr>
+            </a:lvl6pPr>
+            <a:lvl7pPr>
+              <a:defRPr>
+                <a:solidFill>
+                  <a:schemeClr val="tx2"/>
+                </a:solidFill>
+              </a:defRPr>
+            </a:lvl7pPr>
+            <a:lvl8pPr>
+              <a:defRPr>
+                <a:solidFill>
+                  <a:schemeClr val="tx2"/>
+                </a:solidFill>
+              </a:defRPr>
+            </a:lvl8pPr>
+            <a:lvl9pPr>
+              <a:defRPr>
+                <a:solidFill>
+                  <a:schemeClr val="tx2"/>
+                </a:solidFill>
+              </a:defRPr>
+            </a:lvl9pPr>
+          </a:lstStyle>
+          <a:p>
+            <a:pPr lvl="0"/>
+            <a:r>
+              <a:rPr lang="en-US" sz="32000" dirty="0">
+                <a:solidFill>
+                  <a:schemeClr val="tx1"/>
+                </a:solidFill>
+                <a:effectLst/>
+              </a:rPr>
+              <a:t>“</a:t>
+            </a:r>
+          </a:p>
+        </p:txBody>
+      </p:sp>
+      <p:sp>
+        <p:nvSpPr>
+          <p:cNvPr id="14" name="TextBox 13"/>
+          <p:cNvSpPr txBox="1"/>
+          <p:nvPr/>
+        </p:nvSpPr>
+        <p:spPr>
+          <a:xfrm>
+            <a:off x="32586932" y="12085320"/>
+            <a:ext cx="1828800" cy="2339104"/>
+          </a:xfrm>
+          <a:prstGeom prst="rect">
+            <a:avLst/>
+          </a:prstGeom>
+        </p:spPr>
+        <p:txBody>
+          <a:bodyPr vert="horz" lIns="365760" tIns="182880" rIns="365760" bIns="182880" rtlCol="0" anchor="ctr">
+            <a:noAutofit/>
+          </a:bodyPr>
+          <a:lstStyle>
+            <a:lvl1pPr>
+              <a:spcBef>
+                <a:spcPct val="0"/>
+              </a:spcBef>
+              <a:buNone/>
+              <a:defRPr sz="3200" b="0" cap="all">
+                <a:ln w="3175" cmpd="sng">
+                  <a:noFill/>
+                </a:ln>
+                <a:effectLst>
+                  <a:glow rad="38100">
+                    <a:schemeClr val="bg1">
+                      <a:lumMod val="65000"/>
+                      <a:lumOff val="35000"/>
+                      <a:alpha val="40000"/>
+                    </a:schemeClr>
+                  </a:glow>
+                  <a:outerShdw blurRad="28575" dist="38100" dir="14040000" algn="tl" rotWithShape="0">
+                    <a:srgbClr val="000000">
+                      <a:alpha val="25000"/>
+                    </a:srgbClr>
+                  </a:outerShdw>
+                </a:effectLst>
+              </a:defRPr>
+            </a:lvl1pPr>
+            <a:lvl2pPr>
+              <a:defRPr>
+                <a:solidFill>
+                  <a:schemeClr val="tx2"/>
+                </a:solidFill>
+              </a:defRPr>
+            </a:lvl2pPr>
+            <a:lvl3pPr>
+              <a:defRPr>
+                <a:solidFill>
+                  <a:schemeClr val="tx2"/>
+                </a:solidFill>
+              </a:defRPr>
+            </a:lvl3pPr>
+            <a:lvl4pPr>
+              <a:defRPr>
+                <a:solidFill>
+                  <a:schemeClr val="tx2"/>
+                </a:solidFill>
+              </a:defRPr>
+            </a:lvl4pPr>
+            <a:lvl5pPr>
+              <a:defRPr>
+                <a:solidFill>
+                  <a:schemeClr val="tx2"/>
+                </a:solidFill>
+              </a:defRPr>
+            </a:lvl5pPr>
+            <a:lvl6pPr>
+              <a:defRPr>
+                <a:solidFill>
+                  <a:schemeClr val="tx2"/>
+                </a:solidFill>
+              </a:defRPr>
+            </a:lvl6pPr>
+            <a:lvl7pPr>
+              <a:defRPr>
+                <a:solidFill>
+                  <a:schemeClr val="tx2"/>
+                </a:solidFill>
+              </a:defRPr>
+            </a:lvl7pPr>
+            <a:lvl8pPr>
+              <a:defRPr>
+                <a:solidFill>
+                  <a:schemeClr val="tx2"/>
+                </a:solidFill>
+              </a:defRPr>
+            </a:lvl8pPr>
+            <a:lvl9pPr>
+              <a:defRPr>
+                <a:solidFill>
+                  <a:schemeClr val="tx2"/>
+                </a:solidFill>
+              </a:defRPr>
+            </a:lvl9pPr>
+          </a:lstStyle>
+          <a:p>
+            <a:pPr lvl="0" algn="r"/>
+            <a:r>
+              <a:rPr lang="en-US" sz="32000" dirty="0">
+                <a:solidFill>
+                  <a:schemeClr val="tx1"/>
+                </a:solidFill>
+                <a:effectLst/>
+              </a:rPr>
+              <a:t>”</a:t>
+            </a:r>
+          </a:p>
+        </p:txBody>
+      </p:sp>
     </p:spTree>
-    <p:extLst>
-      <p:ext uri="{BB962C8B-B14F-4D97-AF65-F5344CB8AC3E}">
-        <p14:creationId xmlns:p14="http://schemas.microsoft.com/office/powerpoint/2010/main" val="2085560364"/>
-      </p:ext>
-    </p:extLst>
   </p:cSld>
   <p:clrMapOvr>
     <a:masterClrMapping/>
   </p:clrMapOvr>
+  <p:hf sldNum="0" hdr="0" ftr="0" dt="0"/>
 </p:sldLayout>
 </file>
 
-<file path=ppt/slideLayouts/slideLayout3.xml><?xml version="1.0" encoding="utf-8"?>
-<p:sldLayout xmlns:a="http://schemas.openxmlformats.org/drawingml/2006/main" xmlns:r="http://schemas.openxmlformats.org/officeDocument/2006/relationships" xmlns:p="http://schemas.openxmlformats.org/presentationml/2006/main" type="secHead" preserve="1">
-  <p:cSld name="Section Header">
+<file path=ppt/slideLayouts/slideLayout13.xml><?xml version="1.0" encoding="utf-8"?>
+<p:sldLayout xmlns:a="http://schemas.openxmlformats.org/drawingml/2006/main" xmlns:r="http://schemas.openxmlformats.org/officeDocument/2006/relationships" xmlns:p="http://schemas.openxmlformats.org/presentationml/2006/main" showMasterSp="0" preserve="1">
+  <p:cSld name="名片">
     <p:spTree>
       <p:nvGrpSpPr>
         <p:cNvPr id="1" name=""/>
@@ -1732,6 +2242,36 @@
           <a:chExt cx="0" cy="0"/>
         </a:xfrm>
       </p:grpSpPr>
+      <p:pic>
+        <p:nvPicPr>
+          <p:cNvPr id="8" name="Picture 7" descr="C0-HD-BTM.png"/>
+          <p:cNvPicPr>
+            <a:picLocks noChangeAspect="1"/>
+          </p:cNvPicPr>
+          <p:nvPr/>
+        </p:nvPicPr>
+        <p:blipFill>
+          <a:blip r:embed="rId2">
+            <a:extLst>
+              <a:ext uri="{28A0092B-C50C-407E-A947-70E740481C1C}">
+                <a14:useLocalDpi xmlns:a14="http://schemas.microsoft.com/office/drawing/2010/main" val="0"/>
+              </a:ext>
+            </a:extLst>
+          </a:blip>
+          <a:stretch>
+            <a:fillRect/>
+          </a:stretch>
+        </p:blipFill>
+        <p:spPr>
+          <a:xfrm>
+            <a:off x="0" y="19983448"/>
+            <a:ext cx="36576000" cy="7448552"/>
+          </a:xfrm>
+          <a:prstGeom prst="rect">
+            <a:avLst/>
+          </a:prstGeom>
+        </p:spPr>
+      </p:pic>
       <p:sp>
         <p:nvSpPr>
           <p:cNvPr id="2" name="Title 1"/>
@@ -1744,106 +2284,111 @@
         </p:nvSpPr>
         <p:spPr>
           <a:xfrm>
-            <a:off x="2495550" y="6838950"/>
-            <a:ext cx="31546800" cy="11410950"/>
+            <a:off x="2743200" y="4498810"/>
+            <a:ext cx="31099128" cy="10047340"/>
           </a:xfrm>
         </p:spPr>
         <p:txBody>
           <a:bodyPr anchor="b"/>
           <a:lstStyle>
-            <a:lvl1pPr>
-              <a:defRPr sz="6000"/>
+            <a:lvl1pPr algn="l">
+              <a:defRPr sz="12800"/>
             </a:lvl1pPr>
           </a:lstStyle>
           <a:p>
             <a:r>
-              <a:rPr lang="en-US" smtClean="0"/>
-              <a:t>Click to edit Master title style</a:t>
-            </a:r>
-            <a:endParaRPr lang="en-US"/>
-          </a:p>
-        </p:txBody>
-      </p:sp>
-      <p:sp>
-        <p:nvSpPr>
-          <p:cNvPr id="3" name="Text Placeholder 2"/>
-          <p:cNvSpPr>
-            <a:spLocks noGrp="1"/>
-          </p:cNvSpPr>
-          <p:nvPr>
-            <p:ph type="body" idx="1"/>
+              <a:rPr lang="zh-TW" altLang="en-US" smtClean="0"/>
+              <a:t>按一下以編輯母片標題樣式</a:t>
+            </a:r>
+            <a:endParaRPr lang="en-US" dirty="0"/>
+          </a:p>
+        </p:txBody>
+      </p:sp>
+      <p:sp>
+        <p:nvSpPr>
+          <p:cNvPr id="4" name="Text Placeholder 3"/>
+          <p:cNvSpPr>
+            <a:spLocks noGrp="1"/>
+          </p:cNvSpPr>
+          <p:nvPr>
+            <p:ph type="body" sz="half" idx="2"/>
           </p:nvPr>
         </p:nvSpPr>
         <p:spPr>
           <a:xfrm>
-            <a:off x="2495550" y="18357850"/>
-            <a:ext cx="31546800" cy="6000750"/>
+            <a:off x="2743168" y="14593266"/>
+            <a:ext cx="31094432" cy="3999540"/>
+          </a:xfrm>
+        </p:spPr>
+        <p:txBody>
+          <a:bodyPr anchor="t"/>
+          <a:lstStyle>
+            <a:lvl1pPr marL="0" indent="0">
+              <a:buNone/>
+              <a:defRPr sz="6400"/>
+            </a:lvl1pPr>
+            <a:lvl2pPr marL="1828800" indent="0">
+              <a:buNone/>
+              <a:defRPr sz="5600"/>
+            </a:lvl2pPr>
+            <a:lvl3pPr marL="3657600" indent="0">
+              <a:buNone/>
+              <a:defRPr sz="4800"/>
+            </a:lvl3pPr>
+            <a:lvl4pPr marL="5486400" indent="0">
+              <a:buNone/>
+              <a:defRPr sz="4000"/>
+            </a:lvl4pPr>
+            <a:lvl5pPr marL="7315200" indent="0">
+              <a:buNone/>
+              <a:defRPr sz="4000"/>
+            </a:lvl5pPr>
+            <a:lvl6pPr marL="9144000" indent="0">
+              <a:buNone/>
+              <a:defRPr sz="4000"/>
+            </a:lvl6pPr>
+            <a:lvl7pPr marL="10972800" indent="0">
+              <a:buNone/>
+              <a:defRPr sz="4000"/>
+            </a:lvl7pPr>
+            <a:lvl8pPr marL="12801600" indent="0">
+              <a:buNone/>
+              <a:defRPr sz="4000"/>
+            </a:lvl8pPr>
+            <a:lvl9pPr marL="14630400" indent="0">
+              <a:buNone/>
+              <a:defRPr sz="4000"/>
+            </a:lvl9pPr>
+          </a:lstStyle>
+          <a:p>
+            <a:pPr lvl="0"/>
+            <a:r>
+              <a:rPr lang="zh-TW" altLang="en-US" smtClean="0"/>
+              <a:t>按一下以編輯母片文字樣式</a:t>
+            </a:r>
+          </a:p>
+        </p:txBody>
+      </p:sp>
+      <p:sp>
+        <p:nvSpPr>
+          <p:cNvPr id="5" name="Date Placeholder 4"/>
+          <p:cNvSpPr>
+            <a:spLocks noGrp="1"/>
+          </p:cNvSpPr>
+          <p:nvPr>
+            <p:ph type="dt" sz="half" idx="10"/>
+          </p:nvPr>
+        </p:nvSpPr>
+        <p:spPr>
+          <a:xfrm>
+            <a:off x="22248704" y="1515538"/>
+            <a:ext cx="8732520" cy="1460500"/>
           </a:xfrm>
         </p:spPr>
         <p:txBody>
           <a:bodyPr/>
           <a:lstStyle>
-            <a:lvl1pPr marL="0" indent="0">
-              <a:buNone/>
-              <a:defRPr sz="2400"/>
-            </a:lvl1pPr>
-            <a:lvl2pPr marL="457200" indent="0">
-              <a:buNone/>
-              <a:defRPr sz="2000"/>
-            </a:lvl2pPr>
-            <a:lvl3pPr marL="914400" indent="0">
-              <a:buNone/>
-              <a:defRPr sz="1800"/>
-            </a:lvl3pPr>
-            <a:lvl4pPr marL="1371600" indent="0">
-              <a:buNone/>
-              <a:defRPr sz="1600"/>
-            </a:lvl4pPr>
-            <a:lvl5pPr marL="1828800" indent="0">
-              <a:buNone/>
-              <a:defRPr sz="1600"/>
-            </a:lvl5pPr>
-            <a:lvl6pPr marL="2286000" indent="0">
-              <a:buNone/>
-              <a:defRPr sz="1600"/>
-            </a:lvl6pPr>
-            <a:lvl7pPr marL="2743200" indent="0">
-              <a:buNone/>
-              <a:defRPr sz="1600"/>
-            </a:lvl7pPr>
-            <a:lvl8pPr marL="3200400" indent="0">
-              <a:buNone/>
-              <a:defRPr sz="1600"/>
-            </a:lvl8pPr>
-            <a:lvl9pPr marL="3657600" indent="0">
-              <a:buNone/>
-              <a:defRPr sz="1600"/>
-            </a:lvl9pPr>
-          </a:lstStyle>
-          <a:p>
-            <a:pPr lvl="0"/>
-            <a:r>
-              <a:rPr lang="en-US" smtClean="0"/>
-              <a:t>Click to edit Master text styles</a:t>
-            </a:r>
-          </a:p>
-        </p:txBody>
-      </p:sp>
-      <p:sp>
-        <p:nvSpPr>
-          <p:cNvPr id="4" name="Date Placeholder 3"/>
-          <p:cNvSpPr>
-            <a:spLocks noGrp="1"/>
-          </p:cNvSpPr>
-          <p:nvPr>
-            <p:ph type="dt" idx="10"/>
-          </p:nvPr>
-        </p:nvSpPr>
-        <p:spPr/>
-        <p:txBody>
-          <a:bodyPr/>
-          <a:lstStyle>
-            <a:lvl1pPr>
+            <a:lvl1pPr algn="r">
               <a:defRPr/>
             </a:lvl1pPr>
           </a:lstStyle>
@@ -1854,22 +2399,23 @@
       </p:sp>
       <p:sp>
         <p:nvSpPr>
-          <p:cNvPr id="5" name="Footer Placeholder 4"/>
-          <p:cNvSpPr>
-            <a:spLocks noGrp="1"/>
-          </p:cNvSpPr>
-          <p:nvPr>
-            <p:ph type="ftr" idx="11"/>
-          </p:nvPr>
-        </p:nvSpPr>
-        <p:spPr/>
+          <p:cNvPr id="6" name="Footer Placeholder 5"/>
+          <p:cNvSpPr>
+            <a:spLocks noGrp="1"/>
+          </p:cNvSpPr>
+          <p:nvPr>
+            <p:ph type="ftr" sz="quarter" idx="11"/>
+          </p:nvPr>
+        </p:nvSpPr>
+        <p:spPr>
+          <a:xfrm>
+            <a:off x="2377440" y="1515538"/>
+            <a:ext cx="19322624" cy="1460500"/>
+          </a:xfrm>
+        </p:spPr>
         <p:txBody>
           <a:bodyPr/>
-          <a:lstStyle>
-            <a:lvl1pPr>
-              <a:defRPr/>
-            </a:lvl1pPr>
-          </a:lstStyle>
+          <a:lstStyle/>
           <a:p>
             <a:endParaRPr lang="en-GB" altLang="x-none"/>
           </a:p>
@@ -1877,25 +2423,26 @@
       </p:sp>
       <p:sp>
         <p:nvSpPr>
-          <p:cNvPr id="6" name="Slide Number Placeholder 5"/>
-          <p:cNvSpPr>
-            <a:spLocks noGrp="1"/>
-          </p:cNvSpPr>
-          <p:nvPr>
-            <p:ph type="sldNum" idx="12"/>
-          </p:nvPr>
-        </p:nvSpPr>
-        <p:spPr/>
+          <p:cNvPr id="7" name="Slide Number Placeholder 6"/>
+          <p:cNvSpPr>
+            <a:spLocks noGrp="1"/>
+          </p:cNvSpPr>
+          <p:nvPr>
+            <p:ph type="sldNum" sz="quarter" idx="12"/>
+          </p:nvPr>
+        </p:nvSpPr>
+        <p:spPr>
+          <a:xfrm>
+            <a:off x="31529864" y="1524006"/>
+            <a:ext cx="2668696" cy="1460500"/>
+          </a:xfrm>
+        </p:spPr>
         <p:txBody>
           <a:bodyPr/>
-          <a:lstStyle>
-            <a:lvl1pPr>
-              <a:defRPr/>
-            </a:lvl1pPr>
-          </a:lstStyle>
-          <a:p>
-            <a:fld id="{07511EBB-8F04-3143-A63A-DE16057AB4CF}" type="slidenum">
-              <a:rPr lang="en-GB" altLang="x-none"/>
+          <a:lstStyle/>
+          <a:p>
+            <a:fld id="{AD74203F-F9AA-184C-B023-F705B72C1A29}" type="slidenum">
+              <a:rPr lang="en-GB" altLang="x-none" smtClean="0"/>
               <a:pPr/>
               <a:t>‹#›</a:t>
             </a:fld>
@@ -1904,21 +2451,17 @@
         </p:txBody>
       </p:sp>
     </p:spTree>
-    <p:extLst>
-      <p:ext uri="{BB962C8B-B14F-4D97-AF65-F5344CB8AC3E}">
-        <p14:creationId xmlns:p14="http://schemas.microsoft.com/office/powerpoint/2010/main" val="784951414"/>
-      </p:ext>
-    </p:extLst>
   </p:cSld>
   <p:clrMapOvr>
     <a:masterClrMapping/>
   </p:clrMapOvr>
+  <p:hf sldNum="0" hdr="0" ftr="0" dt="0"/>
 </p:sldLayout>
 </file>
 
-<file path=ppt/slideLayouts/slideLayout4.xml><?xml version="1.0" encoding="utf-8"?>
-<p:sldLayout xmlns:a="http://schemas.openxmlformats.org/drawingml/2006/main" xmlns:r="http://schemas.openxmlformats.org/officeDocument/2006/relationships" xmlns:p="http://schemas.openxmlformats.org/presentationml/2006/main" type="twoObj" preserve="1">
-  <p:cSld name="Two Content">
+<file path=ppt/slideLayouts/slideLayout14.xml><?xml version="1.0" encoding="utf-8"?>
+<p:sldLayout xmlns:a="http://schemas.openxmlformats.org/drawingml/2006/main" xmlns:r="http://schemas.openxmlformats.org/officeDocument/2006/relationships" xmlns:p="http://schemas.openxmlformats.org/presentationml/2006/main" preserve="1">
+  <p:cSld name="3 欄">
     <p:spTree>
       <p:nvGrpSpPr>
         <p:cNvPr id="1" name=""/>
@@ -1935,7 +2478,7 @@
       </p:grpSpPr>
       <p:sp>
         <p:nvSpPr>
-          <p:cNvPr id="2" name="Title 1"/>
+          <p:cNvPr id="15" name="Title 1"/>
           <p:cNvSpPr>
             <a:spLocks noGrp="1"/>
           </p:cNvSpPr>
@@ -1943,200 +2486,493 @@
             <p:ph type="title"/>
           </p:nvPr>
         </p:nvSpPr>
-        <p:spPr/>
+        <p:spPr>
+          <a:xfrm>
+            <a:off x="8686806" y="3048002"/>
+            <a:ext cx="25511756" cy="5215468"/>
+          </a:xfrm>
+        </p:spPr>
         <p:txBody>
           <a:bodyPr/>
           <a:lstStyle/>
           <a:p>
             <a:r>
-              <a:rPr lang="en-US" smtClean="0"/>
-              <a:t>Click to edit Master title style</a:t>
-            </a:r>
-            <a:endParaRPr lang="en-US"/>
-          </a:p>
-        </p:txBody>
-      </p:sp>
-      <p:sp>
-        <p:nvSpPr>
-          <p:cNvPr id="3" name="Content Placeholder 2"/>
-          <p:cNvSpPr>
-            <a:spLocks noGrp="1"/>
-          </p:cNvSpPr>
-          <p:nvPr>
-            <p:ph sz="half" idx="1"/>
+              <a:rPr lang="zh-TW" altLang="en-US" smtClean="0"/>
+              <a:t>按一下以編輯母片標題樣式</a:t>
+            </a:r>
+            <a:endParaRPr lang="en-US" dirty="0"/>
+          </a:p>
+        </p:txBody>
+      </p:sp>
+      <p:sp>
+        <p:nvSpPr>
+          <p:cNvPr id="7" name="Text Placeholder 2"/>
+          <p:cNvSpPr>
+            <a:spLocks noGrp="1"/>
+          </p:cNvSpPr>
+          <p:nvPr>
+            <p:ph type="body" idx="1"/>
           </p:nvPr>
         </p:nvSpPr>
         <p:spPr>
           <a:xfrm>
-            <a:off x="1828800" y="6418263"/>
-            <a:ext cx="16381413" cy="18102262"/>
-          </a:xfrm>
-        </p:spPr>
+            <a:off x="2377444" y="8808320"/>
+            <a:ext cx="10241280" cy="2469280"/>
+          </a:xfrm>
+        </p:spPr>
+        <p:txBody>
+          <a:bodyPr anchor="b">
+            <a:noAutofit/>
+          </a:bodyPr>
+          <a:lstStyle>
+            <a:lvl1pPr marL="0" indent="0">
+              <a:buNone/>
+              <a:defRPr sz="9600" b="0">
+                <a:solidFill>
+                  <a:schemeClr val="tx1"/>
+                </a:solidFill>
+              </a:defRPr>
+            </a:lvl1pPr>
+            <a:lvl2pPr marL="1828800" indent="0">
+              <a:buNone/>
+              <a:defRPr sz="8000" b="1"/>
+            </a:lvl2pPr>
+            <a:lvl3pPr marL="3657600" indent="0">
+              <a:buNone/>
+              <a:defRPr sz="7200" b="1"/>
+            </a:lvl3pPr>
+            <a:lvl4pPr marL="5486400" indent="0">
+              <a:buNone/>
+              <a:defRPr sz="6400" b="1"/>
+            </a:lvl4pPr>
+            <a:lvl5pPr marL="7315200" indent="0">
+              <a:buNone/>
+              <a:defRPr sz="6400" b="1"/>
+            </a:lvl5pPr>
+            <a:lvl6pPr marL="9144000" indent="0">
+              <a:buNone/>
+              <a:defRPr sz="6400" b="1"/>
+            </a:lvl6pPr>
+            <a:lvl7pPr marL="10972800" indent="0">
+              <a:buNone/>
+              <a:defRPr sz="6400" b="1"/>
+            </a:lvl7pPr>
+            <a:lvl8pPr marL="12801600" indent="0">
+              <a:buNone/>
+              <a:defRPr sz="6400" b="1"/>
+            </a:lvl8pPr>
+            <a:lvl9pPr marL="14630400" indent="0">
+              <a:buNone/>
+              <a:defRPr sz="6400" b="1"/>
+            </a:lvl9pPr>
+          </a:lstStyle>
+          <a:p>
+            <a:pPr lvl="0"/>
+            <a:r>
+              <a:rPr lang="zh-TW" altLang="en-US" smtClean="0"/>
+              <a:t>按一下以編輯母片文字樣式</a:t>
+            </a:r>
+          </a:p>
+        </p:txBody>
+      </p:sp>
+      <p:sp>
+        <p:nvSpPr>
+          <p:cNvPr id="8" name="Text Placeholder 3"/>
+          <p:cNvSpPr>
+            <a:spLocks noGrp="1"/>
+          </p:cNvSpPr>
+          <p:nvPr>
+            <p:ph type="body" sz="half" idx="15"/>
+          </p:nvPr>
+        </p:nvSpPr>
+        <p:spPr>
+          <a:xfrm>
+            <a:off x="2377440" y="11618258"/>
+            <a:ext cx="10241280" cy="13436316"/>
+          </a:xfrm>
+        </p:spPr>
+        <p:txBody>
+          <a:bodyPr anchor="t">
+            <a:normAutofit/>
+          </a:bodyPr>
+          <a:lstStyle>
+            <a:lvl1pPr marL="0" indent="0">
+              <a:buNone/>
+              <a:defRPr sz="5600"/>
+            </a:lvl1pPr>
+            <a:lvl2pPr marL="1828800" indent="0">
+              <a:buNone/>
+              <a:defRPr sz="4800"/>
+            </a:lvl2pPr>
+            <a:lvl3pPr marL="3657600" indent="0">
+              <a:buNone/>
+              <a:defRPr sz="4000"/>
+            </a:lvl3pPr>
+            <a:lvl4pPr marL="5486400" indent="0">
+              <a:buNone/>
+              <a:defRPr sz="3600"/>
+            </a:lvl4pPr>
+            <a:lvl5pPr marL="7315200" indent="0">
+              <a:buNone/>
+              <a:defRPr sz="3600"/>
+            </a:lvl5pPr>
+            <a:lvl6pPr marL="9144000" indent="0">
+              <a:buNone/>
+              <a:defRPr sz="3600"/>
+            </a:lvl6pPr>
+            <a:lvl7pPr marL="10972800" indent="0">
+              <a:buNone/>
+              <a:defRPr sz="3600"/>
+            </a:lvl7pPr>
+            <a:lvl8pPr marL="12801600" indent="0">
+              <a:buNone/>
+              <a:defRPr sz="3600"/>
+            </a:lvl8pPr>
+            <a:lvl9pPr marL="14630400" indent="0">
+              <a:buNone/>
+              <a:defRPr sz="3600"/>
+            </a:lvl9pPr>
+          </a:lstStyle>
+          <a:p>
+            <a:pPr lvl="0"/>
+            <a:r>
+              <a:rPr lang="zh-TW" altLang="en-US" smtClean="0"/>
+              <a:t>按一下以編輯母片文字樣式</a:t>
+            </a:r>
+          </a:p>
+        </p:txBody>
+      </p:sp>
+      <p:sp>
+        <p:nvSpPr>
+          <p:cNvPr id="9" name="Text Placeholder 4"/>
+          <p:cNvSpPr>
+            <a:spLocks noGrp="1"/>
+          </p:cNvSpPr>
+          <p:nvPr>
+            <p:ph type="body" sz="quarter" idx="3"/>
+          </p:nvPr>
+        </p:nvSpPr>
+        <p:spPr>
+          <a:xfrm>
+            <a:off x="13208948" y="8805332"/>
+            <a:ext cx="10241280" cy="2506136"/>
+          </a:xfrm>
+        </p:spPr>
+        <p:txBody>
+          <a:bodyPr anchor="b">
+            <a:noAutofit/>
+          </a:bodyPr>
+          <a:lstStyle>
+            <a:lvl1pPr marL="0" indent="0">
+              <a:buNone/>
+              <a:defRPr sz="9600" b="0">
+                <a:solidFill>
+                  <a:schemeClr val="tx1"/>
+                </a:solidFill>
+              </a:defRPr>
+            </a:lvl1pPr>
+            <a:lvl2pPr marL="1828800" indent="0">
+              <a:buNone/>
+              <a:defRPr sz="8000" b="1"/>
+            </a:lvl2pPr>
+            <a:lvl3pPr marL="3657600" indent="0">
+              <a:buNone/>
+              <a:defRPr sz="7200" b="1"/>
+            </a:lvl3pPr>
+            <a:lvl4pPr marL="5486400" indent="0">
+              <a:buNone/>
+              <a:defRPr sz="6400" b="1"/>
+            </a:lvl4pPr>
+            <a:lvl5pPr marL="7315200" indent="0">
+              <a:buNone/>
+              <a:defRPr sz="6400" b="1"/>
+            </a:lvl5pPr>
+            <a:lvl6pPr marL="9144000" indent="0">
+              <a:buNone/>
+              <a:defRPr sz="6400" b="1"/>
+            </a:lvl6pPr>
+            <a:lvl7pPr marL="10972800" indent="0">
+              <a:buNone/>
+              <a:defRPr sz="6400" b="1"/>
+            </a:lvl7pPr>
+            <a:lvl8pPr marL="12801600" indent="0">
+              <a:buNone/>
+              <a:defRPr sz="6400" b="1"/>
+            </a:lvl8pPr>
+            <a:lvl9pPr marL="14630400" indent="0">
+              <a:buNone/>
+              <a:defRPr sz="6400" b="1"/>
+            </a:lvl9pPr>
+          </a:lstStyle>
+          <a:p>
+            <a:pPr lvl="0"/>
+            <a:r>
+              <a:rPr lang="zh-TW" altLang="en-US" smtClean="0"/>
+              <a:t>按一下以編輯母片文字樣式</a:t>
+            </a:r>
+          </a:p>
+        </p:txBody>
+      </p:sp>
+      <p:sp>
+        <p:nvSpPr>
+          <p:cNvPr id="10" name="Text Placeholder 3"/>
+          <p:cNvSpPr>
+            <a:spLocks noGrp="1"/>
+          </p:cNvSpPr>
+          <p:nvPr>
+            <p:ph type="body" sz="half" idx="16"/>
+          </p:nvPr>
+        </p:nvSpPr>
+        <p:spPr>
+          <a:xfrm>
+            <a:off x="13203124" y="11616272"/>
+            <a:ext cx="10241280" cy="13438288"/>
+          </a:xfrm>
+        </p:spPr>
+        <p:txBody>
+          <a:bodyPr anchor="t">
+            <a:normAutofit/>
+          </a:bodyPr>
+          <a:lstStyle>
+            <a:lvl1pPr marL="0" indent="0">
+              <a:buNone/>
+              <a:defRPr sz="5600"/>
+            </a:lvl1pPr>
+            <a:lvl2pPr marL="1828800" indent="0">
+              <a:buNone/>
+              <a:defRPr sz="4800"/>
+            </a:lvl2pPr>
+            <a:lvl3pPr marL="3657600" indent="0">
+              <a:buNone/>
+              <a:defRPr sz="4000"/>
+            </a:lvl3pPr>
+            <a:lvl4pPr marL="5486400" indent="0">
+              <a:buNone/>
+              <a:defRPr sz="3600"/>
+            </a:lvl4pPr>
+            <a:lvl5pPr marL="7315200" indent="0">
+              <a:buNone/>
+              <a:defRPr sz="3600"/>
+            </a:lvl5pPr>
+            <a:lvl6pPr marL="9144000" indent="0">
+              <a:buNone/>
+              <a:defRPr sz="3600"/>
+            </a:lvl6pPr>
+            <a:lvl7pPr marL="10972800" indent="0">
+              <a:buNone/>
+              <a:defRPr sz="3600"/>
+            </a:lvl7pPr>
+            <a:lvl8pPr marL="12801600" indent="0">
+              <a:buNone/>
+              <a:defRPr sz="3600"/>
+            </a:lvl8pPr>
+            <a:lvl9pPr marL="14630400" indent="0">
+              <a:buNone/>
+              <a:defRPr sz="3600"/>
+            </a:lvl9pPr>
+          </a:lstStyle>
+          <a:p>
+            <a:pPr lvl="0"/>
+            <a:r>
+              <a:rPr lang="zh-TW" altLang="en-US" smtClean="0"/>
+              <a:t>按一下以編輯母片文字樣式</a:t>
+            </a:r>
+          </a:p>
+        </p:txBody>
+      </p:sp>
+      <p:sp>
+        <p:nvSpPr>
+          <p:cNvPr id="11" name="Text Placeholder 4"/>
+          <p:cNvSpPr>
+            <a:spLocks noGrp="1"/>
+          </p:cNvSpPr>
+          <p:nvPr>
+            <p:ph type="body" sz="quarter" idx="13"/>
+          </p:nvPr>
+        </p:nvSpPr>
+        <p:spPr>
+          <a:xfrm>
+            <a:off x="23957276" y="8771464"/>
+            <a:ext cx="10241280" cy="2506136"/>
+          </a:xfrm>
+        </p:spPr>
+        <p:txBody>
+          <a:bodyPr anchor="b">
+            <a:noAutofit/>
+          </a:bodyPr>
+          <a:lstStyle>
+            <a:lvl1pPr marL="0" indent="0">
+              <a:buNone/>
+              <a:defRPr sz="9600" b="0">
+                <a:solidFill>
+                  <a:schemeClr val="tx1"/>
+                </a:solidFill>
+              </a:defRPr>
+            </a:lvl1pPr>
+            <a:lvl2pPr marL="1828800" indent="0">
+              <a:buNone/>
+              <a:defRPr sz="8000" b="1"/>
+            </a:lvl2pPr>
+            <a:lvl3pPr marL="3657600" indent="0">
+              <a:buNone/>
+              <a:defRPr sz="7200" b="1"/>
+            </a:lvl3pPr>
+            <a:lvl4pPr marL="5486400" indent="0">
+              <a:buNone/>
+              <a:defRPr sz="6400" b="1"/>
+            </a:lvl4pPr>
+            <a:lvl5pPr marL="7315200" indent="0">
+              <a:buNone/>
+              <a:defRPr sz="6400" b="1"/>
+            </a:lvl5pPr>
+            <a:lvl6pPr marL="9144000" indent="0">
+              <a:buNone/>
+              <a:defRPr sz="6400" b="1"/>
+            </a:lvl6pPr>
+            <a:lvl7pPr marL="10972800" indent="0">
+              <a:buNone/>
+              <a:defRPr sz="6400" b="1"/>
+            </a:lvl7pPr>
+            <a:lvl8pPr marL="12801600" indent="0">
+              <a:buNone/>
+              <a:defRPr sz="6400" b="1"/>
+            </a:lvl8pPr>
+            <a:lvl9pPr marL="14630400" indent="0">
+              <a:buNone/>
+              <a:defRPr sz="6400" b="1"/>
+            </a:lvl9pPr>
+          </a:lstStyle>
+          <a:p>
+            <a:pPr lvl="0"/>
+            <a:r>
+              <a:rPr lang="zh-TW" altLang="en-US" smtClean="0"/>
+              <a:t>按一下以編輯母片文字樣式</a:t>
+            </a:r>
+          </a:p>
+        </p:txBody>
+      </p:sp>
+      <p:sp>
+        <p:nvSpPr>
+          <p:cNvPr id="12" name="Text Placeholder 3"/>
+          <p:cNvSpPr>
+            <a:spLocks noGrp="1"/>
+          </p:cNvSpPr>
+          <p:nvPr>
+            <p:ph type="body" sz="half" idx="17"/>
+          </p:nvPr>
+        </p:nvSpPr>
+        <p:spPr>
+          <a:xfrm>
+            <a:off x="23957280" y="11618258"/>
+            <a:ext cx="10241280" cy="13436316"/>
+          </a:xfrm>
+        </p:spPr>
+        <p:txBody>
+          <a:bodyPr anchor="t">
+            <a:normAutofit/>
+          </a:bodyPr>
+          <a:lstStyle>
+            <a:lvl1pPr marL="0" indent="0">
+              <a:buNone/>
+              <a:defRPr sz="5600"/>
+            </a:lvl1pPr>
+            <a:lvl2pPr marL="1828800" indent="0">
+              <a:buNone/>
+              <a:defRPr sz="4800"/>
+            </a:lvl2pPr>
+            <a:lvl3pPr marL="3657600" indent="0">
+              <a:buNone/>
+              <a:defRPr sz="4000"/>
+            </a:lvl3pPr>
+            <a:lvl4pPr marL="5486400" indent="0">
+              <a:buNone/>
+              <a:defRPr sz="3600"/>
+            </a:lvl4pPr>
+            <a:lvl5pPr marL="7315200" indent="0">
+              <a:buNone/>
+              <a:defRPr sz="3600"/>
+            </a:lvl5pPr>
+            <a:lvl6pPr marL="9144000" indent="0">
+              <a:buNone/>
+              <a:defRPr sz="3600"/>
+            </a:lvl6pPr>
+            <a:lvl7pPr marL="10972800" indent="0">
+              <a:buNone/>
+              <a:defRPr sz="3600"/>
+            </a:lvl7pPr>
+            <a:lvl8pPr marL="12801600" indent="0">
+              <a:buNone/>
+              <a:defRPr sz="3600"/>
+            </a:lvl8pPr>
+            <a:lvl9pPr marL="14630400" indent="0">
+              <a:buNone/>
+              <a:defRPr sz="3600"/>
+            </a:lvl9pPr>
+          </a:lstStyle>
+          <a:p>
+            <a:pPr lvl="0"/>
+            <a:r>
+              <a:rPr lang="zh-TW" altLang="en-US" smtClean="0"/>
+              <a:t>按一下以編輯母片文字樣式</a:t>
+            </a:r>
+          </a:p>
+        </p:txBody>
+      </p:sp>
+      <p:sp>
+        <p:nvSpPr>
+          <p:cNvPr id="3" name="Date Placeholder 2"/>
+          <p:cNvSpPr>
+            <a:spLocks noGrp="1"/>
+          </p:cNvSpPr>
+          <p:nvPr>
+            <p:ph type="dt" sz="half" idx="10"/>
+          </p:nvPr>
+        </p:nvSpPr>
+        <p:spPr/>
         <p:txBody>
           <a:bodyPr/>
           <a:lstStyle/>
           <a:p>
-            <a:pPr lvl="0"/>
-            <a:r>
-              <a:rPr lang="en-US" smtClean="0"/>
-              <a:t>Click to edit Master text styles</a:t>
-            </a:r>
-          </a:p>
-          <a:p>
-            <a:pPr lvl="1"/>
-            <a:r>
-              <a:rPr lang="en-US" smtClean="0"/>
-              <a:t>Second level</a:t>
-            </a:r>
-          </a:p>
-          <a:p>
-            <a:pPr lvl="2"/>
-            <a:r>
-              <a:rPr lang="en-US" smtClean="0"/>
-              <a:t>Third level</a:t>
-            </a:r>
-          </a:p>
-          <a:p>
-            <a:pPr lvl="3"/>
-            <a:r>
-              <a:rPr lang="en-US" smtClean="0"/>
-              <a:t>Fourth level</a:t>
-            </a:r>
-          </a:p>
-          <a:p>
-            <a:pPr lvl="4"/>
-            <a:r>
-              <a:rPr lang="en-US" smtClean="0"/>
-              <a:t>Fifth level</a:t>
-            </a:r>
-            <a:endParaRPr lang="en-US"/>
-          </a:p>
-        </p:txBody>
-      </p:sp>
-      <p:sp>
-        <p:nvSpPr>
-          <p:cNvPr id="4" name="Content Placeholder 3"/>
-          <p:cNvSpPr>
-            <a:spLocks noGrp="1"/>
-          </p:cNvSpPr>
-          <p:nvPr>
-            <p:ph sz="half" idx="2"/>
-          </p:nvPr>
-        </p:nvSpPr>
-        <p:spPr>
-          <a:xfrm>
-            <a:off x="18362613" y="6418263"/>
-            <a:ext cx="16381412" cy="18102262"/>
-          </a:xfrm>
-        </p:spPr>
+            <a:endParaRPr lang="en-GB" altLang="x-none"/>
+          </a:p>
+        </p:txBody>
+      </p:sp>
+      <p:sp>
+        <p:nvSpPr>
+          <p:cNvPr id="4" name="Footer Placeholder 3"/>
+          <p:cNvSpPr>
+            <a:spLocks noGrp="1"/>
+          </p:cNvSpPr>
+          <p:nvPr>
+            <p:ph type="ftr" sz="quarter" idx="11"/>
+          </p:nvPr>
+        </p:nvSpPr>
+        <p:spPr/>
         <p:txBody>
           <a:bodyPr/>
           <a:lstStyle/>
           <a:p>
-            <a:pPr lvl="0"/>
-            <a:r>
-              <a:rPr lang="en-US" smtClean="0"/>
-              <a:t>Click to edit Master text styles</a:t>
-            </a:r>
-          </a:p>
-          <a:p>
-            <a:pPr lvl="1"/>
-            <a:r>
-              <a:rPr lang="en-US" smtClean="0"/>
-              <a:t>Second level</a:t>
-            </a:r>
-          </a:p>
-          <a:p>
-            <a:pPr lvl="2"/>
-            <a:r>
-              <a:rPr lang="en-US" smtClean="0"/>
-              <a:t>Third level</a:t>
-            </a:r>
-          </a:p>
-          <a:p>
-            <a:pPr lvl="3"/>
-            <a:r>
-              <a:rPr lang="en-US" smtClean="0"/>
-              <a:t>Fourth level</a:t>
-            </a:r>
-          </a:p>
-          <a:p>
-            <a:pPr lvl="4"/>
-            <a:r>
-              <a:rPr lang="en-US" smtClean="0"/>
-              <a:t>Fifth level</a:t>
-            </a:r>
-            <a:endParaRPr lang="en-US"/>
-          </a:p>
-        </p:txBody>
-      </p:sp>
-      <p:sp>
-        <p:nvSpPr>
-          <p:cNvPr id="5" name="Date Placeholder 4"/>
-          <p:cNvSpPr>
-            <a:spLocks noGrp="1"/>
-          </p:cNvSpPr>
-          <p:nvPr>
-            <p:ph type="dt" idx="10"/>
+            <a:endParaRPr lang="en-GB" altLang="x-none"/>
+          </a:p>
+        </p:txBody>
+      </p:sp>
+      <p:sp>
+        <p:nvSpPr>
+          <p:cNvPr id="5" name="Slide Number Placeholder 4"/>
+          <p:cNvSpPr>
+            <a:spLocks noGrp="1"/>
+          </p:cNvSpPr>
+          <p:nvPr>
+            <p:ph type="sldNum" sz="quarter" idx="12"/>
           </p:nvPr>
         </p:nvSpPr>
         <p:spPr/>
         <p:txBody>
           <a:bodyPr/>
-          <a:lstStyle>
-            <a:lvl1pPr>
-              <a:defRPr/>
-            </a:lvl1pPr>
-          </a:lstStyle>
-          <a:p>
-            <a:endParaRPr lang="en-GB" altLang="x-none"/>
-          </a:p>
-        </p:txBody>
-      </p:sp>
-      <p:sp>
-        <p:nvSpPr>
-          <p:cNvPr id="6" name="Footer Placeholder 5"/>
-          <p:cNvSpPr>
-            <a:spLocks noGrp="1"/>
-          </p:cNvSpPr>
-          <p:nvPr>
-            <p:ph type="ftr" idx="11"/>
-          </p:nvPr>
-        </p:nvSpPr>
-        <p:spPr/>
-        <p:txBody>
-          <a:bodyPr/>
-          <a:lstStyle>
-            <a:lvl1pPr>
-              <a:defRPr/>
-            </a:lvl1pPr>
-          </a:lstStyle>
-          <a:p>
-            <a:endParaRPr lang="en-GB" altLang="x-none"/>
-          </a:p>
-        </p:txBody>
-      </p:sp>
-      <p:sp>
-        <p:nvSpPr>
-          <p:cNvPr id="7" name="Slide Number Placeholder 6"/>
-          <p:cNvSpPr>
-            <a:spLocks noGrp="1"/>
-          </p:cNvSpPr>
-          <p:nvPr>
-            <p:ph type="sldNum" idx="12"/>
-          </p:nvPr>
-        </p:nvSpPr>
-        <p:spPr/>
-        <p:txBody>
-          <a:bodyPr/>
-          <a:lstStyle>
-            <a:lvl1pPr>
-              <a:defRPr/>
-            </a:lvl1pPr>
-          </a:lstStyle>
-          <a:p>
-            <a:fld id="{EA67221A-1568-0C45-8C59-2D110DE5A554}" type="slidenum">
-              <a:rPr lang="en-GB" altLang="x-none"/>
+          <a:lstStyle/>
+          <a:p>
+            <a:fld id="{AD74203F-F9AA-184C-B023-F705B72C1A29}" type="slidenum">
+              <a:rPr lang="en-GB" altLang="x-none" smtClean="0"/>
               <a:pPr/>
               <a:t>‹#›</a:t>
             </a:fld>
@@ -2145,21 +2981,17 @@
         </p:txBody>
       </p:sp>
     </p:spTree>
-    <p:extLst>
-      <p:ext uri="{BB962C8B-B14F-4D97-AF65-F5344CB8AC3E}">
-        <p14:creationId xmlns:p14="http://schemas.microsoft.com/office/powerpoint/2010/main" val="686371577"/>
-      </p:ext>
-    </p:extLst>
   </p:cSld>
   <p:clrMapOvr>
     <a:masterClrMapping/>
   </p:clrMapOvr>
+  <p:hf sldNum="0" hdr="0" ftr="0" dt="0"/>
 </p:sldLayout>
 </file>
 
-<file path=ppt/slideLayouts/slideLayout5.xml><?xml version="1.0" encoding="utf-8"?>
-<p:sldLayout xmlns:a="http://schemas.openxmlformats.org/drawingml/2006/main" xmlns:r="http://schemas.openxmlformats.org/officeDocument/2006/relationships" xmlns:p="http://schemas.openxmlformats.org/presentationml/2006/main" type="twoTxTwoObj" preserve="1">
-  <p:cSld name="Comparison">
+<file path=ppt/slideLayouts/slideLayout15.xml><?xml version="1.0" encoding="utf-8"?>
+<p:sldLayout xmlns:a="http://schemas.openxmlformats.org/drawingml/2006/main" xmlns:r="http://schemas.openxmlformats.org/officeDocument/2006/relationships" xmlns:p="http://schemas.openxmlformats.org/presentationml/2006/main" preserve="1">
+  <p:cSld name="3 圖片欄">
     <p:spTree>
       <p:nvGrpSpPr>
         <p:cNvPr id="1" name=""/>
@@ -2176,7 +3008,7 @@
       </p:grpSpPr>
       <p:sp>
         <p:nvSpPr>
-          <p:cNvPr id="2" name="Title 1"/>
+          <p:cNvPr id="30" name="Title 1"/>
           <p:cNvSpPr>
             <a:spLocks noGrp="1"/>
           </p:cNvSpPr>
@@ -2186,8 +3018,8 @@
         </p:nvSpPr>
         <p:spPr>
           <a:xfrm>
-            <a:off x="2519363" y="1460500"/>
-            <a:ext cx="31546800" cy="5302250"/>
+            <a:off x="8686808" y="3048000"/>
+            <a:ext cx="25527936" cy="5181600"/>
           </a:xfrm>
         </p:spPr>
         <p:txBody>
@@ -2195,16 +3027,16 @@
           <a:lstStyle/>
           <a:p>
             <a:r>
-              <a:rPr lang="en-US" smtClean="0"/>
-              <a:t>Click to edit Master title style</a:t>
-            </a:r>
-            <a:endParaRPr lang="en-US"/>
-          </a:p>
-        </p:txBody>
-      </p:sp>
-      <p:sp>
-        <p:nvSpPr>
-          <p:cNvPr id="3" name="Text Placeholder 2"/>
+              <a:rPr lang="zh-TW" altLang="en-US" smtClean="0"/>
+              <a:t>按一下以編輯母片標題樣式</a:t>
+            </a:r>
+            <a:endParaRPr lang="en-US" dirty="0"/>
+          </a:p>
+        </p:txBody>
+      </p:sp>
+      <p:sp>
+        <p:nvSpPr>
+          <p:cNvPr id="19" name="Text Placeholder 2"/>
           <p:cNvSpPr>
             <a:spLocks noGrp="1"/>
           </p:cNvSpPr>
@@ -2214,305 +3046,700 @@
         </p:nvSpPr>
         <p:spPr>
           <a:xfrm>
-            <a:off x="2519363" y="6724650"/>
-            <a:ext cx="15473362" cy="3295650"/>
-          </a:xfrm>
-        </p:spPr>
-        <p:txBody>
-          <a:bodyPr anchor="b"/>
+            <a:off x="2377440" y="16453362"/>
+            <a:ext cx="10241280" cy="2731060"/>
+          </a:xfrm>
+        </p:spPr>
+        <p:txBody>
+          <a:bodyPr anchor="b">
+            <a:noAutofit/>
+          </a:bodyPr>
           <a:lstStyle>
             <a:lvl1pPr marL="0" indent="0">
               <a:buNone/>
-              <a:defRPr sz="2400" b="1"/>
+              <a:defRPr sz="9600" b="0">
+                <a:solidFill>
+                  <a:schemeClr val="tx1"/>
+                </a:solidFill>
+              </a:defRPr>
             </a:lvl1pPr>
-            <a:lvl2pPr marL="457200" indent="0">
-              <a:buNone/>
-              <a:defRPr sz="2000" b="1"/>
+            <a:lvl2pPr marL="1828800" indent="0">
+              <a:buNone/>
+              <a:defRPr sz="8000" b="1"/>
             </a:lvl2pPr>
-            <a:lvl3pPr marL="914400" indent="0">
-              <a:buNone/>
-              <a:defRPr sz="1800" b="1"/>
+            <a:lvl3pPr marL="3657600" indent="0">
+              <a:buNone/>
+              <a:defRPr sz="7200" b="1"/>
             </a:lvl3pPr>
-            <a:lvl4pPr marL="1371600" indent="0">
-              <a:buNone/>
-              <a:defRPr sz="1600" b="1"/>
+            <a:lvl4pPr marL="5486400" indent="0">
+              <a:buNone/>
+              <a:defRPr sz="6400" b="1"/>
             </a:lvl4pPr>
-            <a:lvl5pPr marL="1828800" indent="0">
-              <a:buNone/>
-              <a:defRPr sz="1600" b="1"/>
+            <a:lvl5pPr marL="7315200" indent="0">
+              <a:buNone/>
+              <a:defRPr sz="6400" b="1"/>
             </a:lvl5pPr>
-            <a:lvl6pPr marL="2286000" indent="0">
-              <a:buNone/>
-              <a:defRPr sz="1600" b="1"/>
+            <a:lvl6pPr marL="9144000" indent="0">
+              <a:buNone/>
+              <a:defRPr sz="6400" b="1"/>
             </a:lvl6pPr>
-            <a:lvl7pPr marL="2743200" indent="0">
-              <a:buNone/>
-              <a:defRPr sz="1600" b="1"/>
+            <a:lvl7pPr marL="10972800" indent="0">
+              <a:buNone/>
+              <a:defRPr sz="6400" b="1"/>
             </a:lvl7pPr>
-            <a:lvl8pPr marL="3200400" indent="0">
-              <a:buNone/>
-              <a:defRPr sz="1600" b="1"/>
+            <a:lvl8pPr marL="12801600" indent="0">
+              <a:buNone/>
+              <a:defRPr sz="6400" b="1"/>
             </a:lvl8pPr>
-            <a:lvl9pPr marL="3657600" indent="0">
-              <a:buNone/>
-              <a:defRPr sz="1600" b="1"/>
+            <a:lvl9pPr marL="14630400" indent="0">
+              <a:buNone/>
+              <a:defRPr sz="6400" b="1"/>
             </a:lvl9pPr>
           </a:lstStyle>
           <a:p>
             <a:pPr lvl="0"/>
             <a:r>
-              <a:rPr lang="en-US" smtClean="0"/>
-              <a:t>Click to edit Master text styles</a:t>
-            </a:r>
-          </a:p>
-        </p:txBody>
-      </p:sp>
-      <p:sp>
-        <p:nvSpPr>
-          <p:cNvPr id="4" name="Content Placeholder 3"/>
-          <p:cNvSpPr>
-            <a:spLocks noGrp="1"/>
-          </p:cNvSpPr>
-          <p:nvPr>
-            <p:ph sz="half" idx="2"/>
+              <a:rPr lang="zh-TW" altLang="en-US" smtClean="0"/>
+              <a:t>按一下以編輯母片文字樣式</a:t>
+            </a:r>
+          </a:p>
+        </p:txBody>
+      </p:sp>
+      <p:sp>
+        <p:nvSpPr>
+          <p:cNvPr id="20" name="Picture Placeholder 2"/>
+          <p:cNvSpPr>
+            <a:spLocks noGrp="1" noChangeAspect="1"/>
+          </p:cNvSpPr>
+          <p:nvPr>
+            <p:ph type="pic" idx="15"/>
           </p:nvPr>
         </p:nvSpPr>
         <p:spPr>
           <a:xfrm>
-            <a:off x="2519363" y="10020300"/>
-            <a:ext cx="15473362" cy="14738350"/>
-          </a:xfrm>
-        </p:spPr>
+            <a:off x="2377440" y="9326880"/>
+            <a:ext cx="10241280" cy="6029200"/>
+          </a:xfrm>
+          <a:prstGeom prst="roundRect">
+            <a:avLst>
+              <a:gd name="adj" fmla="val 0"/>
+            </a:avLst>
+          </a:prstGeom>
+          <a:effectLst>
+            <a:outerShdw blurRad="50800" dist="50800" dir="5400000" algn="tl" rotWithShape="0">
+              <a:srgbClr val="000000">
+                <a:alpha val="43000"/>
+              </a:srgbClr>
+            </a:outerShdw>
+          </a:effectLst>
+        </p:spPr>
+        <p:txBody>
+          <a:bodyPr anchor="t">
+            <a:normAutofit/>
+          </a:bodyPr>
+          <a:lstStyle>
+            <a:lvl1pPr marL="0" indent="0" algn="ctr">
+              <a:buNone/>
+              <a:defRPr sz="6400"/>
+            </a:lvl1pPr>
+            <a:lvl2pPr marL="1828800" indent="0">
+              <a:buNone/>
+              <a:defRPr sz="6400"/>
+            </a:lvl2pPr>
+            <a:lvl3pPr marL="3657600" indent="0">
+              <a:buNone/>
+              <a:defRPr sz="6400"/>
+            </a:lvl3pPr>
+            <a:lvl4pPr marL="5486400" indent="0">
+              <a:buNone/>
+              <a:defRPr sz="6400"/>
+            </a:lvl4pPr>
+            <a:lvl5pPr marL="7315200" indent="0">
+              <a:buNone/>
+              <a:defRPr sz="6400"/>
+            </a:lvl5pPr>
+            <a:lvl6pPr marL="9144000" indent="0">
+              <a:buNone/>
+              <a:defRPr sz="6400"/>
+            </a:lvl6pPr>
+            <a:lvl7pPr marL="10972800" indent="0">
+              <a:buNone/>
+              <a:defRPr sz="6400"/>
+            </a:lvl7pPr>
+            <a:lvl8pPr marL="12801600" indent="0">
+              <a:buNone/>
+              <a:defRPr sz="6400"/>
+            </a:lvl8pPr>
+            <a:lvl9pPr marL="14630400" indent="0">
+              <a:buNone/>
+              <a:defRPr sz="6400"/>
+            </a:lvl9pPr>
+          </a:lstStyle>
+          <a:p>
+            <a:r>
+              <a:rPr lang="zh-TW" altLang="en-US" smtClean="0"/>
+              <a:t>將圖片拖曳至版面配置區或按一下圖示以新增</a:t>
+            </a:r>
+            <a:endParaRPr lang="en-US" dirty="0"/>
+          </a:p>
+        </p:txBody>
+      </p:sp>
+      <p:sp>
+        <p:nvSpPr>
+          <p:cNvPr id="21" name="Text Placeholder 3"/>
+          <p:cNvSpPr>
+            <a:spLocks noGrp="1"/>
+          </p:cNvSpPr>
+          <p:nvPr>
+            <p:ph type="body" sz="half" idx="18"/>
+          </p:nvPr>
+        </p:nvSpPr>
+        <p:spPr>
+          <a:xfrm>
+            <a:off x="2377440" y="19184414"/>
+            <a:ext cx="10241280" cy="5870148"/>
+          </a:xfrm>
+        </p:spPr>
+        <p:txBody>
+          <a:bodyPr anchor="t">
+            <a:normAutofit/>
+          </a:bodyPr>
+          <a:lstStyle>
+            <a:lvl1pPr marL="0" indent="0">
+              <a:buNone/>
+              <a:defRPr sz="5600"/>
+            </a:lvl1pPr>
+            <a:lvl2pPr marL="1828800" indent="0">
+              <a:buNone/>
+              <a:defRPr sz="4800"/>
+            </a:lvl2pPr>
+            <a:lvl3pPr marL="3657600" indent="0">
+              <a:buNone/>
+              <a:defRPr sz="4000"/>
+            </a:lvl3pPr>
+            <a:lvl4pPr marL="5486400" indent="0">
+              <a:buNone/>
+              <a:defRPr sz="3600"/>
+            </a:lvl4pPr>
+            <a:lvl5pPr marL="7315200" indent="0">
+              <a:buNone/>
+              <a:defRPr sz="3600"/>
+            </a:lvl5pPr>
+            <a:lvl6pPr marL="9144000" indent="0">
+              <a:buNone/>
+              <a:defRPr sz="3600"/>
+            </a:lvl6pPr>
+            <a:lvl7pPr marL="10972800" indent="0">
+              <a:buNone/>
+              <a:defRPr sz="3600"/>
+            </a:lvl7pPr>
+            <a:lvl8pPr marL="12801600" indent="0">
+              <a:buNone/>
+              <a:defRPr sz="3600"/>
+            </a:lvl8pPr>
+            <a:lvl9pPr marL="14630400" indent="0">
+              <a:buNone/>
+              <a:defRPr sz="3600"/>
+            </a:lvl9pPr>
+          </a:lstStyle>
+          <a:p>
+            <a:pPr lvl="0"/>
+            <a:r>
+              <a:rPr lang="zh-TW" altLang="en-US" smtClean="0"/>
+              <a:t>按一下以編輯母片文字樣式</a:t>
+            </a:r>
+          </a:p>
+        </p:txBody>
+      </p:sp>
+      <p:sp>
+        <p:nvSpPr>
+          <p:cNvPr id="22" name="Text Placeholder 4"/>
+          <p:cNvSpPr>
+            <a:spLocks noGrp="1"/>
+          </p:cNvSpPr>
+          <p:nvPr>
+            <p:ph type="body" sz="quarter" idx="3"/>
+          </p:nvPr>
+        </p:nvSpPr>
+        <p:spPr>
+          <a:xfrm>
+            <a:off x="13167492" y="16453362"/>
+            <a:ext cx="10241280" cy="2731060"/>
+          </a:xfrm>
+        </p:spPr>
+        <p:txBody>
+          <a:bodyPr anchor="b">
+            <a:noAutofit/>
+          </a:bodyPr>
+          <a:lstStyle>
+            <a:lvl1pPr marL="0" indent="0">
+              <a:buNone/>
+              <a:defRPr sz="9600" b="0">
+                <a:solidFill>
+                  <a:schemeClr val="tx1"/>
+                </a:solidFill>
+              </a:defRPr>
+            </a:lvl1pPr>
+            <a:lvl2pPr marL="1828800" indent="0">
+              <a:buNone/>
+              <a:defRPr sz="8000" b="1"/>
+            </a:lvl2pPr>
+            <a:lvl3pPr marL="3657600" indent="0">
+              <a:buNone/>
+              <a:defRPr sz="7200" b="1"/>
+            </a:lvl3pPr>
+            <a:lvl4pPr marL="5486400" indent="0">
+              <a:buNone/>
+              <a:defRPr sz="6400" b="1"/>
+            </a:lvl4pPr>
+            <a:lvl5pPr marL="7315200" indent="0">
+              <a:buNone/>
+              <a:defRPr sz="6400" b="1"/>
+            </a:lvl5pPr>
+            <a:lvl6pPr marL="9144000" indent="0">
+              <a:buNone/>
+              <a:defRPr sz="6400" b="1"/>
+            </a:lvl6pPr>
+            <a:lvl7pPr marL="10972800" indent="0">
+              <a:buNone/>
+              <a:defRPr sz="6400" b="1"/>
+            </a:lvl7pPr>
+            <a:lvl8pPr marL="12801600" indent="0">
+              <a:buNone/>
+              <a:defRPr sz="6400" b="1"/>
+            </a:lvl8pPr>
+            <a:lvl9pPr marL="14630400" indent="0">
+              <a:buNone/>
+              <a:defRPr sz="6400" b="1"/>
+            </a:lvl9pPr>
+          </a:lstStyle>
+          <a:p>
+            <a:pPr lvl="0"/>
+            <a:r>
+              <a:rPr lang="zh-TW" altLang="en-US" smtClean="0"/>
+              <a:t>按一下以編輯母片文字樣式</a:t>
+            </a:r>
+          </a:p>
+        </p:txBody>
+      </p:sp>
+      <p:sp>
+        <p:nvSpPr>
+          <p:cNvPr id="23" name="Picture Placeholder 2"/>
+          <p:cNvSpPr>
+            <a:spLocks noGrp="1" noChangeAspect="1"/>
+          </p:cNvSpPr>
+          <p:nvPr>
+            <p:ph type="pic" idx="21"/>
+          </p:nvPr>
+        </p:nvSpPr>
+        <p:spPr>
+          <a:xfrm>
+            <a:off x="13167488" y="9326880"/>
+            <a:ext cx="10241280" cy="6039448"/>
+          </a:xfrm>
+          <a:prstGeom prst="roundRect">
+            <a:avLst>
+              <a:gd name="adj" fmla="val 0"/>
+            </a:avLst>
+          </a:prstGeom>
+          <a:effectLst>
+            <a:outerShdw blurRad="50800" dist="50800" dir="5400000" algn="tl" rotWithShape="0">
+              <a:srgbClr val="000000">
+                <a:alpha val="43000"/>
+              </a:srgbClr>
+            </a:outerShdw>
+          </a:effectLst>
+        </p:spPr>
+        <p:txBody>
+          <a:bodyPr anchor="t">
+            <a:normAutofit/>
+          </a:bodyPr>
+          <a:lstStyle>
+            <a:lvl1pPr marL="0" indent="0" algn="ctr">
+              <a:buNone/>
+              <a:defRPr sz="6400"/>
+            </a:lvl1pPr>
+            <a:lvl2pPr marL="1828800" indent="0">
+              <a:buNone/>
+              <a:defRPr sz="6400"/>
+            </a:lvl2pPr>
+            <a:lvl3pPr marL="3657600" indent="0">
+              <a:buNone/>
+              <a:defRPr sz="6400"/>
+            </a:lvl3pPr>
+            <a:lvl4pPr marL="5486400" indent="0">
+              <a:buNone/>
+              <a:defRPr sz="6400"/>
+            </a:lvl4pPr>
+            <a:lvl5pPr marL="7315200" indent="0">
+              <a:buNone/>
+              <a:defRPr sz="6400"/>
+            </a:lvl5pPr>
+            <a:lvl6pPr marL="9144000" indent="0">
+              <a:buNone/>
+              <a:defRPr sz="6400"/>
+            </a:lvl6pPr>
+            <a:lvl7pPr marL="10972800" indent="0">
+              <a:buNone/>
+              <a:defRPr sz="6400"/>
+            </a:lvl7pPr>
+            <a:lvl8pPr marL="12801600" indent="0">
+              <a:buNone/>
+              <a:defRPr sz="6400"/>
+            </a:lvl8pPr>
+            <a:lvl9pPr marL="14630400" indent="0">
+              <a:buNone/>
+              <a:defRPr sz="6400"/>
+            </a:lvl9pPr>
+          </a:lstStyle>
+          <a:p>
+            <a:r>
+              <a:rPr lang="zh-TW" altLang="en-US" smtClean="0"/>
+              <a:t>將圖片拖曳至版面配置區或按一下圖示以新增</a:t>
+            </a:r>
+            <a:endParaRPr lang="en-US" dirty="0"/>
+          </a:p>
+        </p:txBody>
+      </p:sp>
+      <p:sp>
+        <p:nvSpPr>
+          <p:cNvPr id="24" name="Text Placeholder 3"/>
+          <p:cNvSpPr>
+            <a:spLocks noGrp="1"/>
+          </p:cNvSpPr>
+          <p:nvPr>
+            <p:ph type="body" sz="half" idx="19"/>
+          </p:nvPr>
+        </p:nvSpPr>
+        <p:spPr>
+          <a:xfrm>
+            <a:off x="13163432" y="19184410"/>
+            <a:ext cx="10241280" cy="5870148"/>
+          </a:xfrm>
+        </p:spPr>
+        <p:txBody>
+          <a:bodyPr anchor="t">
+            <a:normAutofit/>
+          </a:bodyPr>
+          <a:lstStyle>
+            <a:lvl1pPr marL="0" indent="0">
+              <a:buNone/>
+              <a:defRPr sz="5600"/>
+            </a:lvl1pPr>
+            <a:lvl2pPr marL="1828800" indent="0">
+              <a:buNone/>
+              <a:defRPr sz="4800"/>
+            </a:lvl2pPr>
+            <a:lvl3pPr marL="3657600" indent="0">
+              <a:buNone/>
+              <a:defRPr sz="4000"/>
+            </a:lvl3pPr>
+            <a:lvl4pPr marL="5486400" indent="0">
+              <a:buNone/>
+              <a:defRPr sz="3600"/>
+            </a:lvl4pPr>
+            <a:lvl5pPr marL="7315200" indent="0">
+              <a:buNone/>
+              <a:defRPr sz="3600"/>
+            </a:lvl5pPr>
+            <a:lvl6pPr marL="9144000" indent="0">
+              <a:buNone/>
+              <a:defRPr sz="3600"/>
+            </a:lvl6pPr>
+            <a:lvl7pPr marL="10972800" indent="0">
+              <a:buNone/>
+              <a:defRPr sz="3600"/>
+            </a:lvl7pPr>
+            <a:lvl8pPr marL="12801600" indent="0">
+              <a:buNone/>
+              <a:defRPr sz="3600"/>
+            </a:lvl8pPr>
+            <a:lvl9pPr marL="14630400" indent="0">
+              <a:buNone/>
+              <a:defRPr sz="3600"/>
+            </a:lvl9pPr>
+          </a:lstStyle>
+          <a:p>
+            <a:pPr lvl="0"/>
+            <a:r>
+              <a:rPr lang="zh-TW" altLang="en-US" smtClean="0"/>
+              <a:t>按一下以編輯母片文字樣式</a:t>
+            </a:r>
+          </a:p>
+        </p:txBody>
+      </p:sp>
+      <p:sp>
+        <p:nvSpPr>
+          <p:cNvPr id="25" name="Text Placeholder 4"/>
+          <p:cNvSpPr>
+            <a:spLocks noGrp="1"/>
+          </p:cNvSpPr>
+          <p:nvPr>
+            <p:ph type="body" sz="quarter" idx="13"/>
+          </p:nvPr>
+        </p:nvSpPr>
+        <p:spPr>
+          <a:xfrm>
+            <a:off x="23973460" y="16453362"/>
+            <a:ext cx="10241280" cy="2731060"/>
+          </a:xfrm>
+        </p:spPr>
+        <p:txBody>
+          <a:bodyPr anchor="b">
+            <a:noAutofit/>
+          </a:bodyPr>
+          <a:lstStyle>
+            <a:lvl1pPr marL="0" indent="0">
+              <a:buNone/>
+              <a:defRPr sz="9600" b="0">
+                <a:solidFill>
+                  <a:schemeClr val="tx1"/>
+                </a:solidFill>
+              </a:defRPr>
+            </a:lvl1pPr>
+            <a:lvl2pPr marL="1828800" indent="0">
+              <a:buNone/>
+              <a:defRPr sz="8000" b="1"/>
+            </a:lvl2pPr>
+            <a:lvl3pPr marL="3657600" indent="0">
+              <a:buNone/>
+              <a:defRPr sz="7200" b="1"/>
+            </a:lvl3pPr>
+            <a:lvl4pPr marL="5486400" indent="0">
+              <a:buNone/>
+              <a:defRPr sz="6400" b="1"/>
+            </a:lvl4pPr>
+            <a:lvl5pPr marL="7315200" indent="0">
+              <a:buNone/>
+              <a:defRPr sz="6400" b="1"/>
+            </a:lvl5pPr>
+            <a:lvl6pPr marL="9144000" indent="0">
+              <a:buNone/>
+              <a:defRPr sz="6400" b="1"/>
+            </a:lvl6pPr>
+            <a:lvl7pPr marL="10972800" indent="0">
+              <a:buNone/>
+              <a:defRPr sz="6400" b="1"/>
+            </a:lvl7pPr>
+            <a:lvl8pPr marL="12801600" indent="0">
+              <a:buNone/>
+              <a:defRPr sz="6400" b="1"/>
+            </a:lvl8pPr>
+            <a:lvl9pPr marL="14630400" indent="0">
+              <a:buNone/>
+              <a:defRPr sz="6400" b="1"/>
+            </a:lvl9pPr>
+          </a:lstStyle>
+          <a:p>
+            <a:pPr lvl="0"/>
+            <a:r>
+              <a:rPr lang="zh-TW" altLang="en-US" smtClean="0"/>
+              <a:t>按一下以編輯母片文字樣式</a:t>
+            </a:r>
+          </a:p>
+        </p:txBody>
+      </p:sp>
+      <p:sp>
+        <p:nvSpPr>
+          <p:cNvPr id="26" name="Picture Placeholder 2"/>
+          <p:cNvSpPr>
+            <a:spLocks noGrp="1" noChangeAspect="1"/>
+          </p:cNvSpPr>
+          <p:nvPr>
+            <p:ph type="pic" idx="22"/>
+          </p:nvPr>
+        </p:nvSpPr>
+        <p:spPr>
+          <a:xfrm>
+            <a:off x="23973456" y="9326886"/>
+            <a:ext cx="10241280" cy="6035676"/>
+          </a:xfrm>
+          <a:prstGeom prst="roundRect">
+            <a:avLst>
+              <a:gd name="adj" fmla="val 0"/>
+            </a:avLst>
+          </a:prstGeom>
+          <a:effectLst>
+            <a:outerShdw blurRad="50800" dist="50800" dir="5400000" algn="tl" rotWithShape="0">
+              <a:srgbClr val="000000">
+                <a:alpha val="43000"/>
+              </a:srgbClr>
+            </a:outerShdw>
+          </a:effectLst>
+        </p:spPr>
+        <p:txBody>
+          <a:bodyPr anchor="t">
+            <a:normAutofit/>
+          </a:bodyPr>
+          <a:lstStyle>
+            <a:lvl1pPr marL="0" indent="0" algn="ctr">
+              <a:buNone/>
+              <a:defRPr sz="6400"/>
+            </a:lvl1pPr>
+            <a:lvl2pPr marL="1828800" indent="0">
+              <a:buNone/>
+              <a:defRPr sz="6400"/>
+            </a:lvl2pPr>
+            <a:lvl3pPr marL="3657600" indent="0">
+              <a:buNone/>
+              <a:defRPr sz="6400"/>
+            </a:lvl3pPr>
+            <a:lvl4pPr marL="5486400" indent="0">
+              <a:buNone/>
+              <a:defRPr sz="6400"/>
+            </a:lvl4pPr>
+            <a:lvl5pPr marL="7315200" indent="0">
+              <a:buNone/>
+              <a:defRPr sz="6400"/>
+            </a:lvl5pPr>
+            <a:lvl6pPr marL="9144000" indent="0">
+              <a:buNone/>
+              <a:defRPr sz="6400"/>
+            </a:lvl6pPr>
+            <a:lvl7pPr marL="10972800" indent="0">
+              <a:buNone/>
+              <a:defRPr sz="6400"/>
+            </a:lvl7pPr>
+            <a:lvl8pPr marL="12801600" indent="0">
+              <a:buNone/>
+              <a:defRPr sz="6400"/>
+            </a:lvl8pPr>
+            <a:lvl9pPr marL="14630400" indent="0">
+              <a:buNone/>
+              <a:defRPr sz="6400"/>
+            </a:lvl9pPr>
+          </a:lstStyle>
+          <a:p>
+            <a:r>
+              <a:rPr lang="zh-TW" altLang="en-US" smtClean="0"/>
+              <a:t>將圖片拖曳至版面配置區或按一下圖示以新增</a:t>
+            </a:r>
+            <a:endParaRPr lang="en-US" dirty="0"/>
+          </a:p>
+        </p:txBody>
+      </p:sp>
+      <p:sp>
+        <p:nvSpPr>
+          <p:cNvPr id="27" name="Text Placeholder 3"/>
+          <p:cNvSpPr>
+            <a:spLocks noGrp="1"/>
+          </p:cNvSpPr>
+          <p:nvPr>
+            <p:ph type="body" sz="half" idx="20"/>
+          </p:nvPr>
+        </p:nvSpPr>
+        <p:spPr>
+          <a:xfrm>
+            <a:off x="23973088" y="19184402"/>
+            <a:ext cx="10241280" cy="5870148"/>
+          </a:xfrm>
+        </p:spPr>
+        <p:txBody>
+          <a:bodyPr anchor="t">
+            <a:normAutofit/>
+          </a:bodyPr>
+          <a:lstStyle>
+            <a:lvl1pPr marL="0" indent="0">
+              <a:buNone/>
+              <a:defRPr sz="5600"/>
+            </a:lvl1pPr>
+            <a:lvl2pPr marL="1828800" indent="0">
+              <a:buNone/>
+              <a:defRPr sz="4800"/>
+            </a:lvl2pPr>
+            <a:lvl3pPr marL="3657600" indent="0">
+              <a:buNone/>
+              <a:defRPr sz="4000"/>
+            </a:lvl3pPr>
+            <a:lvl4pPr marL="5486400" indent="0">
+              <a:buNone/>
+              <a:defRPr sz="3600"/>
+            </a:lvl4pPr>
+            <a:lvl5pPr marL="7315200" indent="0">
+              <a:buNone/>
+              <a:defRPr sz="3600"/>
+            </a:lvl5pPr>
+            <a:lvl6pPr marL="9144000" indent="0">
+              <a:buNone/>
+              <a:defRPr sz="3600"/>
+            </a:lvl6pPr>
+            <a:lvl7pPr marL="10972800" indent="0">
+              <a:buNone/>
+              <a:defRPr sz="3600"/>
+            </a:lvl7pPr>
+            <a:lvl8pPr marL="12801600" indent="0">
+              <a:buNone/>
+              <a:defRPr sz="3600"/>
+            </a:lvl8pPr>
+            <a:lvl9pPr marL="14630400" indent="0">
+              <a:buNone/>
+              <a:defRPr sz="3600"/>
+            </a:lvl9pPr>
+          </a:lstStyle>
+          <a:p>
+            <a:pPr lvl="0"/>
+            <a:r>
+              <a:rPr lang="zh-TW" altLang="en-US" smtClean="0"/>
+              <a:t>按一下以編輯母片文字樣式</a:t>
+            </a:r>
+          </a:p>
+        </p:txBody>
+      </p:sp>
+      <p:sp>
+        <p:nvSpPr>
+          <p:cNvPr id="3" name="Date Placeholder 2"/>
+          <p:cNvSpPr>
+            <a:spLocks noGrp="1"/>
+          </p:cNvSpPr>
+          <p:nvPr>
+            <p:ph type="dt" sz="half" idx="10"/>
+          </p:nvPr>
+        </p:nvSpPr>
+        <p:spPr/>
         <p:txBody>
           <a:bodyPr/>
           <a:lstStyle/>
           <a:p>
-            <a:pPr lvl="0"/>
-            <a:r>
-              <a:rPr lang="en-US" smtClean="0"/>
-              <a:t>Click to edit Master text styles</a:t>
-            </a:r>
-          </a:p>
-          <a:p>
-            <a:pPr lvl="1"/>
-            <a:r>
-              <a:rPr lang="en-US" smtClean="0"/>
-              <a:t>Second level</a:t>
-            </a:r>
-          </a:p>
-          <a:p>
-            <a:pPr lvl="2"/>
-            <a:r>
-              <a:rPr lang="en-US" smtClean="0"/>
-              <a:t>Third level</a:t>
-            </a:r>
-          </a:p>
-          <a:p>
-            <a:pPr lvl="3"/>
-            <a:r>
-              <a:rPr lang="en-US" smtClean="0"/>
-              <a:t>Fourth level</a:t>
-            </a:r>
-          </a:p>
-          <a:p>
-            <a:pPr lvl="4"/>
-            <a:r>
-              <a:rPr lang="en-US" smtClean="0"/>
-              <a:t>Fifth level</a:t>
-            </a:r>
-            <a:endParaRPr lang="en-US"/>
-          </a:p>
-        </p:txBody>
-      </p:sp>
-      <p:sp>
-        <p:nvSpPr>
-          <p:cNvPr id="5" name="Text Placeholder 4"/>
-          <p:cNvSpPr>
-            <a:spLocks noGrp="1"/>
-          </p:cNvSpPr>
-          <p:nvPr>
-            <p:ph type="body" sz="quarter" idx="3"/>
-          </p:nvPr>
-        </p:nvSpPr>
-        <p:spPr>
-          <a:xfrm>
-            <a:off x="18516600" y="6724650"/>
-            <a:ext cx="15549563" cy="3295650"/>
-          </a:xfrm>
-        </p:spPr>
-        <p:txBody>
-          <a:bodyPr anchor="b"/>
-          <a:lstStyle>
-            <a:lvl1pPr marL="0" indent="0">
-              <a:buNone/>
-              <a:defRPr sz="2400" b="1"/>
-            </a:lvl1pPr>
-            <a:lvl2pPr marL="457200" indent="0">
-              <a:buNone/>
-              <a:defRPr sz="2000" b="1"/>
-            </a:lvl2pPr>
-            <a:lvl3pPr marL="914400" indent="0">
-              <a:buNone/>
-              <a:defRPr sz="1800" b="1"/>
-            </a:lvl3pPr>
-            <a:lvl4pPr marL="1371600" indent="0">
-              <a:buNone/>
-              <a:defRPr sz="1600" b="1"/>
-            </a:lvl4pPr>
-            <a:lvl5pPr marL="1828800" indent="0">
-              <a:buNone/>
-              <a:defRPr sz="1600" b="1"/>
-            </a:lvl5pPr>
-            <a:lvl6pPr marL="2286000" indent="0">
-              <a:buNone/>
-              <a:defRPr sz="1600" b="1"/>
-            </a:lvl6pPr>
-            <a:lvl7pPr marL="2743200" indent="0">
-              <a:buNone/>
-              <a:defRPr sz="1600" b="1"/>
-            </a:lvl7pPr>
-            <a:lvl8pPr marL="3200400" indent="0">
-              <a:buNone/>
-              <a:defRPr sz="1600" b="1"/>
-            </a:lvl8pPr>
-            <a:lvl9pPr marL="3657600" indent="0">
-              <a:buNone/>
-              <a:defRPr sz="1600" b="1"/>
-            </a:lvl9pPr>
-          </a:lstStyle>
-          <a:p>
-            <a:pPr lvl="0"/>
-            <a:r>
-              <a:rPr lang="en-US" smtClean="0"/>
-              <a:t>Click to edit Master text styles</a:t>
-            </a:r>
-          </a:p>
-        </p:txBody>
-      </p:sp>
-      <p:sp>
-        <p:nvSpPr>
-          <p:cNvPr id="6" name="Content Placeholder 5"/>
-          <p:cNvSpPr>
-            <a:spLocks noGrp="1"/>
-          </p:cNvSpPr>
-          <p:nvPr>
-            <p:ph sz="quarter" idx="4"/>
-          </p:nvPr>
-        </p:nvSpPr>
-        <p:spPr>
-          <a:xfrm>
-            <a:off x="18516600" y="10020300"/>
-            <a:ext cx="15549563" cy="14738350"/>
-          </a:xfrm>
-        </p:spPr>
+            <a:endParaRPr lang="en-GB" altLang="x-none"/>
+          </a:p>
+        </p:txBody>
+      </p:sp>
+      <p:sp>
+        <p:nvSpPr>
+          <p:cNvPr id="4" name="Footer Placeholder 3"/>
+          <p:cNvSpPr>
+            <a:spLocks noGrp="1"/>
+          </p:cNvSpPr>
+          <p:nvPr>
+            <p:ph type="ftr" sz="quarter" idx="11"/>
+          </p:nvPr>
+        </p:nvSpPr>
+        <p:spPr/>
         <p:txBody>
           <a:bodyPr/>
           <a:lstStyle/>
           <a:p>
-            <a:pPr lvl="0"/>
-            <a:r>
-              <a:rPr lang="en-US" smtClean="0"/>
-              <a:t>Click to edit Master text styles</a:t>
-            </a:r>
-          </a:p>
-          <a:p>
-            <a:pPr lvl="1"/>
-            <a:r>
-              <a:rPr lang="en-US" smtClean="0"/>
-              <a:t>Second level</a:t>
-            </a:r>
-          </a:p>
-          <a:p>
-            <a:pPr lvl="2"/>
-            <a:r>
-              <a:rPr lang="en-US" smtClean="0"/>
-              <a:t>Third level</a:t>
-            </a:r>
-          </a:p>
-          <a:p>
-            <a:pPr lvl="3"/>
-            <a:r>
-              <a:rPr lang="en-US" smtClean="0"/>
-              <a:t>Fourth level</a:t>
-            </a:r>
-          </a:p>
-          <a:p>
-            <a:pPr lvl="4"/>
-            <a:r>
-              <a:rPr lang="en-US" smtClean="0"/>
-              <a:t>Fifth level</a:t>
-            </a:r>
-            <a:endParaRPr lang="en-US"/>
-          </a:p>
-        </p:txBody>
-      </p:sp>
-      <p:sp>
-        <p:nvSpPr>
-          <p:cNvPr id="7" name="Date Placeholder 6"/>
-          <p:cNvSpPr>
-            <a:spLocks noGrp="1"/>
-          </p:cNvSpPr>
-          <p:nvPr>
-            <p:ph type="dt" idx="10"/>
+            <a:endParaRPr lang="en-GB" altLang="x-none"/>
+          </a:p>
+        </p:txBody>
+      </p:sp>
+      <p:sp>
+        <p:nvSpPr>
+          <p:cNvPr id="5" name="Slide Number Placeholder 4"/>
+          <p:cNvSpPr>
+            <a:spLocks noGrp="1"/>
+          </p:cNvSpPr>
+          <p:nvPr>
+            <p:ph type="sldNum" sz="quarter" idx="12"/>
           </p:nvPr>
         </p:nvSpPr>
         <p:spPr/>
         <p:txBody>
           <a:bodyPr/>
-          <a:lstStyle>
-            <a:lvl1pPr>
-              <a:defRPr/>
-            </a:lvl1pPr>
-          </a:lstStyle>
-          <a:p>
-            <a:endParaRPr lang="en-GB" altLang="x-none"/>
-          </a:p>
-        </p:txBody>
-      </p:sp>
-      <p:sp>
-        <p:nvSpPr>
-          <p:cNvPr id="8" name="Footer Placeholder 7"/>
-          <p:cNvSpPr>
-            <a:spLocks noGrp="1"/>
-          </p:cNvSpPr>
-          <p:nvPr>
-            <p:ph type="ftr" idx="11"/>
-          </p:nvPr>
-        </p:nvSpPr>
-        <p:spPr/>
-        <p:txBody>
-          <a:bodyPr/>
-          <a:lstStyle>
-            <a:lvl1pPr>
-              <a:defRPr/>
-            </a:lvl1pPr>
-          </a:lstStyle>
-          <a:p>
-            <a:endParaRPr lang="en-GB" altLang="x-none"/>
-          </a:p>
-        </p:txBody>
-      </p:sp>
-      <p:sp>
-        <p:nvSpPr>
-          <p:cNvPr id="9" name="Slide Number Placeholder 8"/>
-          <p:cNvSpPr>
-            <a:spLocks noGrp="1"/>
-          </p:cNvSpPr>
-          <p:nvPr>
-            <p:ph type="sldNum" idx="12"/>
-          </p:nvPr>
-        </p:nvSpPr>
-        <p:spPr/>
-        <p:txBody>
-          <a:bodyPr/>
-          <a:lstStyle>
-            <a:lvl1pPr>
-              <a:defRPr/>
-            </a:lvl1pPr>
-          </a:lstStyle>
-          <a:p>
-            <a:fld id="{8805D0CC-AE87-EF4B-85E6-38580FB14346}" type="slidenum">
-              <a:rPr lang="en-GB" altLang="x-none"/>
+          <a:lstStyle/>
+          <a:p>
+            <a:fld id="{AD74203F-F9AA-184C-B023-F705B72C1A29}" type="slidenum">
+              <a:rPr lang="en-GB" altLang="x-none" smtClean="0"/>
               <a:pPr/>
               <a:t>‹#›</a:t>
             </a:fld>
@@ -2521,21 +3748,17 @@
         </p:txBody>
       </p:sp>
     </p:spTree>
-    <p:extLst>
-      <p:ext uri="{BB962C8B-B14F-4D97-AF65-F5344CB8AC3E}">
-        <p14:creationId xmlns:p14="http://schemas.microsoft.com/office/powerpoint/2010/main" val="1712426602"/>
-      </p:ext>
-    </p:extLst>
   </p:cSld>
   <p:clrMapOvr>
     <a:masterClrMapping/>
   </p:clrMapOvr>
+  <p:hf sldNum="0" hdr="0" ftr="0" dt="0"/>
 </p:sldLayout>
 </file>
 
-<file path=ppt/slideLayouts/slideLayout6.xml><?xml version="1.0" encoding="utf-8"?>
-<p:sldLayout xmlns:a="http://schemas.openxmlformats.org/drawingml/2006/main" xmlns:r="http://schemas.openxmlformats.org/officeDocument/2006/relationships" xmlns:p="http://schemas.openxmlformats.org/presentationml/2006/main" type="titleOnly" preserve="1">
-  <p:cSld name="Title Only">
+<file path=ppt/slideLayouts/slideLayout16.xml><?xml version="1.0" encoding="utf-8"?>
+<p:sldLayout xmlns:a="http://schemas.openxmlformats.org/drawingml/2006/main" xmlns:r="http://schemas.openxmlformats.org/officeDocument/2006/relationships" xmlns:p="http://schemas.openxmlformats.org/presentationml/2006/main" type="vertTx" preserve="1">
+  <p:cSld name="標題及直排文字">
     <p:spTree>
       <p:nvGrpSpPr>
         <p:cNvPr id="1" name=""/>
@@ -2566,31 +3789,84 @@
           <a:lstStyle/>
           <a:p>
             <a:r>
-              <a:rPr lang="en-US" smtClean="0"/>
-              <a:t>Click to edit Master title style</a:t>
-            </a:r>
-            <a:endParaRPr lang="en-US"/>
-          </a:p>
-        </p:txBody>
-      </p:sp>
-      <p:sp>
-        <p:nvSpPr>
-          <p:cNvPr id="3" name="Date Placeholder 2"/>
-          <p:cNvSpPr>
-            <a:spLocks noGrp="1"/>
-          </p:cNvSpPr>
-          <p:nvPr>
-            <p:ph type="dt" idx="10"/>
+              <a:rPr lang="zh-TW" altLang="en-US" smtClean="0"/>
+              <a:t>按一下以編輯母片標題樣式</a:t>
+            </a:r>
+            <a:endParaRPr lang="en-US" dirty="0"/>
+          </a:p>
+        </p:txBody>
+      </p:sp>
+      <p:sp>
+        <p:nvSpPr>
+          <p:cNvPr id="3" name="Vertical Text Placeholder 2"/>
+          <p:cNvSpPr>
+            <a:spLocks noGrp="1"/>
+          </p:cNvSpPr>
+          <p:nvPr>
+            <p:ph type="body" orient="vert" idx="1"/>
+          </p:nvPr>
+        </p:nvSpPr>
+        <p:spPr>
+          <a:xfrm>
+            <a:off x="2377440" y="8778240"/>
+            <a:ext cx="31821120" cy="16276320"/>
+          </a:xfrm>
+        </p:spPr>
+        <p:txBody>
+          <a:bodyPr vert="eaVert"/>
+          <a:lstStyle/>
+          <a:p>
+            <a:pPr lvl="0"/>
+            <a:r>
+              <a:rPr lang="zh-TW" altLang="en-US" smtClean="0"/>
+              <a:t>按一下以編輯母片文字樣式</a:t>
+            </a:r>
+          </a:p>
+          <a:p>
+            <a:pPr lvl="1"/>
+            <a:r>
+              <a:rPr lang="zh-TW" altLang="en-US" smtClean="0"/>
+              <a:t>第二層</a:t>
+            </a:r>
+          </a:p>
+          <a:p>
+            <a:pPr lvl="2"/>
+            <a:r>
+              <a:rPr lang="zh-TW" altLang="en-US" smtClean="0"/>
+              <a:t>第三層</a:t>
+            </a:r>
+          </a:p>
+          <a:p>
+            <a:pPr lvl="3"/>
+            <a:r>
+              <a:rPr lang="zh-TW" altLang="en-US" smtClean="0"/>
+              <a:t>第四層</a:t>
+            </a:r>
+          </a:p>
+          <a:p>
+            <a:pPr lvl="4"/>
+            <a:r>
+              <a:rPr lang="zh-TW" altLang="en-US" smtClean="0"/>
+              <a:t>第五層</a:t>
+            </a:r>
+            <a:endParaRPr lang="en-US" dirty="0"/>
+          </a:p>
+        </p:txBody>
+      </p:sp>
+      <p:sp>
+        <p:nvSpPr>
+          <p:cNvPr id="4" name="Date Placeholder 3"/>
+          <p:cNvSpPr>
+            <a:spLocks noGrp="1"/>
+          </p:cNvSpPr>
+          <p:nvPr>
+            <p:ph type="dt" sz="half" idx="10"/>
           </p:nvPr>
         </p:nvSpPr>
         <p:spPr/>
         <p:txBody>
           <a:bodyPr/>
-          <a:lstStyle>
-            <a:lvl1pPr>
-              <a:defRPr/>
-            </a:lvl1pPr>
-          </a:lstStyle>
+          <a:lstStyle/>
           <a:p>
             <a:endParaRPr lang="en-GB" altLang="x-none"/>
           </a:p>
@@ -2598,22 +3874,18 @@
       </p:sp>
       <p:sp>
         <p:nvSpPr>
-          <p:cNvPr id="4" name="Footer Placeholder 3"/>
-          <p:cNvSpPr>
-            <a:spLocks noGrp="1"/>
-          </p:cNvSpPr>
-          <p:nvPr>
-            <p:ph type="ftr" idx="11"/>
+          <p:cNvPr id="5" name="Footer Placeholder 4"/>
+          <p:cNvSpPr>
+            <a:spLocks noGrp="1"/>
+          </p:cNvSpPr>
+          <p:nvPr>
+            <p:ph type="ftr" sz="quarter" idx="11"/>
           </p:nvPr>
         </p:nvSpPr>
         <p:spPr/>
         <p:txBody>
           <a:bodyPr/>
-          <a:lstStyle>
-            <a:lvl1pPr>
-              <a:defRPr/>
-            </a:lvl1pPr>
-          </a:lstStyle>
+          <a:lstStyle/>
           <a:p>
             <a:endParaRPr lang="en-GB" altLang="x-none"/>
           </a:p>
@@ -2621,25 +3893,21 @@
       </p:sp>
       <p:sp>
         <p:nvSpPr>
-          <p:cNvPr id="5" name="Slide Number Placeholder 4"/>
-          <p:cNvSpPr>
-            <a:spLocks noGrp="1"/>
-          </p:cNvSpPr>
-          <p:nvPr>
-            <p:ph type="sldNum" idx="12"/>
+          <p:cNvPr id="6" name="Slide Number Placeholder 5"/>
+          <p:cNvSpPr>
+            <a:spLocks noGrp="1"/>
+          </p:cNvSpPr>
+          <p:nvPr>
+            <p:ph type="sldNum" sz="quarter" idx="12"/>
           </p:nvPr>
         </p:nvSpPr>
         <p:spPr/>
         <p:txBody>
           <a:bodyPr/>
-          <a:lstStyle>
-            <a:lvl1pPr>
-              <a:defRPr/>
-            </a:lvl1pPr>
-          </a:lstStyle>
-          <a:p>
-            <a:fld id="{FA460A07-2DF4-7349-A31B-15A93D415986}" type="slidenum">
-              <a:rPr lang="en-GB" altLang="x-none"/>
+          <a:lstStyle/>
+          <a:p>
+            <a:fld id="{AD74203F-F9AA-184C-B023-F705B72C1A29}" type="slidenum">
+              <a:rPr lang="en-GB" altLang="x-none" smtClean="0"/>
               <a:pPr/>
               <a:t>‹#›</a:t>
             </a:fld>
@@ -2648,21 +3916,17 @@
         </p:txBody>
       </p:sp>
     </p:spTree>
-    <p:extLst>
-      <p:ext uri="{BB962C8B-B14F-4D97-AF65-F5344CB8AC3E}">
-        <p14:creationId xmlns:p14="http://schemas.microsoft.com/office/powerpoint/2010/main" val="178062720"/>
-      </p:ext>
-    </p:extLst>
   </p:cSld>
   <p:clrMapOvr>
     <a:masterClrMapping/>
   </p:clrMapOvr>
+  <p:hf sldNum="0" hdr="0" ftr="0" dt="0"/>
 </p:sldLayout>
 </file>
 
-<file path=ppt/slideLayouts/slideLayout7.xml><?xml version="1.0" encoding="utf-8"?>
-<p:sldLayout xmlns:a="http://schemas.openxmlformats.org/drawingml/2006/main" xmlns:r="http://schemas.openxmlformats.org/officeDocument/2006/relationships" xmlns:p="http://schemas.openxmlformats.org/presentationml/2006/main" type="blank" preserve="1">
-  <p:cSld name="Blank">
+<file path=ppt/slideLayouts/slideLayout17.xml><?xml version="1.0" encoding="utf-8"?>
+<p:sldLayout xmlns:a="http://schemas.openxmlformats.org/drawingml/2006/main" xmlns:r="http://schemas.openxmlformats.org/officeDocument/2006/relationships" xmlns:p="http://schemas.openxmlformats.org/presentationml/2006/main" showMasterSp="0" type="vertTitleAndTx" preserve="1">
+  <p:cSld name="直排標題及文字">
     <p:spTree>
       <p:nvGrpSpPr>
         <p:cNvPr id="1" name=""/>
@@ -2677,44 +3941,145 @@
           <a:chExt cx="0" cy="0"/>
         </a:xfrm>
       </p:grpSpPr>
-      <p:sp>
-        <p:nvSpPr>
-          <p:cNvPr id="2" name="Date Placeholder 1"/>
-          <p:cNvSpPr>
-            <a:spLocks noGrp="1"/>
-          </p:cNvSpPr>
-          <p:nvPr>
-            <p:ph type="dt" idx="10"/>
-          </p:nvPr>
-        </p:nvSpPr>
-        <p:spPr/>
-        <p:txBody>
-          <a:bodyPr/>
+      <p:pic>
+        <p:nvPicPr>
+          <p:cNvPr id="9" name="Picture 8" descr="C0-HD-BTM.png"/>
+          <p:cNvPicPr>
+            <a:picLocks noChangeAspect="1"/>
+          </p:cNvPicPr>
+          <p:nvPr/>
+        </p:nvPicPr>
+        <p:blipFill>
+          <a:blip r:embed="rId2">
+            <a:extLst>
+              <a:ext uri="{28A0092B-C50C-407E-A947-70E740481C1C}">
+                <a14:useLocalDpi xmlns:a14="http://schemas.microsoft.com/office/drawing/2010/main" val="0"/>
+              </a:ext>
+            </a:extLst>
+          </a:blip>
+          <a:stretch>
+            <a:fillRect/>
+          </a:stretch>
+        </p:blipFill>
+        <p:spPr>
+          <a:xfrm>
+            <a:off x="0" y="19983448"/>
+            <a:ext cx="36576000" cy="7448552"/>
+          </a:xfrm>
+          <a:prstGeom prst="rect">
+            <a:avLst/>
+          </a:prstGeom>
+        </p:spPr>
+      </p:pic>
+      <p:sp>
+        <p:nvSpPr>
+          <p:cNvPr id="2" name="Vertical Title 1"/>
+          <p:cNvSpPr>
+            <a:spLocks noGrp="1"/>
+          </p:cNvSpPr>
+          <p:nvPr>
+            <p:ph type="title" orient="vert"/>
+          </p:nvPr>
+        </p:nvSpPr>
+        <p:spPr>
+          <a:xfrm>
+            <a:off x="28026360" y="2988734"/>
+            <a:ext cx="6172200" cy="16994700"/>
+          </a:xfrm>
+        </p:spPr>
+        <p:txBody>
+          <a:bodyPr vert="eaVert"/>
           <a:lstStyle>
-            <a:lvl1pPr>
+            <a:lvl1pPr algn="l">
               <a:defRPr/>
             </a:lvl1pPr>
           </a:lstStyle>
           <a:p>
-            <a:endParaRPr lang="en-GB" altLang="x-none"/>
-          </a:p>
-        </p:txBody>
-      </p:sp>
-      <p:sp>
-        <p:nvSpPr>
-          <p:cNvPr id="3" name="Footer Placeholder 2"/>
-          <p:cNvSpPr>
-            <a:spLocks noGrp="1"/>
-          </p:cNvSpPr>
-          <p:nvPr>
-            <p:ph type="ftr" idx="11"/>
-          </p:nvPr>
-        </p:nvSpPr>
-        <p:spPr/>
+            <a:r>
+              <a:rPr lang="zh-TW" altLang="en-US" smtClean="0"/>
+              <a:t>按一下以編輯母片標題樣式</a:t>
+            </a:r>
+            <a:endParaRPr lang="en-US" dirty="0"/>
+          </a:p>
+        </p:txBody>
+      </p:sp>
+      <p:sp>
+        <p:nvSpPr>
+          <p:cNvPr id="3" name="Vertical Text Placeholder 2"/>
+          <p:cNvSpPr>
+            <a:spLocks noGrp="1"/>
+          </p:cNvSpPr>
+          <p:nvPr>
+            <p:ph type="body" orient="vert" idx="1"/>
+          </p:nvPr>
+        </p:nvSpPr>
+        <p:spPr>
+          <a:xfrm>
+            <a:off x="2377442" y="2984504"/>
+            <a:ext cx="25112140" cy="16998928"/>
+          </a:xfrm>
+        </p:spPr>
+        <p:txBody>
+          <a:bodyPr vert="eaVert"/>
+          <a:lstStyle/>
+          <a:p>
+            <a:pPr lvl="0"/>
+            <a:r>
+              <a:rPr lang="zh-TW" altLang="en-US" smtClean="0"/>
+              <a:t>按一下以編輯母片文字樣式</a:t>
+            </a:r>
+          </a:p>
+          <a:p>
+            <a:pPr lvl="1"/>
+            <a:r>
+              <a:rPr lang="zh-TW" altLang="en-US" smtClean="0"/>
+              <a:t>第二層</a:t>
+            </a:r>
+          </a:p>
+          <a:p>
+            <a:pPr lvl="2"/>
+            <a:r>
+              <a:rPr lang="zh-TW" altLang="en-US" smtClean="0"/>
+              <a:t>第三層</a:t>
+            </a:r>
+          </a:p>
+          <a:p>
+            <a:pPr lvl="3"/>
+            <a:r>
+              <a:rPr lang="zh-TW" altLang="en-US" smtClean="0"/>
+              <a:t>第四層</a:t>
+            </a:r>
+          </a:p>
+          <a:p>
+            <a:pPr lvl="4"/>
+            <a:r>
+              <a:rPr lang="zh-TW" altLang="en-US" smtClean="0"/>
+              <a:t>第五層</a:t>
+            </a:r>
+            <a:endParaRPr lang="en-US" dirty="0"/>
+          </a:p>
+        </p:txBody>
+      </p:sp>
+      <p:sp>
+        <p:nvSpPr>
+          <p:cNvPr id="4" name="Date Placeholder 3"/>
+          <p:cNvSpPr>
+            <a:spLocks noGrp="1"/>
+          </p:cNvSpPr>
+          <p:nvPr>
+            <p:ph type="dt" sz="half" idx="10"/>
+          </p:nvPr>
+        </p:nvSpPr>
+        <p:spPr>
+          <a:xfrm>
+            <a:off x="22248704" y="1524006"/>
+            <a:ext cx="8732520" cy="1460500"/>
+          </a:xfrm>
+        </p:spPr>
         <p:txBody>
           <a:bodyPr/>
           <a:lstStyle>
-            <a:lvl1pPr>
+            <a:lvl1pPr algn="r">
               <a:defRPr/>
             </a:lvl1pPr>
           </a:lstStyle>
@@ -2725,25 +4090,50 @@
       </p:sp>
       <p:sp>
         <p:nvSpPr>
-          <p:cNvPr id="4" name="Slide Number Placeholder 3"/>
-          <p:cNvSpPr>
-            <a:spLocks noGrp="1"/>
-          </p:cNvSpPr>
-          <p:nvPr>
-            <p:ph type="sldNum" idx="12"/>
-          </p:nvPr>
-        </p:nvSpPr>
-        <p:spPr/>
+          <p:cNvPr id="5" name="Footer Placeholder 4"/>
+          <p:cNvSpPr>
+            <a:spLocks noGrp="1"/>
+          </p:cNvSpPr>
+          <p:nvPr>
+            <p:ph type="ftr" sz="quarter" idx="11"/>
+          </p:nvPr>
+        </p:nvSpPr>
+        <p:spPr>
+          <a:xfrm>
+            <a:off x="2377440" y="1524006"/>
+            <a:ext cx="19322624" cy="1460500"/>
+          </a:xfrm>
+        </p:spPr>
         <p:txBody>
           <a:bodyPr/>
-          <a:lstStyle>
-            <a:lvl1pPr>
-              <a:defRPr/>
-            </a:lvl1pPr>
-          </a:lstStyle>
-          <a:p>
-            <a:fld id="{9D76B9AF-FBF0-CD47-8071-F641C4853AA9}" type="slidenum">
-              <a:rPr lang="en-GB" altLang="x-none"/>
+          <a:lstStyle/>
+          <a:p>
+            <a:endParaRPr lang="en-GB" altLang="x-none"/>
+          </a:p>
+        </p:txBody>
+      </p:sp>
+      <p:sp>
+        <p:nvSpPr>
+          <p:cNvPr id="6" name="Slide Number Placeholder 5"/>
+          <p:cNvSpPr>
+            <a:spLocks noGrp="1"/>
+          </p:cNvSpPr>
+          <p:nvPr>
+            <p:ph type="sldNum" sz="quarter" idx="12"/>
+          </p:nvPr>
+        </p:nvSpPr>
+        <p:spPr>
+          <a:xfrm>
+            <a:off x="31529864" y="1524006"/>
+            <a:ext cx="2668696" cy="1460500"/>
+          </a:xfrm>
+        </p:spPr>
+        <p:txBody>
+          <a:bodyPr/>
+          <a:lstStyle/>
+          <a:p>
+            <a:fld id="{AD74203F-F9AA-184C-B023-F705B72C1A29}" type="slidenum">
+              <a:rPr lang="en-GB" altLang="x-none" smtClean="0"/>
               <a:pPr/>
               <a:t>‹#›</a:t>
             </a:fld>
@@ -2752,21 +4142,22 @@
         </p:txBody>
       </p:sp>
     </p:spTree>
-    <p:extLst>
-      <p:ext uri="{BB962C8B-B14F-4D97-AF65-F5344CB8AC3E}">
-        <p14:creationId xmlns:p14="http://schemas.microsoft.com/office/powerpoint/2010/main" val="1255414769"/>
-      </p:ext>
-    </p:extLst>
   </p:cSld>
   <p:clrMapOvr>
     <a:masterClrMapping/>
   </p:clrMapOvr>
+  <p:hf sldNum="0" hdr="0" ftr="0" dt="0"/>
+  <p:extLst>
+    <p:ext uri="{DCECCB84-F9BA-43D5-87BE-67443E8EF086}">
+      <p15:sldGuideLst xmlns:p15="http://schemas.microsoft.com/office/powerpoint/2012/main"/>
+    </p:ext>
+  </p:extLst>
 </p:sldLayout>
 </file>
 
-<file path=ppt/slideLayouts/slideLayout8.xml><?xml version="1.0" encoding="utf-8"?>
-<p:sldLayout xmlns:a="http://schemas.openxmlformats.org/drawingml/2006/main" xmlns:r="http://schemas.openxmlformats.org/officeDocument/2006/relationships" xmlns:p="http://schemas.openxmlformats.org/presentationml/2006/main" type="objTx" preserve="1">
-  <p:cSld name="Content with Caption">
+<file path=ppt/slideLayouts/slideLayout2.xml><?xml version="1.0" encoding="utf-8"?>
+<p:sldLayout xmlns:a="http://schemas.openxmlformats.org/drawingml/2006/main" xmlns:r="http://schemas.openxmlformats.org/officeDocument/2006/relationships" xmlns:p="http://schemas.openxmlformats.org/presentationml/2006/main" type="obj" preserve="1">
+  <p:cSld name="標題及物件">
     <p:spTree>
       <p:nvGrpSpPr>
         <p:cNvPr id="1" name=""/>
@@ -2791,25 +4182,16 @@
             <p:ph type="title"/>
           </p:nvPr>
         </p:nvSpPr>
-        <p:spPr>
-          <a:xfrm>
-            <a:off x="2519363" y="1828800"/>
-            <a:ext cx="11796712" cy="6400800"/>
-          </a:xfrm>
-        </p:spPr>
-        <p:txBody>
-          <a:bodyPr anchor="b"/>
-          <a:lstStyle>
-            <a:lvl1pPr>
-              <a:defRPr sz="3200"/>
-            </a:lvl1pPr>
-          </a:lstStyle>
-          <a:p>
-            <a:r>
-              <a:rPr lang="en-US" smtClean="0"/>
-              <a:t>Click to edit Master title style</a:t>
-            </a:r>
-            <a:endParaRPr lang="en-US"/>
+        <p:spPr/>
+        <p:txBody>
+          <a:bodyPr/>
+          <a:lstStyle/>
+          <a:p>
+            <a:r>
+              <a:rPr lang="zh-TW" altLang="en-US" smtClean="0"/>
+              <a:t>按一下以編輯母片標題樣式</a:t>
+            </a:r>
+            <a:endParaRPr lang="en-US" dirty="0"/>
           </a:p>
         </p:txBody>
       </p:sp>
@@ -2823,164 +4205,81 @@
             <p:ph idx="1"/>
           </p:nvPr>
         </p:nvSpPr>
-        <p:spPr>
-          <a:xfrm>
-            <a:off x="15549563" y="3949700"/>
-            <a:ext cx="18516600" cy="19494500"/>
-          </a:xfrm>
-        </p:spPr>
+        <p:spPr/>
         <p:txBody>
           <a:bodyPr/>
-          <a:lstStyle>
-            <a:lvl1pPr>
-              <a:defRPr sz="3200"/>
-            </a:lvl1pPr>
-            <a:lvl2pPr>
-              <a:defRPr sz="2800"/>
-            </a:lvl2pPr>
-            <a:lvl3pPr>
-              <a:defRPr sz="2400"/>
-            </a:lvl3pPr>
-            <a:lvl4pPr>
-              <a:defRPr sz="2000"/>
-            </a:lvl4pPr>
-            <a:lvl5pPr>
-              <a:defRPr sz="2000"/>
-            </a:lvl5pPr>
-            <a:lvl6pPr>
-              <a:defRPr sz="2000"/>
-            </a:lvl6pPr>
-            <a:lvl7pPr>
-              <a:defRPr sz="2000"/>
-            </a:lvl7pPr>
-            <a:lvl8pPr>
-              <a:defRPr sz="2000"/>
-            </a:lvl8pPr>
-            <a:lvl9pPr>
-              <a:defRPr sz="2000"/>
-            </a:lvl9pPr>
-          </a:lstStyle>
+          <a:lstStyle/>
           <a:p>
             <a:pPr lvl="0"/>
             <a:r>
-              <a:rPr lang="en-US" smtClean="0"/>
-              <a:t>Click to edit Master text styles</a:t>
+              <a:rPr lang="zh-TW" altLang="en-US" smtClean="0"/>
+              <a:t>按一下以編輯母片文字樣式</a:t>
             </a:r>
           </a:p>
           <a:p>
             <a:pPr lvl="1"/>
             <a:r>
-              <a:rPr lang="en-US" smtClean="0"/>
-              <a:t>Second level</a:t>
+              <a:rPr lang="zh-TW" altLang="en-US" smtClean="0"/>
+              <a:t>第二層</a:t>
             </a:r>
           </a:p>
           <a:p>
             <a:pPr lvl="2"/>
             <a:r>
-              <a:rPr lang="en-US" smtClean="0"/>
-              <a:t>Third level</a:t>
+              <a:rPr lang="zh-TW" altLang="en-US" smtClean="0"/>
+              <a:t>第三層</a:t>
             </a:r>
           </a:p>
           <a:p>
             <a:pPr lvl="3"/>
             <a:r>
-              <a:rPr lang="en-US" smtClean="0"/>
-              <a:t>Fourth level</a:t>
+              <a:rPr lang="zh-TW" altLang="en-US" smtClean="0"/>
+              <a:t>第四層</a:t>
             </a:r>
           </a:p>
           <a:p>
             <a:pPr lvl="4"/>
             <a:r>
-              <a:rPr lang="en-US" smtClean="0"/>
-              <a:t>Fifth level</a:t>
-            </a:r>
-            <a:endParaRPr lang="en-US"/>
-          </a:p>
-        </p:txBody>
-      </p:sp>
-      <p:sp>
-        <p:nvSpPr>
-          <p:cNvPr id="4" name="Text Placeholder 3"/>
-          <p:cNvSpPr>
-            <a:spLocks noGrp="1"/>
-          </p:cNvSpPr>
-          <p:nvPr>
-            <p:ph type="body" sz="half" idx="2"/>
-          </p:nvPr>
-        </p:nvSpPr>
-        <p:spPr>
-          <a:xfrm>
-            <a:off x="2519363" y="8229600"/>
-            <a:ext cx="11796712" cy="15246350"/>
-          </a:xfrm>
-        </p:spPr>
+              <a:rPr lang="zh-TW" altLang="en-US" smtClean="0"/>
+              <a:t>第五層</a:t>
+            </a:r>
+            <a:endParaRPr lang="en-US" dirty="0"/>
+          </a:p>
+        </p:txBody>
+      </p:sp>
+      <p:sp>
+        <p:nvSpPr>
+          <p:cNvPr id="4" name="Date Placeholder 3"/>
+          <p:cNvSpPr>
+            <a:spLocks noGrp="1"/>
+          </p:cNvSpPr>
+          <p:nvPr>
+            <p:ph type="dt" sz="half" idx="10"/>
+          </p:nvPr>
+        </p:nvSpPr>
+        <p:spPr/>
         <p:txBody>
           <a:bodyPr/>
-          <a:lstStyle>
-            <a:lvl1pPr marL="0" indent="0">
-              <a:buNone/>
-              <a:defRPr sz="1600"/>
-            </a:lvl1pPr>
-            <a:lvl2pPr marL="457200" indent="0">
-              <a:buNone/>
-              <a:defRPr sz="1400"/>
-            </a:lvl2pPr>
-            <a:lvl3pPr marL="914400" indent="0">
-              <a:buNone/>
-              <a:defRPr sz="1200"/>
-            </a:lvl3pPr>
-            <a:lvl4pPr marL="1371600" indent="0">
-              <a:buNone/>
-              <a:defRPr sz="1000"/>
-            </a:lvl4pPr>
-            <a:lvl5pPr marL="1828800" indent="0">
-              <a:buNone/>
-              <a:defRPr sz="1000"/>
-            </a:lvl5pPr>
-            <a:lvl6pPr marL="2286000" indent="0">
-              <a:buNone/>
-              <a:defRPr sz="1000"/>
-            </a:lvl6pPr>
-            <a:lvl7pPr marL="2743200" indent="0">
-              <a:buNone/>
-              <a:defRPr sz="1000"/>
-            </a:lvl7pPr>
-            <a:lvl8pPr marL="3200400" indent="0">
-              <a:buNone/>
-              <a:defRPr sz="1000"/>
-            </a:lvl8pPr>
-            <a:lvl9pPr marL="3657600" indent="0">
-              <a:buNone/>
-              <a:defRPr sz="1000"/>
-            </a:lvl9pPr>
-          </a:lstStyle>
-          <a:p>
-            <a:pPr lvl="0"/>
-            <a:r>
-              <a:rPr lang="en-US" smtClean="0"/>
-              <a:t>Click to edit Master text styles</a:t>
-            </a:r>
-          </a:p>
-        </p:txBody>
-      </p:sp>
-      <p:sp>
-        <p:nvSpPr>
-          <p:cNvPr id="5" name="Date Placeholder 4"/>
-          <p:cNvSpPr>
-            <a:spLocks noGrp="1"/>
-          </p:cNvSpPr>
-          <p:nvPr>
-            <p:ph type="dt" idx="10"/>
+          <a:lstStyle/>
+          <a:p>
+            <a:endParaRPr lang="en-GB" altLang="x-none"/>
+          </a:p>
+        </p:txBody>
+      </p:sp>
+      <p:sp>
+        <p:nvSpPr>
+          <p:cNvPr id="5" name="Footer Placeholder 4"/>
+          <p:cNvSpPr>
+            <a:spLocks noGrp="1"/>
+          </p:cNvSpPr>
+          <p:nvPr>
+            <p:ph type="ftr" sz="quarter" idx="11"/>
           </p:nvPr>
         </p:nvSpPr>
         <p:spPr/>
         <p:txBody>
           <a:bodyPr/>
-          <a:lstStyle>
-            <a:lvl1pPr>
-              <a:defRPr/>
-            </a:lvl1pPr>
-          </a:lstStyle>
+          <a:lstStyle/>
           <a:p>
             <a:endParaRPr lang="en-GB" altLang="x-none"/>
           </a:p>
@@ -2988,48 +4287,21 @@
       </p:sp>
       <p:sp>
         <p:nvSpPr>
-          <p:cNvPr id="6" name="Footer Placeholder 5"/>
-          <p:cNvSpPr>
-            <a:spLocks noGrp="1"/>
-          </p:cNvSpPr>
-          <p:nvPr>
-            <p:ph type="ftr" idx="11"/>
+          <p:cNvPr id="6" name="Slide Number Placeholder 5"/>
+          <p:cNvSpPr>
+            <a:spLocks noGrp="1"/>
+          </p:cNvSpPr>
+          <p:nvPr>
+            <p:ph type="sldNum" sz="quarter" idx="12"/>
           </p:nvPr>
         </p:nvSpPr>
         <p:spPr/>
         <p:txBody>
           <a:bodyPr/>
-          <a:lstStyle>
-            <a:lvl1pPr>
-              <a:defRPr/>
-            </a:lvl1pPr>
-          </a:lstStyle>
-          <a:p>
-            <a:endParaRPr lang="en-GB" altLang="x-none"/>
-          </a:p>
-        </p:txBody>
-      </p:sp>
-      <p:sp>
-        <p:nvSpPr>
-          <p:cNvPr id="7" name="Slide Number Placeholder 6"/>
-          <p:cNvSpPr>
-            <a:spLocks noGrp="1"/>
-          </p:cNvSpPr>
-          <p:nvPr>
-            <p:ph type="sldNum" idx="12"/>
-          </p:nvPr>
-        </p:nvSpPr>
-        <p:spPr/>
-        <p:txBody>
-          <a:bodyPr/>
-          <a:lstStyle>
-            <a:lvl1pPr>
-              <a:defRPr/>
-            </a:lvl1pPr>
-          </a:lstStyle>
-          <a:p>
-            <a:fld id="{2586BA42-3499-DE45-988E-EA02D972C01A}" type="slidenum">
-              <a:rPr lang="en-GB" altLang="x-none"/>
+          <a:lstStyle/>
+          <a:p>
+            <a:fld id="{AD74203F-F9AA-184C-B023-F705B72C1A29}" type="slidenum">
+              <a:rPr lang="en-GB" altLang="x-none" smtClean="0"/>
               <a:pPr/>
               <a:t>‹#›</a:t>
             </a:fld>
@@ -3038,21 +4310,17 @@
         </p:txBody>
       </p:sp>
     </p:spTree>
-    <p:extLst>
-      <p:ext uri="{BB962C8B-B14F-4D97-AF65-F5344CB8AC3E}">
-        <p14:creationId xmlns:p14="http://schemas.microsoft.com/office/powerpoint/2010/main" val="729190808"/>
-      </p:ext>
-    </p:extLst>
   </p:cSld>
   <p:clrMapOvr>
     <a:masterClrMapping/>
   </p:clrMapOvr>
+  <p:hf sldNum="0" hdr="0" ftr="0" dt="0"/>
 </p:sldLayout>
 </file>
 
-<file path=ppt/slideLayouts/slideLayout9.xml><?xml version="1.0" encoding="utf-8"?>
-<p:sldLayout xmlns:a="http://schemas.openxmlformats.org/drawingml/2006/main" xmlns:r="http://schemas.openxmlformats.org/officeDocument/2006/relationships" xmlns:p="http://schemas.openxmlformats.org/presentationml/2006/main" type="picTx" preserve="1">
-  <p:cSld name="Picture with Caption">
+<file path=ppt/slideLayouts/slideLayout3.xml><?xml version="1.0" encoding="utf-8"?>
+<p:sldLayout xmlns:a="http://schemas.openxmlformats.org/drawingml/2006/main" xmlns:r="http://schemas.openxmlformats.org/officeDocument/2006/relationships" xmlns:p="http://schemas.openxmlformats.org/presentationml/2006/main" showMasterSp="0" type="secHead" preserve="1">
+  <p:cSld name="章節標題">
     <p:spTree>
       <p:nvGrpSpPr>
         <p:cNvPr id="1" name=""/>
@@ -3067,6 +4335,36 @@
           <a:chExt cx="0" cy="0"/>
         </a:xfrm>
       </p:grpSpPr>
+      <p:pic>
+        <p:nvPicPr>
+          <p:cNvPr id="8" name="Picture 7" descr="C0-HD-BTM.png"/>
+          <p:cNvPicPr>
+            <a:picLocks noChangeAspect="1"/>
+          </p:cNvPicPr>
+          <p:nvPr/>
+        </p:nvPicPr>
+        <p:blipFill>
+          <a:blip r:embed="rId2">
+            <a:extLst>
+              <a:ext uri="{28A0092B-C50C-407E-A947-70E740481C1C}">
+                <a14:useLocalDpi xmlns:a14="http://schemas.microsoft.com/office/drawing/2010/main" val="0"/>
+              </a:ext>
+            </a:extLst>
+          </a:blip>
+          <a:stretch>
+            <a:fillRect/>
+          </a:stretch>
+        </p:blipFill>
+        <p:spPr>
+          <a:xfrm>
+            <a:off x="0" y="19983448"/>
+            <a:ext cx="36576000" cy="7448552"/>
+          </a:xfrm>
+          <a:prstGeom prst="rect">
+            <a:avLst/>
+          </a:prstGeom>
+        </p:spPr>
+      </p:pic>
       <p:sp>
         <p:nvSpPr>
           <p:cNvPr id="2" name="Title 1"/>
@@ -3079,171 +4377,169 @@
         </p:nvSpPr>
         <p:spPr>
           <a:xfrm>
-            <a:off x="2519363" y="1828800"/>
-            <a:ext cx="11796712" cy="6400800"/>
-          </a:xfrm>
-        </p:spPr>
-        <p:txBody>
-          <a:bodyPr anchor="b"/>
+            <a:off x="2377440" y="3014138"/>
+            <a:ext cx="31821120" cy="11207740"/>
+          </a:xfrm>
+        </p:spPr>
+        <p:txBody>
+          <a:bodyPr anchor="b">
+            <a:normAutofit/>
+          </a:bodyPr>
           <a:lstStyle>
-            <a:lvl1pPr>
-              <a:defRPr sz="3200"/>
+            <a:lvl1pPr algn="r">
+              <a:defRPr sz="16000"/>
             </a:lvl1pPr>
           </a:lstStyle>
           <a:p>
             <a:r>
-              <a:rPr lang="en-US" smtClean="0"/>
-              <a:t>Click to edit Master title style</a:t>
-            </a:r>
-            <a:endParaRPr lang="en-US"/>
-          </a:p>
-        </p:txBody>
-      </p:sp>
-      <p:sp>
-        <p:nvSpPr>
-          <p:cNvPr id="3" name="Picture Placeholder 2"/>
-          <p:cNvSpPr>
-            <a:spLocks noGrp="1"/>
-          </p:cNvSpPr>
-          <p:nvPr>
-            <p:ph type="pic" idx="1"/>
+              <a:rPr lang="zh-TW" altLang="en-US" smtClean="0"/>
+              <a:t>按一下以編輯母片標題樣式</a:t>
+            </a:r>
+            <a:endParaRPr lang="en-US" dirty="0"/>
+          </a:p>
+        </p:txBody>
+      </p:sp>
+      <p:sp>
+        <p:nvSpPr>
+          <p:cNvPr id="3" name="Text Placeholder 2"/>
+          <p:cNvSpPr>
+            <a:spLocks noGrp="1"/>
+          </p:cNvSpPr>
+          <p:nvPr>
+            <p:ph type="body" idx="1"/>
           </p:nvPr>
         </p:nvSpPr>
         <p:spPr>
           <a:xfrm>
-            <a:off x="15549563" y="3949700"/>
-            <a:ext cx="18516600" cy="19494500"/>
+            <a:off x="2377442" y="14566904"/>
+            <a:ext cx="31821124" cy="5416536"/>
+          </a:xfrm>
+        </p:spPr>
+        <p:txBody>
+          <a:bodyPr>
+            <a:normAutofit/>
+          </a:bodyPr>
+          <a:lstStyle>
+            <a:lvl1pPr marL="0" indent="0" algn="r">
+              <a:buNone/>
+              <a:defRPr sz="8800">
+                <a:solidFill>
+                  <a:schemeClr val="tx1">
+                    <a:tint val="75000"/>
+                  </a:schemeClr>
+                </a:solidFill>
+              </a:defRPr>
+            </a:lvl1pPr>
+            <a:lvl2pPr marL="1828800" indent="0">
+              <a:buNone/>
+              <a:defRPr sz="8000">
+                <a:solidFill>
+                  <a:schemeClr val="tx1">
+                    <a:tint val="75000"/>
+                  </a:schemeClr>
+                </a:solidFill>
+              </a:defRPr>
+            </a:lvl2pPr>
+            <a:lvl3pPr marL="3657600" indent="0">
+              <a:buNone/>
+              <a:defRPr sz="7200">
+                <a:solidFill>
+                  <a:schemeClr val="tx1">
+                    <a:tint val="75000"/>
+                  </a:schemeClr>
+                </a:solidFill>
+              </a:defRPr>
+            </a:lvl3pPr>
+            <a:lvl4pPr marL="5486400" indent="0">
+              <a:buNone/>
+              <a:defRPr sz="6400">
+                <a:solidFill>
+                  <a:schemeClr val="tx1">
+                    <a:tint val="75000"/>
+                  </a:schemeClr>
+                </a:solidFill>
+              </a:defRPr>
+            </a:lvl4pPr>
+            <a:lvl5pPr marL="7315200" indent="0">
+              <a:buNone/>
+              <a:defRPr sz="6400">
+                <a:solidFill>
+                  <a:schemeClr val="tx1">
+                    <a:tint val="75000"/>
+                  </a:schemeClr>
+                </a:solidFill>
+              </a:defRPr>
+            </a:lvl5pPr>
+            <a:lvl6pPr marL="9144000" indent="0">
+              <a:buNone/>
+              <a:defRPr sz="6400">
+                <a:solidFill>
+                  <a:schemeClr val="tx1">
+                    <a:tint val="75000"/>
+                  </a:schemeClr>
+                </a:solidFill>
+              </a:defRPr>
+            </a:lvl6pPr>
+            <a:lvl7pPr marL="10972800" indent="0">
+              <a:buNone/>
+              <a:defRPr sz="6400">
+                <a:solidFill>
+                  <a:schemeClr val="tx1">
+                    <a:tint val="75000"/>
+                  </a:schemeClr>
+                </a:solidFill>
+              </a:defRPr>
+            </a:lvl7pPr>
+            <a:lvl8pPr marL="12801600" indent="0">
+              <a:buNone/>
+              <a:defRPr sz="6400">
+                <a:solidFill>
+                  <a:schemeClr val="tx1">
+                    <a:tint val="75000"/>
+                  </a:schemeClr>
+                </a:solidFill>
+              </a:defRPr>
+            </a:lvl8pPr>
+            <a:lvl9pPr marL="14630400" indent="0">
+              <a:buNone/>
+              <a:defRPr sz="6400">
+                <a:solidFill>
+                  <a:schemeClr val="tx1">
+                    <a:tint val="75000"/>
+                  </a:schemeClr>
+                </a:solidFill>
+              </a:defRPr>
+            </a:lvl9pPr>
+          </a:lstStyle>
+          <a:p>
+            <a:pPr lvl="0"/>
+            <a:r>
+              <a:rPr lang="zh-TW" altLang="en-US" smtClean="0"/>
+              <a:t>按一下以編輯母片文字樣式</a:t>
+            </a:r>
+          </a:p>
+        </p:txBody>
+      </p:sp>
+      <p:sp>
+        <p:nvSpPr>
+          <p:cNvPr id="4" name="Date Placeholder 3"/>
+          <p:cNvSpPr>
+            <a:spLocks noGrp="1"/>
+          </p:cNvSpPr>
+          <p:nvPr>
+            <p:ph type="dt" sz="half" idx="10"/>
+          </p:nvPr>
+        </p:nvSpPr>
+        <p:spPr>
+          <a:xfrm>
+            <a:off x="22248704" y="1524006"/>
+            <a:ext cx="8732520" cy="1460500"/>
           </a:xfrm>
         </p:spPr>
         <p:txBody>
           <a:bodyPr/>
           <a:lstStyle>
-            <a:lvl1pPr marL="0" indent="0">
-              <a:buNone/>
-              <a:defRPr sz="3200"/>
-            </a:lvl1pPr>
-            <a:lvl2pPr marL="457200" indent="0">
-              <a:buNone/>
-              <a:defRPr sz="2800"/>
-            </a:lvl2pPr>
-            <a:lvl3pPr marL="914400" indent="0">
-              <a:buNone/>
-              <a:defRPr sz="2400"/>
-            </a:lvl3pPr>
-            <a:lvl4pPr marL="1371600" indent="0">
-              <a:buNone/>
-              <a:defRPr sz="2000"/>
-            </a:lvl4pPr>
-            <a:lvl5pPr marL="1828800" indent="0">
-              <a:buNone/>
-              <a:defRPr sz="2000"/>
-            </a:lvl5pPr>
-            <a:lvl6pPr marL="2286000" indent="0">
-              <a:buNone/>
-              <a:defRPr sz="2000"/>
-            </a:lvl6pPr>
-            <a:lvl7pPr marL="2743200" indent="0">
-              <a:buNone/>
-              <a:defRPr sz="2000"/>
-            </a:lvl7pPr>
-            <a:lvl8pPr marL="3200400" indent="0">
-              <a:buNone/>
-              <a:defRPr sz="2000"/>
-            </a:lvl8pPr>
-            <a:lvl9pPr marL="3657600" indent="0">
-              <a:buNone/>
-              <a:defRPr sz="2000"/>
-            </a:lvl9pPr>
-          </a:lstStyle>
-          <a:p>
-            <a:r>
-              <a:rPr lang="en-US" smtClean="0"/>
-              <a:t>Drag picture to placeholder or click icon to add</a:t>
-            </a:r>
-            <a:endParaRPr lang="en-US"/>
-          </a:p>
-        </p:txBody>
-      </p:sp>
-      <p:sp>
-        <p:nvSpPr>
-          <p:cNvPr id="4" name="Text Placeholder 3"/>
-          <p:cNvSpPr>
-            <a:spLocks noGrp="1"/>
-          </p:cNvSpPr>
-          <p:nvPr>
-            <p:ph type="body" sz="half" idx="2"/>
-          </p:nvPr>
-        </p:nvSpPr>
-        <p:spPr>
-          <a:xfrm>
-            <a:off x="2519363" y="8229600"/>
-            <a:ext cx="11796712" cy="15246350"/>
-          </a:xfrm>
-        </p:spPr>
-        <p:txBody>
-          <a:bodyPr/>
-          <a:lstStyle>
-            <a:lvl1pPr marL="0" indent="0">
-              <a:buNone/>
-              <a:defRPr sz="1600"/>
-            </a:lvl1pPr>
-            <a:lvl2pPr marL="457200" indent="0">
-              <a:buNone/>
-              <a:defRPr sz="1400"/>
-            </a:lvl2pPr>
-            <a:lvl3pPr marL="914400" indent="0">
-              <a:buNone/>
-              <a:defRPr sz="1200"/>
-            </a:lvl3pPr>
-            <a:lvl4pPr marL="1371600" indent="0">
-              <a:buNone/>
-              <a:defRPr sz="1000"/>
-            </a:lvl4pPr>
-            <a:lvl5pPr marL="1828800" indent="0">
-              <a:buNone/>
-              <a:defRPr sz="1000"/>
-            </a:lvl5pPr>
-            <a:lvl6pPr marL="2286000" indent="0">
-              <a:buNone/>
-              <a:defRPr sz="1000"/>
-            </a:lvl6pPr>
-            <a:lvl7pPr marL="2743200" indent="0">
-              <a:buNone/>
-              <a:defRPr sz="1000"/>
-            </a:lvl7pPr>
-            <a:lvl8pPr marL="3200400" indent="0">
-              <a:buNone/>
-              <a:defRPr sz="1000"/>
-            </a:lvl8pPr>
-            <a:lvl9pPr marL="3657600" indent="0">
-              <a:buNone/>
-              <a:defRPr sz="1000"/>
-            </a:lvl9pPr>
-          </a:lstStyle>
-          <a:p>
-            <a:pPr lvl="0"/>
-            <a:r>
-              <a:rPr lang="en-US" smtClean="0"/>
-              <a:t>Click to edit Master text styles</a:t>
-            </a:r>
-          </a:p>
-        </p:txBody>
-      </p:sp>
-      <p:sp>
-        <p:nvSpPr>
-          <p:cNvPr id="5" name="Date Placeholder 4"/>
-          <p:cNvSpPr>
-            <a:spLocks noGrp="1"/>
-          </p:cNvSpPr>
-          <p:nvPr>
-            <p:ph type="dt" idx="10"/>
-          </p:nvPr>
-        </p:nvSpPr>
-        <p:spPr/>
-        <p:txBody>
-          <a:bodyPr/>
-          <a:lstStyle>
-            <a:lvl1pPr>
+            <a:lvl1pPr algn="r">
               <a:defRPr/>
             </a:lvl1pPr>
           </a:lstStyle>
@@ -3254,22 +4550,23 @@
       </p:sp>
       <p:sp>
         <p:nvSpPr>
-          <p:cNvPr id="6" name="Footer Placeholder 5"/>
-          <p:cNvSpPr>
-            <a:spLocks noGrp="1"/>
-          </p:cNvSpPr>
-          <p:nvPr>
-            <p:ph type="ftr" idx="11"/>
-          </p:nvPr>
-        </p:nvSpPr>
-        <p:spPr/>
+          <p:cNvPr id="5" name="Footer Placeholder 4"/>
+          <p:cNvSpPr>
+            <a:spLocks noGrp="1"/>
+          </p:cNvSpPr>
+          <p:nvPr>
+            <p:ph type="ftr" sz="quarter" idx="11"/>
+          </p:nvPr>
+        </p:nvSpPr>
+        <p:spPr>
+          <a:xfrm>
+            <a:off x="2377440" y="1524006"/>
+            <a:ext cx="19322624" cy="1460500"/>
+          </a:xfrm>
+        </p:spPr>
         <p:txBody>
           <a:bodyPr/>
-          <a:lstStyle>
-            <a:lvl1pPr>
-              <a:defRPr/>
-            </a:lvl1pPr>
-          </a:lstStyle>
+          <a:lstStyle/>
           <a:p>
             <a:endParaRPr lang="en-GB" altLang="x-none"/>
           </a:p>
@@ -3277,25 +4574,26 @@
       </p:sp>
       <p:sp>
         <p:nvSpPr>
-          <p:cNvPr id="7" name="Slide Number Placeholder 6"/>
-          <p:cNvSpPr>
-            <a:spLocks noGrp="1"/>
-          </p:cNvSpPr>
-          <p:nvPr>
-            <p:ph type="sldNum" idx="12"/>
-          </p:nvPr>
-        </p:nvSpPr>
-        <p:spPr/>
+          <p:cNvPr id="6" name="Slide Number Placeholder 5"/>
+          <p:cNvSpPr>
+            <a:spLocks noGrp="1"/>
+          </p:cNvSpPr>
+          <p:nvPr>
+            <p:ph type="sldNum" sz="quarter" idx="12"/>
+          </p:nvPr>
+        </p:nvSpPr>
+        <p:spPr>
+          <a:xfrm>
+            <a:off x="31529866" y="1524006"/>
+            <a:ext cx="2668692" cy="1460500"/>
+          </a:xfrm>
+        </p:spPr>
         <p:txBody>
           <a:bodyPr/>
-          <a:lstStyle>
-            <a:lvl1pPr>
-              <a:defRPr/>
-            </a:lvl1pPr>
-          </a:lstStyle>
-          <a:p>
-            <a:fld id="{A20CC87D-1F8E-274E-B68B-FC8DBEBF70F8}" type="slidenum">
-              <a:rPr lang="en-GB" altLang="x-none"/>
+          <a:lstStyle/>
+          <a:p>
+            <a:fld id="{AD74203F-F9AA-184C-B023-F705B72C1A29}" type="slidenum">
+              <a:rPr lang="en-GB" altLang="x-none" smtClean="0"/>
               <a:pPr/>
               <a:t>‹#›</a:t>
             </a:fld>
@@ -3304,15 +4602,1304 @@
         </p:txBody>
       </p:sp>
     </p:spTree>
-    <p:extLst>
-      <p:ext uri="{BB962C8B-B14F-4D97-AF65-F5344CB8AC3E}">
-        <p14:creationId xmlns:p14="http://schemas.microsoft.com/office/powerpoint/2010/main" val="1968220274"/>
-      </p:ext>
-    </p:extLst>
   </p:cSld>
   <p:clrMapOvr>
     <a:masterClrMapping/>
   </p:clrMapOvr>
+  <p:hf sldNum="0" hdr="0" ftr="0" dt="0"/>
+  <p:extLst>
+    <p:ext uri="{DCECCB84-F9BA-43D5-87BE-67443E8EF086}">
+      <p15:sldGuideLst xmlns:p15="http://schemas.microsoft.com/office/powerpoint/2012/main"/>
+    </p:ext>
+  </p:extLst>
+</p:sldLayout>
+</file>
+
+<file path=ppt/slideLayouts/slideLayout4.xml><?xml version="1.0" encoding="utf-8"?>
+<p:sldLayout xmlns:a="http://schemas.openxmlformats.org/drawingml/2006/main" xmlns:r="http://schemas.openxmlformats.org/officeDocument/2006/relationships" xmlns:p="http://schemas.openxmlformats.org/presentationml/2006/main" type="twoObj" preserve="1">
+  <p:cSld name="兩項物件">
+    <p:spTree>
+      <p:nvGrpSpPr>
+        <p:cNvPr id="1" name=""/>
+        <p:cNvGrpSpPr/>
+        <p:nvPr/>
+      </p:nvGrpSpPr>
+      <p:grpSpPr>
+        <a:xfrm>
+          <a:off x="0" y="0"/>
+          <a:ext cx="0" cy="0"/>
+          <a:chOff x="0" y="0"/>
+          <a:chExt cx="0" cy="0"/>
+        </a:xfrm>
+      </p:grpSpPr>
+      <p:sp>
+        <p:nvSpPr>
+          <p:cNvPr id="2" name="Title 1"/>
+          <p:cNvSpPr>
+            <a:spLocks noGrp="1"/>
+          </p:cNvSpPr>
+          <p:nvPr>
+            <p:ph type="title"/>
+          </p:nvPr>
+        </p:nvSpPr>
+        <p:spPr/>
+        <p:txBody>
+          <a:bodyPr/>
+          <a:lstStyle/>
+          <a:p>
+            <a:r>
+              <a:rPr lang="zh-TW" altLang="en-US" smtClean="0"/>
+              <a:t>按一下以編輯母片標題樣式</a:t>
+            </a:r>
+            <a:endParaRPr lang="en-US" dirty="0"/>
+          </a:p>
+        </p:txBody>
+      </p:sp>
+      <p:sp>
+        <p:nvSpPr>
+          <p:cNvPr id="3" name="Content Placeholder 2"/>
+          <p:cNvSpPr>
+            <a:spLocks noGrp="1"/>
+          </p:cNvSpPr>
+          <p:nvPr>
+            <p:ph sz="half" idx="1"/>
+          </p:nvPr>
+        </p:nvSpPr>
+        <p:spPr>
+          <a:xfrm>
+            <a:off x="2377442" y="8778240"/>
+            <a:ext cx="15642316" cy="16276320"/>
+          </a:xfrm>
+        </p:spPr>
+        <p:txBody>
+          <a:bodyPr/>
+          <a:lstStyle/>
+          <a:p>
+            <a:pPr lvl="0"/>
+            <a:r>
+              <a:rPr lang="zh-TW" altLang="en-US" smtClean="0"/>
+              <a:t>按一下以編輯母片文字樣式</a:t>
+            </a:r>
+          </a:p>
+          <a:p>
+            <a:pPr lvl="1"/>
+            <a:r>
+              <a:rPr lang="zh-TW" altLang="en-US" smtClean="0"/>
+              <a:t>第二層</a:t>
+            </a:r>
+          </a:p>
+          <a:p>
+            <a:pPr lvl="2"/>
+            <a:r>
+              <a:rPr lang="zh-TW" altLang="en-US" smtClean="0"/>
+              <a:t>第三層</a:t>
+            </a:r>
+          </a:p>
+          <a:p>
+            <a:pPr lvl="3"/>
+            <a:r>
+              <a:rPr lang="zh-TW" altLang="en-US" smtClean="0"/>
+              <a:t>第四層</a:t>
+            </a:r>
+          </a:p>
+          <a:p>
+            <a:pPr lvl="4"/>
+            <a:r>
+              <a:rPr lang="zh-TW" altLang="en-US" smtClean="0"/>
+              <a:t>第五層</a:t>
+            </a:r>
+            <a:endParaRPr lang="en-US" dirty="0"/>
+          </a:p>
+        </p:txBody>
+      </p:sp>
+      <p:sp>
+        <p:nvSpPr>
+          <p:cNvPr id="4" name="Content Placeholder 3"/>
+          <p:cNvSpPr>
+            <a:spLocks noGrp="1"/>
+          </p:cNvSpPr>
+          <p:nvPr>
+            <p:ph sz="half" idx="2"/>
+          </p:nvPr>
+        </p:nvSpPr>
+        <p:spPr>
+          <a:xfrm>
+            <a:off x="18568396" y="8778240"/>
+            <a:ext cx="15630160" cy="16276320"/>
+          </a:xfrm>
+        </p:spPr>
+        <p:txBody>
+          <a:bodyPr/>
+          <a:lstStyle/>
+          <a:p>
+            <a:pPr lvl="0"/>
+            <a:r>
+              <a:rPr lang="zh-TW" altLang="en-US" smtClean="0"/>
+              <a:t>按一下以編輯母片文字樣式</a:t>
+            </a:r>
+          </a:p>
+          <a:p>
+            <a:pPr lvl="1"/>
+            <a:r>
+              <a:rPr lang="zh-TW" altLang="en-US" smtClean="0"/>
+              <a:t>第二層</a:t>
+            </a:r>
+          </a:p>
+          <a:p>
+            <a:pPr lvl="2"/>
+            <a:r>
+              <a:rPr lang="zh-TW" altLang="en-US" smtClean="0"/>
+              <a:t>第三層</a:t>
+            </a:r>
+          </a:p>
+          <a:p>
+            <a:pPr lvl="3"/>
+            <a:r>
+              <a:rPr lang="zh-TW" altLang="en-US" smtClean="0"/>
+              <a:t>第四層</a:t>
+            </a:r>
+          </a:p>
+          <a:p>
+            <a:pPr lvl="4"/>
+            <a:r>
+              <a:rPr lang="zh-TW" altLang="en-US" smtClean="0"/>
+              <a:t>第五層</a:t>
+            </a:r>
+            <a:endParaRPr lang="en-US" dirty="0"/>
+          </a:p>
+        </p:txBody>
+      </p:sp>
+      <p:sp>
+        <p:nvSpPr>
+          <p:cNvPr id="5" name="Date Placeholder 4"/>
+          <p:cNvSpPr>
+            <a:spLocks noGrp="1"/>
+          </p:cNvSpPr>
+          <p:nvPr>
+            <p:ph type="dt" sz="half" idx="10"/>
+          </p:nvPr>
+        </p:nvSpPr>
+        <p:spPr/>
+        <p:txBody>
+          <a:bodyPr/>
+          <a:lstStyle/>
+          <a:p>
+            <a:endParaRPr lang="en-GB" altLang="x-none"/>
+          </a:p>
+        </p:txBody>
+      </p:sp>
+      <p:sp>
+        <p:nvSpPr>
+          <p:cNvPr id="6" name="Footer Placeholder 5"/>
+          <p:cNvSpPr>
+            <a:spLocks noGrp="1"/>
+          </p:cNvSpPr>
+          <p:nvPr>
+            <p:ph type="ftr" sz="quarter" idx="11"/>
+          </p:nvPr>
+        </p:nvSpPr>
+        <p:spPr/>
+        <p:txBody>
+          <a:bodyPr/>
+          <a:lstStyle/>
+          <a:p>
+            <a:endParaRPr lang="en-GB" altLang="x-none"/>
+          </a:p>
+        </p:txBody>
+      </p:sp>
+      <p:sp>
+        <p:nvSpPr>
+          <p:cNvPr id="7" name="Slide Number Placeholder 6"/>
+          <p:cNvSpPr>
+            <a:spLocks noGrp="1"/>
+          </p:cNvSpPr>
+          <p:nvPr>
+            <p:ph type="sldNum" sz="quarter" idx="12"/>
+          </p:nvPr>
+        </p:nvSpPr>
+        <p:spPr/>
+        <p:txBody>
+          <a:bodyPr/>
+          <a:lstStyle/>
+          <a:p>
+            <a:fld id="{AD74203F-F9AA-184C-B023-F705B72C1A29}" type="slidenum">
+              <a:rPr lang="en-GB" altLang="x-none" smtClean="0"/>
+              <a:pPr/>
+              <a:t>‹#›</a:t>
+            </a:fld>
+            <a:endParaRPr lang="en-GB" altLang="x-none"/>
+          </a:p>
+        </p:txBody>
+      </p:sp>
+    </p:spTree>
+  </p:cSld>
+  <p:clrMapOvr>
+    <a:masterClrMapping/>
+  </p:clrMapOvr>
+  <p:hf sldNum="0" hdr="0" ftr="0" dt="0"/>
+</p:sldLayout>
+</file>
+
+<file path=ppt/slideLayouts/slideLayout5.xml><?xml version="1.0" encoding="utf-8"?>
+<p:sldLayout xmlns:a="http://schemas.openxmlformats.org/drawingml/2006/main" xmlns:r="http://schemas.openxmlformats.org/officeDocument/2006/relationships" xmlns:p="http://schemas.openxmlformats.org/presentationml/2006/main" type="twoTxTwoObj" preserve="1">
+  <p:cSld name="比較">
+    <p:spTree>
+      <p:nvGrpSpPr>
+        <p:cNvPr id="1" name=""/>
+        <p:cNvGrpSpPr/>
+        <p:nvPr/>
+      </p:nvGrpSpPr>
+      <p:grpSpPr>
+        <a:xfrm>
+          <a:off x="0" y="0"/>
+          <a:ext cx="0" cy="0"/>
+          <a:chOff x="0" y="0"/>
+          <a:chExt cx="0" cy="0"/>
+        </a:xfrm>
+      </p:grpSpPr>
+      <p:sp>
+        <p:nvSpPr>
+          <p:cNvPr id="2" name="Title 1"/>
+          <p:cNvSpPr>
+            <a:spLocks noGrp="1"/>
+          </p:cNvSpPr>
+          <p:nvPr>
+            <p:ph type="title"/>
+          </p:nvPr>
+        </p:nvSpPr>
+        <p:spPr>
+          <a:xfrm>
+            <a:off x="8686800" y="3048000"/>
+            <a:ext cx="25511760" cy="5181600"/>
+          </a:xfrm>
+        </p:spPr>
+        <p:txBody>
+          <a:bodyPr/>
+          <a:lstStyle/>
+          <a:p>
+            <a:r>
+              <a:rPr lang="zh-TW" altLang="en-US" smtClean="0"/>
+              <a:t>按一下以編輯母片標題樣式</a:t>
+            </a:r>
+            <a:endParaRPr lang="en-US" dirty="0"/>
+          </a:p>
+        </p:txBody>
+      </p:sp>
+      <p:sp>
+        <p:nvSpPr>
+          <p:cNvPr id="3" name="Text Placeholder 2"/>
+          <p:cNvSpPr>
+            <a:spLocks noGrp="1"/>
+          </p:cNvSpPr>
+          <p:nvPr>
+            <p:ph type="body" idx="1"/>
+          </p:nvPr>
+        </p:nvSpPr>
+        <p:spPr>
+          <a:xfrm>
+            <a:off x="3285118" y="8735208"/>
+            <a:ext cx="14734636" cy="3295648"/>
+          </a:xfrm>
+        </p:spPr>
+        <p:txBody>
+          <a:bodyPr anchor="b">
+            <a:normAutofit/>
+          </a:bodyPr>
+          <a:lstStyle>
+            <a:lvl1pPr marL="0" indent="0">
+              <a:buNone/>
+              <a:defRPr sz="11200" b="0">
+                <a:solidFill>
+                  <a:schemeClr val="tx1"/>
+                </a:solidFill>
+              </a:defRPr>
+            </a:lvl1pPr>
+            <a:lvl2pPr marL="1828800" indent="0">
+              <a:buNone/>
+              <a:defRPr sz="8000" b="1"/>
+            </a:lvl2pPr>
+            <a:lvl3pPr marL="3657600" indent="0">
+              <a:buNone/>
+              <a:defRPr sz="7200" b="1"/>
+            </a:lvl3pPr>
+            <a:lvl4pPr marL="5486400" indent="0">
+              <a:buNone/>
+              <a:defRPr sz="6400" b="1"/>
+            </a:lvl4pPr>
+            <a:lvl5pPr marL="7315200" indent="0">
+              <a:buNone/>
+              <a:defRPr sz="6400" b="1"/>
+            </a:lvl5pPr>
+            <a:lvl6pPr marL="9144000" indent="0">
+              <a:buNone/>
+              <a:defRPr sz="6400" b="1"/>
+            </a:lvl6pPr>
+            <a:lvl7pPr marL="10972800" indent="0">
+              <a:buNone/>
+              <a:defRPr sz="6400" b="1"/>
+            </a:lvl7pPr>
+            <a:lvl8pPr marL="12801600" indent="0">
+              <a:buNone/>
+              <a:defRPr sz="6400" b="1"/>
+            </a:lvl8pPr>
+            <a:lvl9pPr marL="14630400" indent="0">
+              <a:buNone/>
+              <a:defRPr sz="6400" b="1"/>
+            </a:lvl9pPr>
+          </a:lstStyle>
+          <a:p>
+            <a:pPr lvl="0"/>
+            <a:r>
+              <a:rPr lang="zh-TW" altLang="en-US" smtClean="0"/>
+              <a:t>按一下以編輯母片文字樣式</a:t>
+            </a:r>
+          </a:p>
+        </p:txBody>
+      </p:sp>
+      <p:sp>
+        <p:nvSpPr>
+          <p:cNvPr id="4" name="Content Placeholder 3"/>
+          <p:cNvSpPr>
+            <a:spLocks noGrp="1"/>
+          </p:cNvSpPr>
+          <p:nvPr>
+            <p:ph sz="half" idx="2"/>
+          </p:nvPr>
+        </p:nvSpPr>
+        <p:spPr>
+          <a:xfrm>
+            <a:off x="2377438" y="12530670"/>
+            <a:ext cx="15642316" cy="12523892"/>
+          </a:xfrm>
+        </p:spPr>
+        <p:txBody>
+          <a:bodyPr/>
+          <a:lstStyle/>
+          <a:p>
+            <a:pPr lvl="0"/>
+            <a:r>
+              <a:rPr lang="zh-TW" altLang="en-US" smtClean="0"/>
+              <a:t>按一下以編輯母片文字樣式</a:t>
+            </a:r>
+          </a:p>
+          <a:p>
+            <a:pPr lvl="1"/>
+            <a:r>
+              <a:rPr lang="zh-TW" altLang="en-US" smtClean="0"/>
+              <a:t>第二層</a:t>
+            </a:r>
+          </a:p>
+          <a:p>
+            <a:pPr lvl="2"/>
+            <a:r>
+              <a:rPr lang="zh-TW" altLang="en-US" smtClean="0"/>
+              <a:t>第三層</a:t>
+            </a:r>
+          </a:p>
+          <a:p>
+            <a:pPr lvl="3"/>
+            <a:r>
+              <a:rPr lang="zh-TW" altLang="en-US" smtClean="0"/>
+              <a:t>第四層</a:t>
+            </a:r>
+          </a:p>
+          <a:p>
+            <a:pPr lvl="4"/>
+            <a:r>
+              <a:rPr lang="zh-TW" altLang="en-US" smtClean="0"/>
+              <a:t>第五層</a:t>
+            </a:r>
+            <a:endParaRPr lang="en-US" dirty="0"/>
+          </a:p>
+        </p:txBody>
+      </p:sp>
+      <p:sp>
+        <p:nvSpPr>
+          <p:cNvPr id="5" name="Text Placeholder 4"/>
+          <p:cNvSpPr>
+            <a:spLocks noGrp="1"/>
+          </p:cNvSpPr>
+          <p:nvPr>
+            <p:ph type="body" sz="quarter" idx="3"/>
+          </p:nvPr>
+        </p:nvSpPr>
+        <p:spPr>
+          <a:xfrm>
+            <a:off x="19476074" y="8735208"/>
+            <a:ext cx="14722484" cy="3295648"/>
+          </a:xfrm>
+        </p:spPr>
+        <p:txBody>
+          <a:bodyPr anchor="b">
+            <a:normAutofit/>
+          </a:bodyPr>
+          <a:lstStyle>
+            <a:lvl1pPr marL="0" indent="0">
+              <a:buNone/>
+              <a:defRPr sz="11200" b="0">
+                <a:solidFill>
+                  <a:schemeClr val="tx1"/>
+                </a:solidFill>
+              </a:defRPr>
+            </a:lvl1pPr>
+            <a:lvl2pPr marL="1828800" indent="0">
+              <a:buNone/>
+              <a:defRPr sz="8000" b="1"/>
+            </a:lvl2pPr>
+            <a:lvl3pPr marL="3657600" indent="0">
+              <a:buNone/>
+              <a:defRPr sz="7200" b="1"/>
+            </a:lvl3pPr>
+            <a:lvl4pPr marL="5486400" indent="0">
+              <a:buNone/>
+              <a:defRPr sz="6400" b="1"/>
+            </a:lvl4pPr>
+            <a:lvl5pPr marL="7315200" indent="0">
+              <a:buNone/>
+              <a:defRPr sz="6400" b="1"/>
+            </a:lvl5pPr>
+            <a:lvl6pPr marL="9144000" indent="0">
+              <a:buNone/>
+              <a:defRPr sz="6400" b="1"/>
+            </a:lvl6pPr>
+            <a:lvl7pPr marL="10972800" indent="0">
+              <a:buNone/>
+              <a:defRPr sz="6400" b="1"/>
+            </a:lvl7pPr>
+            <a:lvl8pPr marL="12801600" indent="0">
+              <a:buNone/>
+              <a:defRPr sz="6400" b="1"/>
+            </a:lvl8pPr>
+            <a:lvl9pPr marL="14630400" indent="0">
+              <a:buNone/>
+              <a:defRPr sz="6400" b="1"/>
+            </a:lvl9pPr>
+          </a:lstStyle>
+          <a:p>
+            <a:pPr lvl="0"/>
+            <a:r>
+              <a:rPr lang="zh-TW" altLang="en-US" smtClean="0"/>
+              <a:t>按一下以編輯母片文字樣式</a:t>
+            </a:r>
+          </a:p>
+        </p:txBody>
+      </p:sp>
+      <p:sp>
+        <p:nvSpPr>
+          <p:cNvPr id="6" name="Content Placeholder 5"/>
+          <p:cNvSpPr>
+            <a:spLocks noGrp="1"/>
+          </p:cNvSpPr>
+          <p:nvPr>
+            <p:ph sz="quarter" idx="4"/>
+          </p:nvPr>
+        </p:nvSpPr>
+        <p:spPr>
+          <a:xfrm>
+            <a:off x="18568394" y="12530670"/>
+            <a:ext cx="15630164" cy="12523892"/>
+          </a:xfrm>
+        </p:spPr>
+        <p:txBody>
+          <a:bodyPr/>
+          <a:lstStyle/>
+          <a:p>
+            <a:pPr lvl="0"/>
+            <a:r>
+              <a:rPr lang="zh-TW" altLang="en-US" smtClean="0"/>
+              <a:t>按一下以編輯母片文字樣式</a:t>
+            </a:r>
+          </a:p>
+          <a:p>
+            <a:pPr lvl="1"/>
+            <a:r>
+              <a:rPr lang="zh-TW" altLang="en-US" smtClean="0"/>
+              <a:t>第二層</a:t>
+            </a:r>
+          </a:p>
+          <a:p>
+            <a:pPr lvl="2"/>
+            <a:r>
+              <a:rPr lang="zh-TW" altLang="en-US" smtClean="0"/>
+              <a:t>第三層</a:t>
+            </a:r>
+          </a:p>
+          <a:p>
+            <a:pPr lvl="3"/>
+            <a:r>
+              <a:rPr lang="zh-TW" altLang="en-US" smtClean="0"/>
+              <a:t>第四層</a:t>
+            </a:r>
+          </a:p>
+          <a:p>
+            <a:pPr lvl="4"/>
+            <a:r>
+              <a:rPr lang="zh-TW" altLang="en-US" smtClean="0"/>
+              <a:t>第五層</a:t>
+            </a:r>
+            <a:endParaRPr lang="en-US" dirty="0"/>
+          </a:p>
+        </p:txBody>
+      </p:sp>
+      <p:sp>
+        <p:nvSpPr>
+          <p:cNvPr id="7" name="Date Placeholder 6"/>
+          <p:cNvSpPr>
+            <a:spLocks noGrp="1"/>
+          </p:cNvSpPr>
+          <p:nvPr>
+            <p:ph type="dt" sz="half" idx="10"/>
+          </p:nvPr>
+        </p:nvSpPr>
+        <p:spPr/>
+        <p:txBody>
+          <a:bodyPr/>
+          <a:lstStyle/>
+          <a:p>
+            <a:endParaRPr lang="en-GB" altLang="x-none"/>
+          </a:p>
+        </p:txBody>
+      </p:sp>
+      <p:sp>
+        <p:nvSpPr>
+          <p:cNvPr id="8" name="Footer Placeholder 7"/>
+          <p:cNvSpPr>
+            <a:spLocks noGrp="1"/>
+          </p:cNvSpPr>
+          <p:nvPr>
+            <p:ph type="ftr" sz="quarter" idx="11"/>
+          </p:nvPr>
+        </p:nvSpPr>
+        <p:spPr/>
+        <p:txBody>
+          <a:bodyPr/>
+          <a:lstStyle/>
+          <a:p>
+            <a:endParaRPr lang="en-GB" altLang="x-none"/>
+          </a:p>
+        </p:txBody>
+      </p:sp>
+      <p:sp>
+        <p:nvSpPr>
+          <p:cNvPr id="9" name="Slide Number Placeholder 8"/>
+          <p:cNvSpPr>
+            <a:spLocks noGrp="1"/>
+          </p:cNvSpPr>
+          <p:nvPr>
+            <p:ph type="sldNum" sz="quarter" idx="12"/>
+          </p:nvPr>
+        </p:nvSpPr>
+        <p:spPr/>
+        <p:txBody>
+          <a:bodyPr/>
+          <a:lstStyle/>
+          <a:p>
+            <a:fld id="{AD74203F-F9AA-184C-B023-F705B72C1A29}" type="slidenum">
+              <a:rPr lang="en-GB" altLang="x-none" smtClean="0"/>
+              <a:pPr/>
+              <a:t>‹#›</a:t>
+            </a:fld>
+            <a:endParaRPr lang="en-GB" altLang="x-none"/>
+          </a:p>
+        </p:txBody>
+      </p:sp>
+    </p:spTree>
+  </p:cSld>
+  <p:clrMapOvr>
+    <a:masterClrMapping/>
+  </p:clrMapOvr>
+  <p:hf sldNum="0" hdr="0" ftr="0" dt="0"/>
+</p:sldLayout>
+</file>
+
+<file path=ppt/slideLayouts/slideLayout6.xml><?xml version="1.0" encoding="utf-8"?>
+<p:sldLayout xmlns:a="http://schemas.openxmlformats.org/drawingml/2006/main" xmlns:r="http://schemas.openxmlformats.org/officeDocument/2006/relationships" xmlns:p="http://schemas.openxmlformats.org/presentationml/2006/main" type="titleOnly" preserve="1">
+  <p:cSld name="只有標題">
+    <p:spTree>
+      <p:nvGrpSpPr>
+        <p:cNvPr id="1" name=""/>
+        <p:cNvGrpSpPr/>
+        <p:nvPr/>
+      </p:nvGrpSpPr>
+      <p:grpSpPr>
+        <a:xfrm>
+          <a:off x="0" y="0"/>
+          <a:ext cx="0" cy="0"/>
+          <a:chOff x="0" y="0"/>
+          <a:chExt cx="0" cy="0"/>
+        </a:xfrm>
+      </p:grpSpPr>
+      <p:sp>
+        <p:nvSpPr>
+          <p:cNvPr id="2" name="Title 1"/>
+          <p:cNvSpPr>
+            <a:spLocks noGrp="1"/>
+          </p:cNvSpPr>
+          <p:nvPr>
+            <p:ph type="title"/>
+          </p:nvPr>
+        </p:nvSpPr>
+        <p:spPr/>
+        <p:txBody>
+          <a:bodyPr/>
+          <a:lstStyle/>
+          <a:p>
+            <a:r>
+              <a:rPr lang="zh-TW" altLang="en-US" smtClean="0"/>
+              <a:t>按一下以編輯母片標題樣式</a:t>
+            </a:r>
+            <a:endParaRPr lang="en-US" dirty="0"/>
+          </a:p>
+        </p:txBody>
+      </p:sp>
+      <p:sp>
+        <p:nvSpPr>
+          <p:cNvPr id="3" name="Date Placeholder 2"/>
+          <p:cNvSpPr>
+            <a:spLocks noGrp="1"/>
+          </p:cNvSpPr>
+          <p:nvPr>
+            <p:ph type="dt" sz="half" idx="10"/>
+          </p:nvPr>
+        </p:nvSpPr>
+        <p:spPr/>
+        <p:txBody>
+          <a:bodyPr/>
+          <a:lstStyle/>
+          <a:p>
+            <a:endParaRPr lang="en-GB" altLang="x-none"/>
+          </a:p>
+        </p:txBody>
+      </p:sp>
+      <p:sp>
+        <p:nvSpPr>
+          <p:cNvPr id="4" name="Footer Placeholder 3"/>
+          <p:cNvSpPr>
+            <a:spLocks noGrp="1"/>
+          </p:cNvSpPr>
+          <p:nvPr>
+            <p:ph type="ftr" sz="quarter" idx="11"/>
+          </p:nvPr>
+        </p:nvSpPr>
+        <p:spPr/>
+        <p:txBody>
+          <a:bodyPr/>
+          <a:lstStyle/>
+          <a:p>
+            <a:endParaRPr lang="en-GB" altLang="x-none"/>
+          </a:p>
+        </p:txBody>
+      </p:sp>
+      <p:sp>
+        <p:nvSpPr>
+          <p:cNvPr id="5" name="Slide Number Placeholder 4"/>
+          <p:cNvSpPr>
+            <a:spLocks noGrp="1"/>
+          </p:cNvSpPr>
+          <p:nvPr>
+            <p:ph type="sldNum" sz="quarter" idx="12"/>
+          </p:nvPr>
+        </p:nvSpPr>
+        <p:spPr/>
+        <p:txBody>
+          <a:bodyPr/>
+          <a:lstStyle/>
+          <a:p>
+            <a:fld id="{AD74203F-F9AA-184C-B023-F705B72C1A29}" type="slidenum">
+              <a:rPr lang="en-GB" altLang="x-none" smtClean="0"/>
+              <a:pPr/>
+              <a:t>‹#›</a:t>
+            </a:fld>
+            <a:endParaRPr lang="en-GB" altLang="x-none"/>
+          </a:p>
+        </p:txBody>
+      </p:sp>
+    </p:spTree>
+  </p:cSld>
+  <p:clrMapOvr>
+    <a:masterClrMapping/>
+  </p:clrMapOvr>
+  <p:hf sldNum="0" hdr="0" ftr="0" dt="0"/>
+</p:sldLayout>
+</file>
+
+<file path=ppt/slideLayouts/slideLayout7.xml><?xml version="1.0" encoding="utf-8"?>
+<p:sldLayout xmlns:a="http://schemas.openxmlformats.org/drawingml/2006/main" xmlns:r="http://schemas.openxmlformats.org/officeDocument/2006/relationships" xmlns:p="http://schemas.openxmlformats.org/presentationml/2006/main" type="blank" preserve="1">
+  <p:cSld name="空白">
+    <p:spTree>
+      <p:nvGrpSpPr>
+        <p:cNvPr id="1" name=""/>
+        <p:cNvGrpSpPr/>
+        <p:nvPr/>
+      </p:nvGrpSpPr>
+      <p:grpSpPr>
+        <a:xfrm>
+          <a:off x="0" y="0"/>
+          <a:ext cx="0" cy="0"/>
+          <a:chOff x="0" y="0"/>
+          <a:chExt cx="0" cy="0"/>
+        </a:xfrm>
+      </p:grpSpPr>
+      <p:sp>
+        <p:nvSpPr>
+          <p:cNvPr id="2" name="Date Placeholder 1"/>
+          <p:cNvSpPr>
+            <a:spLocks noGrp="1"/>
+          </p:cNvSpPr>
+          <p:nvPr>
+            <p:ph type="dt" sz="half" idx="10"/>
+          </p:nvPr>
+        </p:nvSpPr>
+        <p:spPr/>
+        <p:txBody>
+          <a:bodyPr/>
+          <a:lstStyle/>
+          <a:p>
+            <a:endParaRPr lang="en-GB" altLang="x-none"/>
+          </a:p>
+        </p:txBody>
+      </p:sp>
+      <p:sp>
+        <p:nvSpPr>
+          <p:cNvPr id="3" name="Footer Placeholder 2"/>
+          <p:cNvSpPr>
+            <a:spLocks noGrp="1"/>
+          </p:cNvSpPr>
+          <p:nvPr>
+            <p:ph type="ftr" sz="quarter" idx="11"/>
+          </p:nvPr>
+        </p:nvSpPr>
+        <p:spPr/>
+        <p:txBody>
+          <a:bodyPr/>
+          <a:lstStyle/>
+          <a:p>
+            <a:endParaRPr lang="en-GB" altLang="x-none"/>
+          </a:p>
+        </p:txBody>
+      </p:sp>
+      <p:sp>
+        <p:nvSpPr>
+          <p:cNvPr id="4" name="Slide Number Placeholder 3"/>
+          <p:cNvSpPr>
+            <a:spLocks noGrp="1"/>
+          </p:cNvSpPr>
+          <p:nvPr>
+            <p:ph type="sldNum" sz="quarter" idx="12"/>
+          </p:nvPr>
+        </p:nvSpPr>
+        <p:spPr/>
+        <p:txBody>
+          <a:bodyPr/>
+          <a:lstStyle/>
+          <a:p>
+            <a:fld id="{AD74203F-F9AA-184C-B023-F705B72C1A29}" type="slidenum">
+              <a:rPr lang="en-GB" altLang="x-none" smtClean="0"/>
+              <a:pPr/>
+              <a:t>‹#›</a:t>
+            </a:fld>
+            <a:endParaRPr lang="en-GB" altLang="x-none"/>
+          </a:p>
+        </p:txBody>
+      </p:sp>
+    </p:spTree>
+  </p:cSld>
+  <p:clrMapOvr>
+    <a:masterClrMapping/>
+  </p:clrMapOvr>
+  <p:hf sldNum="0" hdr="0" ftr="0" dt="0"/>
+</p:sldLayout>
+</file>
+
+<file path=ppt/slideLayouts/slideLayout8.xml><?xml version="1.0" encoding="utf-8"?>
+<p:sldLayout xmlns:a="http://schemas.openxmlformats.org/drawingml/2006/main" xmlns:r="http://schemas.openxmlformats.org/officeDocument/2006/relationships" xmlns:p="http://schemas.openxmlformats.org/presentationml/2006/main" type="objTx" preserve="1">
+  <p:cSld name="含標題的內容">
+    <p:spTree>
+      <p:nvGrpSpPr>
+        <p:cNvPr id="1" name=""/>
+        <p:cNvGrpSpPr/>
+        <p:nvPr/>
+      </p:nvGrpSpPr>
+      <p:grpSpPr>
+        <a:xfrm>
+          <a:off x="0" y="0"/>
+          <a:ext cx="0" cy="0"/>
+          <a:chOff x="0" y="0"/>
+          <a:chExt cx="0" cy="0"/>
+        </a:xfrm>
+      </p:grpSpPr>
+      <p:sp>
+        <p:nvSpPr>
+          <p:cNvPr id="2" name="Title 1"/>
+          <p:cNvSpPr>
+            <a:spLocks noGrp="1"/>
+          </p:cNvSpPr>
+          <p:nvPr>
+            <p:ph type="title"/>
+          </p:nvPr>
+        </p:nvSpPr>
+        <p:spPr>
+          <a:xfrm>
+            <a:off x="2377440" y="6096000"/>
+            <a:ext cx="12344400" cy="6400800"/>
+          </a:xfrm>
+        </p:spPr>
+        <p:txBody>
+          <a:bodyPr anchor="b"/>
+          <a:lstStyle>
+            <a:lvl1pPr algn="l">
+              <a:defRPr sz="12800"/>
+            </a:lvl1pPr>
+          </a:lstStyle>
+          <a:p>
+            <a:r>
+              <a:rPr lang="zh-TW" altLang="en-US" smtClean="0"/>
+              <a:t>按一下以編輯母片標題樣式</a:t>
+            </a:r>
+            <a:endParaRPr lang="en-US" dirty="0"/>
+          </a:p>
+        </p:txBody>
+      </p:sp>
+      <p:sp>
+        <p:nvSpPr>
+          <p:cNvPr id="3" name="Content Placeholder 2"/>
+          <p:cNvSpPr>
+            <a:spLocks noGrp="1"/>
+          </p:cNvSpPr>
+          <p:nvPr>
+            <p:ph idx="1"/>
+          </p:nvPr>
+        </p:nvSpPr>
+        <p:spPr>
+          <a:xfrm>
+            <a:off x="15544800" y="2987040"/>
+            <a:ext cx="18653760" cy="22067520"/>
+          </a:xfrm>
+        </p:spPr>
+        <p:txBody>
+          <a:bodyPr anchor="ctr"/>
+          <a:lstStyle/>
+          <a:p>
+            <a:pPr lvl="0"/>
+            <a:r>
+              <a:rPr lang="zh-TW" altLang="en-US" smtClean="0"/>
+              <a:t>按一下以編輯母片文字樣式</a:t>
+            </a:r>
+          </a:p>
+          <a:p>
+            <a:pPr lvl="1"/>
+            <a:r>
+              <a:rPr lang="zh-TW" altLang="en-US" smtClean="0"/>
+              <a:t>第二層</a:t>
+            </a:r>
+          </a:p>
+          <a:p>
+            <a:pPr lvl="2"/>
+            <a:r>
+              <a:rPr lang="zh-TW" altLang="en-US" smtClean="0"/>
+              <a:t>第三層</a:t>
+            </a:r>
+          </a:p>
+          <a:p>
+            <a:pPr lvl="3"/>
+            <a:r>
+              <a:rPr lang="zh-TW" altLang="en-US" smtClean="0"/>
+              <a:t>第四層</a:t>
+            </a:r>
+          </a:p>
+          <a:p>
+            <a:pPr lvl="4"/>
+            <a:r>
+              <a:rPr lang="zh-TW" altLang="en-US" smtClean="0"/>
+              <a:t>第五層</a:t>
+            </a:r>
+            <a:endParaRPr lang="en-US" dirty="0"/>
+          </a:p>
+        </p:txBody>
+      </p:sp>
+      <p:sp>
+        <p:nvSpPr>
+          <p:cNvPr id="4" name="Text Placeholder 3"/>
+          <p:cNvSpPr>
+            <a:spLocks noGrp="1"/>
+          </p:cNvSpPr>
+          <p:nvPr>
+            <p:ph type="body" sz="half" idx="2"/>
+          </p:nvPr>
+        </p:nvSpPr>
+        <p:spPr>
+          <a:xfrm>
+            <a:off x="2377440" y="12496800"/>
+            <a:ext cx="12344400" cy="12557760"/>
+          </a:xfrm>
+        </p:spPr>
+        <p:txBody>
+          <a:bodyPr/>
+          <a:lstStyle>
+            <a:lvl1pPr marL="0" indent="0">
+              <a:buNone/>
+              <a:defRPr sz="6400"/>
+            </a:lvl1pPr>
+            <a:lvl2pPr marL="1828800" indent="0">
+              <a:buNone/>
+              <a:defRPr sz="5600"/>
+            </a:lvl2pPr>
+            <a:lvl3pPr marL="3657600" indent="0">
+              <a:buNone/>
+              <a:defRPr sz="4800"/>
+            </a:lvl3pPr>
+            <a:lvl4pPr marL="5486400" indent="0">
+              <a:buNone/>
+              <a:defRPr sz="4000"/>
+            </a:lvl4pPr>
+            <a:lvl5pPr marL="7315200" indent="0">
+              <a:buNone/>
+              <a:defRPr sz="4000"/>
+            </a:lvl5pPr>
+            <a:lvl6pPr marL="9144000" indent="0">
+              <a:buNone/>
+              <a:defRPr sz="4000"/>
+            </a:lvl6pPr>
+            <a:lvl7pPr marL="10972800" indent="0">
+              <a:buNone/>
+              <a:defRPr sz="4000"/>
+            </a:lvl7pPr>
+            <a:lvl8pPr marL="12801600" indent="0">
+              <a:buNone/>
+              <a:defRPr sz="4000"/>
+            </a:lvl8pPr>
+            <a:lvl9pPr marL="14630400" indent="0">
+              <a:buNone/>
+              <a:defRPr sz="4000"/>
+            </a:lvl9pPr>
+          </a:lstStyle>
+          <a:p>
+            <a:pPr lvl="0"/>
+            <a:r>
+              <a:rPr lang="zh-TW" altLang="en-US" smtClean="0"/>
+              <a:t>按一下以編輯母片文字樣式</a:t>
+            </a:r>
+          </a:p>
+        </p:txBody>
+      </p:sp>
+      <p:sp>
+        <p:nvSpPr>
+          <p:cNvPr id="5" name="Date Placeholder 4"/>
+          <p:cNvSpPr>
+            <a:spLocks noGrp="1"/>
+          </p:cNvSpPr>
+          <p:nvPr>
+            <p:ph type="dt" sz="half" idx="10"/>
+          </p:nvPr>
+        </p:nvSpPr>
+        <p:spPr/>
+        <p:txBody>
+          <a:bodyPr/>
+          <a:lstStyle/>
+          <a:p>
+            <a:endParaRPr lang="en-GB" altLang="x-none"/>
+          </a:p>
+        </p:txBody>
+      </p:sp>
+      <p:sp>
+        <p:nvSpPr>
+          <p:cNvPr id="6" name="Footer Placeholder 5"/>
+          <p:cNvSpPr>
+            <a:spLocks noGrp="1"/>
+          </p:cNvSpPr>
+          <p:nvPr>
+            <p:ph type="ftr" sz="quarter" idx="11"/>
+          </p:nvPr>
+        </p:nvSpPr>
+        <p:spPr/>
+        <p:txBody>
+          <a:bodyPr/>
+          <a:lstStyle/>
+          <a:p>
+            <a:endParaRPr lang="en-GB" altLang="x-none"/>
+          </a:p>
+        </p:txBody>
+      </p:sp>
+      <p:sp>
+        <p:nvSpPr>
+          <p:cNvPr id="7" name="Slide Number Placeholder 6"/>
+          <p:cNvSpPr>
+            <a:spLocks noGrp="1"/>
+          </p:cNvSpPr>
+          <p:nvPr>
+            <p:ph type="sldNum" sz="quarter" idx="12"/>
+          </p:nvPr>
+        </p:nvSpPr>
+        <p:spPr/>
+        <p:txBody>
+          <a:bodyPr/>
+          <a:lstStyle/>
+          <a:p>
+            <a:fld id="{AD74203F-F9AA-184C-B023-F705B72C1A29}" type="slidenum">
+              <a:rPr lang="en-GB" altLang="x-none" smtClean="0"/>
+              <a:pPr/>
+              <a:t>‹#›</a:t>
+            </a:fld>
+            <a:endParaRPr lang="en-GB" altLang="x-none"/>
+          </a:p>
+        </p:txBody>
+      </p:sp>
+    </p:spTree>
+  </p:cSld>
+  <p:clrMapOvr>
+    <a:masterClrMapping/>
+  </p:clrMapOvr>
+  <p:hf sldNum="0" hdr="0" ftr="0" dt="0"/>
+</p:sldLayout>
+</file>
+
+<file path=ppt/slideLayouts/slideLayout9.xml><?xml version="1.0" encoding="utf-8"?>
+<p:sldLayout xmlns:a="http://schemas.openxmlformats.org/drawingml/2006/main" xmlns:r="http://schemas.openxmlformats.org/officeDocument/2006/relationships" xmlns:p="http://schemas.openxmlformats.org/presentationml/2006/main" type="picTx" preserve="1">
+  <p:cSld name="含標題的圖片">
+    <p:spTree>
+      <p:nvGrpSpPr>
+        <p:cNvPr id="1" name=""/>
+        <p:cNvGrpSpPr/>
+        <p:nvPr/>
+      </p:nvGrpSpPr>
+      <p:grpSpPr>
+        <a:xfrm>
+          <a:off x="0" y="0"/>
+          <a:ext cx="0" cy="0"/>
+          <a:chOff x="0" y="0"/>
+          <a:chExt cx="0" cy="0"/>
+        </a:xfrm>
+      </p:grpSpPr>
+      <p:sp>
+        <p:nvSpPr>
+          <p:cNvPr id="2" name="Title 1"/>
+          <p:cNvSpPr>
+            <a:spLocks noGrp="1"/>
+          </p:cNvSpPr>
+          <p:nvPr>
+            <p:ph type="title"/>
+          </p:nvPr>
+        </p:nvSpPr>
+        <p:spPr>
+          <a:xfrm>
+            <a:off x="2377440" y="6096000"/>
+            <a:ext cx="16302920" cy="6400800"/>
+          </a:xfrm>
+        </p:spPr>
+        <p:txBody>
+          <a:bodyPr anchor="b"/>
+          <a:lstStyle>
+            <a:lvl1pPr algn="l">
+              <a:defRPr sz="12800"/>
+            </a:lvl1pPr>
+          </a:lstStyle>
+          <a:p>
+            <a:r>
+              <a:rPr lang="zh-TW" altLang="en-US" smtClean="0"/>
+              <a:t>按一下以編輯母片標題樣式</a:t>
+            </a:r>
+            <a:endParaRPr lang="en-US" dirty="0"/>
+          </a:p>
+        </p:txBody>
+      </p:sp>
+      <p:sp>
+        <p:nvSpPr>
+          <p:cNvPr id="3" name="Picture Placeholder 2"/>
+          <p:cNvSpPr>
+            <a:spLocks noGrp="1" noChangeAspect="1"/>
+          </p:cNvSpPr>
+          <p:nvPr>
+            <p:ph type="pic" idx="1"/>
+          </p:nvPr>
+        </p:nvSpPr>
+        <p:spPr>
+          <a:xfrm>
+            <a:off x="19510096" y="3004968"/>
+            <a:ext cx="14696936" cy="22049592"/>
+          </a:xfrm>
+        </p:spPr>
+        <p:txBody>
+          <a:bodyPr anchor="t"/>
+          <a:lstStyle>
+            <a:lvl1pPr marL="0" indent="0">
+              <a:buNone/>
+              <a:defRPr sz="12800"/>
+            </a:lvl1pPr>
+            <a:lvl2pPr marL="1828800" indent="0">
+              <a:buNone/>
+              <a:defRPr sz="11200"/>
+            </a:lvl2pPr>
+            <a:lvl3pPr marL="3657600" indent="0">
+              <a:buNone/>
+              <a:defRPr sz="9600"/>
+            </a:lvl3pPr>
+            <a:lvl4pPr marL="5486400" indent="0">
+              <a:buNone/>
+              <a:defRPr sz="8000"/>
+            </a:lvl4pPr>
+            <a:lvl5pPr marL="7315200" indent="0">
+              <a:buNone/>
+              <a:defRPr sz="8000"/>
+            </a:lvl5pPr>
+            <a:lvl6pPr marL="9144000" indent="0">
+              <a:buNone/>
+              <a:defRPr sz="8000"/>
+            </a:lvl6pPr>
+            <a:lvl7pPr marL="10972800" indent="0">
+              <a:buNone/>
+              <a:defRPr sz="8000"/>
+            </a:lvl7pPr>
+            <a:lvl8pPr marL="12801600" indent="0">
+              <a:buNone/>
+              <a:defRPr sz="8000"/>
+            </a:lvl8pPr>
+            <a:lvl9pPr marL="14630400" indent="0">
+              <a:buNone/>
+              <a:defRPr sz="8000"/>
+            </a:lvl9pPr>
+          </a:lstStyle>
+          <a:p>
+            <a:r>
+              <a:rPr lang="zh-TW" altLang="en-US" smtClean="0"/>
+              <a:t>將圖片拖曳至版面配置區或按一下圖示以新增</a:t>
+            </a:r>
+            <a:endParaRPr lang="en-US" dirty="0"/>
+          </a:p>
+        </p:txBody>
+      </p:sp>
+      <p:sp>
+        <p:nvSpPr>
+          <p:cNvPr id="4" name="Text Placeholder 3"/>
+          <p:cNvSpPr>
+            <a:spLocks noGrp="1"/>
+          </p:cNvSpPr>
+          <p:nvPr>
+            <p:ph type="body" sz="half" idx="2"/>
+          </p:nvPr>
+        </p:nvSpPr>
+        <p:spPr>
+          <a:xfrm>
+            <a:off x="2377440" y="12496800"/>
+            <a:ext cx="16302920" cy="12557760"/>
+          </a:xfrm>
+        </p:spPr>
+        <p:txBody>
+          <a:bodyPr/>
+          <a:lstStyle>
+            <a:lvl1pPr marL="0" indent="0">
+              <a:buNone/>
+              <a:defRPr sz="6400"/>
+            </a:lvl1pPr>
+            <a:lvl2pPr marL="1828800" indent="0">
+              <a:buNone/>
+              <a:defRPr sz="5600"/>
+            </a:lvl2pPr>
+            <a:lvl3pPr marL="3657600" indent="0">
+              <a:buNone/>
+              <a:defRPr sz="4800"/>
+            </a:lvl3pPr>
+            <a:lvl4pPr marL="5486400" indent="0">
+              <a:buNone/>
+              <a:defRPr sz="4000"/>
+            </a:lvl4pPr>
+            <a:lvl5pPr marL="7315200" indent="0">
+              <a:buNone/>
+              <a:defRPr sz="4000"/>
+            </a:lvl5pPr>
+            <a:lvl6pPr marL="9144000" indent="0">
+              <a:buNone/>
+              <a:defRPr sz="4000"/>
+            </a:lvl6pPr>
+            <a:lvl7pPr marL="10972800" indent="0">
+              <a:buNone/>
+              <a:defRPr sz="4000"/>
+            </a:lvl7pPr>
+            <a:lvl8pPr marL="12801600" indent="0">
+              <a:buNone/>
+              <a:defRPr sz="4000"/>
+            </a:lvl8pPr>
+            <a:lvl9pPr marL="14630400" indent="0">
+              <a:buNone/>
+              <a:defRPr sz="4000"/>
+            </a:lvl9pPr>
+          </a:lstStyle>
+          <a:p>
+            <a:pPr lvl="0"/>
+            <a:r>
+              <a:rPr lang="zh-TW" altLang="en-US" smtClean="0"/>
+              <a:t>按一下以編輯母片文字樣式</a:t>
+            </a:r>
+          </a:p>
+        </p:txBody>
+      </p:sp>
+      <p:sp>
+        <p:nvSpPr>
+          <p:cNvPr id="5" name="Date Placeholder 4"/>
+          <p:cNvSpPr>
+            <a:spLocks noGrp="1"/>
+          </p:cNvSpPr>
+          <p:nvPr>
+            <p:ph type="dt" sz="half" idx="10"/>
+          </p:nvPr>
+        </p:nvSpPr>
+        <p:spPr/>
+        <p:txBody>
+          <a:bodyPr/>
+          <a:lstStyle/>
+          <a:p>
+            <a:endParaRPr lang="en-GB" altLang="x-none"/>
+          </a:p>
+        </p:txBody>
+      </p:sp>
+      <p:sp>
+        <p:nvSpPr>
+          <p:cNvPr id="6" name="Footer Placeholder 5"/>
+          <p:cNvSpPr>
+            <a:spLocks noGrp="1"/>
+          </p:cNvSpPr>
+          <p:nvPr>
+            <p:ph type="ftr" sz="quarter" idx="11"/>
+          </p:nvPr>
+        </p:nvSpPr>
+        <p:spPr/>
+        <p:txBody>
+          <a:bodyPr/>
+          <a:lstStyle/>
+          <a:p>
+            <a:endParaRPr lang="en-GB" altLang="x-none"/>
+          </a:p>
+        </p:txBody>
+      </p:sp>
+      <p:sp>
+        <p:nvSpPr>
+          <p:cNvPr id="7" name="Slide Number Placeholder 6"/>
+          <p:cNvSpPr>
+            <a:spLocks noGrp="1"/>
+          </p:cNvSpPr>
+          <p:nvPr>
+            <p:ph type="sldNum" sz="quarter" idx="12"/>
+          </p:nvPr>
+        </p:nvSpPr>
+        <p:spPr/>
+        <p:txBody>
+          <a:bodyPr/>
+          <a:lstStyle/>
+          <a:p>
+            <a:fld id="{AD74203F-F9AA-184C-B023-F705B72C1A29}" type="slidenum">
+              <a:rPr lang="en-GB" altLang="x-none" smtClean="0"/>
+              <a:pPr/>
+              <a:t>‹#›</a:t>
+            </a:fld>
+            <a:endParaRPr lang="en-GB" altLang="x-none"/>
+          </a:p>
+        </p:txBody>
+      </p:sp>
+    </p:spTree>
+  </p:cSld>
+  <p:clrMapOvr>
+    <a:masterClrMapping/>
+  </p:clrMapOvr>
+  <p:hf sldNum="0" hdr="0" ftr="0" dt="0"/>
 </p:sldLayout>
 </file>
 
@@ -3320,12 +5907,9 @@
 <p:sldMaster xmlns:a="http://schemas.openxmlformats.org/drawingml/2006/main" xmlns:r="http://schemas.openxmlformats.org/officeDocument/2006/relationships" xmlns:p="http://schemas.openxmlformats.org/presentationml/2006/main">
   <p:cSld>
     <p:bg>
-      <p:bgPr>
-        <a:solidFill>
-          <a:srgbClr val="FFFFFF"/>
-        </a:solidFill>
-        <a:effectLst/>
-      </p:bgPr>
+      <p:bgRef idx="1001">
+        <a:schemeClr val="bg1"/>
+      </p:bgRef>
     </p:bg>
     <p:spTree>
       <p:nvGrpSpPr>
@@ -3341,296 +5925,160 @@
           <a:chExt cx="0" cy="0"/>
         </a:xfrm>
       </p:grpSpPr>
-      <p:sp>
-        <p:nvSpPr>
-          <p:cNvPr id="1025" name="Rectangle 1"/>
-          <p:cNvSpPr>
-            <a:spLocks noGrp="1" noChangeArrowheads="1"/>
-          </p:cNvSpPr>
-          <p:nvPr>
-            <p:ph type="title"/>
-          </p:nvPr>
-        </p:nvSpPr>
-        <p:spPr bwMode="auto">
-          <a:xfrm>
-            <a:off x="1828800" y="1093788"/>
-            <a:ext cx="32915225" cy="4578350"/>
+      <p:pic>
+        <p:nvPicPr>
+          <p:cNvPr id="7" name="Picture 6" descr="C0-HD-TOP.png"/>
+          <p:cNvPicPr>
+            <a:picLocks noChangeAspect="1"/>
+          </p:cNvPicPr>
+          <p:nvPr/>
+        </p:nvPicPr>
+        <p:blipFill>
+          <a:blip r:embed="rId19">
+            <a:extLst>
+              <a:ext uri="{28A0092B-C50C-407E-A947-70E740481C1C}">
+                <a14:useLocalDpi xmlns:a14="http://schemas.microsoft.com/office/drawing/2010/main" val="0"/>
+              </a:ext>
+            </a:extLst>
+          </a:blip>
+          <a:stretch>
+            <a:fillRect/>
+          </a:stretch>
+        </p:blipFill>
+        <p:spPr>
+          <a:xfrm>
+            <a:off x="0" y="0"/>
+            <a:ext cx="36576000" cy="4324352"/>
           </a:xfrm>
           <a:prstGeom prst="rect">
             <a:avLst/>
           </a:prstGeom>
-          <a:noFill/>
-          <a:ln>
-            <a:noFill/>
-          </a:ln>
-          <a:effectLst/>
-          <a:extLst>
-            <a:ext uri="{FAA26D3D-D897-4be2-8F04-BA451C77F1D7}">
-              <ma14:placeholderFlag xmlns:ma14="http://schemas.microsoft.com/office/mac/drawingml/2011/main" val="1"/>
-            </a:ext>
-            <a:ext uri="{909E8E84-426E-40dd-AFC4-6F175D3DCCD1}">
-              <a14:hiddenFill xmlns:a14="http://schemas.microsoft.com/office/drawing/2010/main" xmlns="">
-                <a:solidFill>
-                  <a:srgbClr val="FFFFFF"/>
-                </a:solidFill>
-              </a14:hiddenFill>
-            </a:ext>
-            <a:ext uri="{91240B29-F687-4f45-9708-019B960494DF}">
-              <a14:hiddenLine xmlns:a14="http://schemas.microsoft.com/office/drawing/2010/main" xmlns="" w="9525">
-                <a:solidFill>
-                  <a:srgbClr val="000000"/>
-                </a:solidFill>
-                <a:round/>
-                <a:headEnd/>
-                <a:tailEnd/>
-              </a14:hiddenLine>
-            </a:ext>
-            <a:ext uri="{AF507438-7753-43e0-B8FC-AC1667EBCBE1}">
-              <a14:hiddenEffects xmlns:a14="http://schemas.microsoft.com/office/drawing/2010/main" xmlns="">
-                <a:effectLst>
-                  <a:outerShdw blurRad="63500" dist="38099" dir="2700000" algn="ctr" rotWithShape="0">
-                    <a:schemeClr val="bg2">
-                      <a:alpha val="74998"/>
-                    </a:schemeClr>
-                  </a:outerShdw>
-                </a:effectLst>
-              </a14:hiddenEffects>
-            </a:ext>
-          </a:extLst>
-        </p:spPr>
-        <p:txBody>
-          <a:bodyPr vert="horz" wrap="square" lIns="0" tIns="0" rIns="0" bIns="0" numCol="1" anchor="ctr" anchorCtr="0" compatLnSpc="1">
-            <a:prstTxWarp prst="textNoShape">
-              <a:avLst/>
-            </a:prstTxWarp>
-          </a:bodyPr>
-          <a:lstStyle/>
-          <a:p>
-            <a:pPr lvl="0"/>
-            <a:r>
-              <a:rPr lang="en-US" altLang="x-none"/>
-              <a:t>Click to edit the title text format</a:t>
-            </a:r>
-          </a:p>
-        </p:txBody>
-      </p:sp>
-      <p:sp>
-        <p:nvSpPr>
-          <p:cNvPr id="1026" name="Rectangle 2"/>
-          <p:cNvSpPr>
-            <a:spLocks noGrp="1" noChangeArrowheads="1"/>
-          </p:cNvSpPr>
-          <p:nvPr>
-            <p:ph type="body" idx="1"/>
-          </p:nvPr>
-        </p:nvSpPr>
-        <p:spPr bwMode="auto">
-          <a:xfrm>
-            <a:off x="1828800" y="6418263"/>
-            <a:ext cx="32915225" cy="18102262"/>
+        </p:spPr>
+      </p:pic>
+      <p:sp>
+        <p:nvSpPr>
+          <p:cNvPr id="2" name="Title Placeholder 1"/>
+          <p:cNvSpPr>
+            <a:spLocks noGrp="1"/>
+          </p:cNvSpPr>
+          <p:nvPr>
+            <p:ph type="title"/>
+          </p:nvPr>
+        </p:nvSpPr>
+        <p:spPr>
+          <a:xfrm>
+            <a:off x="8686800" y="3057492"/>
+            <a:ext cx="25511760" cy="5172112"/>
           </a:xfrm>
           <a:prstGeom prst="rect">
             <a:avLst/>
           </a:prstGeom>
-          <a:noFill/>
-          <a:ln>
-            <a:noFill/>
-          </a:ln>
-          <a:effectLst/>
-          <a:extLst>
-            <a:ext uri="{FAA26D3D-D897-4be2-8F04-BA451C77F1D7}">
-              <ma14:placeholderFlag xmlns:ma14="http://schemas.microsoft.com/office/mac/drawingml/2011/main" val="1"/>
-            </a:ext>
-            <a:ext uri="{909E8E84-426E-40dd-AFC4-6F175D3DCCD1}">
-              <a14:hiddenFill xmlns:a14="http://schemas.microsoft.com/office/drawing/2010/main" xmlns="">
-                <a:solidFill>
-                  <a:srgbClr val="FFFFFF"/>
-                </a:solidFill>
-              </a14:hiddenFill>
-            </a:ext>
-            <a:ext uri="{91240B29-F687-4f45-9708-019B960494DF}">
-              <a14:hiddenLine xmlns:a14="http://schemas.microsoft.com/office/drawing/2010/main" xmlns="" w="9525">
-                <a:solidFill>
-                  <a:srgbClr val="000000"/>
-                </a:solidFill>
-                <a:round/>
-                <a:headEnd/>
-                <a:tailEnd/>
-              </a14:hiddenLine>
-            </a:ext>
-            <a:ext uri="{AF507438-7753-43e0-B8FC-AC1667EBCBE1}">
-              <a14:hiddenEffects xmlns:a14="http://schemas.microsoft.com/office/drawing/2010/main" xmlns="">
-                <a:effectLst>
-                  <a:outerShdw blurRad="63500" dist="38099" dir="2700000" algn="ctr" rotWithShape="0">
-                    <a:schemeClr val="bg2">
-                      <a:alpha val="74998"/>
-                    </a:schemeClr>
-                  </a:outerShdw>
-                </a:effectLst>
-              </a14:hiddenEffects>
-            </a:ext>
-          </a:extLst>
-        </p:spPr>
-        <p:txBody>
-          <a:bodyPr vert="horz" wrap="square" lIns="0" tIns="0" rIns="0" bIns="0" numCol="1" anchor="t" anchorCtr="0" compatLnSpc="1">
-            <a:prstTxWarp prst="textNoShape">
-              <a:avLst/>
-            </a:prstTxWarp>
+        </p:spPr>
+        <p:txBody>
+          <a:bodyPr vert="horz" lIns="91440" tIns="45720" rIns="91440" bIns="45720" rtlCol="0" anchor="ctr">
+            <a:normAutofit/>
           </a:bodyPr>
           <a:lstStyle/>
           <a:p>
-            <a:pPr lvl="0"/>
-            <a:r>
-              <a:rPr lang="en-US" altLang="x-none"/>
-              <a:t>Click to edit the outline text format</a:t>
-            </a:r>
-          </a:p>
-          <a:p>
-            <a:pPr lvl="1"/>
-            <a:r>
-              <a:rPr lang="en-US" altLang="x-none"/>
-              <a:t>Second Outline Level</a:t>
-            </a:r>
-          </a:p>
-          <a:p>
-            <a:pPr lvl="2"/>
-            <a:r>
-              <a:rPr lang="en-US" altLang="x-none"/>
-              <a:t>Third Outline Level</a:t>
-            </a:r>
-          </a:p>
-          <a:p>
-            <a:pPr lvl="3"/>
-            <a:r>
-              <a:rPr lang="en-US" altLang="x-none"/>
-              <a:t>Fourth Outline Level</a:t>
-            </a:r>
-          </a:p>
-          <a:p>
-            <a:pPr lvl="4"/>
-            <a:r>
-              <a:rPr lang="en-US" altLang="x-none"/>
-              <a:t>Fifth Outline Level</a:t>
-            </a:r>
-          </a:p>
-          <a:p>
-            <a:pPr lvl="4"/>
-            <a:r>
-              <a:rPr lang="en-US" altLang="x-none"/>
-              <a:t>Sixth Outline Level</a:t>
-            </a:r>
-          </a:p>
-          <a:p>
-            <a:pPr lvl="4"/>
-            <a:r>
-              <a:rPr lang="en-US" altLang="x-none"/>
-              <a:t>Seventh Outline Level</a:t>
-            </a:r>
-          </a:p>
-          <a:p>
-            <a:pPr lvl="4"/>
-            <a:r>
-              <a:rPr lang="en-US" altLang="x-none"/>
-              <a:t>Eighth Outline Level</a:t>
-            </a:r>
-          </a:p>
-          <a:p>
-            <a:pPr lvl="4"/>
-            <a:r>
-              <a:rPr lang="en-US" altLang="x-none"/>
-              <a:t>Ninth Outline Level</a:t>
-            </a:r>
-          </a:p>
-        </p:txBody>
-      </p:sp>
-      <p:sp>
-        <p:nvSpPr>
-          <p:cNvPr id="1027" name="Rectangle 3"/>
-          <p:cNvSpPr>
-            <a:spLocks noGrp="1" noChangeArrowheads="1"/>
-          </p:cNvSpPr>
-          <p:nvPr>
-            <p:ph type="dt"/>
-          </p:nvPr>
-        </p:nvSpPr>
-        <p:spPr bwMode="auto">
-          <a:xfrm>
-            <a:off x="1828800" y="24990425"/>
-            <a:ext cx="8520113" cy="1890713"/>
+            <a:r>
+              <a:rPr lang="zh-TW" altLang="en-US" smtClean="0"/>
+              <a:t>按一下以編輯母片標題樣式</a:t>
+            </a:r>
+            <a:endParaRPr lang="en-US" dirty="0"/>
+          </a:p>
+        </p:txBody>
+      </p:sp>
+      <p:sp>
+        <p:nvSpPr>
+          <p:cNvPr id="3" name="Text Placeholder 2"/>
+          <p:cNvSpPr>
+            <a:spLocks noGrp="1"/>
+          </p:cNvSpPr>
+          <p:nvPr>
+            <p:ph type="body" idx="1"/>
+          </p:nvPr>
+        </p:nvSpPr>
+        <p:spPr>
+          <a:xfrm>
+            <a:off x="2377440" y="8778240"/>
+            <a:ext cx="31821120" cy="16276320"/>
           </a:xfrm>
           <a:prstGeom prst="rect">
             <a:avLst/>
           </a:prstGeom>
-          <a:noFill/>
-          <a:ln>
-            <a:noFill/>
-          </a:ln>
-          <a:effectLst/>
-          <a:extLst>
-            <a:ext uri="{FAA26D3D-D897-4be2-8F04-BA451C77F1D7}">
-              <ma14:placeholderFlag xmlns:ma14="http://schemas.microsoft.com/office/mac/drawingml/2011/main" val="1"/>
-            </a:ext>
-            <a:ext uri="{909E8E84-426E-40dd-AFC4-6F175D3DCCD1}">
-              <a14:hiddenFill xmlns:a14="http://schemas.microsoft.com/office/drawing/2010/main" xmlns="">
-                <a:solidFill>
-                  <a:srgbClr val="FFFFFF"/>
-                </a:solidFill>
-              </a14:hiddenFill>
-            </a:ext>
-            <a:ext uri="{91240B29-F687-4f45-9708-019B960494DF}">
-              <a14:hiddenLine xmlns:a14="http://schemas.microsoft.com/office/drawing/2010/main" xmlns="" w="9525">
-                <a:solidFill>
-                  <a:srgbClr val="000000"/>
-                </a:solidFill>
-                <a:round/>
-                <a:headEnd/>
-                <a:tailEnd/>
-              </a14:hiddenLine>
-            </a:ext>
-            <a:ext uri="{AF507438-7753-43e0-B8FC-AC1667EBCBE1}">
-              <a14:hiddenEffects xmlns:a14="http://schemas.microsoft.com/office/drawing/2010/main" xmlns="">
-                <a:effectLst>
-                  <a:outerShdw blurRad="63500" dist="38099" dir="2700000" algn="ctr" rotWithShape="0">
-                    <a:schemeClr val="bg2">
-                      <a:alpha val="74998"/>
-                    </a:schemeClr>
-                  </a:outerShdw>
-                </a:effectLst>
-              </a14:hiddenEffects>
-            </a:ext>
-          </a:extLst>
-        </p:spPr>
-        <p:txBody>
-          <a:bodyPr vert="horz" wrap="square" lIns="0" tIns="0" rIns="0" bIns="0" numCol="1" anchor="t" anchorCtr="0" compatLnSpc="1">
-            <a:prstTxWarp prst="textNoShape">
-              <a:avLst/>
-            </a:prstTxWarp>
+        </p:spPr>
+        <p:txBody>
+          <a:bodyPr vert="horz" lIns="91440" tIns="45720" rIns="91440" bIns="45720" rtlCol="0">
+            <a:normAutofit/>
           </a:bodyPr>
+          <a:lstStyle/>
+          <a:p>
+            <a:pPr lvl="0"/>
+            <a:r>
+              <a:rPr lang="zh-TW" altLang="en-US" smtClean="0"/>
+              <a:t>按一下以編輯母片文字樣式</a:t>
+            </a:r>
+          </a:p>
+          <a:p>
+            <a:pPr lvl="1"/>
+            <a:r>
+              <a:rPr lang="zh-TW" altLang="en-US" smtClean="0"/>
+              <a:t>第二層</a:t>
+            </a:r>
+          </a:p>
+          <a:p>
+            <a:pPr lvl="2"/>
+            <a:r>
+              <a:rPr lang="zh-TW" altLang="en-US" smtClean="0"/>
+              <a:t>第三層</a:t>
+            </a:r>
+          </a:p>
+          <a:p>
+            <a:pPr lvl="3"/>
+            <a:r>
+              <a:rPr lang="zh-TW" altLang="en-US" smtClean="0"/>
+              <a:t>第四層</a:t>
+            </a:r>
+          </a:p>
+          <a:p>
+            <a:pPr lvl="4"/>
+            <a:r>
+              <a:rPr lang="zh-TW" altLang="en-US" smtClean="0"/>
+              <a:t>第五層</a:t>
+            </a:r>
+            <a:endParaRPr lang="en-US" dirty="0"/>
+          </a:p>
+        </p:txBody>
+      </p:sp>
+      <p:sp>
+        <p:nvSpPr>
+          <p:cNvPr id="4" name="Date Placeholder 3"/>
+          <p:cNvSpPr>
+            <a:spLocks noGrp="1"/>
+          </p:cNvSpPr>
+          <p:nvPr>
+            <p:ph type="dt" sz="half" idx="2"/>
+          </p:nvPr>
+        </p:nvSpPr>
+        <p:spPr>
+          <a:xfrm>
+            <a:off x="25648920" y="25425406"/>
+            <a:ext cx="8549640" cy="1460500"/>
+          </a:xfrm>
+          <a:prstGeom prst="rect">
+            <a:avLst/>
+          </a:prstGeom>
+        </p:spPr>
+        <p:txBody>
+          <a:bodyPr vert="horz" lIns="91440" tIns="45720" rIns="91440" bIns="45720" rtlCol="0" anchor="ctr"/>
           <a:lstStyle>
-            <a:lvl1pPr>
-              <a:lnSpc>
-                <a:spcPct val="116000"/>
-              </a:lnSpc>
-              <a:tabLst>
-                <a:tab pos="723900" algn="l"/>
-                <a:tab pos="1447800" algn="l"/>
-                <a:tab pos="2171700" algn="l"/>
-                <a:tab pos="2895600" algn="l"/>
-                <a:tab pos="3619500" algn="l"/>
-                <a:tab pos="4343400" algn="l"/>
-                <a:tab pos="5067300" algn="l"/>
-                <a:tab pos="5791200" algn="l"/>
-                <a:tab pos="6515100" algn="l"/>
-                <a:tab pos="7239000" algn="l"/>
-                <a:tab pos="7962900" algn="l"/>
-              </a:tabLst>
-              <a:defRPr sz="1400">
-                <a:solidFill>
-                  <a:srgbClr val="000000"/>
-                </a:solidFill>
-                <a:latin typeface="Nimbus Roman No9 L" charset="0"/>
-                <a:ea typeface="+mn-ea"/>
-                <a:cs typeface="+mn-cs"/>
+            <a:lvl1pPr algn="r">
+              <a:defRPr sz="4200">
+                <a:solidFill>
+                  <a:schemeClr val="tx1">
+                    <a:tint val="75000"/>
+                  </a:schemeClr>
+                </a:solidFill>
               </a:defRPr>
             </a:lvl1pPr>
           </a:lstStyle>
@@ -3641,97 +6089,33 @@
       </p:sp>
       <p:sp>
         <p:nvSpPr>
-          <p:cNvPr id="1028" name="Rectangle 4"/>
-          <p:cNvSpPr>
-            <a:spLocks noGrp="1" noChangeArrowheads="1"/>
-          </p:cNvSpPr>
-          <p:nvPr>
-            <p:ph type="ftr"/>
-          </p:nvPr>
-        </p:nvSpPr>
-        <p:spPr bwMode="auto">
-          <a:xfrm>
-            <a:off x="12509500" y="24990425"/>
-            <a:ext cx="11591925" cy="1890713"/>
+          <p:cNvPr id="5" name="Footer Placeholder 4"/>
+          <p:cNvSpPr>
+            <a:spLocks noGrp="1"/>
+          </p:cNvSpPr>
+          <p:nvPr>
+            <p:ph type="ftr" sz="quarter" idx="3"/>
+          </p:nvPr>
+        </p:nvSpPr>
+        <p:spPr>
+          <a:xfrm>
+            <a:off x="2377440" y="25423386"/>
+            <a:ext cx="22722840" cy="1460500"/>
           </a:xfrm>
           <a:prstGeom prst="rect">
             <a:avLst/>
           </a:prstGeom>
-          <a:noFill/>
-          <a:ln>
-            <a:noFill/>
-          </a:ln>
-          <a:effectLst/>
-          <a:extLst>
-            <a:ext uri="{FAA26D3D-D897-4be2-8F04-BA451C77F1D7}">
-              <ma14:placeholderFlag xmlns:ma14="http://schemas.microsoft.com/office/mac/drawingml/2011/main" val="1"/>
-            </a:ext>
-            <a:ext uri="{909E8E84-426E-40dd-AFC4-6F175D3DCCD1}">
-              <a14:hiddenFill xmlns:a14="http://schemas.microsoft.com/office/drawing/2010/main" xmlns="">
-                <a:solidFill>
-                  <a:srgbClr val="FFFFFF"/>
-                </a:solidFill>
-              </a14:hiddenFill>
-            </a:ext>
-            <a:ext uri="{91240B29-F687-4f45-9708-019B960494DF}">
-              <a14:hiddenLine xmlns:a14="http://schemas.microsoft.com/office/drawing/2010/main" xmlns="" w="9525">
-                <a:solidFill>
-                  <a:srgbClr val="000000"/>
-                </a:solidFill>
-                <a:round/>
-                <a:headEnd/>
-                <a:tailEnd/>
-              </a14:hiddenLine>
-            </a:ext>
-            <a:ext uri="{AF507438-7753-43e0-B8FC-AC1667EBCBE1}">
-              <a14:hiddenEffects xmlns:a14="http://schemas.microsoft.com/office/drawing/2010/main" xmlns="">
-                <a:effectLst>
-                  <a:outerShdw blurRad="63500" dist="38099" dir="2700000" algn="ctr" rotWithShape="0">
-                    <a:schemeClr val="bg2">
-                      <a:alpha val="74998"/>
-                    </a:schemeClr>
-                  </a:outerShdw>
-                </a:effectLst>
-              </a14:hiddenEffects>
-            </a:ext>
-          </a:extLst>
-        </p:spPr>
-        <p:txBody>
-          <a:bodyPr vert="horz" wrap="square" lIns="0" tIns="0" rIns="0" bIns="0" numCol="1" anchor="t" anchorCtr="0" compatLnSpc="1">
-            <a:prstTxWarp prst="textNoShape">
-              <a:avLst/>
-            </a:prstTxWarp>
-          </a:bodyPr>
+        </p:spPr>
+        <p:txBody>
+          <a:bodyPr vert="horz" lIns="91440" tIns="45720" rIns="91440" bIns="45720" rtlCol="0" anchor="ctr"/>
           <a:lstStyle>
-            <a:lvl1pPr algn="ctr">
-              <a:lnSpc>
-                <a:spcPct val="116000"/>
-              </a:lnSpc>
-              <a:tabLst>
-                <a:tab pos="723900" algn="l"/>
-                <a:tab pos="1447800" algn="l"/>
-                <a:tab pos="2171700" algn="l"/>
-                <a:tab pos="2895600" algn="l"/>
-                <a:tab pos="3619500" algn="l"/>
-                <a:tab pos="4343400" algn="l"/>
-                <a:tab pos="5067300" algn="l"/>
-                <a:tab pos="5791200" algn="l"/>
-                <a:tab pos="6515100" algn="l"/>
-                <a:tab pos="7239000" algn="l"/>
-                <a:tab pos="7962900" algn="l"/>
-                <a:tab pos="8686800" algn="l"/>
-                <a:tab pos="9410700" algn="l"/>
-                <a:tab pos="10134600" algn="l"/>
-                <a:tab pos="10858500" algn="l"/>
-                <a:tab pos="11582400" algn="l"/>
-              </a:tabLst>
-              <a:defRPr sz="1400">
-                <a:solidFill>
-                  <a:srgbClr val="000000"/>
-                </a:solidFill>
-                <a:latin typeface="Nimbus Roman No9 L" charset="0"/>
-                <a:ea typeface="+mn-ea"/>
-                <a:cs typeface="+mn-cs"/>
+            <a:lvl1pPr algn="l">
+              <a:defRPr sz="4200">
+                <a:solidFill>
+                  <a:schemeClr val="tx1">
+                    <a:tint val="75000"/>
+                  </a:schemeClr>
+                </a:solidFill>
               </a:defRPr>
             </a:lvl1pPr>
           </a:lstStyle>
@@ -3742,98 +6126,39 @@
       </p:sp>
       <p:sp>
         <p:nvSpPr>
-          <p:cNvPr id="1029" name="Rectangle 5"/>
-          <p:cNvSpPr>
-            <a:spLocks noGrp="1" noChangeArrowheads="1"/>
-          </p:cNvSpPr>
-          <p:nvPr>
-            <p:ph type="sldNum"/>
-          </p:nvPr>
-        </p:nvSpPr>
-        <p:spPr bwMode="auto">
-          <a:xfrm>
-            <a:off x="26223913" y="24990425"/>
-            <a:ext cx="8520112" cy="1890713"/>
+          <p:cNvPr id="6" name="Slide Number Placeholder 5"/>
+          <p:cNvSpPr>
+            <a:spLocks noGrp="1"/>
+          </p:cNvSpPr>
+          <p:nvPr>
+            <p:ph type="sldNum" sz="quarter" idx="4"/>
+          </p:nvPr>
+        </p:nvSpPr>
+        <p:spPr>
+          <a:xfrm>
+            <a:off x="26289000" y="1524006"/>
+            <a:ext cx="7909560" cy="1460500"/>
           </a:xfrm>
           <a:prstGeom prst="rect">
             <a:avLst/>
           </a:prstGeom>
-          <a:noFill/>
-          <a:ln>
-            <a:noFill/>
-          </a:ln>
-          <a:effectLst/>
-          <a:extLst>
-            <a:ext uri="{FAA26D3D-D897-4be2-8F04-BA451C77F1D7}">
-              <ma14:placeholderFlag xmlns:ma14="http://schemas.microsoft.com/office/mac/drawingml/2011/main" val="1"/>
-            </a:ext>
-            <a:ext uri="{909E8E84-426E-40dd-AFC4-6F175D3DCCD1}">
-              <a14:hiddenFill xmlns:a14="http://schemas.microsoft.com/office/drawing/2010/main" xmlns="">
-                <a:solidFill>
-                  <a:srgbClr val="FFFFFF"/>
-                </a:solidFill>
-              </a14:hiddenFill>
-            </a:ext>
-            <a:ext uri="{91240B29-F687-4f45-9708-019B960494DF}">
-              <a14:hiddenLine xmlns:a14="http://schemas.microsoft.com/office/drawing/2010/main" xmlns="" w="9525">
-                <a:solidFill>
-                  <a:srgbClr val="000000"/>
-                </a:solidFill>
-                <a:round/>
-                <a:headEnd/>
-                <a:tailEnd/>
-              </a14:hiddenLine>
-            </a:ext>
-            <a:ext uri="{AF507438-7753-43e0-B8FC-AC1667EBCBE1}">
-              <a14:hiddenEffects xmlns:a14="http://schemas.microsoft.com/office/drawing/2010/main" xmlns="">
-                <a:effectLst>
-                  <a:outerShdw blurRad="63500" dist="38099" dir="2700000" algn="ctr" rotWithShape="0">
-                    <a:schemeClr val="bg2">
-                      <a:alpha val="74998"/>
-                    </a:schemeClr>
-                  </a:outerShdw>
-                </a:effectLst>
-              </a14:hiddenEffects>
-            </a:ext>
-          </a:extLst>
-        </p:spPr>
-        <p:txBody>
-          <a:bodyPr vert="horz" wrap="square" lIns="0" tIns="0" rIns="0" bIns="0" numCol="1" anchor="t" anchorCtr="0" compatLnSpc="1">
-            <a:prstTxWarp prst="textNoShape">
-              <a:avLst/>
-            </a:prstTxWarp>
-          </a:bodyPr>
+        </p:spPr>
+        <p:txBody>
+          <a:bodyPr vert="horz" lIns="91440" tIns="45720" rIns="91440" bIns="45720" rtlCol="0" anchor="ctr"/>
           <a:lstStyle>
             <a:lvl1pPr algn="r">
-              <a:lnSpc>
-                <a:spcPct val="116000"/>
-              </a:lnSpc>
-              <a:tabLst>
-                <a:tab pos="723900" algn="l"/>
-                <a:tab pos="1447800" algn="l"/>
-                <a:tab pos="2171700" algn="l"/>
-                <a:tab pos="2895600" algn="l"/>
-                <a:tab pos="3619500" algn="l"/>
-                <a:tab pos="4343400" algn="l"/>
-                <a:tab pos="5067300" algn="l"/>
-                <a:tab pos="5791200" algn="l"/>
-                <a:tab pos="6515100" algn="l"/>
-                <a:tab pos="7239000" algn="l"/>
-                <a:tab pos="7962900" algn="l"/>
-              </a:tabLst>
-              <a:defRPr sz="1400">
-                <a:solidFill>
-                  <a:srgbClr val="000000"/>
-                </a:solidFill>
-                <a:latin typeface="Nimbus Roman No9 L" charset="0"/>
-                <a:ea typeface="+mn-ea"/>
-                <a:cs typeface="+mn-cs"/>
+              <a:defRPr sz="4200">
+                <a:solidFill>
+                  <a:schemeClr val="tx1">
+                    <a:tint val="75000"/>
+                  </a:schemeClr>
+                </a:solidFill>
               </a:defRPr>
             </a:lvl1pPr>
           </a:lstStyle>
           <a:p>
             <a:fld id="{AD74203F-F9AA-184C-B023-F705B72C1A29}" type="slidenum">
-              <a:rPr lang="en-GB" altLang="x-none"/>
+              <a:rPr lang="en-GB" altLang="x-none" smtClean="0"/>
               <a:pPr/>
               <a:t>‹#›</a:t>
             </a:fld>
@@ -3842,377 +6167,154 @@
         </p:txBody>
       </p:sp>
     </p:spTree>
+    <p:extLst>
+      <p:ext uri="{BB962C8B-B14F-4D97-AF65-F5344CB8AC3E}">
+        <p14:creationId xmlns:p14="http://schemas.microsoft.com/office/powerpoint/2010/main" val="1616533774"/>
+      </p:ext>
+    </p:extLst>
   </p:cSld>
-  <p:clrMap bg1="lt1" tx1="dk1" bg2="lt2" tx2="dk2" accent1="accent1" accent2="accent2" accent3="accent3" accent4="accent4" accent5="accent5" accent6="accent6" hlink="hlink" folHlink="folHlink"/>
+  <p:clrMap bg1="dk1" tx1="lt1" bg2="dk2" tx2="lt2" accent1="accent1" accent2="accent2" accent3="accent3" accent4="accent4" accent5="accent5" accent6="accent6" hlink="hlink" folHlink="folHlink"/>
   <p:sldLayoutIdLst>
-    <p:sldLayoutId id="2147483649" r:id="rId1"/>
-    <p:sldLayoutId id="2147483650" r:id="rId2"/>
-    <p:sldLayoutId id="2147483651" r:id="rId3"/>
-    <p:sldLayoutId id="2147483652" r:id="rId4"/>
-    <p:sldLayoutId id="2147483653" r:id="rId5"/>
-    <p:sldLayoutId id="2147483654" r:id="rId6"/>
-    <p:sldLayoutId id="2147483655" r:id="rId7"/>
-    <p:sldLayoutId id="2147483656" r:id="rId8"/>
-    <p:sldLayoutId id="2147483657" r:id="rId9"/>
-    <p:sldLayoutId id="2147483658" r:id="rId10"/>
-    <p:sldLayoutId id="2147483659" r:id="rId11"/>
+    <p:sldLayoutId id="2147483685" r:id="rId1"/>
+    <p:sldLayoutId id="2147483686" r:id="rId2"/>
+    <p:sldLayoutId id="2147483687" r:id="rId3"/>
+    <p:sldLayoutId id="2147483688" r:id="rId4"/>
+    <p:sldLayoutId id="2147483689" r:id="rId5"/>
+    <p:sldLayoutId id="2147483690" r:id="rId6"/>
+    <p:sldLayoutId id="2147483691" r:id="rId7"/>
+    <p:sldLayoutId id="2147483692" r:id="rId8"/>
+    <p:sldLayoutId id="2147483693" r:id="rId9"/>
+    <p:sldLayoutId id="2147483694" r:id="rId10"/>
+    <p:sldLayoutId id="2147483695" r:id="rId11"/>
+    <p:sldLayoutId id="2147483696" r:id="rId12"/>
+    <p:sldLayoutId id="2147483697" r:id="rId13"/>
+    <p:sldLayoutId id="2147483698" r:id="rId14"/>
+    <p:sldLayoutId id="2147483699" r:id="rId15"/>
+    <p:sldLayoutId id="2147483700" r:id="rId16"/>
+    <p:sldLayoutId id="2147483701" r:id="rId17"/>
   </p:sldLayoutIdLst>
   <p:hf sldNum="0" hdr="0" ftr="0" dt="0"/>
   <p:txStyles>
     <p:titleStyle>
-      <a:lvl1pPr algn="ctr" defTabSz="457200" rtl="0" eaLnBrk="1" fontAlgn="base" hangingPunct="1">
+      <a:lvl1pPr algn="r" defTabSz="3657600" rtl="0" eaLnBrk="1" latinLnBrk="0" hangingPunct="1">
         <a:lnSpc>
-          <a:spcPct val="124000"/>
+          <a:spcPct val="90000"/>
         </a:lnSpc>
         <a:spcBef>
           <a:spcPct val="0"/>
         </a:spcBef>
-        <a:spcAft>
-          <a:spcPct val="0"/>
-        </a:spcAft>
-        <a:buClr>
-          <a:srgbClr val="000000"/>
-        </a:buClr>
-        <a:buSzPct val="45000"/>
-        <a:buFont typeface="Wingdings" charset="2"/>
-        <a:defRPr sz="4400" kern="1200">
+        <a:buNone/>
+        <a:defRPr sz="16000" kern="1200" cap="all" baseline="0">
           <a:solidFill>
-            <a:srgbClr val="000000"/>
+            <a:schemeClr val="tx1"/>
           </a:solidFill>
           <a:latin typeface="+mj-lt"/>
           <a:ea typeface="+mj-ea"/>
           <a:cs typeface="+mj-cs"/>
         </a:defRPr>
       </a:lvl1pPr>
-      <a:lvl2pPr marL="431800" indent="-215900" algn="ctr" defTabSz="457200" rtl="0" eaLnBrk="1" fontAlgn="base" hangingPunct="1">
+    </p:titleStyle>
+    <p:bodyStyle>
+      <a:lvl1pPr marL="914400" indent="-914400" algn="l" defTabSz="3657600" rtl="0" eaLnBrk="1" latinLnBrk="0" hangingPunct="1">
         <a:lnSpc>
-          <a:spcPct val="124000"/>
+          <a:spcPct val="90000"/>
         </a:lnSpc>
         <a:spcBef>
-          <a:spcPct val="0"/>
+          <a:spcPts val="4000"/>
         </a:spcBef>
-        <a:spcAft>
-          <a:spcPct val="0"/>
-        </a:spcAft>
-        <a:buClr>
-          <a:srgbClr val="000000"/>
-        </a:buClr>
-        <a:buSzPct val="45000"/>
-        <a:buFont typeface="Wingdings" charset="2"/>
-        <a:defRPr sz="4400">
+        <a:buFont typeface="Arial" panose="020B0604020202020204" pitchFamily="34" charset="0"/>
+        <a:buChar char="•"/>
+        <a:defRPr sz="8800" kern="1200">
           <a:solidFill>
-            <a:srgbClr val="000000"/>
-          </a:solidFill>
-          <a:latin typeface="Arial" charset="0"/>
-          <a:ea typeface="DejaVu Sans" charset="0"/>
-          <a:cs typeface="DejaVu Sans" charset="0"/>
-        </a:defRPr>
-      </a:lvl2pPr>
-      <a:lvl3pPr marL="647700" indent="-215900" algn="ctr" defTabSz="457200" rtl="0" eaLnBrk="1" fontAlgn="base" hangingPunct="1">
-        <a:lnSpc>
-          <a:spcPct val="124000"/>
-        </a:lnSpc>
-        <a:spcBef>
-          <a:spcPct val="0"/>
-        </a:spcBef>
-        <a:spcAft>
-          <a:spcPct val="0"/>
-        </a:spcAft>
-        <a:buClr>
-          <a:srgbClr val="000000"/>
-        </a:buClr>
-        <a:buSzPct val="45000"/>
-        <a:buFont typeface="Wingdings" charset="2"/>
-        <a:defRPr sz="4400">
-          <a:solidFill>
-            <a:srgbClr val="000000"/>
-          </a:solidFill>
-          <a:latin typeface="Arial" charset="0"/>
-          <a:ea typeface="DejaVu Sans" charset="0"/>
-          <a:cs typeface="DejaVu Sans" charset="0"/>
-        </a:defRPr>
-      </a:lvl3pPr>
-      <a:lvl4pPr marL="863600" indent="-215900" algn="ctr" defTabSz="457200" rtl="0" eaLnBrk="1" fontAlgn="base" hangingPunct="1">
-        <a:lnSpc>
-          <a:spcPct val="124000"/>
-        </a:lnSpc>
-        <a:spcBef>
-          <a:spcPct val="0"/>
-        </a:spcBef>
-        <a:spcAft>
-          <a:spcPct val="0"/>
-        </a:spcAft>
-        <a:buClr>
-          <a:srgbClr val="000000"/>
-        </a:buClr>
-        <a:buSzPct val="45000"/>
-        <a:buFont typeface="Wingdings" charset="2"/>
-        <a:defRPr sz="4400">
-          <a:solidFill>
-            <a:srgbClr val="000000"/>
-          </a:solidFill>
-          <a:latin typeface="Arial" charset="0"/>
-          <a:ea typeface="DejaVu Sans" charset="0"/>
-          <a:cs typeface="DejaVu Sans" charset="0"/>
-        </a:defRPr>
-      </a:lvl4pPr>
-      <a:lvl5pPr marL="1079500" indent="-215900" algn="ctr" defTabSz="457200" rtl="0" eaLnBrk="1" fontAlgn="base" hangingPunct="1">
-        <a:lnSpc>
-          <a:spcPct val="124000"/>
-        </a:lnSpc>
-        <a:spcBef>
-          <a:spcPct val="0"/>
-        </a:spcBef>
-        <a:spcAft>
-          <a:spcPct val="0"/>
-        </a:spcAft>
-        <a:buClr>
-          <a:srgbClr val="000000"/>
-        </a:buClr>
-        <a:buSzPct val="45000"/>
-        <a:buFont typeface="Wingdings" charset="2"/>
-        <a:defRPr sz="4400">
-          <a:solidFill>
-            <a:srgbClr val="000000"/>
-          </a:solidFill>
-          <a:latin typeface="Arial" charset="0"/>
-          <a:ea typeface="DejaVu Sans" charset="0"/>
-          <a:cs typeface="DejaVu Sans" charset="0"/>
-        </a:defRPr>
-      </a:lvl5pPr>
-      <a:lvl6pPr marL="1536700" indent="-215900" algn="ctr" defTabSz="457200" rtl="0" eaLnBrk="1" fontAlgn="base" hangingPunct="1">
-        <a:lnSpc>
-          <a:spcPct val="124000"/>
-        </a:lnSpc>
-        <a:spcBef>
-          <a:spcPct val="0"/>
-        </a:spcBef>
-        <a:spcAft>
-          <a:spcPct val="0"/>
-        </a:spcAft>
-        <a:buClr>
-          <a:srgbClr val="000000"/>
-        </a:buClr>
-        <a:buSzPct val="45000"/>
-        <a:buFont typeface="Wingdings" charset="2"/>
-        <a:defRPr sz="4400">
-          <a:solidFill>
-            <a:srgbClr val="000000"/>
-          </a:solidFill>
-          <a:latin typeface="Arial" charset="0"/>
-          <a:ea typeface="DejaVu Sans" charset="0"/>
-          <a:cs typeface="DejaVu Sans" charset="0"/>
-        </a:defRPr>
-      </a:lvl6pPr>
-      <a:lvl7pPr marL="1993900" indent="-215900" algn="ctr" defTabSz="457200" rtl="0" eaLnBrk="1" fontAlgn="base" hangingPunct="1">
-        <a:lnSpc>
-          <a:spcPct val="124000"/>
-        </a:lnSpc>
-        <a:spcBef>
-          <a:spcPct val="0"/>
-        </a:spcBef>
-        <a:spcAft>
-          <a:spcPct val="0"/>
-        </a:spcAft>
-        <a:buClr>
-          <a:srgbClr val="000000"/>
-        </a:buClr>
-        <a:buSzPct val="45000"/>
-        <a:buFont typeface="Wingdings" charset="2"/>
-        <a:defRPr sz="4400">
-          <a:solidFill>
-            <a:srgbClr val="000000"/>
-          </a:solidFill>
-          <a:latin typeface="Arial" charset="0"/>
-          <a:ea typeface="DejaVu Sans" charset="0"/>
-          <a:cs typeface="DejaVu Sans" charset="0"/>
-        </a:defRPr>
-      </a:lvl7pPr>
-      <a:lvl8pPr marL="2451100" indent="-215900" algn="ctr" defTabSz="457200" rtl="0" eaLnBrk="1" fontAlgn="base" hangingPunct="1">
-        <a:lnSpc>
-          <a:spcPct val="124000"/>
-        </a:lnSpc>
-        <a:spcBef>
-          <a:spcPct val="0"/>
-        </a:spcBef>
-        <a:spcAft>
-          <a:spcPct val="0"/>
-        </a:spcAft>
-        <a:buClr>
-          <a:srgbClr val="000000"/>
-        </a:buClr>
-        <a:buSzPct val="45000"/>
-        <a:buFont typeface="Wingdings" charset="2"/>
-        <a:defRPr sz="4400">
-          <a:solidFill>
-            <a:srgbClr val="000000"/>
-          </a:solidFill>
-          <a:latin typeface="Arial" charset="0"/>
-          <a:ea typeface="DejaVu Sans" charset="0"/>
-          <a:cs typeface="DejaVu Sans" charset="0"/>
-        </a:defRPr>
-      </a:lvl8pPr>
-      <a:lvl9pPr marL="2908300" indent="-215900" algn="ctr" defTabSz="457200" rtl="0" eaLnBrk="1" fontAlgn="base" hangingPunct="1">
-        <a:lnSpc>
-          <a:spcPct val="124000"/>
-        </a:lnSpc>
-        <a:spcBef>
-          <a:spcPct val="0"/>
-        </a:spcBef>
-        <a:spcAft>
-          <a:spcPct val="0"/>
-        </a:spcAft>
-        <a:buClr>
-          <a:srgbClr val="000000"/>
-        </a:buClr>
-        <a:buSzPct val="45000"/>
-        <a:buFont typeface="Wingdings" charset="2"/>
-        <a:defRPr sz="4400">
-          <a:solidFill>
-            <a:srgbClr val="000000"/>
-          </a:solidFill>
-          <a:latin typeface="Arial" charset="0"/>
-          <a:ea typeface="DejaVu Sans" charset="0"/>
-          <a:cs typeface="DejaVu Sans" charset="0"/>
-        </a:defRPr>
-      </a:lvl9pPr>
-    </p:titleStyle>
-    <p:bodyStyle>
-      <a:lvl1pPr marL="431800" indent="-323850" algn="l" defTabSz="457200" rtl="0" eaLnBrk="1" fontAlgn="base" hangingPunct="1">
-        <a:lnSpc>
-          <a:spcPct val="124000"/>
-        </a:lnSpc>
-        <a:spcBef>
-          <a:spcPct val="0"/>
-        </a:spcBef>
-        <a:spcAft>
-          <a:spcPts val="1425"/>
-        </a:spcAft>
-        <a:buClr>
-          <a:srgbClr val="000000"/>
-        </a:buClr>
-        <a:buSzPct val="45000"/>
-        <a:buFont typeface="Wingdings" charset="2"/>
-        <a:buChar char=""/>
-        <a:defRPr sz="3200" kern="1200">
-          <a:solidFill>
-            <a:srgbClr val="000000"/>
+            <a:schemeClr val="tx1"/>
           </a:solidFill>
           <a:latin typeface="+mn-lt"/>
           <a:ea typeface="+mn-ea"/>
           <a:cs typeface="+mn-cs"/>
         </a:defRPr>
       </a:lvl1pPr>
-      <a:lvl2pPr marL="863600" indent="-287338" algn="l" defTabSz="457200" rtl="0" eaLnBrk="1" fontAlgn="base" hangingPunct="1">
+      <a:lvl2pPr marL="2743200" indent="-914400" algn="l" defTabSz="3657600" rtl="0" eaLnBrk="1" latinLnBrk="0" hangingPunct="1">
         <a:lnSpc>
-          <a:spcPct val="124000"/>
+          <a:spcPct val="90000"/>
         </a:lnSpc>
         <a:spcBef>
-          <a:spcPct val="0"/>
+          <a:spcPts val="2000"/>
         </a:spcBef>
-        <a:spcAft>
-          <a:spcPts val="1138"/>
-        </a:spcAft>
-        <a:buClr>
-          <a:srgbClr val="000000"/>
-        </a:buClr>
-        <a:buSzPct val="75000"/>
-        <a:buFont typeface="Symbol" charset="2"/>
-        <a:buChar char=""/>
-        <a:defRPr sz="2800" kern="1200">
+        <a:buFont typeface="Arial" panose="020B0604020202020204" pitchFamily="34" charset="0"/>
+        <a:buChar char="•"/>
+        <a:defRPr sz="8000" kern="1200">
           <a:solidFill>
-            <a:srgbClr val="000000"/>
+            <a:schemeClr val="tx1"/>
           </a:solidFill>
           <a:latin typeface="+mn-lt"/>
           <a:ea typeface="+mn-ea"/>
           <a:cs typeface="+mn-cs"/>
         </a:defRPr>
       </a:lvl2pPr>
-      <a:lvl3pPr marL="1295400" indent="-215900" algn="l" defTabSz="457200" rtl="0" eaLnBrk="1" fontAlgn="base" hangingPunct="1">
+      <a:lvl3pPr marL="4572000" indent="-914400" algn="l" defTabSz="3657600" rtl="0" eaLnBrk="1" latinLnBrk="0" hangingPunct="1">
         <a:lnSpc>
-          <a:spcPct val="124000"/>
+          <a:spcPct val="90000"/>
         </a:lnSpc>
         <a:spcBef>
-          <a:spcPct val="0"/>
+          <a:spcPts val="2000"/>
         </a:spcBef>
-        <a:spcAft>
-          <a:spcPts val="850"/>
-        </a:spcAft>
-        <a:buClr>
-          <a:srgbClr val="000000"/>
-        </a:buClr>
-        <a:buSzPct val="45000"/>
-        <a:buFont typeface="Wingdings" charset="2"/>
-        <a:buChar char=""/>
-        <a:defRPr sz="2400" kern="1200">
+        <a:buFont typeface="Arial" panose="020B0604020202020204" pitchFamily="34" charset="0"/>
+        <a:buChar char="•"/>
+        <a:defRPr sz="7200" kern="1200">
           <a:solidFill>
-            <a:srgbClr val="000000"/>
+            <a:schemeClr val="tx1"/>
           </a:solidFill>
           <a:latin typeface="+mn-lt"/>
           <a:ea typeface="+mn-ea"/>
           <a:cs typeface="+mn-cs"/>
         </a:defRPr>
       </a:lvl3pPr>
-      <a:lvl4pPr marL="1727200" indent="-215900" algn="l" defTabSz="457200" rtl="0" eaLnBrk="1" fontAlgn="base" hangingPunct="1">
+      <a:lvl4pPr marL="6400800" indent="-914400" algn="l" defTabSz="3657600" rtl="0" eaLnBrk="1" latinLnBrk="0" hangingPunct="1">
         <a:lnSpc>
-          <a:spcPct val="124000"/>
+          <a:spcPct val="90000"/>
         </a:lnSpc>
         <a:spcBef>
-          <a:spcPct val="0"/>
+          <a:spcPts val="2000"/>
         </a:spcBef>
-        <a:spcAft>
-          <a:spcPts val="575"/>
-        </a:spcAft>
-        <a:buClr>
-          <a:srgbClr val="000000"/>
-        </a:buClr>
-        <a:buSzPct val="75000"/>
-        <a:buFont typeface="Symbol" charset="2"/>
-        <a:buChar char=""/>
-        <a:defRPr sz="2000" kern="1200">
+        <a:buFont typeface="Arial" panose="020B0604020202020204" pitchFamily="34" charset="0"/>
+        <a:buChar char="•"/>
+        <a:defRPr sz="6400" kern="1200">
           <a:solidFill>
-            <a:srgbClr val="000000"/>
+            <a:schemeClr val="tx1"/>
           </a:solidFill>
           <a:latin typeface="+mn-lt"/>
           <a:ea typeface="+mn-ea"/>
           <a:cs typeface="+mn-cs"/>
         </a:defRPr>
       </a:lvl4pPr>
-      <a:lvl5pPr marL="2159000" indent="-215900" algn="l" defTabSz="457200" rtl="0" eaLnBrk="1" fontAlgn="base" hangingPunct="1">
+      <a:lvl5pPr marL="8229600" indent="-914400" algn="l" defTabSz="3657600" rtl="0" eaLnBrk="1" latinLnBrk="0" hangingPunct="1">
         <a:lnSpc>
-          <a:spcPct val="124000"/>
+          <a:spcPct val="90000"/>
         </a:lnSpc>
         <a:spcBef>
-          <a:spcPct val="0"/>
+          <a:spcPts val="2000"/>
         </a:spcBef>
-        <a:spcAft>
-          <a:spcPts val="288"/>
-        </a:spcAft>
-        <a:buClr>
-          <a:srgbClr val="000000"/>
-        </a:buClr>
-        <a:buSzPct val="45000"/>
-        <a:buFont typeface="Wingdings" charset="2"/>
-        <a:buChar char=""/>
-        <a:defRPr sz="2000" kern="1200">
+        <a:buFont typeface="Arial" panose="020B0604020202020204" pitchFamily="34" charset="0"/>
+        <a:buChar char="•"/>
+        <a:defRPr sz="6400" kern="1200">
           <a:solidFill>
-            <a:srgbClr val="000000"/>
+            <a:schemeClr val="tx1"/>
           </a:solidFill>
           <a:latin typeface="+mn-lt"/>
           <a:ea typeface="+mn-ea"/>
           <a:cs typeface="+mn-cs"/>
         </a:defRPr>
       </a:lvl5pPr>
-      <a:lvl6pPr marL="2514600" indent="-228600" algn="l" defTabSz="914400" rtl="0" eaLnBrk="1" latinLnBrk="0" hangingPunct="1">
+      <a:lvl6pPr marL="10058400" indent="-914400" algn="l" defTabSz="3657600" rtl="0" eaLnBrk="1" latinLnBrk="0" hangingPunct="1">
         <a:lnSpc>
           <a:spcPct val="90000"/>
         </a:lnSpc>
         <a:spcBef>
-          <a:spcPts val="500"/>
+          <a:spcPts val="2000"/>
         </a:spcBef>
-        <a:buFont typeface="Arial"/>
+        <a:buFont typeface="Arial" panose="020B0604020202020204" pitchFamily="34" charset="0"/>
         <a:buChar char="•"/>
-        <a:defRPr sz="1800" kern="1200">
+        <a:defRPr sz="6400" kern="1200">
           <a:solidFill>
             <a:schemeClr val="tx1"/>
           </a:solidFill>
@@ -4221,16 +6323,16 @@
           <a:cs typeface="+mn-cs"/>
         </a:defRPr>
       </a:lvl6pPr>
-      <a:lvl7pPr marL="2971800" indent="-228600" algn="l" defTabSz="914400" rtl="0" eaLnBrk="1" latinLnBrk="0" hangingPunct="1">
+      <a:lvl7pPr marL="11887200" indent="-914400" algn="l" defTabSz="3657600" rtl="0" eaLnBrk="1" latinLnBrk="0" hangingPunct="1">
         <a:lnSpc>
           <a:spcPct val="90000"/>
         </a:lnSpc>
         <a:spcBef>
-          <a:spcPts val="500"/>
+          <a:spcPts val="2000"/>
         </a:spcBef>
-        <a:buFont typeface="Arial"/>
+        <a:buFont typeface="Arial" panose="020B0604020202020204" pitchFamily="34" charset="0"/>
         <a:buChar char="•"/>
-        <a:defRPr sz="1800" kern="1200">
+        <a:defRPr sz="6400" kern="1200">
           <a:solidFill>
             <a:schemeClr val="tx1"/>
           </a:solidFill>
@@ -4239,16 +6341,16 @@
           <a:cs typeface="+mn-cs"/>
         </a:defRPr>
       </a:lvl7pPr>
-      <a:lvl8pPr marL="3429000" indent="-228600" algn="l" defTabSz="914400" rtl="0" eaLnBrk="1" latinLnBrk="0" hangingPunct="1">
+      <a:lvl8pPr marL="13716000" indent="-914400" algn="l" defTabSz="3657600" rtl="0" eaLnBrk="1" latinLnBrk="0" hangingPunct="1">
         <a:lnSpc>
           <a:spcPct val="90000"/>
         </a:lnSpc>
         <a:spcBef>
-          <a:spcPts val="500"/>
+          <a:spcPts val="2000"/>
         </a:spcBef>
-        <a:buFont typeface="Arial"/>
+        <a:buFont typeface="Arial" panose="020B0604020202020204" pitchFamily="34" charset="0"/>
         <a:buChar char="•"/>
-        <a:defRPr sz="1800" kern="1200">
+        <a:defRPr sz="6400" kern="1200">
           <a:solidFill>
             <a:schemeClr val="tx1"/>
           </a:solidFill>
@@ -4257,16 +6359,16 @@
           <a:cs typeface="+mn-cs"/>
         </a:defRPr>
       </a:lvl8pPr>
-      <a:lvl9pPr marL="3886200" indent="-228600" algn="l" defTabSz="914400" rtl="0" eaLnBrk="1" latinLnBrk="0" hangingPunct="1">
+      <a:lvl9pPr marL="15544800" indent="-914400" algn="l" defTabSz="3657600" rtl="0" eaLnBrk="1" latinLnBrk="0" hangingPunct="1">
         <a:lnSpc>
           <a:spcPct val="90000"/>
         </a:lnSpc>
         <a:spcBef>
-          <a:spcPts val="500"/>
+          <a:spcPts val="2000"/>
         </a:spcBef>
-        <a:buFont typeface="Arial"/>
+        <a:buFont typeface="Arial" panose="020B0604020202020204" pitchFamily="34" charset="0"/>
         <a:buChar char="•"/>
-        <a:defRPr sz="1800" kern="1200">
+        <a:defRPr sz="6400" kern="1200">
           <a:solidFill>
             <a:schemeClr val="tx1"/>
           </a:solidFill>
@@ -4280,8 +6382,8 @@
       <a:defPPr>
         <a:defRPr lang="en-US"/>
       </a:defPPr>
-      <a:lvl1pPr marL="0" algn="l" defTabSz="914400" rtl="0" eaLnBrk="1" latinLnBrk="0" hangingPunct="1">
-        <a:defRPr sz="1800" kern="1200">
+      <a:lvl1pPr marL="0" algn="l" defTabSz="3657600" rtl="0" eaLnBrk="1" latinLnBrk="0" hangingPunct="1">
+        <a:defRPr sz="7200" kern="1200">
           <a:solidFill>
             <a:schemeClr val="tx1"/>
           </a:solidFill>
@@ -4290,8 +6392,8 @@
           <a:cs typeface="+mn-cs"/>
         </a:defRPr>
       </a:lvl1pPr>
-      <a:lvl2pPr marL="457200" algn="l" defTabSz="914400" rtl="0" eaLnBrk="1" latinLnBrk="0" hangingPunct="1">
-        <a:defRPr sz="1800" kern="1200">
+      <a:lvl2pPr marL="1828800" algn="l" defTabSz="3657600" rtl="0" eaLnBrk="1" latinLnBrk="0" hangingPunct="1">
+        <a:defRPr sz="7200" kern="1200">
           <a:solidFill>
             <a:schemeClr val="tx1"/>
           </a:solidFill>
@@ -4300,8 +6402,8 @@
           <a:cs typeface="+mn-cs"/>
         </a:defRPr>
       </a:lvl2pPr>
-      <a:lvl3pPr marL="914400" algn="l" defTabSz="914400" rtl="0" eaLnBrk="1" latinLnBrk="0" hangingPunct="1">
-        <a:defRPr sz="1800" kern="1200">
+      <a:lvl3pPr marL="3657600" algn="l" defTabSz="3657600" rtl="0" eaLnBrk="1" latinLnBrk="0" hangingPunct="1">
+        <a:defRPr sz="7200" kern="1200">
           <a:solidFill>
             <a:schemeClr val="tx1"/>
           </a:solidFill>
@@ -4310,8 +6412,8 @@
           <a:cs typeface="+mn-cs"/>
         </a:defRPr>
       </a:lvl3pPr>
-      <a:lvl4pPr marL="1371600" algn="l" defTabSz="914400" rtl="0" eaLnBrk="1" latinLnBrk="0" hangingPunct="1">
-        <a:defRPr sz="1800" kern="1200">
+      <a:lvl4pPr marL="5486400" algn="l" defTabSz="3657600" rtl="0" eaLnBrk="1" latinLnBrk="0" hangingPunct="1">
+        <a:defRPr sz="7200" kern="1200">
           <a:solidFill>
             <a:schemeClr val="tx1"/>
           </a:solidFill>
@@ -4320,8 +6422,8 @@
           <a:cs typeface="+mn-cs"/>
         </a:defRPr>
       </a:lvl4pPr>
-      <a:lvl5pPr marL="1828800" algn="l" defTabSz="914400" rtl="0" eaLnBrk="1" latinLnBrk="0" hangingPunct="1">
-        <a:defRPr sz="1800" kern="1200">
+      <a:lvl5pPr marL="7315200" algn="l" defTabSz="3657600" rtl="0" eaLnBrk="1" latinLnBrk="0" hangingPunct="1">
+        <a:defRPr sz="7200" kern="1200">
           <a:solidFill>
             <a:schemeClr val="tx1"/>
           </a:solidFill>
@@ -4330,8 +6432,8 @@
           <a:cs typeface="+mn-cs"/>
         </a:defRPr>
       </a:lvl5pPr>
-      <a:lvl6pPr marL="2286000" algn="l" defTabSz="914400" rtl="0" eaLnBrk="1" latinLnBrk="0" hangingPunct="1">
-        <a:defRPr sz="1800" kern="1200">
+      <a:lvl6pPr marL="9144000" algn="l" defTabSz="3657600" rtl="0" eaLnBrk="1" latinLnBrk="0" hangingPunct="1">
+        <a:defRPr sz="7200" kern="1200">
           <a:solidFill>
             <a:schemeClr val="tx1"/>
           </a:solidFill>
@@ -4340,8 +6442,8 @@
           <a:cs typeface="+mn-cs"/>
         </a:defRPr>
       </a:lvl6pPr>
-      <a:lvl7pPr marL="2743200" algn="l" defTabSz="914400" rtl="0" eaLnBrk="1" latinLnBrk="0" hangingPunct="1">
-        <a:defRPr sz="1800" kern="1200">
+      <a:lvl7pPr marL="10972800" algn="l" defTabSz="3657600" rtl="0" eaLnBrk="1" latinLnBrk="0" hangingPunct="1">
+        <a:defRPr sz="7200" kern="1200">
           <a:solidFill>
             <a:schemeClr val="tx1"/>
           </a:solidFill>
@@ -4350,8 +6452,8 @@
           <a:cs typeface="+mn-cs"/>
         </a:defRPr>
       </a:lvl7pPr>
-      <a:lvl8pPr marL="3200400" algn="l" defTabSz="914400" rtl="0" eaLnBrk="1" latinLnBrk="0" hangingPunct="1">
-        <a:defRPr sz="1800" kern="1200">
+      <a:lvl8pPr marL="12801600" algn="l" defTabSz="3657600" rtl="0" eaLnBrk="1" latinLnBrk="0" hangingPunct="1">
+        <a:defRPr sz="7200" kern="1200">
           <a:solidFill>
             <a:schemeClr val="tx1"/>
           </a:solidFill>
@@ -4360,8 +6462,8 @@
           <a:cs typeface="+mn-cs"/>
         </a:defRPr>
       </a:lvl8pPr>
-      <a:lvl9pPr marL="3657600" algn="l" defTabSz="914400" rtl="0" eaLnBrk="1" latinLnBrk="0" hangingPunct="1">
-        <a:defRPr sz="1800" kern="1200">
+      <a:lvl9pPr marL="14630400" algn="l" defTabSz="3657600" rtl="0" eaLnBrk="1" latinLnBrk="0" hangingPunct="1">
+        <a:defRPr sz="7200" kern="1200">
           <a:solidFill>
             <a:schemeClr val="tx1"/>
           </a:solidFill>
@@ -4372,6 +6474,11 @@
       </a:lvl9pPr>
     </p:otherStyle>
   </p:txStyles>
+  <p:extLst>
+    <p:ext uri="{27BBF7A9-308A-43DC-89C8-2F10F3537804}">
+      <p15:sldGuideLst xmlns:p15="http://schemas.microsoft.com/office/powerpoint/2012/main"/>
+    </p:ext>
+  </p:extLst>
 </p:sldMaster>
 </file>
 
@@ -4404,14 +6511,17 @@
         </p:nvSpPr>
         <p:spPr>
           <a:xfrm>
-            <a:off x="2519363" y="445875"/>
+            <a:off x="3276600" y="562596"/>
             <a:ext cx="31546800" cy="2770820"/>
           </a:xfrm>
         </p:spPr>
         <p:txBody>
-          <a:bodyPr/>
+          <a:bodyPr>
+            <a:normAutofit fontScale="90000"/>
+          </a:bodyPr>
           <a:lstStyle/>
           <a:p>
+            <a:pPr algn="ctr"/>
             <a:r>
               <a:rPr kumimoji="1" lang="en-US" altLang="zh-TW" sz="6000" dirty="0">
                 <a:ln w="0"/>
@@ -4680,17 +6790,23 @@
         </p:nvSpPr>
         <p:spPr>
           <a:xfrm>
-            <a:off x="495138" y="7115869"/>
+            <a:off x="404578" y="5598094"/>
             <a:ext cx="10415059" cy="12537506"/>
           </a:xfrm>
         </p:spPr>
         <p:txBody>
-          <a:bodyPr/>
+          <a:bodyPr>
+            <a:normAutofit lnSpcReduction="10000"/>
+          </a:bodyPr>
           <a:lstStyle/>
           <a:p>
-            <a:pPr algn="ctr"/>
-            <a:r>
-              <a:rPr kumimoji="1" lang="en-US" altLang="zh-TW" sz="4000" dirty="0" smtClean="0">
+            <a:pPr algn="ctr">
+              <a:lnSpc>
+                <a:spcPct val="100000"/>
+              </a:lnSpc>
+            </a:pPr>
+            <a:r>
+              <a:rPr kumimoji="1" lang="en-US" altLang="zh-TW" sz="4000" u="sng" dirty="0" smtClean="0">
                 <a:latin typeface="Times New Roman" charset="0"/>
                 <a:ea typeface="Times New Roman" charset="0"/>
                 <a:cs typeface="Times New Roman" charset="0"/>
@@ -4699,13 +6815,54 @@
             </a:r>
           </a:p>
           <a:p>
+            <a:pPr>
+              <a:lnSpc>
+                <a:spcPct val="100000"/>
+              </a:lnSpc>
+            </a:pPr>
+            <a:r>
+              <a:rPr lang="en-US" altLang="zh-TW" sz="3200" b="0" dirty="0" smtClean="0">
+                <a:latin typeface="Times New Roman" charset="0"/>
+                <a:ea typeface="Times New Roman" charset="0"/>
+                <a:cs typeface="Times New Roman" charset="0"/>
+              </a:rPr>
+              <a:t>Nowadays</a:t>
+            </a:r>
             <a:r>
               <a:rPr lang="en-US" altLang="zh-TW" sz="3200" b="0" dirty="0">
                 <a:latin typeface="Times New Roman" charset="0"/>
                 <a:ea typeface="Times New Roman" charset="0"/>
                 <a:cs typeface="Times New Roman" charset="0"/>
               </a:rPr>
-              <a:t>Nowadays, people are more concerned in their living qualities, especially for a city that has as many people as Boston, and one of the main determinants of choosing places to live in residents’ minds is the amount of crime incidents that has happened in a certain area. In this project, we attempt to analyze the relationship between property prices of the year 2015 and the number of crime incidents that happened in 2015 in Boston area. We use Relational Paradigm to extract certain data from </a:t>
+              <a:t>, people are more concerned in their living qualities, especially for a city that has as many people as Boston, and one of the main determinants of choosing places to live in residents’ minds is the amount of crime incidents that has happened in a certain area. In this project, we attempt to analyze the relationship between property prices of the year 2015 and the number of crime incidents that happened in 2015 in Boston area. </a:t>
+            </a:r>
+            <a:endParaRPr lang="en-US" altLang="zh-TW" sz="3200" b="0" dirty="0" smtClean="0">
+              <a:latin typeface="Times New Roman" charset="0"/>
+              <a:ea typeface="Times New Roman" charset="0"/>
+              <a:cs typeface="Times New Roman" charset="0"/>
+            </a:endParaRPr>
+          </a:p>
+          <a:p>
+            <a:pPr>
+              <a:lnSpc>
+                <a:spcPct val="100000"/>
+              </a:lnSpc>
+            </a:pPr>
+            <a:r>
+              <a:rPr lang="en-US" altLang="zh-TW" sz="3200" b="0" dirty="0" smtClean="0">
+                <a:latin typeface="Times New Roman" charset="0"/>
+                <a:ea typeface="Times New Roman" charset="0"/>
+                <a:cs typeface="Times New Roman" charset="0"/>
+              </a:rPr>
+              <a:t>We </a:t>
+            </a:r>
+            <a:r>
+              <a:rPr lang="en-US" altLang="zh-TW" sz="3200" b="0" dirty="0">
+                <a:latin typeface="Times New Roman" charset="0"/>
+                <a:ea typeface="Times New Roman" charset="0"/>
+                <a:cs typeface="Times New Roman" charset="0"/>
+              </a:rPr>
+              <a:t>use Relational Paradigm to extract certain data from </a:t>
             </a:r>
             <a:r>
               <a:rPr lang="en-US" altLang="zh-TW" sz="3200" b="0" dirty="0">
@@ -4733,6 +6890,11 @@
             </a:endParaRPr>
           </a:p>
           <a:p>
+            <a:pPr>
+              <a:lnSpc>
+                <a:spcPct val="100000"/>
+              </a:lnSpc>
+            </a:pPr>
             <a:r>
               <a:rPr lang="en-US" altLang="zh-TW" sz="3200" b="0" dirty="0">
                 <a:latin typeface="Times New Roman" charset="0"/>
@@ -4748,6 +6910,11 @@
             </a:endParaRPr>
           </a:p>
           <a:p>
+            <a:pPr>
+              <a:lnSpc>
+                <a:spcPct val="100000"/>
+              </a:lnSpc>
+            </a:pPr>
             <a:endParaRPr kumimoji="1" lang="zh-TW" altLang="en-US" sz="3200" b="0" dirty="0">
               <a:latin typeface="Times New Roman" charset="0"/>
               <a:ea typeface="Times New Roman" charset="0"/>
@@ -4756,6 +6923,35 @@
           </a:p>
         </p:txBody>
       </p:sp>
+      <p:pic>
+        <p:nvPicPr>
+          <p:cNvPr id="39" name="內容版面配置區 38"/>
+          <p:cNvPicPr>
+            <a:picLocks noGrp="1" noChangeAspect="1"/>
+          </p:cNvPicPr>
+          <p:nvPr>
+            <p:ph sz="half" idx="2"/>
+          </p:nvPr>
+        </p:nvPicPr>
+        <p:blipFill>
+          <a:blip r:embed="rId3">
+            <a:extLst>
+              <a:ext uri="{28A0092B-C50C-407E-A947-70E740481C1C}">
+                <a14:useLocalDpi xmlns:a14="http://schemas.microsoft.com/office/drawing/2010/main" val="0"/>
+              </a:ext>
+            </a:extLst>
+          </a:blip>
+          <a:stretch>
+            <a:fillRect/>
+          </a:stretch>
+        </p:blipFill>
+        <p:spPr>
+          <a:xfrm>
+            <a:off x="478974" y="18059400"/>
+            <a:ext cx="10340663" cy="8384526"/>
+          </a:xfrm>
+        </p:spPr>
+      </p:pic>
       <p:sp>
         <p:nvSpPr>
           <p:cNvPr id="5" name="文字版面配置區 4"/>
@@ -4769,29 +6965,38 @@
         <p:spPr>
           <a:xfrm>
             <a:off x="12039600" y="16230600"/>
-            <a:ext cx="12573000" cy="9753600"/>
+            <a:ext cx="12573000" cy="10213326"/>
           </a:xfrm>
         </p:spPr>
         <p:txBody>
           <a:bodyPr/>
           <a:lstStyle/>
           <a:p>
-            <a:pPr algn="ctr"/>
-            <a:r>
-              <a:rPr kumimoji="1" lang="en-US" altLang="zh-TW" sz="4000" dirty="0">
+            <a:pPr algn="ctr">
+              <a:lnSpc>
+                <a:spcPct val="100000"/>
+              </a:lnSpc>
+            </a:pPr>
+            <a:r>
+              <a:rPr kumimoji="1" lang="en-US" altLang="zh-TW" sz="4000" u="sng" dirty="0">
                 <a:latin typeface="Times New Roman" charset="0"/>
                 <a:ea typeface="Times New Roman" charset="0"/>
                 <a:cs typeface="Times New Roman" charset="0"/>
               </a:rPr>
               <a:t>Statistical Analysis</a:t>
             </a:r>
-            <a:endParaRPr kumimoji="1" lang="zh-TW" altLang="zh-TW" sz="4000" dirty="0">
+            <a:endParaRPr kumimoji="1" lang="zh-TW" altLang="zh-TW" sz="4000" u="sng" dirty="0">
               <a:latin typeface="Times New Roman" charset="0"/>
               <a:ea typeface="Times New Roman" charset="0"/>
               <a:cs typeface="Times New Roman" charset="0"/>
             </a:endParaRPr>
           </a:p>
           <a:p>
+            <a:pPr>
+              <a:lnSpc>
+                <a:spcPct val="100000"/>
+              </a:lnSpc>
+            </a:pPr>
             <a:r>
               <a:rPr lang="en-US" altLang="zh-TW" sz="3200" b="0" dirty="0">
                 <a:latin typeface="Times New Roman" charset="0"/>
@@ -4814,7 +7019,35 @@
                 <a:ea typeface="Times New Roman" charset="0"/>
                 <a:cs typeface="Times New Roman" charset="0"/>
               </a:rPr>
-              <a:t>”, compute the number of properties and the average price of properties in each zip code, and the result shows all the zip codes along with its corresponding average property price in Boston area. Second, we also use the same definition we mentioned earlier to correspond “crime_15coordination” to “</a:t>
+              <a:t>”, compute the number of properties and the average price of properties in each zip code, and the result shows all the zip codes along with its corresponding average property price in Boston area. </a:t>
+            </a:r>
+            <a:endParaRPr lang="en-US" altLang="zh-TW" sz="3200" b="0" dirty="0" smtClean="0">
+              <a:latin typeface="Times New Roman" charset="0"/>
+              <a:ea typeface="Times New Roman" charset="0"/>
+              <a:cs typeface="Times New Roman" charset="0"/>
+            </a:endParaRPr>
+          </a:p>
+          <a:p>
+            <a:pPr>
+              <a:lnSpc>
+                <a:spcPct val="100000"/>
+              </a:lnSpc>
+            </a:pPr>
+            <a:r>
+              <a:rPr lang="en-US" altLang="zh-TW" sz="3200" b="0" dirty="0" smtClean="0">
+                <a:latin typeface="Times New Roman" charset="0"/>
+                <a:ea typeface="Times New Roman" charset="0"/>
+                <a:cs typeface="Times New Roman" charset="0"/>
+              </a:rPr>
+              <a:t>Second</a:t>
+            </a:r>
+            <a:r>
+              <a:rPr lang="en-US" altLang="zh-TW" sz="3200" b="0" dirty="0">
+                <a:latin typeface="Times New Roman" charset="0"/>
+                <a:ea typeface="Times New Roman" charset="0"/>
+                <a:cs typeface="Times New Roman" charset="0"/>
+              </a:rPr>
+              <a:t>, we also use the same definition we mentioned earlier to correspond “crime_15coordination” to “</a:t>
             </a:r>
             <a:r>
               <a:rPr lang="en-US" altLang="zh-TW" sz="3200" b="0" dirty="0" err="1">
@@ -4847,6 +7080,11 @@
             </a:endParaRPr>
           </a:p>
           <a:p>
+            <a:pPr>
+              <a:lnSpc>
+                <a:spcPct val="100000"/>
+              </a:lnSpc>
+            </a:pPr>
             <a:r>
               <a:rPr lang="en-US" altLang="zh-TW" sz="3200" b="0" dirty="0" smtClean="0">
                 <a:latin typeface="Times New Roman" charset="0"/>
@@ -4862,6 +7100,11 @@
             </a:endParaRPr>
           </a:p>
           <a:p>
+            <a:pPr>
+              <a:lnSpc>
+                <a:spcPct val="100000"/>
+              </a:lnSpc>
+            </a:pPr>
             <a:endParaRPr kumimoji="1" lang="zh-TW" altLang="en-US" sz="2800" b="0" dirty="0">
               <a:latin typeface="Times New Roman" charset="0"/>
               <a:ea typeface="Times New Roman" charset="0"/>
@@ -4934,14 +7177,14 @@
               <ma14:placeholderFlag xmlns:ma14="http://schemas.microsoft.com/office/mac/drawingml/2011/main" val="1"/>
             </a:ext>
             <a:ext uri="{909E8E84-426E-40dd-AFC4-6F175D3DCCD1}">
-              <a14:hiddenFill xmlns:a14="http://schemas.microsoft.com/office/drawing/2010/main" xmlns="">
+              <a14:hiddenFill xmlns="" xmlns:a14="http://schemas.microsoft.com/office/drawing/2010/main">
                 <a:solidFill>
                   <a:srgbClr val="FFFFFF"/>
                 </a:solidFill>
               </a14:hiddenFill>
             </a:ext>
             <a:ext uri="{91240B29-F687-4f45-9708-019B960494DF}">
-              <a14:hiddenLine xmlns:a14="http://schemas.microsoft.com/office/drawing/2010/main" xmlns="" w="9525">
+              <a14:hiddenLine xmlns="" xmlns:a14="http://schemas.microsoft.com/office/drawing/2010/main" w="9525">
                 <a:solidFill>
                   <a:srgbClr val="000000"/>
                 </a:solidFill>
@@ -4951,7 +7194,7 @@
               </a14:hiddenLine>
             </a:ext>
             <a:ext uri="{AF507438-7753-43e0-B8FC-AC1667EBCBE1}">
-              <a14:hiddenEffects xmlns:a14="http://schemas.microsoft.com/office/drawing/2010/main" xmlns="">
+              <a14:hiddenEffects xmlns="" xmlns:a14="http://schemas.microsoft.com/office/drawing/2010/main">
                 <a:effectLst>
                   <a:outerShdw blurRad="63500" dist="38099" dir="2700000" algn="ctr" rotWithShape="0">
                     <a:schemeClr val="bg2">
@@ -5171,14 +7414,20 @@
           <a:p>
             <a:pPr algn="ctr"/>
             <a:r>
-              <a:rPr kumimoji="1" lang="en-US" altLang="zh-TW" sz="4000" dirty="0" smtClean="0">
+              <a:rPr kumimoji="1" lang="en-US" altLang="zh-TW" sz="4000" u="sng" dirty="0" smtClean="0">
+                <a:solidFill>
+                  <a:schemeClr val="tx1"/>
+                </a:solidFill>
                 <a:latin typeface="Times New Roman" charset="0"/>
                 <a:ea typeface="Times New Roman" charset="0"/>
                 <a:cs typeface="Times New Roman" charset="0"/>
               </a:rPr>
               <a:t>K-Means</a:t>
             </a:r>
-            <a:endParaRPr kumimoji="1" lang="zh-TW" altLang="zh-TW" sz="4000" dirty="0">
+            <a:endParaRPr kumimoji="1" lang="zh-TW" altLang="zh-TW" sz="4000" u="sng" dirty="0">
+              <a:solidFill>
+                <a:schemeClr val="tx1"/>
+              </a:solidFill>
               <a:latin typeface="Times New Roman" charset="0"/>
               <a:ea typeface="Times New Roman" charset="0"/>
               <a:cs typeface="Times New Roman" charset="0"/>
@@ -5187,6 +7436,9 @@
           <a:p>
             <a:r>
               <a:rPr lang="en-US" altLang="zh-TW" sz="3200" b="0" dirty="0">
+                <a:solidFill>
+                  <a:schemeClr val="tx1"/>
+                </a:solidFill>
                 <a:latin typeface="Times New Roman" charset="0"/>
                 <a:ea typeface="Times New Roman" charset="0"/>
                 <a:cs typeface="Times New Roman" charset="0"/>
@@ -5195,6 +7447,9 @@
             </a:r>
             <a:r>
               <a:rPr lang="en-US" altLang="zh-TW" sz="3200" b="0" dirty="0" smtClean="0">
+                <a:solidFill>
+                  <a:schemeClr val="tx1"/>
+                </a:solidFill>
                 <a:latin typeface="Times New Roman" charset="0"/>
                 <a:ea typeface="Times New Roman" charset="0"/>
                 <a:cs typeface="Times New Roman" charset="0"/>
@@ -5202,6 +7457,9 @@
               <a:t>safest. The zip code we obtained is “02119”.</a:t>
             </a:r>
             <a:endParaRPr lang="zh-TW" altLang="zh-TW" sz="3200" b="0" dirty="0">
+              <a:solidFill>
+                <a:schemeClr val="tx1"/>
+              </a:solidFill>
               <a:latin typeface="Times New Roman" charset="0"/>
               <a:ea typeface="Times New Roman" charset="0"/>
               <a:cs typeface="Times New Roman" charset="0"/>
@@ -5218,7 +7476,7 @@
           <p:nvPr/>
         </p:nvPicPr>
         <p:blipFill>
-          <a:blip r:embed="rId3">
+          <a:blip r:embed="rId4">
             <a:extLst>
               <a:ext uri="{28A0092B-C50C-407E-A947-70E740481C1C}">
                 <a14:useLocalDpi xmlns:a14="http://schemas.microsoft.com/office/drawing/2010/main" val="0"/>
@@ -5259,7 +7517,7 @@
         </p:nvSpPr>
         <p:spPr bwMode="auto">
           <a:xfrm>
-            <a:off x="25580367" y="17527263"/>
+            <a:off x="25605767" y="17698332"/>
             <a:ext cx="10684736" cy="11201400"/>
           </a:xfrm>
           <a:prstGeom prst="rect">
@@ -5275,14 +7533,14 @@
               <ma14:placeholderFlag xmlns:ma14="http://schemas.microsoft.com/office/mac/drawingml/2011/main" val="1"/>
             </a:ext>
             <a:ext uri="{909E8E84-426E-40dd-AFC4-6F175D3DCCD1}">
-              <a14:hiddenFill xmlns:a14="http://schemas.microsoft.com/office/drawing/2010/main" xmlns="">
+              <a14:hiddenFill xmlns="" xmlns:a14="http://schemas.microsoft.com/office/drawing/2010/main">
                 <a:solidFill>
                   <a:srgbClr val="FFFFFF"/>
                 </a:solidFill>
               </a14:hiddenFill>
             </a:ext>
             <a:ext uri="{91240B29-F687-4f45-9708-019B960494DF}">
-              <a14:hiddenLine xmlns:a14="http://schemas.microsoft.com/office/drawing/2010/main" xmlns="" w="9525">
+              <a14:hiddenLine xmlns="" xmlns:a14="http://schemas.microsoft.com/office/drawing/2010/main" w="9525">
                 <a:solidFill>
                   <a:srgbClr val="000000"/>
                 </a:solidFill>
@@ -5292,7 +7550,7 @@
               </a14:hiddenLine>
             </a:ext>
             <a:ext uri="{AF507438-7753-43e0-B8FC-AC1667EBCBE1}">
-              <a14:hiddenEffects xmlns:a14="http://schemas.microsoft.com/office/drawing/2010/main" xmlns="">
+              <a14:hiddenEffects xmlns="" xmlns:a14="http://schemas.microsoft.com/office/drawing/2010/main">
                 <a:effectLst>
                   <a:outerShdw blurRad="63500" dist="38099" dir="2700000" algn="ctr" rotWithShape="0">
                     <a:schemeClr val="bg2">
@@ -5512,14 +7770,20 @@
           <a:p>
             <a:pPr algn="ctr"/>
             <a:r>
-              <a:rPr kumimoji="1" lang="en-US" altLang="zh-TW" sz="4000" dirty="0" err="1" smtClean="0">
+              <a:rPr kumimoji="1" lang="en-US" altLang="zh-TW" sz="4000" u="sng" dirty="0" smtClean="0">
+                <a:solidFill>
+                  <a:schemeClr val="tx1"/>
+                </a:solidFill>
                 <a:latin typeface="Times New Roman" charset="0"/>
                 <a:ea typeface="Times New Roman" charset="0"/>
                 <a:cs typeface="Times New Roman" charset="0"/>
               </a:rPr>
-              <a:t>Conculsion</a:t>
-            </a:r>
-            <a:endParaRPr kumimoji="1" lang="en-US" altLang="zh-TW" sz="4000" dirty="0">
+              <a:t>Conclusion</a:t>
+            </a:r>
+            <a:endParaRPr kumimoji="1" lang="en-US" altLang="zh-TW" sz="4000" u="sng" dirty="0">
+              <a:solidFill>
+                <a:schemeClr val="tx1"/>
+              </a:solidFill>
               <a:latin typeface="Times New Roman" charset="0"/>
               <a:ea typeface="Times New Roman" charset="0"/>
               <a:cs typeface="Times New Roman" charset="0"/>
@@ -5528,6 +7792,9 @@
           <a:p>
             <a:r>
               <a:rPr kumimoji="1" lang="en-US" altLang="zh-TW" sz="3200" b="0" dirty="0" smtClean="0">
+                <a:solidFill>
+                  <a:schemeClr val="tx1"/>
+                </a:solidFill>
                 <a:latin typeface="Times New Roman" charset="0"/>
                 <a:ea typeface="Times New Roman" charset="0"/>
                 <a:cs typeface="Times New Roman" charset="0"/>
@@ -5536,6 +7803,9 @@
             </a:r>
             <a:r>
               <a:rPr kumimoji="1" lang="en-US" altLang="zh-TW" sz="3200" b="0" dirty="0">
+                <a:solidFill>
+                  <a:schemeClr val="tx1"/>
+                </a:solidFill>
                 <a:latin typeface="Times New Roman" charset="0"/>
                 <a:ea typeface="Times New Roman" charset="0"/>
                 <a:cs typeface="Times New Roman" charset="0"/>
@@ -5544,21 +7814,19 @@
             </a:r>
             <a:r>
               <a:rPr kumimoji="1" lang="en-US" altLang="zh-TW" sz="3200" b="0" dirty="0" smtClean="0">
+                <a:solidFill>
+                  <a:schemeClr val="tx1"/>
+                </a:solidFill>
                 <a:latin typeface="Times New Roman" charset="0"/>
                 <a:ea typeface="Times New Roman" charset="0"/>
                 <a:cs typeface="Times New Roman" charset="0"/>
               </a:rPr>
-              <a:t>might outcome the unideal correlation and p value. So we are assuming that we will obtain the better correlation and p value if we run more data on crime in </a:t>
-            </a:r>
-            <a:r>
-              <a:rPr kumimoji="1" lang="en-US" altLang="zh-TW" sz="3200" b="0" smtClean="0">
-                <a:latin typeface="Times New Roman" charset="0"/>
-                <a:ea typeface="Times New Roman" charset="0"/>
-                <a:cs typeface="Times New Roman" charset="0"/>
-              </a:rPr>
-              <a:t>the future.</a:t>
+              <a:t>might outcome the unideal correlation and p value. So we are assuming that we will obtain the better correlation and p value if we run more data on crime in the future.</a:t>
             </a:r>
             <a:endParaRPr kumimoji="1" lang="en-US" altLang="zh-TW" sz="4000" dirty="0" smtClean="0">
+              <a:solidFill>
+                <a:schemeClr val="tx1"/>
+              </a:solidFill>
               <a:latin typeface="Times New Roman" charset="0"/>
               <a:ea typeface="Times New Roman" charset="0"/>
               <a:cs typeface="Times New Roman" charset="0"/>
@@ -5567,6 +7835,9 @@
           <a:p>
             <a:pPr algn="ctr"/>
             <a:endParaRPr kumimoji="1" lang="en-US" altLang="zh-TW" sz="4000" dirty="0">
+              <a:solidFill>
+                <a:schemeClr val="tx1"/>
+              </a:solidFill>
               <a:latin typeface="Times New Roman" charset="0"/>
               <a:ea typeface="Times New Roman" charset="0"/>
               <a:cs typeface="Times New Roman" charset="0"/>
@@ -5575,6 +7846,9 @@
           <a:p>
             <a:pPr algn="ctr"/>
             <a:endParaRPr kumimoji="1" lang="en-US" altLang="zh-TW" sz="4000" dirty="0" smtClean="0">
+              <a:solidFill>
+                <a:schemeClr val="tx1"/>
+              </a:solidFill>
               <a:latin typeface="Times New Roman" charset="0"/>
               <a:ea typeface="Times New Roman" charset="0"/>
               <a:cs typeface="Times New Roman" charset="0"/>
@@ -5583,6 +7857,9 @@
           <a:p>
             <a:pPr algn="ctr"/>
             <a:endParaRPr kumimoji="1" lang="zh-TW" altLang="zh-TW" sz="4000" dirty="0">
+              <a:solidFill>
+                <a:schemeClr val="tx1"/>
+              </a:solidFill>
               <a:latin typeface="Times New Roman" charset="0"/>
               <a:ea typeface="Times New Roman" charset="0"/>
               <a:cs typeface="Times New Roman" charset="0"/>
@@ -5599,7 +7876,7 @@
           <p:nvPr/>
         </p:nvPicPr>
         <p:blipFill>
-          <a:blip r:embed="rId4">
+          <a:blip r:embed="rId5">
             <a:extLst>
               <a:ext uri="{28A0092B-C50C-407E-A947-70E740481C1C}">
                 <a14:useLocalDpi xmlns:a14="http://schemas.microsoft.com/office/drawing/2010/main" val="0"/>
@@ -5628,14 +7905,14 @@
               <ma14:placeholderFlag xmlns:ma14="http://schemas.microsoft.com/office/mac/drawingml/2011/main" val="1"/>
             </a:ext>
             <a:ext uri="{909E8E84-426E-40dd-AFC4-6F175D3DCCD1}">
-              <a14:hiddenFill xmlns:a14="http://schemas.microsoft.com/office/drawing/2010/main" xmlns="">
+              <a14:hiddenFill xmlns="" xmlns:a14="http://schemas.microsoft.com/office/drawing/2010/main">
                 <a:solidFill>
                   <a:srgbClr val="FFFFFF"/>
                 </a:solidFill>
               </a14:hiddenFill>
             </a:ext>
             <a:ext uri="{91240B29-F687-4f45-9708-019B960494DF}">
-              <a14:hiddenLine xmlns:a14="http://schemas.microsoft.com/office/drawing/2010/main" xmlns="" w="9525">
+              <a14:hiddenLine xmlns="" xmlns:a14="http://schemas.microsoft.com/office/drawing/2010/main" w="9525">
                 <a:solidFill>
                   <a:srgbClr val="000000"/>
                 </a:solidFill>
@@ -5645,7 +7922,7 @@
               </a14:hiddenLine>
             </a:ext>
             <a:ext uri="{AF507438-7753-43e0-B8FC-AC1667EBCBE1}">
-              <a14:hiddenEffects xmlns:a14="http://schemas.microsoft.com/office/drawing/2010/main" xmlns="">
+              <a14:hiddenEffects xmlns="" xmlns:a14="http://schemas.microsoft.com/office/drawing/2010/main">
                 <a:effectLst>
                   <a:outerShdw blurRad="63500" dist="38099" dir="2700000" algn="ctr" rotWithShape="0">
                     <a:schemeClr val="bg2">
@@ -5656,35 +7933,6 @@
               </a14:hiddenEffects>
             </a:ext>
           </a:extLst>
-        </p:spPr>
-      </p:pic>
-      <p:pic>
-        <p:nvPicPr>
-          <p:cNvPr id="39" name="內容版面配置區 38"/>
-          <p:cNvPicPr>
-            <a:picLocks noGrp="1" noChangeAspect="1"/>
-          </p:cNvPicPr>
-          <p:nvPr>
-            <p:ph sz="half" idx="2"/>
-          </p:nvPr>
-        </p:nvPicPr>
-        <p:blipFill>
-          <a:blip r:embed="rId5">
-            <a:extLst>
-              <a:ext uri="{28A0092B-C50C-407E-A947-70E740481C1C}">
-                <a14:useLocalDpi xmlns:a14="http://schemas.microsoft.com/office/drawing/2010/main" val="0"/>
-              </a:ext>
-            </a:extLst>
-          </a:blip>
-          <a:stretch>
-            <a:fillRect/>
-          </a:stretch>
-        </p:blipFill>
-        <p:spPr>
-          <a:xfrm>
-            <a:off x="644826" y="19126200"/>
-            <a:ext cx="9870774" cy="8003526"/>
-          </a:xfrm>
         </p:spPr>
       </p:pic>
       <p:cxnSp>
@@ -5716,7 +7964,7 @@
           <a:effectLst/>
           <a:extLst>
             <a:ext uri="{AF507438-7753-43e0-B8FC-AC1667EBCBE1}">
-              <a14:hiddenEffects xmlns:a14="http://schemas.microsoft.com/office/drawing/2010/main" xmlns="">
+              <a14:hiddenEffects xmlns="" xmlns:a14="http://schemas.microsoft.com/office/drawing/2010/main">
                 <a:effectLst>
                   <a:outerShdw blurRad="63500" dist="38099" dir="2700000" algn="ctr" rotWithShape="0">
                     <a:schemeClr val="bg2">
@@ -5758,7 +8006,7 @@
           <a:effectLst/>
           <a:extLst>
             <a:ext uri="{AF507438-7753-43e0-B8FC-AC1667EBCBE1}">
-              <a14:hiddenEffects xmlns:a14="http://schemas.microsoft.com/office/drawing/2010/main" xmlns="">
+              <a14:hiddenEffects xmlns="" xmlns:a14="http://schemas.microsoft.com/office/drawing/2010/main">
                 <a:effectLst>
                   <a:outerShdw blurRad="63500" dist="38099" dir="2700000" algn="ctr" rotWithShape="0">
                     <a:schemeClr val="bg2">
@@ -5779,7 +8027,7 @@
         </p:nvSpPr>
         <p:spPr>
           <a:xfrm>
-            <a:off x="30835600" y="762000"/>
+            <a:off x="30948135" y="1060318"/>
             <a:ext cx="5715000" cy="2584092"/>
           </a:xfrm>
           <a:prstGeom prst="rect">
@@ -5794,22 +8042,38 @@
           <a:lstStyle/>
           <a:p>
             <a:r>
-              <a:rPr lang="en-US" sz="4400" dirty="0" smtClean="0"/>
+              <a:rPr lang="en-US" sz="4400" dirty="0" smtClean="0">
+                <a:latin typeface="Times New Roman" charset="0"/>
+                <a:ea typeface="Times New Roman" charset="0"/>
+                <a:cs typeface="Times New Roman" charset="0"/>
+              </a:rPr>
               <a:t>Boston University</a:t>
             </a:r>
           </a:p>
           <a:p>
             <a:r>
-              <a:rPr lang="en-US" sz="4400" dirty="0" smtClean="0"/>
+              <a:rPr lang="en-US" sz="4400" dirty="0" smtClean="0">
+                <a:latin typeface="Times New Roman" charset="0"/>
+                <a:ea typeface="Times New Roman" charset="0"/>
+                <a:cs typeface="Times New Roman" charset="0"/>
+              </a:rPr>
               <a:t>CS 591 L1</a:t>
             </a:r>
           </a:p>
           <a:p>
             <a:r>
-              <a:rPr lang="en-US" sz="4400" dirty="0" smtClean="0"/>
+              <a:rPr lang="en-US" sz="4400" dirty="0" smtClean="0">
+                <a:latin typeface="Times New Roman" charset="0"/>
+                <a:ea typeface="Times New Roman" charset="0"/>
+                <a:cs typeface="Times New Roman" charset="0"/>
+              </a:rPr>
               <a:t>Spring 2017</a:t>
             </a:r>
-            <a:endParaRPr lang="en-US" sz="4400" dirty="0"/>
+            <a:endParaRPr lang="en-US" sz="4400" dirty="0">
+              <a:latin typeface="Times New Roman" charset="0"/>
+              <a:ea typeface="Times New Roman" charset="0"/>
+              <a:cs typeface="Times New Roman" charset="0"/>
+            </a:endParaRPr>
           </a:p>
         </p:txBody>
       </p:sp>
@@ -5835,7 +8099,7 @@
         </p:blipFill>
         <p:spPr>
           <a:xfrm>
-            <a:off x="25555437" y="10753688"/>
+            <a:off x="25604615" y="10779088"/>
             <a:ext cx="10560326" cy="6477000"/>
           </a:xfrm>
           <a:prstGeom prst="rect">
@@ -5864,59 +8128,119 @@
 </file>
 
 <file path=ppt/theme/theme1.xml><?xml version="1.0" encoding="utf-8"?>
-<a:theme xmlns:a="http://schemas.openxmlformats.org/drawingml/2006/main" name="Office Theme">
+<a:theme xmlns:a="http://schemas.openxmlformats.org/drawingml/2006/main" name="飛機雲">
   <a:themeElements>
-    <a:clrScheme name="Office Theme 1">
+    <a:clrScheme name="飛機雲">
       <a:dk1>
-        <a:srgbClr val="000000"/>
+        <a:sysClr val="windowText" lastClr="000000"/>
       </a:dk1>
       <a:lt1>
-        <a:srgbClr val="FFFFFF"/>
+        <a:sysClr val="window" lastClr="FFFFFF"/>
       </a:lt1>
       <a:dk2>
-        <a:srgbClr val="000000"/>
+        <a:srgbClr val="454545"/>
       </a:dk2>
       <a:lt2>
-        <a:srgbClr val="808080"/>
+        <a:srgbClr val="DADADA"/>
       </a:lt2>
       <a:accent1>
-        <a:srgbClr val="00CC99"/>
+        <a:srgbClr val="DF2E28"/>
       </a:accent1>
       <a:accent2>
-        <a:srgbClr val="3333CC"/>
+        <a:srgbClr val="FE801A"/>
       </a:accent2>
       <a:accent3>
-        <a:srgbClr val="FFFFFF"/>
+        <a:srgbClr val="E9BF35"/>
       </a:accent3>
       <a:accent4>
-        <a:srgbClr val="000000"/>
+        <a:srgbClr val="81BB42"/>
       </a:accent4>
       <a:accent5>
-        <a:srgbClr val="AAE2CA"/>
+        <a:srgbClr val="32C7A9"/>
       </a:accent5>
       <a:accent6>
-        <a:srgbClr val="2D2DB9"/>
+        <a:srgbClr val="4A9BDC"/>
       </a:accent6>
       <a:hlink>
-        <a:srgbClr val="CCCCFF"/>
+        <a:srgbClr val="F0532B"/>
       </a:hlink>
       <a:folHlink>
-        <a:srgbClr val="B2B2B2"/>
+        <a:srgbClr val="F38B53"/>
       </a:folHlink>
     </a:clrScheme>
-    <a:fontScheme name="Office Theme">
+    <a:fontScheme name="飛機雲">
       <a:majorFont>
-        <a:latin typeface="Arial"/>
-        <a:ea typeface="DejaVu Sans"/>
-        <a:cs typeface="DejaVu Sans"/>
+        <a:latin typeface="Century Gothic" panose="020B0502020202020204"/>
+        <a:ea typeface=""/>
+        <a:cs typeface=""/>
+        <a:font script="Jpan" typeface="ＭＳ Ｐゴシック"/>
+        <a:font script="Hang" typeface="맑은 고딕"/>
+        <a:font script="Hans" typeface="宋体"/>
+        <a:font script="Hant" typeface="新細明體"/>
+        <a:font script="Arab" typeface="Times New Roman"/>
+        <a:font script="Hebr" typeface="Times New Roman"/>
+        <a:font script="Thai" typeface="Angsana New"/>
+        <a:font script="Ethi" typeface="Nyala"/>
+        <a:font script="Beng" typeface="Vrinda"/>
+        <a:font script="Gujr" typeface="Shruti"/>
+        <a:font script="Khmr" typeface="MoolBoran"/>
+        <a:font script="Knda" typeface="Tunga"/>
+        <a:font script="Guru" typeface="Raavi"/>
+        <a:font script="Cans" typeface="Euphemia"/>
+        <a:font script="Cher" typeface="Plantagenet Cherokee"/>
+        <a:font script="Yiii" typeface="Microsoft Yi Baiti"/>
+        <a:font script="Tibt" typeface="Microsoft Himalaya"/>
+        <a:font script="Thaa" typeface="MV Boli"/>
+        <a:font script="Deva" typeface="Mangal"/>
+        <a:font script="Telu" typeface="Gautami"/>
+        <a:font script="Taml" typeface="Latha"/>
+        <a:font script="Syrc" typeface="Estrangelo Edessa"/>
+        <a:font script="Orya" typeface="Kalinga"/>
+        <a:font script="Mlym" typeface="Kartika"/>
+        <a:font script="Laoo" typeface="DokChampa"/>
+        <a:font script="Sinh" typeface="Iskoola Pota"/>
+        <a:font script="Mong" typeface="Mongolian Baiti"/>
+        <a:font script="Viet" typeface="Times New Roman"/>
+        <a:font script="Uigh" typeface="Microsoft Uighur"/>
+        <a:font script="Geor" typeface="Sylfaen"/>
       </a:majorFont>
       <a:minorFont>
-        <a:latin typeface="Arial"/>
-        <a:ea typeface="DejaVu Sans"/>
-        <a:cs typeface="DejaVu Sans"/>
+        <a:latin typeface="Century Gothic" panose="020B0502020202020204"/>
+        <a:ea typeface=""/>
+        <a:cs typeface=""/>
+        <a:font script="Jpan" typeface="ＭＳ Ｐゴシック"/>
+        <a:font script="Hang" typeface="맑은 고딕"/>
+        <a:font script="Hans" typeface="宋体"/>
+        <a:font script="Hant" typeface="新細明體"/>
+        <a:font script="Arab" typeface="Arial"/>
+        <a:font script="Hebr" typeface="Arial"/>
+        <a:font script="Thai" typeface="Cordia New"/>
+        <a:font script="Ethi" typeface="Nyala"/>
+        <a:font script="Beng" typeface="Vrinda"/>
+        <a:font script="Gujr" typeface="Shruti"/>
+        <a:font script="Khmr" typeface="DaunPenh"/>
+        <a:font script="Knda" typeface="Tunga"/>
+        <a:font script="Guru" typeface="Raavi"/>
+        <a:font script="Cans" typeface="Euphemia"/>
+        <a:font script="Cher" typeface="Plantagenet Cherokee"/>
+        <a:font script="Yiii" typeface="Microsoft Yi Baiti"/>
+        <a:font script="Tibt" typeface="Microsoft Himalaya"/>
+        <a:font script="Thaa" typeface="MV Boli"/>
+        <a:font script="Deva" typeface="Mangal"/>
+        <a:font script="Telu" typeface="Gautami"/>
+        <a:font script="Taml" typeface="Latha"/>
+        <a:font script="Syrc" typeface="Estrangelo Edessa"/>
+        <a:font script="Orya" typeface="Kalinga"/>
+        <a:font script="Mlym" typeface="Kartika"/>
+        <a:font script="Laoo" typeface="DokChampa"/>
+        <a:font script="Sinh" typeface="Iskoola Pota"/>
+        <a:font script="Mong" typeface="Mongolian Baiti"/>
+        <a:font script="Viet" typeface="Arial"/>
+        <a:font script="Uigh" typeface="Microsoft Uighur"/>
+        <a:font script="Geor" typeface="Sylfaen"/>
       </a:minorFont>
     </a:fontScheme>
-    <a:fmtScheme name="Office">
+    <a:fmtScheme name="飛機雲">
       <a:fillStyleLst>
         <a:solidFill>
           <a:schemeClr val="phClr"/>
@@ -5925,23 +8249,24 @@
           <a:gsLst>
             <a:gs pos="0">
               <a:schemeClr val="phClr">
+                <a:tint val="69000"/>
+                <a:alpha val="100000"/>
+                <a:satMod val="109000"/>
                 <a:lumMod val="110000"/>
-                <a:satMod val="105000"/>
-                <a:tint val="67000"/>
               </a:schemeClr>
             </a:gs>
-            <a:gs pos="50000">
+            <a:gs pos="52000">
               <a:schemeClr val="phClr">
-                <a:lumMod val="105000"/>
-                <a:satMod val="103000"/>
-                <a:tint val="73000"/>
+                <a:tint val="74000"/>
+                <a:satMod val="100000"/>
+                <a:lumMod val="104000"/>
               </a:schemeClr>
             </a:gs>
             <a:gs pos="100000">
               <a:schemeClr val="phClr">
-                <a:lumMod val="105000"/>
-                <a:satMod val="109000"/>
-                <a:tint val="81000"/>
+                <a:tint val="78000"/>
+                <a:satMod val="100000"/>
+                <a:lumMod val="100000"/>
               </a:schemeClr>
             </a:gs>
           </a:gsLst>
@@ -5951,23 +8276,16 @@
           <a:gsLst>
             <a:gs pos="0">
               <a:schemeClr val="phClr">
-                <a:satMod val="103000"/>
-                <a:lumMod val="102000"/>
-                <a:tint val="94000"/>
+                <a:tint val="96000"/>
+                <a:satMod val="100000"/>
+                <a:lumMod val="104000"/>
               </a:schemeClr>
             </a:gs>
-            <a:gs pos="50000">
+            <a:gs pos="78000">
               <a:schemeClr val="phClr">
+                <a:shade val="100000"/>
                 <a:satMod val="110000"/>
                 <a:lumMod val="100000"/>
-                <a:shade val="100000"/>
-              </a:schemeClr>
-            </a:gs>
-            <a:gs pos="100000">
-              <a:schemeClr val="phClr">
-                <a:lumMod val="99000"/>
-                <a:satMod val="120000"/>
-                <a:shade val="78000"/>
               </a:schemeClr>
             </a:gs>
           </a:gsLst>
@@ -5975,26 +8293,23 @@
         </a:gradFill>
       </a:fillStyleLst>
       <a:lnStyleLst>
-        <a:ln w="6350" cap="flat" cmpd="sng" algn="ctr">
+        <a:ln w="9525" cap="flat" cmpd="sng" algn="ctr">
           <a:solidFill>
             <a:schemeClr val="phClr"/>
           </a:solidFill>
           <a:prstDash val="solid"/>
-          <a:miter lim="800000"/>
         </a:ln>
         <a:ln w="12700" cap="flat" cmpd="sng" algn="ctr">
           <a:solidFill>
             <a:schemeClr val="phClr"/>
           </a:solidFill>
           <a:prstDash val="solid"/>
-          <a:miter lim="800000"/>
         </a:ln>
         <a:ln w="19050" cap="flat" cmpd="sng" algn="ctr">
           <a:solidFill>
             <a:schemeClr val="phClr"/>
           </a:solidFill>
           <a:prstDash val="solid"/>
-          <a:miter lim="800000"/>
         </a:ln>
       </a:lnStyleLst>
       <a:effectStyleLst>
@@ -6003,15 +8318,33 @@
         </a:effectStyle>
         <a:effectStyle>
           <a:effectLst/>
+          <a:scene3d>
+            <a:camera prst="orthographicFront">
+              <a:rot lat="0" lon="0" rev="0"/>
+            </a:camera>
+            <a:lightRig rig="threePt" dir="t"/>
+          </a:scene3d>
+          <a:sp3d>
+            <a:bevelT w="25400" h="12700"/>
+          </a:sp3d>
         </a:effectStyle>
         <a:effectStyle>
           <a:effectLst>
             <a:outerShdw blurRad="57150" dist="19050" dir="5400000" algn="ctr" rotWithShape="0">
               <a:srgbClr val="000000">
-                <a:alpha val="63000"/>
+                <a:alpha val="48000"/>
               </a:srgbClr>
             </a:outerShdw>
           </a:effectLst>
+          <a:scene3d>
+            <a:camera prst="orthographicFront">
+              <a:rot lat="0" lon="0" rev="0"/>
+            </a:camera>
+            <a:lightRig rig="threePt" dir="t"/>
+          </a:scene3d>
+          <a:sp3d>
+            <a:bevelT w="50800" h="25400"/>
+          </a:sp3d>
         </a:effectStyle>
       </a:effectStyleLst>
       <a:bgFillStyleLst>
@@ -6029,16 +8362,16 @@
             <a:gs pos="0">
               <a:schemeClr val="phClr">
                 <a:tint val="93000"/>
+                <a:shade val="98000"/>
                 <a:satMod val="150000"/>
-                <a:shade val="98000"/>
                 <a:lumMod val="102000"/>
               </a:schemeClr>
             </a:gs>
             <a:gs pos="50000">
               <a:schemeClr val="phClr">
                 <a:tint val="98000"/>
+                <a:shade val="90000"/>
                 <a:satMod val="130000"/>
-                <a:shade val="90000"/>
                 <a:lumMod val="103000"/>
               </a:schemeClr>
             </a:gs>
@@ -6054,448 +8387,11 @@
       </a:bgFillStyleLst>
     </a:fmtScheme>
   </a:themeElements>
-  <a:objectDefaults>
-    <a:spDef>
-      <a:spPr bwMode="auto">
-        <a:xfrm>
-          <a:off x="0" y="0"/>
-          <a:ext cx="1" cy="1"/>
-        </a:xfrm>
-        <a:custGeom>
-          <a:avLst/>
-          <a:gdLst/>
-          <a:ahLst/>
-          <a:cxnLst/>
-          <a:rect l="0" t="0" r="0" b="0"/>
-          <a:pathLst/>
-        </a:custGeom>
-        <a:solidFill>
-          <a:srgbClr val="00B8FF"/>
-        </a:solidFill>
-        <a:ln w="9525" cap="flat" cmpd="sng" algn="ctr">
-          <a:solidFill>
-            <a:schemeClr val="tx1"/>
-          </a:solidFill>
-          <a:prstDash val="solid"/>
-          <a:round/>
-          <a:headEnd type="none" w="med" len="med"/>
-          <a:tailEnd type="none" w="med" len="med"/>
-        </a:ln>
-        <a:effectLst/>
-        <a:extLst>
-          <a:ext uri="{AF507438-7753-43e0-B8FC-AC1667EBCBE1}">
-            <a14:hiddenEffects xmlns:a14="http://schemas.microsoft.com/office/drawing/2010/main" xmlns="">
-              <a:effectLst>
-                <a:outerShdw blurRad="63500" dist="38099" dir="2700000" algn="ctr" rotWithShape="0">
-                  <a:schemeClr val="bg2">
-                    <a:alpha val="74998"/>
-                  </a:schemeClr>
-                </a:outerShdw>
-              </a:effectLst>
-            </a14:hiddenEffects>
-          </a:ext>
-        </a:extLst>
-      </a:spPr>
-      <a:bodyPr vert="horz" wrap="square" lIns="91440" tIns="45720" rIns="91440" bIns="45720" numCol="1" anchor="t" anchorCtr="0" compatLnSpc="1">
-        <a:prstTxWarp prst="textNoShape">
-          <a:avLst/>
-        </a:prstTxWarp>
-      </a:bodyPr>
-      <a:lstStyle>
-        <a:defPPr marL="0" marR="0" indent="0" algn="l" defTabSz="457200" rtl="0" eaLnBrk="1" fontAlgn="base" latinLnBrk="0" hangingPunct="0">
-          <a:lnSpc>
-            <a:spcPct val="124000"/>
-          </a:lnSpc>
-          <a:spcBef>
-            <a:spcPct val="0"/>
-          </a:spcBef>
-          <a:spcAft>
-            <a:spcPct val="0"/>
-          </a:spcAft>
-          <a:buClr>
-            <a:srgbClr val="000000"/>
-          </a:buClr>
-          <a:buSzPct val="45000"/>
-          <a:buFont typeface="Wingdings" charset="2"/>
-          <a:buNone/>
-          <a:tabLst/>
-          <a:defRPr kumimoji="0" lang="en-US" altLang="x-none" sz="1800" b="0" i="0" u="none" strike="noStrike" cap="none" normalizeH="0" baseline="0">
-            <a:ln>
-              <a:noFill/>
-            </a:ln>
-            <a:effectLst/>
-            <a:latin typeface="Arial" charset="0"/>
-          </a:defRPr>
-        </a:defPPr>
-      </a:lstStyle>
-    </a:spDef>
-    <a:lnDef>
-      <a:spPr bwMode="auto">
-        <a:xfrm>
-          <a:off x="0" y="0"/>
-          <a:ext cx="1" cy="1"/>
-        </a:xfrm>
-        <a:custGeom>
-          <a:avLst/>
-          <a:gdLst/>
-          <a:ahLst/>
-          <a:cxnLst/>
-          <a:rect l="0" t="0" r="0" b="0"/>
-          <a:pathLst/>
-        </a:custGeom>
-        <a:solidFill>
-          <a:srgbClr val="00B8FF"/>
-        </a:solidFill>
-        <a:ln w="9525" cap="flat" cmpd="sng" algn="ctr">
-          <a:solidFill>
-            <a:schemeClr val="tx1"/>
-          </a:solidFill>
-          <a:prstDash val="solid"/>
-          <a:round/>
-          <a:headEnd type="none" w="med" len="med"/>
-          <a:tailEnd type="none" w="med" len="med"/>
-        </a:ln>
-        <a:effectLst/>
-        <a:extLst>
-          <a:ext uri="{AF507438-7753-43e0-B8FC-AC1667EBCBE1}">
-            <a14:hiddenEffects xmlns:a14="http://schemas.microsoft.com/office/drawing/2010/main" xmlns="">
-              <a:effectLst>
-                <a:outerShdw blurRad="63500" dist="38099" dir="2700000" algn="ctr" rotWithShape="0">
-                  <a:schemeClr val="bg2">
-                    <a:alpha val="74998"/>
-                  </a:schemeClr>
-                </a:outerShdw>
-              </a:effectLst>
-            </a14:hiddenEffects>
-          </a:ext>
-        </a:extLst>
-      </a:spPr>
-      <a:bodyPr vert="horz" wrap="square" lIns="91440" tIns="45720" rIns="91440" bIns="45720" numCol="1" anchor="t" anchorCtr="0" compatLnSpc="1">
-        <a:prstTxWarp prst="textNoShape">
-          <a:avLst/>
-        </a:prstTxWarp>
-      </a:bodyPr>
-      <a:lstStyle>
-        <a:defPPr marL="0" marR="0" indent="0" algn="l" defTabSz="457200" rtl="0" eaLnBrk="1" fontAlgn="base" latinLnBrk="0" hangingPunct="0">
-          <a:lnSpc>
-            <a:spcPct val="124000"/>
-          </a:lnSpc>
-          <a:spcBef>
-            <a:spcPct val="0"/>
-          </a:spcBef>
-          <a:spcAft>
-            <a:spcPct val="0"/>
-          </a:spcAft>
-          <a:buClr>
-            <a:srgbClr val="000000"/>
-          </a:buClr>
-          <a:buSzPct val="45000"/>
-          <a:buFont typeface="Wingdings" charset="2"/>
-          <a:buNone/>
-          <a:tabLst/>
-          <a:defRPr kumimoji="0" lang="en-US" altLang="x-none" sz="1800" b="0" i="0" u="none" strike="noStrike" cap="none" normalizeH="0" baseline="0">
-            <a:ln>
-              <a:noFill/>
-            </a:ln>
-            <a:effectLst/>
-            <a:latin typeface="Arial" charset="0"/>
-          </a:defRPr>
-        </a:defPPr>
-      </a:lstStyle>
-    </a:lnDef>
-  </a:objectDefaults>
-  <a:extraClrSchemeLst>
-    <a:extraClrScheme>
-      <a:clrScheme name="Office Theme 1">
-        <a:dk1>
-          <a:srgbClr val="000000"/>
-        </a:dk1>
-        <a:lt1>
-          <a:srgbClr val="FFFFFF"/>
-        </a:lt1>
-        <a:dk2>
-          <a:srgbClr val="000000"/>
-        </a:dk2>
-        <a:lt2>
-          <a:srgbClr val="808080"/>
-        </a:lt2>
-        <a:accent1>
-          <a:srgbClr val="00CC99"/>
-        </a:accent1>
-        <a:accent2>
-          <a:srgbClr val="3333CC"/>
-        </a:accent2>
-        <a:accent3>
-          <a:srgbClr val="FFFFFF"/>
-        </a:accent3>
-        <a:accent4>
-          <a:srgbClr val="000000"/>
-        </a:accent4>
-        <a:accent5>
-          <a:srgbClr val="AAE2CA"/>
-        </a:accent5>
-        <a:accent6>
-          <a:srgbClr val="2D2DB9"/>
-        </a:accent6>
-        <a:hlink>
-          <a:srgbClr val="CCCCFF"/>
-        </a:hlink>
-        <a:folHlink>
-          <a:srgbClr val="B2B2B2"/>
-        </a:folHlink>
-      </a:clrScheme>
-      <a:clrMap bg1="lt1" tx1="dk1" bg2="lt2" tx2="dk2" accent1="accent1" accent2="accent2" accent3="accent3" accent4="accent4" accent5="accent5" accent6="accent6" hlink="hlink" folHlink="folHlink"/>
-    </a:extraClrScheme>
-    <a:extraClrScheme>
-      <a:clrScheme name="Office Theme 2">
-        <a:dk1>
-          <a:srgbClr val="000000"/>
-        </a:dk1>
-        <a:lt1>
-          <a:srgbClr val="FFFFFF"/>
-        </a:lt1>
-        <a:dk2>
-          <a:srgbClr val="0000FF"/>
-        </a:dk2>
-        <a:lt2>
-          <a:srgbClr val="FFFF00"/>
-        </a:lt2>
-        <a:accent1>
-          <a:srgbClr val="FF9900"/>
-        </a:accent1>
-        <a:accent2>
-          <a:srgbClr val="00FFFF"/>
-        </a:accent2>
-        <a:accent3>
-          <a:srgbClr val="AAAAFF"/>
-        </a:accent3>
-        <a:accent4>
-          <a:srgbClr val="DADADA"/>
-        </a:accent4>
-        <a:accent5>
-          <a:srgbClr val="FFCAAA"/>
-        </a:accent5>
-        <a:accent6>
-          <a:srgbClr val="00E7E7"/>
-        </a:accent6>
-        <a:hlink>
-          <a:srgbClr val="FF0000"/>
-        </a:hlink>
-        <a:folHlink>
-          <a:srgbClr val="969696"/>
-        </a:folHlink>
-      </a:clrScheme>
-      <a:clrMap bg1="dk2" tx1="lt1" bg2="dk1" tx2="lt2" accent1="accent1" accent2="accent2" accent3="accent3" accent4="accent4" accent5="accent5" accent6="accent6" hlink="hlink" folHlink="folHlink"/>
-    </a:extraClrScheme>
-    <a:extraClrScheme>
-      <a:clrScheme name="Office Theme 3">
-        <a:dk1>
-          <a:srgbClr val="000000"/>
-        </a:dk1>
-        <a:lt1>
-          <a:srgbClr val="FFFFCC"/>
-        </a:lt1>
-        <a:dk2>
-          <a:srgbClr val="808000"/>
-        </a:dk2>
-        <a:lt2>
-          <a:srgbClr val="666633"/>
-        </a:lt2>
-        <a:accent1>
-          <a:srgbClr val="339933"/>
-        </a:accent1>
-        <a:accent2>
-          <a:srgbClr val="800000"/>
-        </a:accent2>
-        <a:accent3>
-          <a:srgbClr val="FFFFE2"/>
-        </a:accent3>
-        <a:accent4>
-          <a:srgbClr val="000000"/>
-        </a:accent4>
-        <a:accent5>
-          <a:srgbClr val="ADCAAD"/>
-        </a:accent5>
-        <a:accent6>
-          <a:srgbClr val="730000"/>
-        </a:accent6>
-        <a:hlink>
-          <a:srgbClr val="0033CC"/>
-        </a:hlink>
-        <a:folHlink>
-          <a:srgbClr val="FFCC66"/>
-        </a:folHlink>
-      </a:clrScheme>
-      <a:clrMap bg1="lt1" tx1="dk1" bg2="lt2" tx2="dk2" accent1="accent1" accent2="accent2" accent3="accent3" accent4="accent4" accent5="accent5" accent6="accent6" hlink="hlink" folHlink="folHlink"/>
-    </a:extraClrScheme>
-    <a:extraClrScheme>
-      <a:clrScheme name="Office Theme 4">
-        <a:dk1>
-          <a:srgbClr val="000000"/>
-        </a:dk1>
-        <a:lt1>
-          <a:srgbClr val="FFFFFF"/>
-        </a:lt1>
-        <a:dk2>
-          <a:srgbClr val="000000"/>
-        </a:dk2>
-        <a:lt2>
-          <a:srgbClr val="333333"/>
-        </a:lt2>
-        <a:accent1>
-          <a:srgbClr val="DDDDDD"/>
-        </a:accent1>
-        <a:accent2>
-          <a:srgbClr val="808080"/>
-        </a:accent2>
-        <a:accent3>
-          <a:srgbClr val="FFFFFF"/>
-        </a:accent3>
-        <a:accent4>
-          <a:srgbClr val="000000"/>
-        </a:accent4>
-        <a:accent5>
-          <a:srgbClr val="EBEBEB"/>
-        </a:accent5>
-        <a:accent6>
-          <a:srgbClr val="737373"/>
-        </a:accent6>
-        <a:hlink>
-          <a:srgbClr val="4D4D4D"/>
-        </a:hlink>
-        <a:folHlink>
-          <a:srgbClr val="EAEAEA"/>
-        </a:folHlink>
-      </a:clrScheme>
-      <a:clrMap bg1="lt1" tx1="dk1" bg2="lt2" tx2="dk2" accent1="accent1" accent2="accent2" accent3="accent3" accent4="accent4" accent5="accent5" accent6="accent6" hlink="hlink" folHlink="folHlink"/>
-    </a:extraClrScheme>
-    <a:extraClrScheme>
-      <a:clrScheme name="Office Theme 5">
-        <a:dk1>
-          <a:srgbClr val="000000"/>
-        </a:dk1>
-        <a:lt1>
-          <a:srgbClr val="FFFFFF"/>
-        </a:lt1>
-        <a:dk2>
-          <a:srgbClr val="000000"/>
-        </a:dk2>
-        <a:lt2>
-          <a:srgbClr val="808080"/>
-        </a:lt2>
-        <a:accent1>
-          <a:srgbClr val="FFCC66"/>
-        </a:accent1>
-        <a:accent2>
-          <a:srgbClr val="0000FF"/>
-        </a:accent2>
-        <a:accent3>
-          <a:srgbClr val="FFFFFF"/>
-        </a:accent3>
-        <a:accent4>
-          <a:srgbClr val="000000"/>
-        </a:accent4>
-        <a:accent5>
-          <a:srgbClr val="FFE2B8"/>
-        </a:accent5>
-        <a:accent6>
-          <a:srgbClr val="0000E7"/>
-        </a:accent6>
-        <a:hlink>
-          <a:srgbClr val="CC00CC"/>
-        </a:hlink>
-        <a:folHlink>
-          <a:srgbClr val="C0C0C0"/>
-        </a:folHlink>
-      </a:clrScheme>
-      <a:clrMap bg1="lt1" tx1="dk1" bg2="lt2" tx2="dk2" accent1="accent1" accent2="accent2" accent3="accent3" accent4="accent4" accent5="accent5" accent6="accent6" hlink="hlink" folHlink="folHlink"/>
-    </a:extraClrScheme>
-    <a:extraClrScheme>
-      <a:clrScheme name="Office Theme 6">
-        <a:dk1>
-          <a:srgbClr val="000000"/>
-        </a:dk1>
-        <a:lt1>
-          <a:srgbClr val="FFFFFF"/>
-        </a:lt1>
-        <a:dk2>
-          <a:srgbClr val="000000"/>
-        </a:dk2>
-        <a:lt2>
-          <a:srgbClr val="808080"/>
-        </a:lt2>
-        <a:accent1>
-          <a:srgbClr val="C0C0C0"/>
-        </a:accent1>
-        <a:accent2>
-          <a:srgbClr val="0066FF"/>
-        </a:accent2>
-        <a:accent3>
-          <a:srgbClr val="FFFFFF"/>
-        </a:accent3>
-        <a:accent4>
-          <a:srgbClr val="000000"/>
-        </a:accent4>
-        <a:accent5>
-          <a:srgbClr val="DCDCDC"/>
-        </a:accent5>
-        <a:accent6>
-          <a:srgbClr val="005CE7"/>
-        </a:accent6>
-        <a:hlink>
-          <a:srgbClr val="FF0000"/>
-        </a:hlink>
-        <a:folHlink>
-          <a:srgbClr val="009900"/>
-        </a:folHlink>
-      </a:clrScheme>
-      <a:clrMap bg1="lt1" tx1="dk1" bg2="lt2" tx2="dk2" accent1="accent1" accent2="accent2" accent3="accent3" accent4="accent4" accent5="accent5" accent6="accent6" hlink="hlink" folHlink="folHlink"/>
-    </a:extraClrScheme>
-    <a:extraClrScheme>
-      <a:clrScheme name="Office Theme 7">
-        <a:dk1>
-          <a:srgbClr val="000000"/>
-        </a:dk1>
-        <a:lt1>
-          <a:srgbClr val="FFFFFF"/>
-        </a:lt1>
-        <a:dk2>
-          <a:srgbClr val="000000"/>
-        </a:dk2>
-        <a:lt2>
-          <a:srgbClr val="808080"/>
-        </a:lt2>
-        <a:accent1>
-          <a:srgbClr val="3399FF"/>
-        </a:accent1>
-        <a:accent2>
-          <a:srgbClr val="99FFCC"/>
-        </a:accent2>
-        <a:accent3>
-          <a:srgbClr val="FFFFFF"/>
-        </a:accent3>
-        <a:accent4>
-          <a:srgbClr val="000000"/>
-        </a:accent4>
-        <a:accent5>
-          <a:srgbClr val="ADCAFF"/>
-        </a:accent5>
-        <a:accent6>
-          <a:srgbClr val="8AE7B9"/>
-        </a:accent6>
-        <a:hlink>
-          <a:srgbClr val="CC00CC"/>
-        </a:hlink>
-        <a:folHlink>
-          <a:srgbClr val="B2B2B2"/>
-        </a:folHlink>
-      </a:clrScheme>
-      <a:clrMap bg1="lt1" tx1="dk1" bg2="lt2" tx2="dk2" accent1="accent1" accent2="accent2" accent3="accent3" accent4="accent4" accent5="accent5" accent6="accent6" hlink="hlink" folHlink="folHlink"/>
-    </a:extraClrScheme>
-  </a:extraClrSchemeLst>
+  <a:objectDefaults/>
+  <a:extraClrSchemeLst/>
   <a:extLst>
     <a:ext uri="{05A4C25C-085E-4340-85A3-A5531E510DB2}">
-      <thm15:themeFamily xmlns:thm15="http://schemas.microsoft.com/office/thememl/2012/main" name="Office Theme" id="{62F939B6-93AF-4DB8-9C6B-D6C7DFDC589F}" vid="{4A3C46E8-61CC-4603-A589-7422A47A8E4A}"/>
+      <thm15:themeFamily xmlns:thm15="http://schemas.microsoft.com/office/thememl/2012/main" name="Vapor Trail" id="{4FDF2955-7D9C-493C-B9F9-C205151B46CD}" vid="{8F31A783-2159-4870-BC29-2BA7D038EA44}"/>
     </a:ext>
   </a:extLst>
 </a:theme>

--- a/pt0713_silnuext/poster/591 poster.pptx
+++ b/pt0713_silnuext/poster/591 poster.pptx
@@ -2,7 +2,7 @@
 <file path=ppt/presentation.xml><?xml version="1.0" encoding="utf-8"?>
 <p:presentation xmlns:a="http://schemas.openxmlformats.org/drawingml/2006/main" xmlns:r="http://schemas.openxmlformats.org/officeDocument/2006/relationships" xmlns:p="http://schemas.openxmlformats.org/presentationml/2006/main" strictFirstAndLastChars="0" saveSubsetFonts="1" autoCompressPictures="0">
   <p:sldMasterIdLst>
-    <p:sldMasterId id="2147483684" r:id="rId1"/>
+    <p:sldMasterId id="2147483762" r:id="rId1"/>
   </p:sldMasterIdLst>
   <p:notesMasterIdLst>
     <p:notesMasterId r:id="rId3"/>
@@ -263,14 +263,14 @@
               <ma14:placeholderFlag xmlns:ma14="http://schemas.microsoft.com/office/mac/drawingml/2011/main" val="1"/>
             </a:ext>
             <a:ext uri="{909E8E84-426E-40dd-AFC4-6F175D3DCCD1}">
-              <a14:hiddenFill xmlns="" xmlns:a14="http://schemas.microsoft.com/office/drawing/2010/main">
+              <a14:hiddenFill xmlns:a14="http://schemas.microsoft.com/office/drawing/2010/main" xmlns="">
                 <a:solidFill>
                   <a:srgbClr val="FFFFFF"/>
                 </a:solidFill>
               </a14:hiddenFill>
             </a:ext>
             <a:ext uri="{91240B29-F687-4f45-9708-019B960494DF}">
-              <a14:hiddenLine xmlns="" xmlns:a14="http://schemas.microsoft.com/office/drawing/2010/main" w="9525">
+              <a14:hiddenLine xmlns:a14="http://schemas.microsoft.com/office/drawing/2010/main" xmlns="" w="9525">
                 <a:solidFill>
                   <a:srgbClr val="000000"/>
                 </a:solidFill>
@@ -280,7 +280,7 @@
               </a14:hiddenLine>
             </a:ext>
             <a:ext uri="{AF507438-7753-43e0-B8FC-AC1667EBCBE1}">
-              <a14:hiddenEffects xmlns="" xmlns:a14="http://schemas.microsoft.com/office/drawing/2010/main">
+              <a14:hiddenEffects xmlns:a14="http://schemas.microsoft.com/office/drawing/2010/main" xmlns="">
                 <a:effectLst>
                   <a:outerShdw blurRad="63500" dist="38099" dir="2700000" algn="ctr" rotWithShape="0">
                     <a:schemeClr val="bg2">
@@ -321,14 +321,14 @@
               <ma14:placeholderFlag xmlns:ma14="http://schemas.microsoft.com/office/mac/drawingml/2011/main" val="1"/>
             </a:ext>
             <a:ext uri="{909E8E84-426E-40dd-AFC4-6F175D3DCCD1}">
-              <a14:hiddenFill xmlns="" xmlns:a14="http://schemas.microsoft.com/office/drawing/2010/main">
+              <a14:hiddenFill xmlns:a14="http://schemas.microsoft.com/office/drawing/2010/main" xmlns="">
                 <a:solidFill>
                   <a:srgbClr val="FFFFFF"/>
                 </a:solidFill>
               </a14:hiddenFill>
             </a:ext>
             <a:ext uri="{91240B29-F687-4f45-9708-019B960494DF}">
-              <a14:hiddenLine xmlns="" xmlns:a14="http://schemas.microsoft.com/office/drawing/2010/main" w="9525">
+              <a14:hiddenLine xmlns:a14="http://schemas.microsoft.com/office/drawing/2010/main" xmlns="" w="9525">
                 <a:solidFill>
                   <a:srgbClr val="000000"/>
                 </a:solidFill>
@@ -338,7 +338,7 @@
               </a14:hiddenLine>
             </a:ext>
             <a:ext uri="{AF507438-7753-43e0-B8FC-AC1667EBCBE1}">
-              <a14:hiddenEffects xmlns="" xmlns:a14="http://schemas.microsoft.com/office/drawing/2010/main">
+              <a14:hiddenEffects xmlns:a14="http://schemas.microsoft.com/office/drawing/2010/main" xmlns="">
                 <a:effectLst>
                   <a:outerShdw blurRad="63500" dist="38099" dir="2700000" algn="ctr" rotWithShape="0">
                     <a:schemeClr val="bg2">
@@ -391,14 +391,14 @@
               <ma14:placeholderFlag xmlns:ma14="http://schemas.microsoft.com/office/mac/drawingml/2011/main" val="1"/>
             </a:ext>
             <a:ext uri="{909E8E84-426E-40dd-AFC4-6F175D3DCCD1}">
-              <a14:hiddenFill xmlns="" xmlns:a14="http://schemas.microsoft.com/office/drawing/2010/main">
+              <a14:hiddenFill xmlns:a14="http://schemas.microsoft.com/office/drawing/2010/main" xmlns="">
                 <a:solidFill>
                   <a:srgbClr val="FFFFFF"/>
                 </a:solidFill>
               </a14:hiddenFill>
             </a:ext>
             <a:ext uri="{91240B29-F687-4f45-9708-019B960494DF}">
-              <a14:hiddenLine xmlns="" xmlns:a14="http://schemas.microsoft.com/office/drawing/2010/main" w="9525">
+              <a14:hiddenLine xmlns:a14="http://schemas.microsoft.com/office/drawing/2010/main" xmlns="" w="9525">
                 <a:solidFill>
                   <a:srgbClr val="000000"/>
                 </a:solidFill>
@@ -408,7 +408,7 @@
               </a14:hiddenLine>
             </a:ext>
             <a:ext uri="{AF507438-7753-43e0-B8FC-AC1667EBCBE1}">
-              <a14:hiddenEffects xmlns="" xmlns:a14="http://schemas.microsoft.com/office/drawing/2010/main">
+              <a14:hiddenEffects xmlns:a14="http://schemas.microsoft.com/office/drawing/2010/main" xmlns="">
                 <a:effectLst>
                   <a:outerShdw blurRad="63500" dist="38099" dir="2700000" algn="ctr" rotWithShape="0">
                     <a:schemeClr val="bg2">
@@ -480,14 +480,14 @@
               <ma14:placeholderFlag xmlns:ma14="http://schemas.microsoft.com/office/mac/drawingml/2011/main" val="1"/>
             </a:ext>
             <a:ext uri="{909E8E84-426E-40dd-AFC4-6F175D3DCCD1}">
-              <a14:hiddenFill xmlns="" xmlns:a14="http://schemas.microsoft.com/office/drawing/2010/main">
+              <a14:hiddenFill xmlns:a14="http://schemas.microsoft.com/office/drawing/2010/main" xmlns="">
                 <a:solidFill>
                   <a:srgbClr val="FFFFFF"/>
                 </a:solidFill>
               </a14:hiddenFill>
             </a:ext>
             <a:ext uri="{91240B29-F687-4f45-9708-019B960494DF}">
-              <a14:hiddenLine xmlns="" xmlns:a14="http://schemas.microsoft.com/office/drawing/2010/main" w="9525">
+              <a14:hiddenLine xmlns:a14="http://schemas.microsoft.com/office/drawing/2010/main" xmlns="" w="9525">
                 <a:solidFill>
                   <a:srgbClr val="000000"/>
                 </a:solidFill>
@@ -497,7 +497,7 @@
               </a14:hiddenLine>
             </a:ext>
             <a:ext uri="{AF507438-7753-43e0-B8FC-AC1667EBCBE1}">
-              <a14:hiddenEffects xmlns="" xmlns:a14="http://schemas.microsoft.com/office/drawing/2010/main">
+              <a14:hiddenEffects xmlns:a14="http://schemas.microsoft.com/office/drawing/2010/main" xmlns="">
                 <a:effectLst>
                   <a:outerShdw blurRad="63500" dist="38099" dir="2700000" algn="ctr" rotWithShape="0">
                     <a:schemeClr val="bg2">
@@ -569,14 +569,14 @@
               <ma14:placeholderFlag xmlns:ma14="http://schemas.microsoft.com/office/mac/drawingml/2011/main" val="1"/>
             </a:ext>
             <a:ext uri="{909E8E84-426E-40dd-AFC4-6F175D3DCCD1}">
-              <a14:hiddenFill xmlns="" xmlns:a14="http://schemas.microsoft.com/office/drawing/2010/main">
+              <a14:hiddenFill xmlns:a14="http://schemas.microsoft.com/office/drawing/2010/main" xmlns="">
                 <a:solidFill>
                   <a:srgbClr val="FFFFFF"/>
                 </a:solidFill>
               </a14:hiddenFill>
             </a:ext>
             <a:ext uri="{91240B29-F687-4f45-9708-019B960494DF}">
-              <a14:hiddenLine xmlns="" xmlns:a14="http://schemas.microsoft.com/office/drawing/2010/main" w="9525">
+              <a14:hiddenLine xmlns:a14="http://schemas.microsoft.com/office/drawing/2010/main" xmlns="" w="9525">
                 <a:solidFill>
                   <a:srgbClr val="000000"/>
                 </a:solidFill>
@@ -586,7 +586,7 @@
               </a14:hiddenLine>
             </a:ext>
             <a:ext uri="{AF507438-7753-43e0-B8FC-AC1667EBCBE1}">
-              <a14:hiddenEffects xmlns="" xmlns:a14="http://schemas.microsoft.com/office/drawing/2010/main">
+              <a14:hiddenEffects xmlns:a14="http://schemas.microsoft.com/office/drawing/2010/main" xmlns="">
                 <a:effectLst>
                   <a:outerShdw blurRad="63500" dist="38099" dir="2700000" algn="ctr" rotWithShape="0">
                     <a:schemeClr val="bg2">
@@ -658,14 +658,14 @@
               <ma14:placeholderFlag xmlns:ma14="http://schemas.microsoft.com/office/mac/drawingml/2011/main" val="1"/>
             </a:ext>
             <a:ext uri="{909E8E84-426E-40dd-AFC4-6F175D3DCCD1}">
-              <a14:hiddenFill xmlns="" xmlns:a14="http://schemas.microsoft.com/office/drawing/2010/main">
+              <a14:hiddenFill xmlns:a14="http://schemas.microsoft.com/office/drawing/2010/main" xmlns="">
                 <a:solidFill>
                   <a:srgbClr val="FFFFFF"/>
                 </a:solidFill>
               </a14:hiddenFill>
             </a:ext>
             <a:ext uri="{91240B29-F687-4f45-9708-019B960494DF}">
-              <a14:hiddenLine xmlns="" xmlns:a14="http://schemas.microsoft.com/office/drawing/2010/main" w="9525">
+              <a14:hiddenLine xmlns:a14="http://schemas.microsoft.com/office/drawing/2010/main" xmlns="" w="9525">
                 <a:solidFill>
                   <a:srgbClr val="000000"/>
                 </a:solidFill>
@@ -675,7 +675,7 @@
               </a14:hiddenLine>
             </a:ext>
             <a:ext uri="{AF507438-7753-43e0-B8FC-AC1667EBCBE1}">
-              <a14:hiddenEffects xmlns="" xmlns:a14="http://schemas.microsoft.com/office/drawing/2010/main">
+              <a14:hiddenEffects xmlns:a14="http://schemas.microsoft.com/office/drawing/2010/main" xmlns="">
                 <a:effectLst>
                   <a:outerShdw blurRad="63500" dist="38099" dir="2700000" algn="ctr" rotWithShape="0">
                     <a:schemeClr val="bg2">
@@ -986,7 +986,7 @@
       </p:grpSpPr>
       <p:pic>
         <p:nvPicPr>
-          <p:cNvPr id="7" name="Picture 6" descr="C0-HD-BTM.png"/>
+          <p:cNvPr id="11" name="Picture 10" descr="Celestia-R1---OverlayTitleSD.png"/>
           <p:cNvPicPr>
             <a:picLocks noChangeAspect="1"/>
           </p:cNvPicPr>
@@ -1006,8 +1006,8 @@
         </p:blipFill>
         <p:spPr>
           <a:xfrm>
-            <a:off x="0" y="19983448"/>
-            <a:ext cx="36576000" cy="7448552"/>
+            <a:off x="0" y="0"/>
+            <a:ext cx="29591000" cy="27432000"/>
           </a:xfrm>
           <a:prstGeom prst="rect">
             <a:avLst/>
@@ -1026,8 +1026,8 @@
         </p:nvSpPr>
         <p:spPr>
           <a:xfrm>
-            <a:off x="3657600" y="7213620"/>
-            <a:ext cx="29260800" cy="7300384"/>
+            <a:off x="10975892" y="7857068"/>
+            <a:ext cx="22856912" cy="9685856"/>
           </a:xfrm>
         </p:spPr>
         <p:txBody>
@@ -1035,8 +1035,10 @@
             <a:normAutofit/>
           </a:bodyPr>
           <a:lstStyle>
-            <a:lvl1pPr algn="l">
-              <a:defRPr sz="24000"/>
+            <a:lvl1pPr algn="r">
+              <a:defRPr sz="17600">
+                <a:effectLst/>
+              </a:defRPr>
             </a:lvl1pPr>
           </a:lstStyle>
           <a:p>
@@ -1060,50 +1062,102 @@
         </p:nvSpPr>
         <p:spPr>
           <a:xfrm>
-            <a:off x="3657600" y="14528804"/>
-            <a:ext cx="29260800" cy="2743200"/>
+            <a:off x="10975892" y="17542934"/>
+            <a:ext cx="22856912" cy="5621868"/>
           </a:xfrm>
         </p:spPr>
         <p:txBody>
-          <a:bodyPr>
+          <a:bodyPr anchor="t">
             <a:normAutofit/>
           </a:bodyPr>
           <a:lstStyle>
-            <a:lvl1pPr marL="0" indent="0" algn="l">
-              <a:buNone/>
-              <a:defRPr sz="8000"/>
+            <a:lvl1pPr marL="0" indent="0" algn="r">
+              <a:buNone/>
+              <a:defRPr sz="7200" cap="all">
+                <a:solidFill>
+                  <a:schemeClr val="tx1"/>
+                </a:solidFill>
+              </a:defRPr>
             </a:lvl1pPr>
             <a:lvl2pPr marL="1828800" indent="0" algn="ctr">
               <a:buNone/>
-              <a:defRPr sz="8000"/>
+              <a:defRPr>
+                <a:solidFill>
+                  <a:schemeClr val="tx1">
+                    <a:tint val="75000"/>
+                  </a:schemeClr>
+                </a:solidFill>
+              </a:defRPr>
             </a:lvl2pPr>
             <a:lvl3pPr marL="3657600" indent="0" algn="ctr">
               <a:buNone/>
-              <a:defRPr sz="7200"/>
+              <a:defRPr>
+                <a:solidFill>
+                  <a:schemeClr val="tx1">
+                    <a:tint val="75000"/>
+                  </a:schemeClr>
+                </a:solidFill>
+              </a:defRPr>
             </a:lvl3pPr>
             <a:lvl4pPr marL="5486400" indent="0" algn="ctr">
               <a:buNone/>
-              <a:defRPr sz="6400"/>
+              <a:defRPr>
+                <a:solidFill>
+                  <a:schemeClr val="tx1">
+                    <a:tint val="75000"/>
+                  </a:schemeClr>
+                </a:solidFill>
+              </a:defRPr>
             </a:lvl4pPr>
             <a:lvl5pPr marL="7315200" indent="0" algn="ctr">
               <a:buNone/>
-              <a:defRPr sz="6400"/>
+              <a:defRPr>
+                <a:solidFill>
+                  <a:schemeClr val="tx1">
+                    <a:tint val="75000"/>
+                  </a:schemeClr>
+                </a:solidFill>
+              </a:defRPr>
             </a:lvl5pPr>
             <a:lvl6pPr marL="9144000" indent="0" algn="ctr">
               <a:buNone/>
-              <a:defRPr sz="6400"/>
+              <a:defRPr>
+                <a:solidFill>
+                  <a:schemeClr val="tx1">
+                    <a:tint val="75000"/>
+                  </a:schemeClr>
+                </a:solidFill>
+              </a:defRPr>
             </a:lvl6pPr>
             <a:lvl7pPr marL="10972800" indent="0" algn="ctr">
               <a:buNone/>
-              <a:defRPr sz="6400"/>
+              <a:defRPr>
+                <a:solidFill>
+                  <a:schemeClr val="tx1">
+                    <a:tint val="75000"/>
+                  </a:schemeClr>
+                </a:solidFill>
+              </a:defRPr>
             </a:lvl7pPr>
             <a:lvl8pPr marL="12801600" indent="0" algn="ctr">
               <a:buNone/>
-              <a:defRPr sz="6400"/>
+              <a:defRPr>
+                <a:solidFill>
+                  <a:schemeClr val="tx1">
+                    <a:tint val="75000"/>
+                  </a:schemeClr>
+                </a:solidFill>
+              </a:defRPr>
             </a:lvl8pPr>
             <a:lvl9pPr marL="14630400" indent="0" algn="ctr">
               <a:buNone/>
-              <a:defRPr sz="6400"/>
+              <a:defRPr>
+                <a:solidFill>
+                  <a:schemeClr val="tx1">
+                    <a:tint val="75000"/>
+                  </a:schemeClr>
+                </a:solidFill>
+              </a:defRPr>
             </a:lvl9pPr>
           </a:lstStyle>
           <a:p>
@@ -1127,8 +1181,8 @@
         </p:nvSpPr>
         <p:spPr>
           <a:xfrm>
-            <a:off x="23728682" y="17295382"/>
-            <a:ext cx="9189716" cy="1460500"/>
+            <a:off x="27009246" y="23482306"/>
+            <a:ext cx="4848692" cy="1511300"/>
           </a:xfrm>
         </p:spPr>
         <p:txBody>
@@ -1151,8 +1205,8 @@
         </p:nvSpPr>
         <p:spPr>
           <a:xfrm>
-            <a:off x="3657600" y="17295386"/>
-            <a:ext cx="19522440" cy="1460500"/>
+            <a:off x="10975894" y="23482306"/>
+            <a:ext cx="15728548" cy="1511300"/>
           </a:xfrm>
         </p:spPr>
         <p:txBody>
@@ -1175,8 +1229,8 @@
         </p:nvSpPr>
         <p:spPr>
           <a:xfrm>
-            <a:off x="24231600" y="5723470"/>
-            <a:ext cx="8686800" cy="1460500"/>
+            <a:off x="32162740" y="23482306"/>
+            <a:ext cx="1670064" cy="1511300"/>
           </a:xfrm>
         </p:spPr>
         <p:txBody>
@@ -1223,259 +1277,9 @@
           <a:chExt cx="0" cy="0"/>
         </a:xfrm>
       </p:grpSpPr>
-      <p:sp>
-        <p:nvSpPr>
-          <p:cNvPr id="2" name="Title 1"/>
-          <p:cNvSpPr>
-            <a:spLocks noGrp="1"/>
-          </p:cNvSpPr>
-          <p:nvPr>
-            <p:ph type="title"/>
-          </p:nvPr>
-        </p:nvSpPr>
-        <p:spPr>
-          <a:xfrm>
-            <a:off x="2377420" y="18789446"/>
-            <a:ext cx="31825928" cy="3277420"/>
-          </a:xfrm>
-        </p:spPr>
-        <p:txBody>
-          <a:bodyPr anchor="b"/>
-          <a:lstStyle>
-            <a:lvl1pPr algn="l">
-              <a:defRPr sz="12800"/>
-            </a:lvl1pPr>
-          </a:lstStyle>
-          <a:p>
-            <a:r>
-              <a:rPr lang="zh-TW" altLang="en-US" smtClean="0"/>
-              <a:t>按一下以編輯母片標題樣式</a:t>
-            </a:r>
-            <a:endParaRPr lang="en-US" dirty="0"/>
-          </a:p>
-        </p:txBody>
-      </p:sp>
-      <p:sp>
-        <p:nvSpPr>
-          <p:cNvPr id="3" name="Picture Placeholder 2"/>
-          <p:cNvSpPr>
-            <a:spLocks noGrp="1" noChangeAspect="1"/>
-          </p:cNvSpPr>
-          <p:nvPr>
-            <p:ph type="pic" idx="1"/>
-          </p:nvPr>
-        </p:nvSpPr>
-        <p:spPr>
-          <a:xfrm>
-            <a:off x="2377420" y="3908140"/>
-            <a:ext cx="31801040" cy="13627888"/>
-          </a:xfrm>
-        </p:spPr>
-        <p:txBody>
-          <a:bodyPr anchor="t"/>
-          <a:lstStyle>
-            <a:lvl1pPr marL="0" indent="0">
-              <a:buNone/>
-              <a:defRPr sz="12800"/>
-            </a:lvl1pPr>
-            <a:lvl2pPr marL="1828800" indent="0">
-              <a:buNone/>
-              <a:defRPr sz="11200"/>
-            </a:lvl2pPr>
-            <a:lvl3pPr marL="3657600" indent="0">
-              <a:buNone/>
-              <a:defRPr sz="9600"/>
-            </a:lvl3pPr>
-            <a:lvl4pPr marL="5486400" indent="0">
-              <a:buNone/>
-              <a:defRPr sz="8000"/>
-            </a:lvl4pPr>
-            <a:lvl5pPr marL="7315200" indent="0">
-              <a:buNone/>
-              <a:defRPr sz="8000"/>
-            </a:lvl5pPr>
-            <a:lvl6pPr marL="9144000" indent="0">
-              <a:buNone/>
-              <a:defRPr sz="8000"/>
-            </a:lvl6pPr>
-            <a:lvl7pPr marL="10972800" indent="0">
-              <a:buNone/>
-              <a:defRPr sz="8000"/>
-            </a:lvl7pPr>
-            <a:lvl8pPr marL="12801600" indent="0">
-              <a:buNone/>
-              <a:defRPr sz="8000"/>
-            </a:lvl8pPr>
-            <a:lvl9pPr marL="14630400" indent="0">
-              <a:buNone/>
-              <a:defRPr sz="8000"/>
-            </a:lvl9pPr>
-          </a:lstStyle>
-          <a:p>
-            <a:r>
-              <a:rPr lang="zh-TW" altLang="en-US" smtClean="0"/>
-              <a:t>將圖片拖曳至版面配置區或按一下圖示以新增</a:t>
-            </a:r>
-            <a:endParaRPr lang="en-US" dirty="0"/>
-          </a:p>
-        </p:txBody>
-      </p:sp>
-      <p:sp>
-        <p:nvSpPr>
-          <p:cNvPr id="4" name="Text Placeholder 3"/>
-          <p:cNvSpPr>
-            <a:spLocks noGrp="1"/>
-          </p:cNvSpPr>
-          <p:nvPr>
-            <p:ph type="body" sz="half" idx="2"/>
-          </p:nvPr>
-        </p:nvSpPr>
-        <p:spPr>
-          <a:xfrm>
-            <a:off x="2377440" y="22066864"/>
-            <a:ext cx="31821120" cy="2987696"/>
-          </a:xfrm>
-        </p:spPr>
-        <p:txBody>
-          <a:bodyPr/>
-          <a:lstStyle>
-            <a:lvl1pPr marL="0" indent="0" algn="l">
-              <a:buNone/>
-              <a:defRPr sz="6400"/>
-            </a:lvl1pPr>
-            <a:lvl2pPr marL="1828800" indent="0">
-              <a:buNone/>
-              <a:defRPr sz="5600"/>
-            </a:lvl2pPr>
-            <a:lvl3pPr marL="3657600" indent="0">
-              <a:buNone/>
-              <a:defRPr sz="4800"/>
-            </a:lvl3pPr>
-            <a:lvl4pPr marL="5486400" indent="0">
-              <a:buNone/>
-              <a:defRPr sz="4000"/>
-            </a:lvl4pPr>
-            <a:lvl5pPr marL="7315200" indent="0">
-              <a:buNone/>
-              <a:defRPr sz="4000"/>
-            </a:lvl5pPr>
-            <a:lvl6pPr marL="9144000" indent="0">
-              <a:buNone/>
-              <a:defRPr sz="4000"/>
-            </a:lvl6pPr>
-            <a:lvl7pPr marL="10972800" indent="0">
-              <a:buNone/>
-              <a:defRPr sz="4000"/>
-            </a:lvl7pPr>
-            <a:lvl8pPr marL="12801600" indent="0">
-              <a:buNone/>
-              <a:defRPr sz="4000"/>
-            </a:lvl8pPr>
-            <a:lvl9pPr marL="14630400" indent="0">
-              <a:buNone/>
-              <a:defRPr sz="4000"/>
-            </a:lvl9pPr>
-          </a:lstStyle>
-          <a:p>
-            <a:pPr lvl="0"/>
-            <a:r>
-              <a:rPr lang="zh-TW" altLang="en-US" smtClean="0"/>
-              <a:t>按一下以編輯母片文字樣式</a:t>
-            </a:r>
-          </a:p>
-        </p:txBody>
-      </p:sp>
-      <p:sp>
-        <p:nvSpPr>
-          <p:cNvPr id="5" name="Date Placeholder 4"/>
-          <p:cNvSpPr>
-            <a:spLocks noGrp="1"/>
-          </p:cNvSpPr>
-          <p:nvPr>
-            <p:ph type="dt" sz="half" idx="10"/>
-          </p:nvPr>
-        </p:nvSpPr>
-        <p:spPr/>
-        <p:txBody>
-          <a:bodyPr/>
-          <a:lstStyle/>
-          <a:p>
-            <a:endParaRPr lang="en-GB" altLang="x-none"/>
-          </a:p>
-        </p:txBody>
-      </p:sp>
-      <p:sp>
-        <p:nvSpPr>
-          <p:cNvPr id="6" name="Footer Placeholder 5"/>
-          <p:cNvSpPr>
-            <a:spLocks noGrp="1"/>
-          </p:cNvSpPr>
-          <p:nvPr>
-            <p:ph type="ftr" sz="quarter" idx="11"/>
-          </p:nvPr>
-        </p:nvSpPr>
-        <p:spPr/>
-        <p:txBody>
-          <a:bodyPr/>
-          <a:lstStyle/>
-          <a:p>
-            <a:endParaRPr lang="en-GB" altLang="x-none"/>
-          </a:p>
-        </p:txBody>
-      </p:sp>
-      <p:sp>
-        <p:nvSpPr>
-          <p:cNvPr id="7" name="Slide Number Placeholder 6"/>
-          <p:cNvSpPr>
-            <a:spLocks noGrp="1"/>
-          </p:cNvSpPr>
-          <p:nvPr>
-            <p:ph type="sldNum" sz="quarter" idx="12"/>
-          </p:nvPr>
-        </p:nvSpPr>
-        <p:spPr/>
-        <p:txBody>
-          <a:bodyPr/>
-          <a:lstStyle/>
-          <a:p>
-            <a:fld id="{AD74203F-F9AA-184C-B023-F705B72C1A29}" type="slidenum">
-              <a:rPr lang="en-GB" altLang="x-none" smtClean="0"/>
-              <a:pPr/>
-              <a:t>‹#›</a:t>
-            </a:fld>
-            <a:endParaRPr lang="en-GB" altLang="x-none"/>
-          </a:p>
-        </p:txBody>
-      </p:sp>
-    </p:spTree>
-  </p:cSld>
-  <p:clrMapOvr>
-    <a:masterClrMapping/>
-  </p:clrMapOvr>
-  <p:hf sldNum="0" hdr="0" ftr="0" dt="0"/>
-</p:sldLayout>
-</file>
-
-<file path=ppt/slideLayouts/slideLayout11.xml><?xml version="1.0" encoding="utf-8"?>
-<p:sldLayout xmlns:a="http://schemas.openxmlformats.org/drawingml/2006/main" xmlns:r="http://schemas.openxmlformats.org/officeDocument/2006/relationships" xmlns:p="http://schemas.openxmlformats.org/presentationml/2006/main" showMasterSp="0" preserve="1">
-  <p:cSld name="標題和說明文字">
-    <p:spTree>
-      <p:nvGrpSpPr>
-        <p:cNvPr id="1" name=""/>
-        <p:cNvGrpSpPr/>
-        <p:nvPr/>
-      </p:nvGrpSpPr>
-      <p:grpSpPr>
-        <a:xfrm>
-          <a:off x="0" y="0"/>
-          <a:ext cx="0" cy="0"/>
-          <a:chOff x="0" y="0"/>
-          <a:chExt cx="0" cy="0"/>
-        </a:xfrm>
-      </p:grpSpPr>
       <p:pic>
         <p:nvPicPr>
-          <p:cNvPr id="9" name="Picture 8" descr="C0-HD-BTM.png"/>
+          <p:cNvPr id="10" name="Picture 9" descr="Celestia-R1---OverlayContentSD.png"/>
           <p:cNvPicPr>
             <a:picLocks noChangeAspect="1"/>
           </p:cNvPicPr>
@@ -1495,8 +1299,8 @@
         </p:blipFill>
         <p:spPr>
           <a:xfrm>
-            <a:off x="0" y="19983448"/>
-            <a:ext cx="36576000" cy="7448552"/>
+            <a:off x="55824" y="0"/>
+            <a:ext cx="36474400" cy="27432000"/>
           </a:xfrm>
           <a:prstGeom prst="rect">
             <a:avLst/>
@@ -1515,15 +1319,17 @@
         </p:nvSpPr>
         <p:spPr>
           <a:xfrm>
-            <a:off x="2377440" y="3014134"/>
-            <a:ext cx="31821120" cy="11209868"/>
+            <a:off x="1828804" y="18931460"/>
+            <a:ext cx="31089600" cy="2266952"/>
           </a:xfrm>
         </p:spPr>
         <p:txBody>
-          <a:bodyPr anchor="ctr"/>
+          <a:bodyPr anchor="b">
+            <a:normAutofit/>
+          </a:bodyPr>
           <a:lstStyle>
             <a:lvl1pPr algn="l">
-              <a:defRPr sz="12800"/>
+              <a:defRPr sz="8000" b="0"/>
             </a:lvl1pPr>
           </a:lstStyle>
           <a:p>
@@ -1537,58 +1343,128 @@
       </p:sp>
       <p:sp>
         <p:nvSpPr>
-          <p:cNvPr id="4" name="Text Placeholder 3"/>
-          <p:cNvSpPr>
-            <a:spLocks noGrp="1"/>
-          </p:cNvSpPr>
-          <p:nvPr>
-            <p:ph type="body" sz="half" idx="2"/>
+          <p:cNvPr id="3" name="Picture Placeholder 2"/>
+          <p:cNvSpPr>
+            <a:spLocks noGrp="1" noChangeAspect="1"/>
+          </p:cNvSpPr>
+          <p:nvPr>
+            <p:ph type="pic" idx="1"/>
           </p:nvPr>
         </p:nvSpPr>
         <p:spPr>
           <a:xfrm>
-            <a:off x="2743200" y="14596536"/>
-            <a:ext cx="31089600" cy="5323408"/>
+            <a:off x="3657604" y="3728448"/>
+            <a:ext cx="27432000" cy="12659904"/>
+          </a:xfrm>
+          <a:prstGeom prst="roundRect">
+            <a:avLst>
+              <a:gd name="adj" fmla="val 4380"/>
+            </a:avLst>
+          </a:prstGeom>
+          <a:ln w="50800" cap="sq" cmpd="dbl">
+            <a:gradFill flip="none" rotWithShape="1">
+              <a:gsLst>
+                <a:gs pos="0">
+                  <a:srgbClr val="FFFFFF"/>
+                </a:gs>
+                <a:gs pos="100000">
+                  <a:schemeClr val="tx1">
+                    <a:alpha val="0"/>
+                  </a:schemeClr>
+                </a:gs>
+              </a:gsLst>
+              <a:path path="circle">
+                <a:fillToRect l="50000" t="50000" r="50000" b="50000"/>
+              </a:path>
+              <a:tileRect/>
+            </a:gradFill>
+            <a:miter lim="800000"/>
+          </a:ln>
+          <a:effectLst>
+            <a:outerShdw blurRad="254000" algn="tl" rotWithShape="0">
+              <a:srgbClr val="000000">
+                <a:alpha val="43000"/>
+              </a:srgbClr>
+            </a:outerShdw>
+          </a:effectLst>
+        </p:spPr>
+        <p:txBody>
+          <a:bodyPr vert="horz" lIns="91440" tIns="45720" rIns="91440" bIns="45720" rtlCol="0" anchor="t">
+            <a:normAutofit/>
+          </a:bodyPr>
+          <a:lstStyle>
+            <a:lvl1pPr>
+              <a:defRPr lang="en-US" sz="6400"/>
+            </a:lvl1pPr>
+          </a:lstStyle>
+          <a:p>
+            <a:pPr marL="0" lvl="0" indent="0" algn="ctr">
+              <a:buNone/>
+            </a:pPr>
+            <a:r>
+              <a:rPr lang="zh-TW" altLang="en-US" smtClean="0"/>
+              <a:t>將圖片拖曳至版面配置區或按一下圖示以新增</a:t>
+            </a:r>
+            <a:endParaRPr lang="en-US" dirty="0"/>
+          </a:p>
+        </p:txBody>
+      </p:sp>
+      <p:sp>
+        <p:nvSpPr>
+          <p:cNvPr id="4" name="Text Placeholder 3"/>
+          <p:cNvSpPr>
+            <a:spLocks noGrp="1"/>
+          </p:cNvSpPr>
+          <p:nvPr>
+            <p:ph type="body" sz="half" idx="2"/>
+          </p:nvPr>
+        </p:nvSpPr>
+        <p:spPr>
+          <a:xfrm>
+            <a:off x="1828804" y="21198412"/>
+            <a:ext cx="31089600" cy="1974848"/>
           </a:xfrm>
         </p:spPr>
         <p:txBody>
-          <a:bodyPr anchor="ctr"/>
+          <a:bodyPr>
+            <a:normAutofit/>
+          </a:bodyPr>
           <a:lstStyle>
             <a:lvl1pPr marL="0" indent="0">
               <a:buNone/>
-              <a:defRPr sz="6400"/>
+              <a:defRPr sz="5600"/>
             </a:lvl1pPr>
             <a:lvl2pPr marL="1828800" indent="0">
               <a:buNone/>
-              <a:defRPr sz="5600"/>
+              <a:defRPr sz="4800"/>
             </a:lvl2pPr>
             <a:lvl3pPr marL="3657600" indent="0">
               <a:buNone/>
-              <a:defRPr sz="4800"/>
+              <a:defRPr sz="4000"/>
             </a:lvl3pPr>
             <a:lvl4pPr marL="5486400" indent="0">
               <a:buNone/>
-              <a:defRPr sz="4000"/>
+              <a:defRPr sz="3600"/>
             </a:lvl4pPr>
             <a:lvl5pPr marL="7315200" indent="0">
               <a:buNone/>
-              <a:defRPr sz="4000"/>
+              <a:defRPr sz="3600"/>
             </a:lvl5pPr>
             <a:lvl6pPr marL="9144000" indent="0">
               <a:buNone/>
-              <a:defRPr sz="4000"/>
+              <a:defRPr sz="3600"/>
             </a:lvl6pPr>
             <a:lvl7pPr marL="10972800" indent="0">
               <a:buNone/>
-              <a:defRPr sz="4000"/>
+              <a:defRPr sz="3600"/>
             </a:lvl7pPr>
             <a:lvl8pPr marL="12801600" indent="0">
               <a:buNone/>
-              <a:defRPr sz="4000"/>
+              <a:defRPr sz="3600"/>
             </a:lvl8pPr>
             <a:lvl9pPr marL="14630400" indent="0">
               <a:buNone/>
-              <a:defRPr sz="4000"/>
+              <a:defRPr sz="3600"/>
             </a:lvl9pPr>
           </a:lstStyle>
           <a:p>
@@ -1610,40 +1486,7 @@
             <p:ph type="dt" sz="half" idx="10"/>
           </p:nvPr>
         </p:nvSpPr>
-        <p:spPr>
-          <a:xfrm>
-            <a:off x="22248704" y="1524006"/>
-            <a:ext cx="8732520" cy="1460500"/>
-          </a:xfrm>
-        </p:spPr>
-        <p:txBody>
-          <a:bodyPr/>
-          <a:lstStyle>
-            <a:lvl1pPr algn="r">
-              <a:defRPr/>
-            </a:lvl1pPr>
-          </a:lstStyle>
-          <a:p>
-            <a:endParaRPr lang="en-GB" altLang="x-none"/>
-          </a:p>
-        </p:txBody>
-      </p:sp>
-      <p:sp>
-        <p:nvSpPr>
-          <p:cNvPr id="6" name="Footer Placeholder 5"/>
-          <p:cNvSpPr>
-            <a:spLocks noGrp="1"/>
-          </p:cNvSpPr>
-          <p:nvPr>
-            <p:ph type="ftr" sz="quarter" idx="11"/>
-          </p:nvPr>
-        </p:nvSpPr>
-        <p:spPr>
-          <a:xfrm>
-            <a:off x="2377440" y="1524006"/>
-            <a:ext cx="19322624" cy="1460500"/>
-          </a:xfrm>
-        </p:spPr>
+        <p:spPr/>
         <p:txBody>
           <a:bodyPr/>
           <a:lstStyle/>
@@ -1654,6 +1497,25 @@
       </p:sp>
       <p:sp>
         <p:nvSpPr>
+          <p:cNvPr id="6" name="Footer Placeholder 5"/>
+          <p:cNvSpPr>
+            <a:spLocks noGrp="1"/>
+          </p:cNvSpPr>
+          <p:nvPr>
+            <p:ph type="ftr" sz="quarter" idx="11"/>
+          </p:nvPr>
+        </p:nvSpPr>
+        <p:spPr/>
+        <p:txBody>
+          <a:bodyPr/>
+          <a:lstStyle/>
+          <a:p>
+            <a:endParaRPr lang="en-GB" altLang="x-none"/>
+          </a:p>
+        </p:txBody>
+      </p:sp>
+      <p:sp>
+        <p:nvSpPr>
           <p:cNvPr id="7" name="Slide Number Placeholder 6"/>
           <p:cNvSpPr>
             <a:spLocks noGrp="1"/>
@@ -1662,12 +1524,7 @@
             <p:ph type="sldNum" sz="quarter" idx="12"/>
           </p:nvPr>
         </p:nvSpPr>
-        <p:spPr>
-          <a:xfrm>
-            <a:off x="31529864" y="1524006"/>
-            <a:ext cx="2668696" cy="1460500"/>
-          </a:xfrm>
-        </p:spPr>
+        <p:spPr/>
         <p:txBody>
           <a:bodyPr/>
           <a:lstStyle/>
@@ -1690,9 +1547,9 @@
 </p:sldLayout>
 </file>
 
-<file path=ppt/slideLayouts/slideLayout12.xml><?xml version="1.0" encoding="utf-8"?>
-<p:sldLayout xmlns:a="http://schemas.openxmlformats.org/drawingml/2006/main" xmlns:r="http://schemas.openxmlformats.org/officeDocument/2006/relationships" xmlns:p="http://schemas.openxmlformats.org/presentationml/2006/main" showMasterSp="0" preserve="1">
-  <p:cSld name="具有說明文字的引述">
+<file path=ppt/slideLayouts/slideLayout11.xml><?xml version="1.0" encoding="utf-8"?>
+<p:sldLayout xmlns:a="http://schemas.openxmlformats.org/drawingml/2006/main" xmlns:r="http://schemas.openxmlformats.org/officeDocument/2006/relationships" xmlns:p="http://schemas.openxmlformats.org/presentationml/2006/main" preserve="1">
+  <p:cSld name="標題和說明文字">
     <p:spTree>
       <p:nvGrpSpPr>
         <p:cNvPr id="1" name=""/>
@@ -1709,7 +1566,7 @@
       </p:grpSpPr>
       <p:pic>
         <p:nvPicPr>
-          <p:cNvPr id="11" name="Picture 10" descr="C0-HD-BTM.png"/>
+          <p:cNvPr id="7" name="Picture 6" descr="Celestia-R1---OverlayContentSD.png"/>
           <p:cNvPicPr>
             <a:picLocks noChangeAspect="1"/>
           </p:cNvPicPr>
@@ -1729,8 +1586,8 @@
         </p:blipFill>
         <p:spPr>
           <a:xfrm>
-            <a:off x="0" y="19983448"/>
-            <a:ext cx="36576000" cy="7448552"/>
+            <a:off x="55824" y="0"/>
+            <a:ext cx="36474400" cy="27432000"/>
           </a:xfrm>
           <a:prstGeom prst="rect">
             <a:avLst/>
@@ -1749,107 +1606,8 @@
         </p:nvSpPr>
         <p:spPr>
           <a:xfrm>
-            <a:off x="3073404" y="3014136"/>
-            <a:ext cx="30454600" cy="11024936"/>
-          </a:xfrm>
-        </p:spPr>
-        <p:txBody>
-          <a:bodyPr anchor="ctr"/>
-          <a:lstStyle>
-            <a:lvl1pPr algn="l">
-              <a:defRPr sz="12800"/>
-            </a:lvl1pPr>
-          </a:lstStyle>
-          <a:p>
-            <a:r>
-              <a:rPr lang="zh-TW" altLang="en-US" smtClean="0"/>
-              <a:t>按一下以編輯母片標題樣式</a:t>
-            </a:r>
-            <a:endParaRPr lang="en-US" dirty="0"/>
-          </a:p>
-        </p:txBody>
-      </p:sp>
-      <p:sp>
-        <p:nvSpPr>
-          <p:cNvPr id="12" name="Text Placeholder 3"/>
-          <p:cNvSpPr>
-            <a:spLocks noGrp="1"/>
-          </p:cNvSpPr>
-          <p:nvPr>
-            <p:ph type="body" sz="half" idx="13"/>
-          </p:nvPr>
-        </p:nvSpPr>
-        <p:spPr>
-          <a:xfrm>
-            <a:off x="3911596" y="14039074"/>
-            <a:ext cx="28778208" cy="1777772"/>
-          </a:xfrm>
-        </p:spPr>
-        <p:txBody>
-          <a:bodyPr anchor="t">
-            <a:normAutofit/>
-          </a:bodyPr>
-          <a:lstStyle>
-            <a:lvl1pPr marL="0" indent="0">
-              <a:buNone/>
-              <a:defRPr sz="5600"/>
-            </a:lvl1pPr>
-            <a:lvl2pPr marL="1828800" indent="0">
-              <a:buNone/>
-              <a:defRPr sz="5600"/>
-            </a:lvl2pPr>
-            <a:lvl3pPr marL="3657600" indent="0">
-              <a:buNone/>
-              <a:defRPr sz="4800"/>
-            </a:lvl3pPr>
-            <a:lvl4pPr marL="5486400" indent="0">
-              <a:buNone/>
-              <a:defRPr sz="4000"/>
-            </a:lvl4pPr>
-            <a:lvl5pPr marL="7315200" indent="0">
-              <a:buNone/>
-              <a:defRPr sz="4000"/>
-            </a:lvl5pPr>
-            <a:lvl6pPr marL="9144000" indent="0">
-              <a:buNone/>
-              <a:defRPr sz="4000"/>
-            </a:lvl6pPr>
-            <a:lvl7pPr marL="10972800" indent="0">
-              <a:buNone/>
-              <a:defRPr sz="4000"/>
-            </a:lvl7pPr>
-            <a:lvl8pPr marL="12801600" indent="0">
-              <a:buNone/>
-              <a:defRPr sz="4000"/>
-            </a:lvl8pPr>
-            <a:lvl9pPr marL="14630400" indent="0">
-              <a:buNone/>
-              <a:defRPr sz="4000"/>
-            </a:lvl9pPr>
-          </a:lstStyle>
-          <a:p>
-            <a:pPr lvl="0"/>
-            <a:r>
-              <a:rPr lang="zh-TW" altLang="en-US" smtClean="0"/>
-              <a:t>按一下以編輯母片文字樣式</a:t>
-            </a:r>
-          </a:p>
-        </p:txBody>
-      </p:sp>
-      <p:sp>
-        <p:nvSpPr>
-          <p:cNvPr id="4" name="Text Placeholder 3"/>
-          <p:cNvSpPr>
-            <a:spLocks noGrp="1"/>
-          </p:cNvSpPr>
-          <p:nvPr>
-            <p:ph type="body" sz="half" idx="2"/>
-          </p:nvPr>
-        </p:nvSpPr>
-        <p:spPr>
-          <a:xfrm>
-            <a:off x="2743200" y="16698390"/>
-            <a:ext cx="31115008" cy="3285060"/>
+            <a:off x="1828814" y="2438410"/>
+            <a:ext cx="31089596" cy="12496796"/>
           </a:xfrm>
         </p:spPr>
         <p:txBody>
@@ -1857,41 +1615,127 @@
             <a:normAutofit/>
           </a:bodyPr>
           <a:lstStyle>
-            <a:lvl1pPr marL="0" indent="0">
-              <a:buNone/>
-              <a:defRPr sz="6400"/>
+            <a:lvl1pPr algn="l">
+              <a:defRPr sz="12800" b="0" cap="none"/>
+            </a:lvl1pPr>
+          </a:lstStyle>
+          <a:p>
+            <a:r>
+              <a:rPr lang="zh-TW" altLang="en-US" smtClean="0"/>
+              <a:t>按一下以編輯母片標題樣式</a:t>
+            </a:r>
+            <a:endParaRPr lang="en-US" dirty="0"/>
+          </a:p>
+        </p:txBody>
+      </p:sp>
+      <p:sp>
+        <p:nvSpPr>
+          <p:cNvPr id="3" name="Text Placeholder 2"/>
+          <p:cNvSpPr>
+            <a:spLocks noGrp="1"/>
+          </p:cNvSpPr>
+          <p:nvPr>
+            <p:ph type="body" idx="1"/>
+          </p:nvPr>
+        </p:nvSpPr>
+        <p:spPr>
+          <a:xfrm>
+            <a:off x="1828810" y="17373600"/>
+            <a:ext cx="31089596" cy="5791200"/>
+          </a:xfrm>
+        </p:spPr>
+        <p:txBody>
+          <a:bodyPr anchor="ctr">
+            <a:normAutofit/>
+          </a:bodyPr>
+          <a:lstStyle>
+            <a:lvl1pPr marL="0" indent="0" algn="l">
+              <a:buNone/>
+              <a:defRPr sz="8000">
+                <a:solidFill>
+                  <a:schemeClr val="tx1"/>
+                </a:solidFill>
+              </a:defRPr>
             </a:lvl1pPr>
             <a:lvl2pPr marL="1828800" indent="0">
               <a:buNone/>
-              <a:defRPr sz="5600"/>
+              <a:defRPr sz="7200">
+                <a:solidFill>
+                  <a:schemeClr val="tx1">
+                    <a:tint val="75000"/>
+                  </a:schemeClr>
+                </a:solidFill>
+              </a:defRPr>
             </a:lvl2pPr>
             <a:lvl3pPr marL="3657600" indent="0">
               <a:buNone/>
-              <a:defRPr sz="4800"/>
+              <a:defRPr sz="6400">
+                <a:solidFill>
+                  <a:schemeClr val="tx1">
+                    <a:tint val="75000"/>
+                  </a:schemeClr>
+                </a:solidFill>
+              </a:defRPr>
             </a:lvl3pPr>
             <a:lvl4pPr marL="5486400" indent="0">
               <a:buNone/>
-              <a:defRPr sz="4000"/>
+              <a:defRPr sz="5600">
+                <a:solidFill>
+                  <a:schemeClr val="tx1">
+                    <a:tint val="75000"/>
+                  </a:schemeClr>
+                </a:solidFill>
+              </a:defRPr>
             </a:lvl4pPr>
             <a:lvl5pPr marL="7315200" indent="0">
               <a:buNone/>
-              <a:defRPr sz="4000"/>
+              <a:defRPr sz="5600">
+                <a:solidFill>
+                  <a:schemeClr val="tx1">
+                    <a:tint val="75000"/>
+                  </a:schemeClr>
+                </a:solidFill>
+              </a:defRPr>
             </a:lvl5pPr>
             <a:lvl6pPr marL="9144000" indent="0">
               <a:buNone/>
-              <a:defRPr sz="4000"/>
+              <a:defRPr sz="5600">
+                <a:solidFill>
+                  <a:schemeClr val="tx1">
+                    <a:tint val="75000"/>
+                  </a:schemeClr>
+                </a:solidFill>
+              </a:defRPr>
             </a:lvl6pPr>
             <a:lvl7pPr marL="10972800" indent="0">
               <a:buNone/>
-              <a:defRPr sz="4000"/>
+              <a:defRPr sz="5600">
+                <a:solidFill>
+                  <a:schemeClr val="tx1">
+                    <a:tint val="75000"/>
+                  </a:schemeClr>
+                </a:solidFill>
+              </a:defRPr>
             </a:lvl7pPr>
             <a:lvl8pPr marL="12801600" indent="0">
               <a:buNone/>
-              <a:defRPr sz="4000"/>
+              <a:defRPr sz="5600">
+                <a:solidFill>
+                  <a:schemeClr val="tx1">
+                    <a:tint val="75000"/>
+                  </a:schemeClr>
+                </a:solidFill>
+              </a:defRPr>
             </a:lvl8pPr>
             <a:lvl9pPr marL="14630400" indent="0">
               <a:buNone/>
-              <a:defRPr sz="4000"/>
+              <a:defRPr sz="5600">
+                <a:solidFill>
+                  <a:schemeClr val="tx1">
+                    <a:tint val="75000"/>
+                  </a:schemeClr>
+                </a:solidFill>
+              </a:defRPr>
             </a:lvl9pPr>
           </a:lstStyle>
           <a:p>
@@ -1905,7 +1749,7 @@
       </p:sp>
       <p:sp>
         <p:nvSpPr>
-          <p:cNvPr id="5" name="Date Placeholder 4"/>
+          <p:cNvPr id="4" name="Date Placeholder 3"/>
           <p:cNvSpPr>
             <a:spLocks noGrp="1"/>
           </p:cNvSpPr>
@@ -1913,40 +1757,7 @@
             <p:ph type="dt" sz="half" idx="10"/>
           </p:nvPr>
         </p:nvSpPr>
-        <p:spPr>
-          <a:xfrm>
-            <a:off x="22248704" y="1524006"/>
-            <a:ext cx="8732520" cy="1460500"/>
-          </a:xfrm>
-        </p:spPr>
-        <p:txBody>
-          <a:bodyPr/>
-          <a:lstStyle>
-            <a:lvl1pPr algn="r">
-              <a:defRPr/>
-            </a:lvl1pPr>
-          </a:lstStyle>
-          <a:p>
-            <a:endParaRPr lang="en-GB" altLang="x-none"/>
-          </a:p>
-        </p:txBody>
-      </p:sp>
-      <p:sp>
-        <p:nvSpPr>
-          <p:cNvPr id="6" name="Footer Placeholder 5"/>
-          <p:cNvSpPr>
-            <a:spLocks noGrp="1"/>
-          </p:cNvSpPr>
-          <p:nvPr>
-            <p:ph type="ftr" sz="quarter" idx="11"/>
-          </p:nvPr>
-        </p:nvSpPr>
-        <p:spPr>
-          <a:xfrm>
-            <a:off x="2377440" y="1517754"/>
-            <a:ext cx="19322624" cy="1460500"/>
-          </a:xfrm>
-        </p:spPr>
+        <p:spPr/>
         <p:txBody>
           <a:bodyPr/>
           <a:lstStyle/>
@@ -1957,7 +1768,26 @@
       </p:sp>
       <p:sp>
         <p:nvSpPr>
-          <p:cNvPr id="7" name="Slide Number Placeholder 6"/>
+          <p:cNvPr id="5" name="Footer Placeholder 4"/>
+          <p:cNvSpPr>
+            <a:spLocks noGrp="1"/>
+          </p:cNvSpPr>
+          <p:nvPr>
+            <p:ph type="ftr" sz="quarter" idx="11"/>
+          </p:nvPr>
+        </p:nvSpPr>
+        <p:spPr/>
+        <p:txBody>
+          <a:bodyPr/>
+          <a:lstStyle/>
+          <a:p>
+            <a:endParaRPr lang="en-GB" altLang="x-none"/>
+          </a:p>
+        </p:txBody>
+      </p:sp>
+      <p:sp>
+        <p:nvSpPr>
+          <p:cNvPr id="6" name="Slide Number Placeholder 5"/>
           <p:cNvSpPr>
             <a:spLocks noGrp="1"/>
           </p:cNvSpPr>
@@ -1965,12 +1795,7 @@
             <p:ph type="sldNum" sz="quarter" idx="12"/>
           </p:nvPr>
         </p:nvSpPr>
-        <p:spPr>
-          <a:xfrm>
-            <a:off x="31529864" y="1524006"/>
-            <a:ext cx="2668696" cy="1460500"/>
-          </a:xfrm>
-        </p:spPr>
+        <p:spPr/>
         <p:txBody>
           <a:bodyPr/>
           <a:lstStyle/>
@@ -1981,238 +1806,6 @@
               <a:t>‹#›</a:t>
             </a:fld>
             <a:endParaRPr lang="en-GB" altLang="x-none"/>
-          </a:p>
-        </p:txBody>
-      </p:sp>
-      <p:sp>
-        <p:nvSpPr>
-          <p:cNvPr id="13" name="TextBox 12"/>
-          <p:cNvSpPr txBox="1"/>
-          <p:nvPr/>
-        </p:nvSpPr>
-        <p:spPr>
-          <a:xfrm>
-            <a:off x="925832" y="3230880"/>
-            <a:ext cx="1828800" cy="2339104"/>
-          </a:xfrm>
-          <a:prstGeom prst="rect">
-            <a:avLst/>
-          </a:prstGeom>
-        </p:spPr>
-        <p:txBody>
-          <a:bodyPr vert="horz" lIns="365760" tIns="182880" rIns="365760" bIns="182880" rtlCol="0" anchor="ctr">
-            <a:noAutofit/>
-          </a:bodyPr>
-          <a:lstStyle>
-            <a:lvl1pPr>
-              <a:spcBef>
-                <a:spcPct val="0"/>
-              </a:spcBef>
-              <a:buNone/>
-              <a:defRPr sz="3200" b="0" cap="all">
-                <a:ln w="3175" cmpd="sng">
-                  <a:noFill/>
-                </a:ln>
-                <a:effectLst>
-                  <a:glow rad="38100">
-                    <a:schemeClr val="bg1">
-                      <a:lumMod val="65000"/>
-                      <a:lumOff val="35000"/>
-                      <a:alpha val="40000"/>
-                    </a:schemeClr>
-                  </a:glow>
-                  <a:outerShdw blurRad="28575" dist="38100" dir="14040000" algn="tl" rotWithShape="0">
-                    <a:srgbClr val="000000">
-                      <a:alpha val="25000"/>
-                    </a:srgbClr>
-                  </a:outerShdw>
-                </a:effectLst>
-              </a:defRPr>
-            </a:lvl1pPr>
-            <a:lvl2pPr>
-              <a:defRPr>
-                <a:solidFill>
-                  <a:schemeClr val="tx2"/>
-                </a:solidFill>
-              </a:defRPr>
-            </a:lvl2pPr>
-            <a:lvl3pPr>
-              <a:defRPr>
-                <a:solidFill>
-                  <a:schemeClr val="tx2"/>
-                </a:solidFill>
-              </a:defRPr>
-            </a:lvl3pPr>
-            <a:lvl4pPr>
-              <a:defRPr>
-                <a:solidFill>
-                  <a:schemeClr val="tx2"/>
-                </a:solidFill>
-              </a:defRPr>
-            </a:lvl4pPr>
-            <a:lvl5pPr>
-              <a:defRPr>
-                <a:solidFill>
-                  <a:schemeClr val="tx2"/>
-                </a:solidFill>
-              </a:defRPr>
-            </a:lvl5pPr>
-            <a:lvl6pPr>
-              <a:defRPr>
-                <a:solidFill>
-                  <a:schemeClr val="tx2"/>
-                </a:solidFill>
-              </a:defRPr>
-            </a:lvl6pPr>
-            <a:lvl7pPr>
-              <a:defRPr>
-                <a:solidFill>
-                  <a:schemeClr val="tx2"/>
-                </a:solidFill>
-              </a:defRPr>
-            </a:lvl7pPr>
-            <a:lvl8pPr>
-              <a:defRPr>
-                <a:solidFill>
-                  <a:schemeClr val="tx2"/>
-                </a:solidFill>
-              </a:defRPr>
-            </a:lvl8pPr>
-            <a:lvl9pPr>
-              <a:defRPr>
-                <a:solidFill>
-                  <a:schemeClr val="tx2"/>
-                </a:solidFill>
-              </a:defRPr>
-            </a:lvl9pPr>
-          </a:lstStyle>
-          <a:p>
-            <a:pPr lvl="0"/>
-            <a:r>
-              <a:rPr lang="en-US" sz="32000" dirty="0">
-                <a:solidFill>
-                  <a:schemeClr val="tx1"/>
-                </a:solidFill>
-                <a:effectLst/>
-              </a:rPr>
-              <a:t>“</a:t>
-            </a:r>
-          </a:p>
-        </p:txBody>
-      </p:sp>
-      <p:sp>
-        <p:nvSpPr>
-          <p:cNvPr id="14" name="TextBox 13"/>
-          <p:cNvSpPr txBox="1"/>
-          <p:nvPr/>
-        </p:nvSpPr>
-        <p:spPr>
-          <a:xfrm>
-            <a:off x="32586932" y="12085320"/>
-            <a:ext cx="1828800" cy="2339104"/>
-          </a:xfrm>
-          <a:prstGeom prst="rect">
-            <a:avLst/>
-          </a:prstGeom>
-        </p:spPr>
-        <p:txBody>
-          <a:bodyPr vert="horz" lIns="365760" tIns="182880" rIns="365760" bIns="182880" rtlCol="0" anchor="ctr">
-            <a:noAutofit/>
-          </a:bodyPr>
-          <a:lstStyle>
-            <a:lvl1pPr>
-              <a:spcBef>
-                <a:spcPct val="0"/>
-              </a:spcBef>
-              <a:buNone/>
-              <a:defRPr sz="3200" b="0" cap="all">
-                <a:ln w="3175" cmpd="sng">
-                  <a:noFill/>
-                </a:ln>
-                <a:effectLst>
-                  <a:glow rad="38100">
-                    <a:schemeClr val="bg1">
-                      <a:lumMod val="65000"/>
-                      <a:lumOff val="35000"/>
-                      <a:alpha val="40000"/>
-                    </a:schemeClr>
-                  </a:glow>
-                  <a:outerShdw blurRad="28575" dist="38100" dir="14040000" algn="tl" rotWithShape="0">
-                    <a:srgbClr val="000000">
-                      <a:alpha val="25000"/>
-                    </a:srgbClr>
-                  </a:outerShdw>
-                </a:effectLst>
-              </a:defRPr>
-            </a:lvl1pPr>
-            <a:lvl2pPr>
-              <a:defRPr>
-                <a:solidFill>
-                  <a:schemeClr val="tx2"/>
-                </a:solidFill>
-              </a:defRPr>
-            </a:lvl2pPr>
-            <a:lvl3pPr>
-              <a:defRPr>
-                <a:solidFill>
-                  <a:schemeClr val="tx2"/>
-                </a:solidFill>
-              </a:defRPr>
-            </a:lvl3pPr>
-            <a:lvl4pPr>
-              <a:defRPr>
-                <a:solidFill>
-                  <a:schemeClr val="tx2"/>
-                </a:solidFill>
-              </a:defRPr>
-            </a:lvl4pPr>
-            <a:lvl5pPr>
-              <a:defRPr>
-                <a:solidFill>
-                  <a:schemeClr val="tx2"/>
-                </a:solidFill>
-              </a:defRPr>
-            </a:lvl5pPr>
-            <a:lvl6pPr>
-              <a:defRPr>
-                <a:solidFill>
-                  <a:schemeClr val="tx2"/>
-                </a:solidFill>
-              </a:defRPr>
-            </a:lvl6pPr>
-            <a:lvl7pPr>
-              <a:defRPr>
-                <a:solidFill>
-                  <a:schemeClr val="tx2"/>
-                </a:solidFill>
-              </a:defRPr>
-            </a:lvl7pPr>
-            <a:lvl8pPr>
-              <a:defRPr>
-                <a:solidFill>
-                  <a:schemeClr val="tx2"/>
-                </a:solidFill>
-              </a:defRPr>
-            </a:lvl8pPr>
-            <a:lvl9pPr>
-              <a:defRPr>
-                <a:solidFill>
-                  <a:schemeClr val="tx2"/>
-                </a:solidFill>
-              </a:defRPr>
-            </a:lvl9pPr>
-          </a:lstStyle>
-          <a:p>
-            <a:pPr lvl="0" algn="r"/>
-            <a:r>
-              <a:rPr lang="en-US" sz="32000" dirty="0">
-                <a:solidFill>
-                  <a:schemeClr val="tx1"/>
-                </a:solidFill>
-                <a:effectLst/>
-              </a:rPr>
-              <a:t>”</a:t>
-            </a:r>
           </a:p>
         </p:txBody>
       </p:sp>
@@ -2225,9 +1818,9 @@
 </p:sldLayout>
 </file>
 
-<file path=ppt/slideLayouts/slideLayout13.xml><?xml version="1.0" encoding="utf-8"?>
-<p:sldLayout xmlns:a="http://schemas.openxmlformats.org/drawingml/2006/main" xmlns:r="http://schemas.openxmlformats.org/officeDocument/2006/relationships" xmlns:p="http://schemas.openxmlformats.org/presentationml/2006/main" showMasterSp="0" preserve="1">
-  <p:cSld name="名片">
+<file path=ppt/slideLayouts/slideLayout12.xml><?xml version="1.0" encoding="utf-8"?>
+<p:sldLayout xmlns:a="http://schemas.openxmlformats.org/drawingml/2006/main" xmlns:r="http://schemas.openxmlformats.org/officeDocument/2006/relationships" xmlns:p="http://schemas.openxmlformats.org/presentationml/2006/main" preserve="1">
+  <p:cSld name="具有說明文字的引述">
     <p:spTree>
       <p:nvGrpSpPr>
         <p:cNvPr id="1" name=""/>
@@ -2244,7 +1837,7 @@
       </p:grpSpPr>
       <p:pic>
         <p:nvPicPr>
-          <p:cNvPr id="8" name="Picture 7" descr="C0-HD-BTM.png"/>
+          <p:cNvPr id="17" name="Picture 16" descr="Celestia-R1---OverlayContentSD.png"/>
           <p:cNvPicPr>
             <a:picLocks noChangeAspect="1"/>
           </p:cNvPicPr>
@@ -2264,8 +1857,8 @@
         </p:blipFill>
         <p:spPr>
           <a:xfrm>
-            <a:off x="0" y="19983448"/>
-            <a:ext cx="36576000" cy="7448552"/>
+            <a:off x="55824" y="0"/>
+            <a:ext cx="36474400" cy="27432000"/>
           </a:xfrm>
           <a:prstGeom prst="rect">
             <a:avLst/>
@@ -2274,25 +1867,263 @@
       </p:pic>
       <p:sp>
         <p:nvSpPr>
-          <p:cNvPr id="2" name="Title 1"/>
-          <p:cNvSpPr>
-            <a:spLocks noGrp="1"/>
-          </p:cNvSpPr>
-          <p:nvPr>
-            <p:ph type="title"/>
-          </p:nvPr>
+          <p:cNvPr id="14" name="TextBox 13"/>
+          <p:cNvSpPr txBox="1"/>
+          <p:nvPr/>
         </p:nvSpPr>
         <p:spPr>
           <a:xfrm>
-            <a:off x="2743200" y="4498810"/>
-            <a:ext cx="31099128" cy="10047340"/>
+            <a:off x="1687186" y="2872456"/>
+            <a:ext cx="1829276" cy="2339104"/>
+          </a:xfrm>
+          <a:prstGeom prst="rect">
+            <a:avLst/>
+          </a:prstGeom>
+        </p:spPr>
+        <p:txBody>
+          <a:bodyPr vert="horz" lIns="365760" tIns="182880" rIns="365760" bIns="182880" rtlCol="0" anchor="ctr">
+            <a:noAutofit/>
+          </a:bodyPr>
+          <a:lstStyle>
+            <a:lvl1pPr>
+              <a:spcBef>
+                <a:spcPct val="0"/>
+              </a:spcBef>
+              <a:buNone/>
+              <a:defRPr sz="3200" b="0" cap="all">
+                <a:ln w="3175" cmpd="sng">
+                  <a:noFill/>
+                </a:ln>
+                <a:effectLst>
+                  <a:glow rad="38100">
+                    <a:schemeClr val="bg1">
+                      <a:lumMod val="65000"/>
+                      <a:lumOff val="35000"/>
+                      <a:alpha val="40000"/>
+                    </a:schemeClr>
+                  </a:glow>
+                  <a:outerShdw blurRad="28575" dist="38100" dir="14040000" algn="tl" rotWithShape="0">
+                    <a:srgbClr val="000000">
+                      <a:alpha val="25000"/>
+                    </a:srgbClr>
+                  </a:outerShdw>
+                </a:effectLst>
+              </a:defRPr>
+            </a:lvl1pPr>
+            <a:lvl2pPr>
+              <a:defRPr>
+                <a:solidFill>
+                  <a:schemeClr val="tx2"/>
+                </a:solidFill>
+              </a:defRPr>
+            </a:lvl2pPr>
+            <a:lvl3pPr>
+              <a:defRPr>
+                <a:solidFill>
+                  <a:schemeClr val="tx2"/>
+                </a:solidFill>
+              </a:defRPr>
+            </a:lvl3pPr>
+            <a:lvl4pPr>
+              <a:defRPr>
+                <a:solidFill>
+                  <a:schemeClr val="tx2"/>
+                </a:solidFill>
+              </a:defRPr>
+            </a:lvl4pPr>
+            <a:lvl5pPr>
+              <a:defRPr>
+                <a:solidFill>
+                  <a:schemeClr val="tx2"/>
+                </a:solidFill>
+              </a:defRPr>
+            </a:lvl5pPr>
+            <a:lvl6pPr>
+              <a:defRPr>
+                <a:solidFill>
+                  <a:schemeClr val="tx2"/>
+                </a:solidFill>
+              </a:defRPr>
+            </a:lvl6pPr>
+            <a:lvl7pPr>
+              <a:defRPr>
+                <a:solidFill>
+                  <a:schemeClr val="tx2"/>
+                </a:solidFill>
+              </a:defRPr>
+            </a:lvl7pPr>
+            <a:lvl8pPr>
+              <a:defRPr>
+                <a:solidFill>
+                  <a:schemeClr val="tx2"/>
+                </a:solidFill>
+              </a:defRPr>
+            </a:lvl8pPr>
+            <a:lvl9pPr>
+              <a:defRPr>
+                <a:solidFill>
+                  <a:schemeClr val="tx2"/>
+                </a:solidFill>
+              </a:defRPr>
+            </a:lvl9pPr>
+          </a:lstStyle>
+          <a:p>
+            <a:pPr lvl="0"/>
+            <a:r>
+              <a:rPr lang="en-US" sz="32000" dirty="0">
+                <a:solidFill>
+                  <a:schemeClr val="tx1"/>
+                </a:solidFill>
+                <a:effectLst/>
+              </a:rPr>
+              <a:t>“</a:t>
+            </a:r>
+          </a:p>
+        </p:txBody>
+      </p:sp>
+      <p:sp>
+        <p:nvSpPr>
+          <p:cNvPr id="15" name="TextBox 14"/>
+          <p:cNvSpPr txBox="1"/>
+          <p:nvPr/>
+        </p:nvSpPr>
+        <p:spPr>
+          <a:xfrm>
+            <a:off x="30943202" y="11006684"/>
+            <a:ext cx="1829276" cy="2339104"/>
+          </a:xfrm>
+          <a:prstGeom prst="rect">
+            <a:avLst/>
+          </a:prstGeom>
+        </p:spPr>
+        <p:txBody>
+          <a:bodyPr vert="horz" lIns="365760" tIns="182880" rIns="365760" bIns="182880" rtlCol="0" anchor="ctr">
+            <a:noAutofit/>
+          </a:bodyPr>
+          <a:lstStyle>
+            <a:lvl1pPr>
+              <a:spcBef>
+                <a:spcPct val="0"/>
+              </a:spcBef>
+              <a:buNone/>
+              <a:defRPr sz="3200" b="0" cap="all">
+                <a:ln w="3175" cmpd="sng">
+                  <a:noFill/>
+                </a:ln>
+                <a:effectLst>
+                  <a:glow rad="38100">
+                    <a:schemeClr val="bg1">
+                      <a:lumMod val="65000"/>
+                      <a:lumOff val="35000"/>
+                      <a:alpha val="40000"/>
+                    </a:schemeClr>
+                  </a:glow>
+                  <a:outerShdw blurRad="28575" dist="38100" dir="14040000" algn="tl" rotWithShape="0">
+                    <a:srgbClr val="000000">
+                      <a:alpha val="25000"/>
+                    </a:srgbClr>
+                  </a:outerShdw>
+                </a:effectLst>
+              </a:defRPr>
+            </a:lvl1pPr>
+            <a:lvl2pPr>
+              <a:defRPr>
+                <a:solidFill>
+                  <a:schemeClr val="tx2"/>
+                </a:solidFill>
+              </a:defRPr>
+            </a:lvl2pPr>
+            <a:lvl3pPr>
+              <a:defRPr>
+                <a:solidFill>
+                  <a:schemeClr val="tx2"/>
+                </a:solidFill>
+              </a:defRPr>
+            </a:lvl3pPr>
+            <a:lvl4pPr>
+              <a:defRPr>
+                <a:solidFill>
+                  <a:schemeClr val="tx2"/>
+                </a:solidFill>
+              </a:defRPr>
+            </a:lvl4pPr>
+            <a:lvl5pPr>
+              <a:defRPr>
+                <a:solidFill>
+                  <a:schemeClr val="tx2"/>
+                </a:solidFill>
+              </a:defRPr>
+            </a:lvl5pPr>
+            <a:lvl6pPr>
+              <a:defRPr>
+                <a:solidFill>
+                  <a:schemeClr val="tx2"/>
+                </a:solidFill>
+              </a:defRPr>
+            </a:lvl6pPr>
+            <a:lvl7pPr>
+              <a:defRPr>
+                <a:solidFill>
+                  <a:schemeClr val="tx2"/>
+                </a:solidFill>
+              </a:defRPr>
+            </a:lvl7pPr>
+            <a:lvl8pPr>
+              <a:defRPr>
+                <a:solidFill>
+                  <a:schemeClr val="tx2"/>
+                </a:solidFill>
+              </a:defRPr>
+            </a:lvl8pPr>
+            <a:lvl9pPr>
+              <a:defRPr>
+                <a:solidFill>
+                  <a:schemeClr val="tx2"/>
+                </a:solidFill>
+              </a:defRPr>
+            </a:lvl9pPr>
+          </a:lstStyle>
+          <a:p>
+            <a:pPr lvl="0" algn="r"/>
+            <a:r>
+              <a:rPr lang="en-US" sz="32000" dirty="0">
+                <a:solidFill>
+                  <a:schemeClr val="tx1"/>
+                </a:solidFill>
+                <a:effectLst/>
+              </a:rPr>
+              <a:t>”</a:t>
+            </a:r>
+          </a:p>
+        </p:txBody>
+      </p:sp>
+      <p:sp>
+        <p:nvSpPr>
+          <p:cNvPr id="2" name="Title 1"/>
+          <p:cNvSpPr>
+            <a:spLocks noGrp="1"/>
+          </p:cNvSpPr>
+          <p:nvPr>
+            <p:ph type="title"/>
+          </p:nvPr>
+        </p:nvSpPr>
+        <p:spPr>
+          <a:xfrm>
+            <a:off x="3516462" y="2438410"/>
+            <a:ext cx="28365188" cy="10972796"/>
           </a:xfrm>
         </p:spPr>
         <p:txBody>
-          <a:bodyPr anchor="b"/>
+          <a:bodyPr anchor="ctr">
+            <a:normAutofit/>
+          </a:bodyPr>
           <a:lstStyle>
             <a:lvl1pPr algn="l">
-              <a:defRPr sz="12800"/>
+              <a:defRPr sz="12800" b="0" cap="none">
+                <a:solidFill>
+                  <a:schemeClr val="tx1"/>
+                </a:solidFill>
+              </a:defRPr>
             </a:lvl1pPr>
           </a:lstStyle>
           <a:p>
@@ -2306,58 +2137,168 @@
       </p:sp>
       <p:sp>
         <p:nvSpPr>
-          <p:cNvPr id="4" name="Text Placeholder 3"/>
-          <p:cNvSpPr>
-            <a:spLocks noGrp="1"/>
-          </p:cNvSpPr>
-          <p:nvPr>
-            <p:ph type="body" sz="half" idx="2"/>
+          <p:cNvPr id="10" name="Text Placeholder 9"/>
+          <p:cNvSpPr>
+            <a:spLocks noGrp="1"/>
+          </p:cNvSpPr>
+          <p:nvPr>
+            <p:ph type="body" sz="quarter" idx="13"/>
           </p:nvPr>
         </p:nvSpPr>
         <p:spPr>
           <a:xfrm>
-            <a:off x="2743168" y="14593266"/>
-            <a:ext cx="31094432" cy="3999540"/>
+            <a:off x="3954686" y="13411200"/>
+            <a:ext cx="27504532" cy="1524000"/>
           </a:xfrm>
         </p:spPr>
         <p:txBody>
-          <a:bodyPr anchor="t"/>
+          <a:bodyPr anchor="ctr">
+            <a:normAutofit/>
+          </a:bodyPr>
           <a:lstStyle>
             <a:lvl1pPr marL="0" indent="0">
+              <a:buFontTx/>
               <a:buNone/>
               <a:defRPr sz="6400"/>
             </a:lvl1pPr>
             <a:lvl2pPr marL="1828800" indent="0">
-              <a:buNone/>
-              <a:defRPr sz="5600"/>
+              <a:buFontTx/>
+              <a:buNone/>
+              <a:defRPr/>
             </a:lvl2pPr>
             <a:lvl3pPr marL="3657600" indent="0">
-              <a:buNone/>
-              <a:defRPr sz="4800"/>
+              <a:buFontTx/>
+              <a:buNone/>
+              <a:defRPr/>
             </a:lvl3pPr>
             <a:lvl4pPr marL="5486400" indent="0">
-              <a:buNone/>
-              <a:defRPr sz="4000"/>
+              <a:buFontTx/>
+              <a:buNone/>
+              <a:defRPr/>
             </a:lvl4pPr>
             <a:lvl5pPr marL="7315200" indent="0">
-              <a:buNone/>
-              <a:defRPr sz="4000"/>
+              <a:buFontTx/>
+              <a:buNone/>
+              <a:defRPr/>
+            </a:lvl5pPr>
+          </a:lstStyle>
+          <a:p>
+            <a:pPr lvl="0"/>
+            <a:r>
+              <a:rPr lang="zh-TW" altLang="en-US" smtClean="0"/>
+              <a:t>按一下以編輯母片文字樣式</a:t>
+            </a:r>
+          </a:p>
+        </p:txBody>
+      </p:sp>
+      <p:sp>
+        <p:nvSpPr>
+          <p:cNvPr id="3" name="Text Placeholder 2"/>
+          <p:cNvSpPr>
+            <a:spLocks noGrp="1"/>
+          </p:cNvSpPr>
+          <p:nvPr>
+            <p:ph type="body" idx="1"/>
+          </p:nvPr>
+        </p:nvSpPr>
+        <p:spPr>
+          <a:xfrm>
+            <a:off x="1849064" y="17373600"/>
+            <a:ext cx="31089600" cy="5791200"/>
+          </a:xfrm>
+        </p:spPr>
+        <p:txBody>
+          <a:bodyPr anchor="ctr">
+            <a:normAutofit/>
+          </a:bodyPr>
+          <a:lstStyle>
+            <a:lvl1pPr marL="0" indent="0" algn="l">
+              <a:buNone/>
+              <a:defRPr sz="8000">
+                <a:solidFill>
+                  <a:schemeClr val="tx1"/>
+                </a:solidFill>
+              </a:defRPr>
+            </a:lvl1pPr>
+            <a:lvl2pPr marL="1828800" indent="0">
+              <a:buNone/>
+              <a:defRPr sz="7200">
+                <a:solidFill>
+                  <a:schemeClr val="tx1">
+                    <a:tint val="75000"/>
+                  </a:schemeClr>
+                </a:solidFill>
+              </a:defRPr>
+            </a:lvl2pPr>
+            <a:lvl3pPr marL="3657600" indent="0">
+              <a:buNone/>
+              <a:defRPr sz="6400">
+                <a:solidFill>
+                  <a:schemeClr val="tx1">
+                    <a:tint val="75000"/>
+                  </a:schemeClr>
+                </a:solidFill>
+              </a:defRPr>
+            </a:lvl3pPr>
+            <a:lvl4pPr marL="5486400" indent="0">
+              <a:buNone/>
+              <a:defRPr sz="5600">
+                <a:solidFill>
+                  <a:schemeClr val="tx1">
+                    <a:tint val="75000"/>
+                  </a:schemeClr>
+                </a:solidFill>
+              </a:defRPr>
+            </a:lvl4pPr>
+            <a:lvl5pPr marL="7315200" indent="0">
+              <a:buNone/>
+              <a:defRPr sz="5600">
+                <a:solidFill>
+                  <a:schemeClr val="tx1">
+                    <a:tint val="75000"/>
+                  </a:schemeClr>
+                </a:solidFill>
+              </a:defRPr>
             </a:lvl5pPr>
             <a:lvl6pPr marL="9144000" indent="0">
               <a:buNone/>
-              <a:defRPr sz="4000"/>
+              <a:defRPr sz="5600">
+                <a:solidFill>
+                  <a:schemeClr val="tx1">
+                    <a:tint val="75000"/>
+                  </a:schemeClr>
+                </a:solidFill>
+              </a:defRPr>
             </a:lvl6pPr>
             <a:lvl7pPr marL="10972800" indent="0">
               <a:buNone/>
-              <a:defRPr sz="4000"/>
+              <a:defRPr sz="5600">
+                <a:solidFill>
+                  <a:schemeClr val="tx1">
+                    <a:tint val="75000"/>
+                  </a:schemeClr>
+                </a:solidFill>
+              </a:defRPr>
             </a:lvl7pPr>
             <a:lvl8pPr marL="12801600" indent="0">
               <a:buNone/>
-              <a:defRPr sz="4000"/>
+              <a:defRPr sz="5600">
+                <a:solidFill>
+                  <a:schemeClr val="tx1">
+                    <a:tint val="75000"/>
+                  </a:schemeClr>
+                </a:solidFill>
+              </a:defRPr>
             </a:lvl8pPr>
             <a:lvl9pPr marL="14630400" indent="0">
               <a:buNone/>
-              <a:defRPr sz="4000"/>
+              <a:defRPr sz="5600">
+                <a:solidFill>
+                  <a:schemeClr val="tx1">
+                    <a:tint val="75000"/>
+                  </a:schemeClr>
+                </a:solidFill>
+              </a:defRPr>
             </a:lvl9pPr>
           </a:lstStyle>
           <a:p>
@@ -2371,7 +2312,7 @@
       </p:sp>
       <p:sp>
         <p:nvSpPr>
-          <p:cNvPr id="5" name="Date Placeholder 4"/>
+          <p:cNvPr id="4" name="Date Placeholder 3"/>
           <p:cNvSpPr>
             <a:spLocks noGrp="1"/>
           </p:cNvSpPr>
@@ -2379,40 +2320,7 @@
             <p:ph type="dt" sz="half" idx="10"/>
           </p:nvPr>
         </p:nvSpPr>
-        <p:spPr>
-          <a:xfrm>
-            <a:off x="22248704" y="1515538"/>
-            <a:ext cx="8732520" cy="1460500"/>
-          </a:xfrm>
-        </p:spPr>
-        <p:txBody>
-          <a:bodyPr/>
-          <a:lstStyle>
-            <a:lvl1pPr algn="r">
-              <a:defRPr/>
-            </a:lvl1pPr>
-          </a:lstStyle>
-          <a:p>
-            <a:endParaRPr lang="en-GB" altLang="x-none"/>
-          </a:p>
-        </p:txBody>
-      </p:sp>
-      <p:sp>
-        <p:nvSpPr>
-          <p:cNvPr id="6" name="Footer Placeholder 5"/>
-          <p:cNvSpPr>
-            <a:spLocks noGrp="1"/>
-          </p:cNvSpPr>
-          <p:nvPr>
-            <p:ph type="ftr" sz="quarter" idx="11"/>
-          </p:nvPr>
-        </p:nvSpPr>
-        <p:spPr>
-          <a:xfrm>
-            <a:off x="2377440" y="1515538"/>
-            <a:ext cx="19322624" cy="1460500"/>
-          </a:xfrm>
-        </p:spPr>
+        <p:spPr/>
         <p:txBody>
           <a:bodyPr/>
           <a:lstStyle/>
@@ -2423,7 +2331,26 @@
       </p:sp>
       <p:sp>
         <p:nvSpPr>
-          <p:cNvPr id="7" name="Slide Number Placeholder 6"/>
+          <p:cNvPr id="5" name="Footer Placeholder 4"/>
+          <p:cNvSpPr>
+            <a:spLocks noGrp="1"/>
+          </p:cNvSpPr>
+          <p:nvPr>
+            <p:ph type="ftr" sz="quarter" idx="11"/>
+          </p:nvPr>
+        </p:nvSpPr>
+        <p:spPr/>
+        <p:txBody>
+          <a:bodyPr/>
+          <a:lstStyle/>
+          <a:p>
+            <a:endParaRPr lang="en-GB" altLang="x-none"/>
+          </a:p>
+        </p:txBody>
+      </p:sp>
+      <p:sp>
+        <p:nvSpPr>
+          <p:cNvPr id="6" name="Slide Number Placeholder 5"/>
           <p:cNvSpPr>
             <a:spLocks noGrp="1"/>
           </p:cNvSpPr>
@@ -2431,12 +2358,7 @@
             <p:ph type="sldNum" sz="quarter" idx="12"/>
           </p:nvPr>
         </p:nvSpPr>
-        <p:spPr>
-          <a:xfrm>
-            <a:off x="31529864" y="1524006"/>
-            <a:ext cx="2668696" cy="1460500"/>
-          </a:xfrm>
-        </p:spPr>
+        <p:spPr/>
         <p:txBody>
           <a:bodyPr/>
           <a:lstStyle/>
@@ -2459,9 +2381,9 @@
 </p:sldLayout>
 </file>
 
-<file path=ppt/slideLayouts/slideLayout14.xml><?xml version="1.0" encoding="utf-8"?>
+<file path=ppt/slideLayouts/slideLayout13.xml><?xml version="1.0" encoding="utf-8"?>
 <p:sldLayout xmlns:a="http://schemas.openxmlformats.org/drawingml/2006/main" xmlns:r="http://schemas.openxmlformats.org/officeDocument/2006/relationships" xmlns:p="http://schemas.openxmlformats.org/presentationml/2006/main" preserve="1">
-  <p:cSld name="3 欄">
+  <p:cSld name="名片">
     <p:spTree>
       <p:nvGrpSpPr>
         <p:cNvPr id="1" name=""/>
@@ -2476,25 +2398,61 @@
           <a:chExt cx="0" cy="0"/>
         </a:xfrm>
       </p:grpSpPr>
-      <p:sp>
-        <p:nvSpPr>
-          <p:cNvPr id="15" name="Title 1"/>
-          <p:cNvSpPr>
-            <a:spLocks noGrp="1"/>
-          </p:cNvSpPr>
-          <p:nvPr>
-            <p:ph type="title"/>
-          </p:nvPr>
-        </p:nvSpPr>
+      <p:pic>
+        <p:nvPicPr>
+          <p:cNvPr id="7" name="Picture 6" descr="Celestia-R1---OverlayContentSD.png"/>
+          <p:cNvPicPr>
+            <a:picLocks noChangeAspect="1"/>
+          </p:cNvPicPr>
+          <p:nvPr/>
+        </p:nvPicPr>
+        <p:blipFill>
+          <a:blip r:embed="rId2">
+            <a:extLst>
+              <a:ext uri="{28A0092B-C50C-407E-A947-70E740481C1C}">
+                <a14:useLocalDpi xmlns:a14="http://schemas.microsoft.com/office/drawing/2010/main" val="0"/>
+              </a:ext>
+            </a:extLst>
+          </a:blip>
+          <a:stretch>
+            <a:fillRect/>
+          </a:stretch>
+        </p:blipFill>
         <p:spPr>
           <a:xfrm>
-            <a:off x="8686806" y="3048002"/>
-            <a:ext cx="25511756" cy="5215468"/>
+            <a:off x="55824" y="0"/>
+            <a:ext cx="36474400" cy="27432000"/>
+          </a:xfrm>
+          <a:prstGeom prst="rect">
+            <a:avLst/>
+          </a:prstGeom>
+        </p:spPr>
+      </p:pic>
+      <p:sp>
+        <p:nvSpPr>
+          <p:cNvPr id="2" name="Title 1"/>
+          <p:cNvSpPr>
+            <a:spLocks noGrp="1"/>
+          </p:cNvSpPr>
+          <p:nvPr>
+            <p:ph type="title"/>
+          </p:nvPr>
+        </p:nvSpPr>
+        <p:spPr>
+          <a:xfrm>
+            <a:off x="1828806" y="13166592"/>
+            <a:ext cx="31089604" cy="5875200"/>
           </a:xfrm>
         </p:spPr>
         <p:txBody>
-          <a:bodyPr/>
-          <a:lstStyle/>
+          <a:bodyPr anchor="b">
+            <a:normAutofit/>
+          </a:bodyPr>
+          <a:lstStyle>
+            <a:lvl1pPr algn="l">
+              <a:defRPr sz="11200" b="0" cap="none"/>
+            </a:lvl1pPr>
+          </a:lstStyle>
           <a:p>
             <a:r>
               <a:rPr lang="zh-TW" altLang="en-US" smtClean="0"/>
@@ -2506,7 +2464,7 @@
       </p:sp>
       <p:sp>
         <p:nvSpPr>
-          <p:cNvPr id="7" name="Text Placeholder 2"/>
+          <p:cNvPr id="3" name="Text Placeholder 2"/>
           <p:cNvSpPr>
             <a:spLocks noGrp="1"/>
           </p:cNvSpPr>
@@ -2516,79 +2474,8 @@
         </p:nvSpPr>
         <p:spPr>
           <a:xfrm>
-            <a:off x="2377444" y="8808320"/>
-            <a:ext cx="10241280" cy="2469280"/>
-          </a:xfrm>
-        </p:spPr>
-        <p:txBody>
-          <a:bodyPr anchor="b">
-            <a:noAutofit/>
-          </a:bodyPr>
-          <a:lstStyle>
-            <a:lvl1pPr marL="0" indent="0">
-              <a:buNone/>
-              <a:defRPr sz="9600" b="0">
-                <a:solidFill>
-                  <a:schemeClr val="tx1"/>
-                </a:solidFill>
-              </a:defRPr>
-            </a:lvl1pPr>
-            <a:lvl2pPr marL="1828800" indent="0">
-              <a:buNone/>
-              <a:defRPr sz="8000" b="1"/>
-            </a:lvl2pPr>
-            <a:lvl3pPr marL="3657600" indent="0">
-              <a:buNone/>
-              <a:defRPr sz="7200" b="1"/>
-            </a:lvl3pPr>
-            <a:lvl4pPr marL="5486400" indent="0">
-              <a:buNone/>
-              <a:defRPr sz="6400" b="1"/>
-            </a:lvl4pPr>
-            <a:lvl5pPr marL="7315200" indent="0">
-              <a:buNone/>
-              <a:defRPr sz="6400" b="1"/>
-            </a:lvl5pPr>
-            <a:lvl6pPr marL="9144000" indent="0">
-              <a:buNone/>
-              <a:defRPr sz="6400" b="1"/>
-            </a:lvl6pPr>
-            <a:lvl7pPr marL="10972800" indent="0">
-              <a:buNone/>
-              <a:defRPr sz="6400" b="1"/>
-            </a:lvl7pPr>
-            <a:lvl8pPr marL="12801600" indent="0">
-              <a:buNone/>
-              <a:defRPr sz="6400" b="1"/>
-            </a:lvl8pPr>
-            <a:lvl9pPr marL="14630400" indent="0">
-              <a:buNone/>
-              <a:defRPr sz="6400" b="1"/>
-            </a:lvl9pPr>
-          </a:lstStyle>
-          <a:p>
-            <a:pPr lvl="0"/>
-            <a:r>
-              <a:rPr lang="zh-TW" altLang="en-US" smtClean="0"/>
-              <a:t>按一下以編輯母片文字樣式</a:t>
-            </a:r>
-          </a:p>
-        </p:txBody>
-      </p:sp>
-      <p:sp>
-        <p:nvSpPr>
-          <p:cNvPr id="8" name="Text Placeholder 3"/>
-          <p:cNvSpPr>
-            <a:spLocks noGrp="1"/>
-          </p:cNvSpPr>
-          <p:nvPr>
-            <p:ph type="body" sz="half" idx="15"/>
-          </p:nvPr>
-        </p:nvSpPr>
-        <p:spPr>
-          <a:xfrm>
-            <a:off x="2377440" y="11618258"/>
-            <a:ext cx="10241280" cy="13436316"/>
+            <a:off x="1828800" y="19041792"/>
+            <a:ext cx="31089608" cy="3441600"/>
           </a:xfrm>
         </p:spPr>
         <p:txBody>
@@ -2596,41 +2483,93 @@
             <a:normAutofit/>
           </a:bodyPr>
           <a:lstStyle>
-            <a:lvl1pPr marL="0" indent="0">
-              <a:buNone/>
-              <a:defRPr sz="5600"/>
+            <a:lvl1pPr marL="0" indent="0" algn="l">
+              <a:buNone/>
+              <a:defRPr sz="7200">
+                <a:solidFill>
+                  <a:schemeClr val="tx1"/>
+                </a:solidFill>
+              </a:defRPr>
             </a:lvl1pPr>
             <a:lvl2pPr marL="1828800" indent="0">
               <a:buNone/>
-              <a:defRPr sz="4800"/>
+              <a:defRPr sz="7200">
+                <a:solidFill>
+                  <a:schemeClr val="tx1">
+                    <a:tint val="75000"/>
+                  </a:schemeClr>
+                </a:solidFill>
+              </a:defRPr>
             </a:lvl2pPr>
             <a:lvl3pPr marL="3657600" indent="0">
               <a:buNone/>
-              <a:defRPr sz="4000"/>
+              <a:defRPr sz="6400">
+                <a:solidFill>
+                  <a:schemeClr val="tx1">
+                    <a:tint val="75000"/>
+                  </a:schemeClr>
+                </a:solidFill>
+              </a:defRPr>
             </a:lvl3pPr>
             <a:lvl4pPr marL="5486400" indent="0">
               <a:buNone/>
-              <a:defRPr sz="3600"/>
+              <a:defRPr sz="5600">
+                <a:solidFill>
+                  <a:schemeClr val="tx1">
+                    <a:tint val="75000"/>
+                  </a:schemeClr>
+                </a:solidFill>
+              </a:defRPr>
             </a:lvl4pPr>
             <a:lvl5pPr marL="7315200" indent="0">
               <a:buNone/>
-              <a:defRPr sz="3600"/>
+              <a:defRPr sz="5600">
+                <a:solidFill>
+                  <a:schemeClr val="tx1">
+                    <a:tint val="75000"/>
+                  </a:schemeClr>
+                </a:solidFill>
+              </a:defRPr>
             </a:lvl5pPr>
             <a:lvl6pPr marL="9144000" indent="0">
               <a:buNone/>
-              <a:defRPr sz="3600"/>
+              <a:defRPr sz="5600">
+                <a:solidFill>
+                  <a:schemeClr val="tx1">
+                    <a:tint val="75000"/>
+                  </a:schemeClr>
+                </a:solidFill>
+              </a:defRPr>
             </a:lvl6pPr>
             <a:lvl7pPr marL="10972800" indent="0">
               <a:buNone/>
-              <a:defRPr sz="3600"/>
+              <a:defRPr sz="5600">
+                <a:solidFill>
+                  <a:schemeClr val="tx1">
+                    <a:tint val="75000"/>
+                  </a:schemeClr>
+                </a:solidFill>
+              </a:defRPr>
             </a:lvl7pPr>
             <a:lvl8pPr marL="12801600" indent="0">
               <a:buNone/>
-              <a:defRPr sz="3600"/>
+              <a:defRPr sz="5600">
+                <a:solidFill>
+                  <a:schemeClr val="tx1">
+                    <a:tint val="75000"/>
+                  </a:schemeClr>
+                </a:solidFill>
+              </a:defRPr>
             </a:lvl8pPr>
             <a:lvl9pPr marL="14630400" indent="0">
               <a:buNone/>
-              <a:defRPr sz="3600"/>
+              <a:defRPr sz="5600">
+                <a:solidFill>
+                  <a:schemeClr val="tx1">
+                    <a:tint val="75000"/>
+                  </a:schemeClr>
+                </a:solidFill>
+              </a:defRPr>
             </a:lvl9pPr>
           </a:lstStyle>
           <a:p>
@@ -2644,283 +2583,7 @@
       </p:sp>
       <p:sp>
         <p:nvSpPr>
-          <p:cNvPr id="9" name="Text Placeholder 4"/>
-          <p:cNvSpPr>
-            <a:spLocks noGrp="1"/>
-          </p:cNvSpPr>
-          <p:nvPr>
-            <p:ph type="body" sz="quarter" idx="3"/>
-          </p:nvPr>
-        </p:nvSpPr>
-        <p:spPr>
-          <a:xfrm>
-            <a:off x="13208948" y="8805332"/>
-            <a:ext cx="10241280" cy="2506136"/>
-          </a:xfrm>
-        </p:spPr>
-        <p:txBody>
-          <a:bodyPr anchor="b">
-            <a:noAutofit/>
-          </a:bodyPr>
-          <a:lstStyle>
-            <a:lvl1pPr marL="0" indent="0">
-              <a:buNone/>
-              <a:defRPr sz="9600" b="0">
-                <a:solidFill>
-                  <a:schemeClr val="tx1"/>
-                </a:solidFill>
-              </a:defRPr>
-            </a:lvl1pPr>
-            <a:lvl2pPr marL="1828800" indent="0">
-              <a:buNone/>
-              <a:defRPr sz="8000" b="1"/>
-            </a:lvl2pPr>
-            <a:lvl3pPr marL="3657600" indent="0">
-              <a:buNone/>
-              <a:defRPr sz="7200" b="1"/>
-            </a:lvl3pPr>
-            <a:lvl4pPr marL="5486400" indent="0">
-              <a:buNone/>
-              <a:defRPr sz="6400" b="1"/>
-            </a:lvl4pPr>
-            <a:lvl5pPr marL="7315200" indent="0">
-              <a:buNone/>
-              <a:defRPr sz="6400" b="1"/>
-            </a:lvl5pPr>
-            <a:lvl6pPr marL="9144000" indent="0">
-              <a:buNone/>
-              <a:defRPr sz="6400" b="1"/>
-            </a:lvl6pPr>
-            <a:lvl7pPr marL="10972800" indent="0">
-              <a:buNone/>
-              <a:defRPr sz="6400" b="1"/>
-            </a:lvl7pPr>
-            <a:lvl8pPr marL="12801600" indent="0">
-              <a:buNone/>
-              <a:defRPr sz="6400" b="1"/>
-            </a:lvl8pPr>
-            <a:lvl9pPr marL="14630400" indent="0">
-              <a:buNone/>
-              <a:defRPr sz="6400" b="1"/>
-            </a:lvl9pPr>
-          </a:lstStyle>
-          <a:p>
-            <a:pPr lvl="0"/>
-            <a:r>
-              <a:rPr lang="zh-TW" altLang="en-US" smtClean="0"/>
-              <a:t>按一下以編輯母片文字樣式</a:t>
-            </a:r>
-          </a:p>
-        </p:txBody>
-      </p:sp>
-      <p:sp>
-        <p:nvSpPr>
-          <p:cNvPr id="10" name="Text Placeholder 3"/>
-          <p:cNvSpPr>
-            <a:spLocks noGrp="1"/>
-          </p:cNvSpPr>
-          <p:nvPr>
-            <p:ph type="body" sz="half" idx="16"/>
-          </p:nvPr>
-        </p:nvSpPr>
-        <p:spPr>
-          <a:xfrm>
-            <a:off x="13203124" y="11616272"/>
-            <a:ext cx="10241280" cy="13438288"/>
-          </a:xfrm>
-        </p:spPr>
-        <p:txBody>
-          <a:bodyPr anchor="t">
-            <a:normAutofit/>
-          </a:bodyPr>
-          <a:lstStyle>
-            <a:lvl1pPr marL="0" indent="0">
-              <a:buNone/>
-              <a:defRPr sz="5600"/>
-            </a:lvl1pPr>
-            <a:lvl2pPr marL="1828800" indent="0">
-              <a:buNone/>
-              <a:defRPr sz="4800"/>
-            </a:lvl2pPr>
-            <a:lvl3pPr marL="3657600" indent="0">
-              <a:buNone/>
-              <a:defRPr sz="4000"/>
-            </a:lvl3pPr>
-            <a:lvl4pPr marL="5486400" indent="0">
-              <a:buNone/>
-              <a:defRPr sz="3600"/>
-            </a:lvl4pPr>
-            <a:lvl5pPr marL="7315200" indent="0">
-              <a:buNone/>
-              <a:defRPr sz="3600"/>
-            </a:lvl5pPr>
-            <a:lvl6pPr marL="9144000" indent="0">
-              <a:buNone/>
-              <a:defRPr sz="3600"/>
-            </a:lvl6pPr>
-            <a:lvl7pPr marL="10972800" indent="0">
-              <a:buNone/>
-              <a:defRPr sz="3600"/>
-            </a:lvl7pPr>
-            <a:lvl8pPr marL="12801600" indent="0">
-              <a:buNone/>
-              <a:defRPr sz="3600"/>
-            </a:lvl8pPr>
-            <a:lvl9pPr marL="14630400" indent="0">
-              <a:buNone/>
-              <a:defRPr sz="3600"/>
-            </a:lvl9pPr>
-          </a:lstStyle>
-          <a:p>
-            <a:pPr lvl="0"/>
-            <a:r>
-              <a:rPr lang="zh-TW" altLang="en-US" smtClean="0"/>
-              <a:t>按一下以編輯母片文字樣式</a:t>
-            </a:r>
-          </a:p>
-        </p:txBody>
-      </p:sp>
-      <p:sp>
-        <p:nvSpPr>
-          <p:cNvPr id="11" name="Text Placeholder 4"/>
-          <p:cNvSpPr>
-            <a:spLocks noGrp="1"/>
-          </p:cNvSpPr>
-          <p:nvPr>
-            <p:ph type="body" sz="quarter" idx="13"/>
-          </p:nvPr>
-        </p:nvSpPr>
-        <p:spPr>
-          <a:xfrm>
-            <a:off x="23957276" y="8771464"/>
-            <a:ext cx="10241280" cy="2506136"/>
-          </a:xfrm>
-        </p:spPr>
-        <p:txBody>
-          <a:bodyPr anchor="b">
-            <a:noAutofit/>
-          </a:bodyPr>
-          <a:lstStyle>
-            <a:lvl1pPr marL="0" indent="0">
-              <a:buNone/>
-              <a:defRPr sz="9600" b="0">
-                <a:solidFill>
-                  <a:schemeClr val="tx1"/>
-                </a:solidFill>
-              </a:defRPr>
-            </a:lvl1pPr>
-            <a:lvl2pPr marL="1828800" indent="0">
-              <a:buNone/>
-              <a:defRPr sz="8000" b="1"/>
-            </a:lvl2pPr>
-            <a:lvl3pPr marL="3657600" indent="0">
-              <a:buNone/>
-              <a:defRPr sz="7200" b="1"/>
-            </a:lvl3pPr>
-            <a:lvl4pPr marL="5486400" indent="0">
-              <a:buNone/>
-              <a:defRPr sz="6400" b="1"/>
-            </a:lvl4pPr>
-            <a:lvl5pPr marL="7315200" indent="0">
-              <a:buNone/>
-              <a:defRPr sz="6400" b="1"/>
-            </a:lvl5pPr>
-            <a:lvl6pPr marL="9144000" indent="0">
-              <a:buNone/>
-              <a:defRPr sz="6400" b="1"/>
-            </a:lvl6pPr>
-            <a:lvl7pPr marL="10972800" indent="0">
-              <a:buNone/>
-              <a:defRPr sz="6400" b="1"/>
-            </a:lvl7pPr>
-            <a:lvl8pPr marL="12801600" indent="0">
-              <a:buNone/>
-              <a:defRPr sz="6400" b="1"/>
-            </a:lvl8pPr>
-            <a:lvl9pPr marL="14630400" indent="0">
-              <a:buNone/>
-              <a:defRPr sz="6400" b="1"/>
-            </a:lvl9pPr>
-          </a:lstStyle>
-          <a:p>
-            <a:pPr lvl="0"/>
-            <a:r>
-              <a:rPr lang="zh-TW" altLang="en-US" smtClean="0"/>
-              <a:t>按一下以編輯母片文字樣式</a:t>
-            </a:r>
-          </a:p>
-        </p:txBody>
-      </p:sp>
-      <p:sp>
-        <p:nvSpPr>
-          <p:cNvPr id="12" name="Text Placeholder 3"/>
-          <p:cNvSpPr>
-            <a:spLocks noGrp="1"/>
-          </p:cNvSpPr>
-          <p:nvPr>
-            <p:ph type="body" sz="half" idx="17"/>
-          </p:nvPr>
-        </p:nvSpPr>
-        <p:spPr>
-          <a:xfrm>
-            <a:off x="23957280" y="11618258"/>
-            <a:ext cx="10241280" cy="13436316"/>
-          </a:xfrm>
-        </p:spPr>
-        <p:txBody>
-          <a:bodyPr anchor="t">
-            <a:normAutofit/>
-          </a:bodyPr>
-          <a:lstStyle>
-            <a:lvl1pPr marL="0" indent="0">
-              <a:buNone/>
-              <a:defRPr sz="5600"/>
-            </a:lvl1pPr>
-            <a:lvl2pPr marL="1828800" indent="0">
-              <a:buNone/>
-              <a:defRPr sz="4800"/>
-            </a:lvl2pPr>
-            <a:lvl3pPr marL="3657600" indent="0">
-              <a:buNone/>
-              <a:defRPr sz="4000"/>
-            </a:lvl3pPr>
-            <a:lvl4pPr marL="5486400" indent="0">
-              <a:buNone/>
-              <a:defRPr sz="3600"/>
-            </a:lvl4pPr>
-            <a:lvl5pPr marL="7315200" indent="0">
-              <a:buNone/>
-              <a:defRPr sz="3600"/>
-            </a:lvl5pPr>
-            <a:lvl6pPr marL="9144000" indent="0">
-              <a:buNone/>
-              <a:defRPr sz="3600"/>
-            </a:lvl6pPr>
-            <a:lvl7pPr marL="10972800" indent="0">
-              <a:buNone/>
-              <a:defRPr sz="3600"/>
-            </a:lvl7pPr>
-            <a:lvl8pPr marL="12801600" indent="0">
-              <a:buNone/>
-              <a:defRPr sz="3600"/>
-            </a:lvl8pPr>
-            <a:lvl9pPr marL="14630400" indent="0">
-              <a:buNone/>
-              <a:defRPr sz="3600"/>
-            </a:lvl9pPr>
-          </a:lstStyle>
-          <a:p>
-            <a:pPr lvl="0"/>
-            <a:r>
-              <a:rPr lang="zh-TW" altLang="en-US" smtClean="0"/>
-              <a:t>按一下以編輯母片文字樣式</a:t>
-            </a:r>
-          </a:p>
-        </p:txBody>
-      </p:sp>
-      <p:sp>
-        <p:nvSpPr>
-          <p:cNvPr id="3" name="Date Placeholder 2"/>
+          <p:cNvPr id="4" name="Date Placeholder 3"/>
           <p:cNvSpPr>
             <a:spLocks noGrp="1"/>
           </p:cNvSpPr>
@@ -2939,7 +2602,7 @@
       </p:sp>
       <p:sp>
         <p:nvSpPr>
-          <p:cNvPr id="4" name="Footer Placeholder 3"/>
+          <p:cNvPr id="5" name="Footer Placeholder 4"/>
           <p:cNvSpPr>
             <a:spLocks noGrp="1"/>
           </p:cNvSpPr>
@@ -2958,7 +2621,7 @@
       </p:sp>
       <p:sp>
         <p:nvSpPr>
-          <p:cNvPr id="5" name="Slide Number Placeholder 4"/>
+          <p:cNvPr id="6" name="Slide Number Placeholder 5"/>
           <p:cNvSpPr>
             <a:spLocks noGrp="1"/>
           </p:cNvSpPr>
@@ -2989,9 +2652,9 @@
 </p:sldLayout>
 </file>
 
-<file path=ppt/slideLayouts/slideLayout15.xml><?xml version="1.0" encoding="utf-8"?>
+<file path=ppt/slideLayouts/slideLayout14.xml><?xml version="1.0" encoding="utf-8"?>
 <p:sldLayout xmlns:a="http://schemas.openxmlformats.org/drawingml/2006/main" xmlns:r="http://schemas.openxmlformats.org/officeDocument/2006/relationships" xmlns:p="http://schemas.openxmlformats.org/presentationml/2006/main" preserve="1">
-  <p:cSld name="3 圖片欄">
+  <p:cSld name="名片引言">
     <p:spTree>
       <p:nvGrpSpPr>
         <p:cNvPr id="1" name=""/>
@@ -3006,99 +2669,348 @@
           <a:chExt cx="0" cy="0"/>
         </a:xfrm>
       </p:grpSpPr>
-      <p:sp>
-        <p:nvSpPr>
-          <p:cNvPr id="30" name="Title 1"/>
-          <p:cNvSpPr>
-            <a:spLocks noGrp="1"/>
-          </p:cNvSpPr>
-          <p:nvPr>
-            <p:ph type="title"/>
-          </p:nvPr>
-        </p:nvSpPr>
+      <p:pic>
+        <p:nvPicPr>
+          <p:cNvPr id="13" name="Picture 12" descr="Celestia-R1---OverlayContentSD.png"/>
+          <p:cNvPicPr>
+            <a:picLocks noChangeAspect="1"/>
+          </p:cNvPicPr>
+          <p:nvPr/>
+        </p:nvPicPr>
+        <p:blipFill>
+          <a:blip r:embed="rId2">
+            <a:extLst>
+              <a:ext uri="{28A0092B-C50C-407E-A947-70E740481C1C}">
+                <a14:useLocalDpi xmlns:a14="http://schemas.microsoft.com/office/drawing/2010/main" val="0"/>
+              </a:ext>
+            </a:extLst>
+          </a:blip>
+          <a:stretch>
+            <a:fillRect/>
+          </a:stretch>
+        </p:blipFill>
         <p:spPr>
           <a:xfrm>
-            <a:off x="8686808" y="3048000"/>
-            <a:ext cx="25527936" cy="5181600"/>
+            <a:off x="55824" y="0"/>
+            <a:ext cx="36474400" cy="27432000"/>
           </a:xfrm>
+          <a:prstGeom prst="rect">
+            <a:avLst/>
+          </a:prstGeom>
         </p:spPr>
-        <p:txBody>
-          <a:bodyPr/>
-          <a:lstStyle/>
-          <a:p>
-            <a:r>
-              <a:rPr lang="zh-TW" altLang="en-US" smtClean="0"/>
-              <a:t>按一下以編輯母片標題樣式</a:t>
-            </a:r>
-            <a:endParaRPr lang="en-US" dirty="0"/>
-          </a:p>
-        </p:txBody>
-      </p:sp>
-      <p:sp>
-        <p:nvSpPr>
-          <p:cNvPr id="19" name="Text Placeholder 2"/>
-          <p:cNvSpPr>
-            <a:spLocks noGrp="1"/>
-          </p:cNvSpPr>
-          <p:nvPr>
-            <p:ph type="body" idx="1"/>
-          </p:nvPr>
+      </p:pic>
+      <p:sp>
+        <p:nvSpPr>
+          <p:cNvPr id="11" name="TextBox 10"/>
+          <p:cNvSpPr txBox="1"/>
+          <p:nvPr/>
         </p:nvSpPr>
         <p:spPr>
           <a:xfrm>
-            <a:off x="2377440" y="16453362"/>
-            <a:ext cx="10241280" cy="2731060"/>
+            <a:off x="1687186" y="2872456"/>
+            <a:ext cx="1829276" cy="2339104"/>
           </a:xfrm>
+          <a:prstGeom prst="rect">
+            <a:avLst/>
+          </a:prstGeom>
         </p:spPr>
         <p:txBody>
-          <a:bodyPr anchor="b">
+          <a:bodyPr vert="horz" lIns="365760" tIns="182880" rIns="365760" bIns="182880" rtlCol="0" anchor="ctr">
             <a:noAutofit/>
           </a:bodyPr>
           <a:lstStyle>
-            <a:lvl1pPr marL="0" indent="0">
-              <a:buNone/>
-              <a:defRPr sz="9600" b="0">
-                <a:solidFill>
-                  <a:schemeClr val="tx1"/>
-                </a:solidFill>
+            <a:lvl1pPr>
+              <a:spcBef>
+                <a:spcPct val="0"/>
+              </a:spcBef>
+              <a:buNone/>
+              <a:defRPr sz="3200" b="0" cap="all">
+                <a:ln w="3175" cmpd="sng">
+                  <a:noFill/>
+                </a:ln>
+                <a:effectLst>
+                  <a:glow rad="38100">
+                    <a:schemeClr val="bg1">
+                      <a:lumMod val="65000"/>
+                      <a:lumOff val="35000"/>
+                      <a:alpha val="40000"/>
+                    </a:schemeClr>
+                  </a:glow>
+                  <a:outerShdw blurRad="28575" dist="38100" dir="14040000" algn="tl" rotWithShape="0">
+                    <a:srgbClr val="000000">
+                      <a:alpha val="25000"/>
+                    </a:srgbClr>
+                  </a:outerShdw>
+                </a:effectLst>
               </a:defRPr>
             </a:lvl1pPr>
-            <a:lvl2pPr marL="1828800" indent="0">
-              <a:buNone/>
-              <a:defRPr sz="8000" b="1"/>
+            <a:lvl2pPr>
+              <a:defRPr>
+                <a:solidFill>
+                  <a:schemeClr val="tx2"/>
+                </a:solidFill>
+              </a:defRPr>
             </a:lvl2pPr>
-            <a:lvl3pPr marL="3657600" indent="0">
-              <a:buNone/>
-              <a:defRPr sz="7200" b="1"/>
+            <a:lvl3pPr>
+              <a:defRPr>
+                <a:solidFill>
+                  <a:schemeClr val="tx2"/>
+                </a:solidFill>
+              </a:defRPr>
             </a:lvl3pPr>
-            <a:lvl4pPr marL="5486400" indent="0">
-              <a:buNone/>
-              <a:defRPr sz="6400" b="1"/>
+            <a:lvl4pPr>
+              <a:defRPr>
+                <a:solidFill>
+                  <a:schemeClr val="tx2"/>
+                </a:solidFill>
+              </a:defRPr>
             </a:lvl4pPr>
-            <a:lvl5pPr marL="7315200" indent="0">
-              <a:buNone/>
-              <a:defRPr sz="6400" b="1"/>
+            <a:lvl5pPr>
+              <a:defRPr>
+                <a:solidFill>
+                  <a:schemeClr val="tx2"/>
+                </a:solidFill>
+              </a:defRPr>
             </a:lvl5pPr>
-            <a:lvl6pPr marL="9144000" indent="0">
-              <a:buNone/>
-              <a:defRPr sz="6400" b="1"/>
+            <a:lvl6pPr>
+              <a:defRPr>
+                <a:solidFill>
+                  <a:schemeClr val="tx2"/>
+                </a:solidFill>
+              </a:defRPr>
             </a:lvl6pPr>
-            <a:lvl7pPr marL="10972800" indent="0">
-              <a:buNone/>
-              <a:defRPr sz="6400" b="1"/>
+            <a:lvl7pPr>
+              <a:defRPr>
+                <a:solidFill>
+                  <a:schemeClr val="tx2"/>
+                </a:solidFill>
+              </a:defRPr>
             </a:lvl7pPr>
-            <a:lvl8pPr marL="12801600" indent="0">
-              <a:buNone/>
-              <a:defRPr sz="6400" b="1"/>
+            <a:lvl8pPr>
+              <a:defRPr>
+                <a:solidFill>
+                  <a:schemeClr val="tx2"/>
+                </a:solidFill>
+              </a:defRPr>
             </a:lvl8pPr>
-            <a:lvl9pPr marL="14630400" indent="0">
-              <a:buNone/>
-              <a:defRPr sz="6400" b="1"/>
+            <a:lvl9pPr>
+              <a:defRPr>
+                <a:solidFill>
+                  <a:schemeClr val="tx2"/>
+                </a:solidFill>
+              </a:defRPr>
             </a:lvl9pPr>
           </a:lstStyle>
           <a:p>
             <a:pPr lvl="0"/>
             <a:r>
+              <a:rPr lang="en-US" sz="32000" dirty="0">
+                <a:solidFill>
+                  <a:schemeClr val="tx1"/>
+                </a:solidFill>
+                <a:effectLst/>
+              </a:rPr>
+              <a:t>“</a:t>
+            </a:r>
+          </a:p>
+        </p:txBody>
+      </p:sp>
+      <p:sp>
+        <p:nvSpPr>
+          <p:cNvPr id="16" name="TextBox 15"/>
+          <p:cNvSpPr txBox="1"/>
+          <p:nvPr/>
+        </p:nvSpPr>
+        <p:spPr>
+          <a:xfrm>
+            <a:off x="30943202" y="11006684"/>
+            <a:ext cx="1829276" cy="2339104"/>
+          </a:xfrm>
+          <a:prstGeom prst="rect">
+            <a:avLst/>
+          </a:prstGeom>
+        </p:spPr>
+        <p:txBody>
+          <a:bodyPr vert="horz" lIns="365760" tIns="182880" rIns="365760" bIns="182880" rtlCol="0" anchor="ctr">
+            <a:noAutofit/>
+          </a:bodyPr>
+          <a:lstStyle>
+            <a:lvl1pPr>
+              <a:spcBef>
+                <a:spcPct val="0"/>
+              </a:spcBef>
+              <a:buNone/>
+              <a:defRPr sz="3200" b="0" cap="all">
+                <a:ln w="3175" cmpd="sng">
+                  <a:noFill/>
+                </a:ln>
+                <a:effectLst>
+                  <a:glow rad="38100">
+                    <a:schemeClr val="bg1">
+                      <a:lumMod val="65000"/>
+                      <a:lumOff val="35000"/>
+                      <a:alpha val="40000"/>
+                    </a:schemeClr>
+                  </a:glow>
+                  <a:outerShdw blurRad="28575" dist="38100" dir="14040000" algn="tl" rotWithShape="0">
+                    <a:srgbClr val="000000">
+                      <a:alpha val="25000"/>
+                    </a:srgbClr>
+                  </a:outerShdw>
+                </a:effectLst>
+              </a:defRPr>
+            </a:lvl1pPr>
+            <a:lvl2pPr>
+              <a:defRPr>
+                <a:solidFill>
+                  <a:schemeClr val="tx2"/>
+                </a:solidFill>
+              </a:defRPr>
+            </a:lvl2pPr>
+            <a:lvl3pPr>
+              <a:defRPr>
+                <a:solidFill>
+                  <a:schemeClr val="tx2"/>
+                </a:solidFill>
+              </a:defRPr>
+            </a:lvl3pPr>
+            <a:lvl4pPr>
+              <a:defRPr>
+                <a:solidFill>
+                  <a:schemeClr val="tx2"/>
+                </a:solidFill>
+              </a:defRPr>
+            </a:lvl4pPr>
+            <a:lvl5pPr>
+              <a:defRPr>
+                <a:solidFill>
+                  <a:schemeClr val="tx2"/>
+                </a:solidFill>
+              </a:defRPr>
+            </a:lvl5pPr>
+            <a:lvl6pPr>
+              <a:defRPr>
+                <a:solidFill>
+                  <a:schemeClr val="tx2"/>
+                </a:solidFill>
+              </a:defRPr>
+            </a:lvl6pPr>
+            <a:lvl7pPr>
+              <a:defRPr>
+                <a:solidFill>
+                  <a:schemeClr val="tx2"/>
+                </a:solidFill>
+              </a:defRPr>
+            </a:lvl7pPr>
+            <a:lvl8pPr>
+              <a:defRPr>
+                <a:solidFill>
+                  <a:schemeClr val="tx2"/>
+                </a:solidFill>
+              </a:defRPr>
+            </a:lvl8pPr>
+            <a:lvl9pPr>
+              <a:defRPr>
+                <a:solidFill>
+                  <a:schemeClr val="tx2"/>
+                </a:solidFill>
+              </a:defRPr>
+            </a:lvl9pPr>
+          </a:lstStyle>
+          <a:p>
+            <a:pPr lvl="0" algn="r"/>
+            <a:r>
+              <a:rPr lang="en-US" sz="32000" dirty="0">
+                <a:solidFill>
+                  <a:schemeClr val="tx1"/>
+                </a:solidFill>
+                <a:effectLst/>
+              </a:rPr>
+              <a:t>”</a:t>
+            </a:r>
+          </a:p>
+        </p:txBody>
+      </p:sp>
+      <p:sp>
+        <p:nvSpPr>
+          <p:cNvPr id="2" name="Title 1"/>
+          <p:cNvSpPr>
+            <a:spLocks noGrp="1"/>
+          </p:cNvSpPr>
+          <p:nvPr>
+            <p:ph type="title"/>
+          </p:nvPr>
+        </p:nvSpPr>
+        <p:spPr>
+          <a:xfrm>
+            <a:off x="3516462" y="2438410"/>
+            <a:ext cx="28365188" cy="10972796"/>
+          </a:xfrm>
+        </p:spPr>
+        <p:txBody>
+          <a:bodyPr anchor="ctr">
+            <a:normAutofit/>
+          </a:bodyPr>
+          <a:lstStyle>
+            <a:lvl1pPr algn="l">
+              <a:defRPr sz="12800" b="0" cap="none">
+                <a:solidFill>
+                  <a:schemeClr val="tx1"/>
+                </a:solidFill>
+              </a:defRPr>
+            </a:lvl1pPr>
+          </a:lstStyle>
+          <a:p>
+            <a:r>
+              <a:rPr lang="zh-TW" altLang="en-US" smtClean="0"/>
+              <a:t>按一下以編輯母片標題樣式</a:t>
+            </a:r>
+            <a:endParaRPr lang="en-US" dirty="0"/>
+          </a:p>
+        </p:txBody>
+      </p:sp>
+      <p:sp>
+        <p:nvSpPr>
+          <p:cNvPr id="10" name="Text Placeholder 9"/>
+          <p:cNvSpPr>
+            <a:spLocks noGrp="1"/>
+          </p:cNvSpPr>
+          <p:nvPr>
+            <p:ph type="body" sz="quarter" idx="13"/>
+          </p:nvPr>
+        </p:nvSpPr>
+        <p:spPr>
+          <a:xfrm>
+            <a:off x="1828802" y="15544800"/>
+            <a:ext cx="31089604" cy="3556000"/>
+          </a:xfrm>
+        </p:spPr>
+        <p:txBody>
+          <a:bodyPr vert="horz" lIns="91440" tIns="45720" rIns="91440" bIns="45720" rtlCol="0" anchor="b">
+            <a:normAutofit/>
+          </a:bodyPr>
+          <a:lstStyle>
+            <a:lvl1pPr>
+              <a:buNone/>
+              <a:defRPr lang="en-US" sz="8000" b="0" cap="none" dirty="0">
+                <a:ln w="3175" cmpd="sng">
+                  <a:noFill/>
+                </a:ln>
+                <a:solidFill>
+                  <a:schemeClr val="tx1"/>
+                </a:solidFill>
+                <a:effectLst/>
+              </a:defRPr>
+            </a:lvl1pPr>
+          </a:lstStyle>
+          <a:p>
+            <a:pPr marL="0" lvl="0">
+              <a:spcBef>
+                <a:spcPct val="0"/>
+              </a:spcBef>
+              <a:buNone/>
+            </a:pPr>
+            <a:r>
               <a:rPr lang="zh-TW" altLang="en-US" smtClean="0"/>
               <a:t>按一下以編輯母片文字樣式</a:t>
             </a:r>
@@ -3107,97 +3019,338 @@
       </p:sp>
       <p:sp>
         <p:nvSpPr>
-          <p:cNvPr id="20" name="Picture Placeholder 2"/>
-          <p:cNvSpPr>
-            <a:spLocks noGrp="1" noChangeAspect="1"/>
-          </p:cNvSpPr>
-          <p:nvPr>
-            <p:ph type="pic" idx="15"/>
+          <p:cNvPr id="3" name="Text Placeholder 2"/>
+          <p:cNvSpPr>
+            <a:spLocks noGrp="1"/>
+          </p:cNvSpPr>
+          <p:nvPr>
+            <p:ph type="body" idx="1"/>
           </p:nvPr>
         </p:nvSpPr>
         <p:spPr>
           <a:xfrm>
-            <a:off x="2377440" y="9326880"/>
-            <a:ext cx="10241280" cy="6029200"/>
+            <a:off x="1828802" y="19100800"/>
+            <a:ext cx="31089604" cy="4064000"/>
           </a:xfrm>
-          <a:prstGeom prst="roundRect">
-            <a:avLst>
-              <a:gd name="adj" fmla="val 0"/>
-            </a:avLst>
-          </a:prstGeom>
-          <a:effectLst>
-            <a:outerShdw blurRad="50800" dist="50800" dir="5400000" algn="tl" rotWithShape="0">
-              <a:srgbClr val="000000">
-                <a:alpha val="43000"/>
-              </a:srgbClr>
-            </a:outerShdw>
-          </a:effectLst>
         </p:spPr>
         <p:txBody>
           <a:bodyPr anchor="t">
             <a:normAutofit/>
           </a:bodyPr>
           <a:lstStyle>
-            <a:lvl1pPr marL="0" indent="0" algn="ctr">
-              <a:buNone/>
-              <a:defRPr sz="6400"/>
+            <a:lvl1pPr marL="0" indent="0" algn="l">
+              <a:buNone/>
+              <a:defRPr sz="6400">
+                <a:solidFill>
+                  <a:schemeClr val="tx1"/>
+                </a:solidFill>
+              </a:defRPr>
             </a:lvl1pPr>
             <a:lvl2pPr marL="1828800" indent="0">
               <a:buNone/>
-              <a:defRPr sz="6400"/>
+              <a:defRPr sz="6400">
+                <a:solidFill>
+                  <a:schemeClr val="tx1">
+                    <a:tint val="75000"/>
+                  </a:schemeClr>
+                </a:solidFill>
+              </a:defRPr>
             </a:lvl2pPr>
             <a:lvl3pPr marL="3657600" indent="0">
               <a:buNone/>
-              <a:defRPr sz="6400"/>
+              <a:defRPr sz="6400">
+                <a:solidFill>
+                  <a:schemeClr val="tx1">
+                    <a:tint val="75000"/>
+                  </a:schemeClr>
+                </a:solidFill>
+              </a:defRPr>
             </a:lvl3pPr>
             <a:lvl4pPr marL="5486400" indent="0">
               <a:buNone/>
-              <a:defRPr sz="6400"/>
+              <a:defRPr sz="5600">
+                <a:solidFill>
+                  <a:schemeClr val="tx1">
+                    <a:tint val="75000"/>
+                  </a:schemeClr>
+                </a:solidFill>
+              </a:defRPr>
             </a:lvl4pPr>
             <a:lvl5pPr marL="7315200" indent="0">
               <a:buNone/>
-              <a:defRPr sz="6400"/>
+              <a:defRPr sz="5600">
+                <a:solidFill>
+                  <a:schemeClr val="tx1">
+                    <a:tint val="75000"/>
+                  </a:schemeClr>
+                </a:solidFill>
+              </a:defRPr>
             </a:lvl5pPr>
             <a:lvl6pPr marL="9144000" indent="0">
               <a:buNone/>
-              <a:defRPr sz="6400"/>
+              <a:defRPr sz="5600">
+                <a:solidFill>
+                  <a:schemeClr val="tx1">
+                    <a:tint val="75000"/>
+                  </a:schemeClr>
+                </a:solidFill>
+              </a:defRPr>
             </a:lvl6pPr>
             <a:lvl7pPr marL="10972800" indent="0">
               <a:buNone/>
-              <a:defRPr sz="6400"/>
+              <a:defRPr sz="5600">
+                <a:solidFill>
+                  <a:schemeClr val="tx1">
+                    <a:tint val="75000"/>
+                  </a:schemeClr>
+                </a:solidFill>
+              </a:defRPr>
             </a:lvl7pPr>
             <a:lvl8pPr marL="12801600" indent="0">
               <a:buNone/>
-              <a:defRPr sz="6400"/>
+              <a:defRPr sz="5600">
+                <a:solidFill>
+                  <a:schemeClr val="tx1">
+                    <a:tint val="75000"/>
+                  </a:schemeClr>
+                </a:solidFill>
+              </a:defRPr>
             </a:lvl8pPr>
             <a:lvl9pPr marL="14630400" indent="0">
               <a:buNone/>
-              <a:defRPr sz="6400"/>
+              <a:defRPr sz="5600">
+                <a:solidFill>
+                  <a:schemeClr val="tx1">
+                    <a:tint val="75000"/>
+                  </a:schemeClr>
+                </a:solidFill>
+              </a:defRPr>
             </a:lvl9pPr>
           </a:lstStyle>
           <a:p>
+            <a:pPr lvl="0"/>
             <a:r>
               <a:rPr lang="zh-TW" altLang="en-US" smtClean="0"/>
-              <a:t>將圖片拖曳至版面配置區或按一下圖示以新增</a:t>
-            </a:r>
-            <a:endParaRPr lang="en-US" dirty="0"/>
-          </a:p>
-        </p:txBody>
-      </p:sp>
-      <p:sp>
-        <p:nvSpPr>
-          <p:cNvPr id="21" name="Text Placeholder 3"/>
-          <p:cNvSpPr>
-            <a:spLocks noGrp="1"/>
-          </p:cNvSpPr>
-          <p:nvPr>
-            <p:ph type="body" sz="half" idx="18"/>
-          </p:nvPr>
-        </p:nvSpPr>
+              <a:t>按一下以編輯母片文字樣式</a:t>
+            </a:r>
+          </a:p>
+        </p:txBody>
+      </p:sp>
+      <p:sp>
+        <p:nvSpPr>
+          <p:cNvPr id="4" name="Date Placeholder 3"/>
+          <p:cNvSpPr>
+            <a:spLocks noGrp="1"/>
+          </p:cNvSpPr>
+          <p:nvPr>
+            <p:ph type="dt" sz="half" idx="10"/>
+          </p:nvPr>
+        </p:nvSpPr>
+        <p:spPr/>
+        <p:txBody>
+          <a:bodyPr/>
+          <a:lstStyle/>
+          <a:p>
+            <a:endParaRPr lang="en-GB" altLang="x-none"/>
+          </a:p>
+        </p:txBody>
+      </p:sp>
+      <p:sp>
+        <p:nvSpPr>
+          <p:cNvPr id="5" name="Footer Placeholder 4"/>
+          <p:cNvSpPr>
+            <a:spLocks noGrp="1"/>
+          </p:cNvSpPr>
+          <p:nvPr>
+            <p:ph type="ftr" sz="quarter" idx="11"/>
+          </p:nvPr>
+        </p:nvSpPr>
+        <p:spPr/>
+        <p:txBody>
+          <a:bodyPr/>
+          <a:lstStyle/>
+          <a:p>
+            <a:endParaRPr lang="en-GB" altLang="x-none"/>
+          </a:p>
+        </p:txBody>
+      </p:sp>
+      <p:sp>
+        <p:nvSpPr>
+          <p:cNvPr id="6" name="Slide Number Placeholder 5"/>
+          <p:cNvSpPr>
+            <a:spLocks noGrp="1"/>
+          </p:cNvSpPr>
+          <p:nvPr>
+            <p:ph type="sldNum" sz="quarter" idx="12"/>
+          </p:nvPr>
+        </p:nvSpPr>
+        <p:spPr/>
+        <p:txBody>
+          <a:bodyPr/>
+          <a:lstStyle/>
+          <a:p>
+            <a:fld id="{AD74203F-F9AA-184C-B023-F705B72C1A29}" type="slidenum">
+              <a:rPr lang="en-GB" altLang="x-none" smtClean="0"/>
+              <a:pPr/>
+              <a:t>‹#›</a:t>
+            </a:fld>
+            <a:endParaRPr lang="en-GB" altLang="x-none"/>
+          </a:p>
+        </p:txBody>
+      </p:sp>
+    </p:spTree>
+  </p:cSld>
+  <p:clrMapOvr>
+    <a:masterClrMapping/>
+  </p:clrMapOvr>
+  <p:hf sldNum="0" hdr="0" ftr="0" dt="0"/>
+</p:sldLayout>
+</file>
+
+<file path=ppt/slideLayouts/slideLayout15.xml><?xml version="1.0" encoding="utf-8"?>
+<p:sldLayout xmlns:a="http://schemas.openxmlformats.org/drawingml/2006/main" xmlns:r="http://schemas.openxmlformats.org/officeDocument/2006/relationships" xmlns:p="http://schemas.openxmlformats.org/presentationml/2006/main" preserve="1">
+  <p:cSld name="True 或 False">
+    <p:spTree>
+      <p:nvGrpSpPr>
+        <p:cNvPr id="1" name=""/>
+        <p:cNvGrpSpPr/>
+        <p:nvPr/>
+      </p:nvGrpSpPr>
+      <p:grpSpPr>
+        <a:xfrm>
+          <a:off x="0" y="0"/>
+          <a:ext cx="0" cy="0"/>
+          <a:chOff x="0" y="0"/>
+          <a:chExt cx="0" cy="0"/>
+        </a:xfrm>
+      </p:grpSpPr>
+      <p:pic>
+        <p:nvPicPr>
+          <p:cNvPr id="8" name="Picture 7" descr="Celestia-R1---OverlayContentSD.png"/>
+          <p:cNvPicPr>
+            <a:picLocks noChangeAspect="1"/>
+          </p:cNvPicPr>
+          <p:nvPr/>
+        </p:nvPicPr>
+        <p:blipFill>
+          <a:blip r:embed="rId2">
+            <a:extLst>
+              <a:ext uri="{28A0092B-C50C-407E-A947-70E740481C1C}">
+                <a14:useLocalDpi xmlns:a14="http://schemas.microsoft.com/office/drawing/2010/main" val="0"/>
+              </a:ext>
+            </a:extLst>
+          </a:blip>
+          <a:stretch>
+            <a:fillRect/>
+          </a:stretch>
+        </p:blipFill>
         <p:spPr>
           <a:xfrm>
-            <a:off x="2377440" y="19184414"/>
-            <a:ext cx="10241280" cy="5870148"/>
+            <a:off x="55824" y="0"/>
+            <a:ext cx="36474400" cy="27432000"/>
+          </a:xfrm>
+          <a:prstGeom prst="rect">
+            <a:avLst/>
+          </a:prstGeom>
+        </p:spPr>
+      </p:pic>
+      <p:sp>
+        <p:nvSpPr>
+          <p:cNvPr id="2" name="Title 1"/>
+          <p:cNvSpPr>
+            <a:spLocks noGrp="1"/>
+          </p:cNvSpPr>
+          <p:nvPr>
+            <p:ph type="title"/>
+          </p:nvPr>
+        </p:nvSpPr>
+        <p:spPr>
+          <a:xfrm>
+            <a:off x="1857762" y="2438410"/>
+            <a:ext cx="31089604" cy="10972796"/>
+          </a:xfrm>
+        </p:spPr>
+        <p:txBody>
+          <a:bodyPr vert="horz" lIns="91440" tIns="45720" rIns="91440" bIns="45720" rtlCol="0" anchor="ctr">
+            <a:normAutofit/>
+          </a:bodyPr>
+          <a:lstStyle>
+            <a:lvl1pPr>
+              <a:defRPr lang="en-US" sz="11200" b="0" dirty="0"/>
+            </a:lvl1pPr>
+          </a:lstStyle>
+          <a:p>
+            <a:pPr marL="0" lvl="0"/>
+            <a:r>
+              <a:rPr lang="zh-TW" altLang="en-US" smtClean="0"/>
+              <a:t>按一下以編輯母片標題樣式</a:t>
+            </a:r>
+            <a:endParaRPr lang="en-US" dirty="0"/>
+          </a:p>
+        </p:txBody>
+      </p:sp>
+      <p:sp>
+        <p:nvSpPr>
+          <p:cNvPr id="10" name="Text Placeholder 9"/>
+          <p:cNvSpPr>
+            <a:spLocks noGrp="1"/>
+          </p:cNvSpPr>
+          <p:nvPr>
+            <p:ph type="body" sz="quarter" idx="13"/>
+          </p:nvPr>
+        </p:nvSpPr>
+        <p:spPr>
+          <a:xfrm>
+            <a:off x="1857762" y="14020800"/>
+            <a:ext cx="31089604" cy="3352800"/>
+          </a:xfrm>
+        </p:spPr>
+        <p:txBody>
+          <a:bodyPr vert="horz" lIns="91440" tIns="45720" rIns="91440" bIns="45720" rtlCol="0" anchor="b">
+            <a:normAutofit/>
+          </a:bodyPr>
+          <a:lstStyle>
+            <a:lvl1pPr>
+              <a:buNone/>
+              <a:defRPr lang="en-US" sz="8000" b="0" cap="none" dirty="0">
+                <a:ln w="3175" cmpd="sng">
+                  <a:noFill/>
+                </a:ln>
+                <a:solidFill>
+                  <a:schemeClr val="tx1"/>
+                </a:solidFill>
+                <a:effectLst/>
+              </a:defRPr>
+            </a:lvl1pPr>
+          </a:lstStyle>
+          <a:p>
+            <a:pPr marL="0" lvl="0">
+              <a:spcBef>
+                <a:spcPct val="0"/>
+              </a:spcBef>
+              <a:buNone/>
+            </a:pPr>
+            <a:r>
+              <a:rPr lang="zh-TW" altLang="en-US" smtClean="0"/>
+              <a:t>按一下以編輯母片文字樣式</a:t>
+            </a:r>
+          </a:p>
+        </p:txBody>
+      </p:sp>
+      <p:sp>
+        <p:nvSpPr>
+          <p:cNvPr id="3" name="Text Placeholder 2"/>
+          <p:cNvSpPr>
+            <a:spLocks noGrp="1"/>
+          </p:cNvSpPr>
+          <p:nvPr>
+            <p:ph type="body" idx="1"/>
+          </p:nvPr>
+        </p:nvSpPr>
+        <p:spPr>
+          <a:xfrm>
+            <a:off x="1857758" y="17373600"/>
+            <a:ext cx="31089604" cy="5791200"/>
           </a:xfrm>
         </p:spPr>
         <p:txBody>
@@ -3205,41 +3358,93 @@
             <a:normAutofit/>
           </a:bodyPr>
           <a:lstStyle>
-            <a:lvl1pPr marL="0" indent="0">
-              <a:buNone/>
-              <a:defRPr sz="5600"/>
+            <a:lvl1pPr marL="0" indent="0" algn="l">
+              <a:buNone/>
+              <a:defRPr sz="6400">
+                <a:solidFill>
+                  <a:schemeClr val="tx1"/>
+                </a:solidFill>
+              </a:defRPr>
             </a:lvl1pPr>
             <a:lvl2pPr marL="1828800" indent="0">
               <a:buNone/>
-              <a:defRPr sz="4800"/>
+              <a:defRPr sz="6400">
+                <a:solidFill>
+                  <a:schemeClr val="tx1">
+                    <a:tint val="75000"/>
+                  </a:schemeClr>
+                </a:solidFill>
+              </a:defRPr>
             </a:lvl2pPr>
             <a:lvl3pPr marL="3657600" indent="0">
               <a:buNone/>
-              <a:defRPr sz="4000"/>
+              <a:defRPr sz="6400">
+                <a:solidFill>
+                  <a:schemeClr val="tx1">
+                    <a:tint val="75000"/>
+                  </a:schemeClr>
+                </a:solidFill>
+              </a:defRPr>
             </a:lvl3pPr>
             <a:lvl4pPr marL="5486400" indent="0">
               <a:buNone/>
-              <a:defRPr sz="3600"/>
+              <a:defRPr sz="5600">
+                <a:solidFill>
+                  <a:schemeClr val="tx1">
+                    <a:tint val="75000"/>
+                  </a:schemeClr>
+                </a:solidFill>
+              </a:defRPr>
             </a:lvl4pPr>
             <a:lvl5pPr marL="7315200" indent="0">
               <a:buNone/>
-              <a:defRPr sz="3600"/>
+              <a:defRPr sz="5600">
+                <a:solidFill>
+                  <a:schemeClr val="tx1">
+                    <a:tint val="75000"/>
+                  </a:schemeClr>
+                </a:solidFill>
+              </a:defRPr>
             </a:lvl5pPr>
             <a:lvl6pPr marL="9144000" indent="0">
               <a:buNone/>
-              <a:defRPr sz="3600"/>
+              <a:defRPr sz="5600">
+                <a:solidFill>
+                  <a:schemeClr val="tx1">
+                    <a:tint val="75000"/>
+                  </a:schemeClr>
+                </a:solidFill>
+              </a:defRPr>
             </a:lvl6pPr>
             <a:lvl7pPr marL="10972800" indent="0">
               <a:buNone/>
-              <a:defRPr sz="3600"/>
+              <a:defRPr sz="5600">
+                <a:solidFill>
+                  <a:schemeClr val="tx1">
+                    <a:tint val="75000"/>
+                  </a:schemeClr>
+                </a:solidFill>
+              </a:defRPr>
             </a:lvl7pPr>
             <a:lvl8pPr marL="12801600" indent="0">
               <a:buNone/>
-              <a:defRPr sz="3600"/>
+              <a:defRPr sz="5600">
+                <a:solidFill>
+                  <a:schemeClr val="tx1">
+                    <a:tint val="75000"/>
+                  </a:schemeClr>
+                </a:solidFill>
+              </a:defRPr>
             </a:lvl8pPr>
             <a:lvl9pPr marL="14630400" indent="0">
               <a:buNone/>
-              <a:defRPr sz="3600"/>
+              <a:defRPr sz="5600">
+                <a:solidFill>
+                  <a:schemeClr val="tx1">
+                    <a:tint val="75000"/>
+                  </a:schemeClr>
+                </a:solidFill>
+              </a:defRPr>
             </a:lvl9pPr>
           </a:lstStyle>
           <a:p>
@@ -3253,441 +3458,7 @@
       </p:sp>
       <p:sp>
         <p:nvSpPr>
-          <p:cNvPr id="22" name="Text Placeholder 4"/>
-          <p:cNvSpPr>
-            <a:spLocks noGrp="1"/>
-          </p:cNvSpPr>
-          <p:nvPr>
-            <p:ph type="body" sz="quarter" idx="3"/>
-          </p:nvPr>
-        </p:nvSpPr>
-        <p:spPr>
-          <a:xfrm>
-            <a:off x="13167492" y="16453362"/>
-            <a:ext cx="10241280" cy="2731060"/>
-          </a:xfrm>
-        </p:spPr>
-        <p:txBody>
-          <a:bodyPr anchor="b">
-            <a:noAutofit/>
-          </a:bodyPr>
-          <a:lstStyle>
-            <a:lvl1pPr marL="0" indent="0">
-              <a:buNone/>
-              <a:defRPr sz="9600" b="0">
-                <a:solidFill>
-                  <a:schemeClr val="tx1"/>
-                </a:solidFill>
-              </a:defRPr>
-            </a:lvl1pPr>
-            <a:lvl2pPr marL="1828800" indent="0">
-              <a:buNone/>
-              <a:defRPr sz="8000" b="1"/>
-            </a:lvl2pPr>
-            <a:lvl3pPr marL="3657600" indent="0">
-              <a:buNone/>
-              <a:defRPr sz="7200" b="1"/>
-            </a:lvl3pPr>
-            <a:lvl4pPr marL="5486400" indent="0">
-              <a:buNone/>
-              <a:defRPr sz="6400" b="1"/>
-            </a:lvl4pPr>
-            <a:lvl5pPr marL="7315200" indent="0">
-              <a:buNone/>
-              <a:defRPr sz="6400" b="1"/>
-            </a:lvl5pPr>
-            <a:lvl6pPr marL="9144000" indent="0">
-              <a:buNone/>
-              <a:defRPr sz="6400" b="1"/>
-            </a:lvl6pPr>
-            <a:lvl7pPr marL="10972800" indent="0">
-              <a:buNone/>
-              <a:defRPr sz="6400" b="1"/>
-            </a:lvl7pPr>
-            <a:lvl8pPr marL="12801600" indent="0">
-              <a:buNone/>
-              <a:defRPr sz="6400" b="1"/>
-            </a:lvl8pPr>
-            <a:lvl9pPr marL="14630400" indent="0">
-              <a:buNone/>
-              <a:defRPr sz="6400" b="1"/>
-            </a:lvl9pPr>
-          </a:lstStyle>
-          <a:p>
-            <a:pPr lvl="0"/>
-            <a:r>
-              <a:rPr lang="zh-TW" altLang="en-US" smtClean="0"/>
-              <a:t>按一下以編輯母片文字樣式</a:t>
-            </a:r>
-          </a:p>
-        </p:txBody>
-      </p:sp>
-      <p:sp>
-        <p:nvSpPr>
-          <p:cNvPr id="23" name="Picture Placeholder 2"/>
-          <p:cNvSpPr>
-            <a:spLocks noGrp="1" noChangeAspect="1"/>
-          </p:cNvSpPr>
-          <p:nvPr>
-            <p:ph type="pic" idx="21"/>
-          </p:nvPr>
-        </p:nvSpPr>
-        <p:spPr>
-          <a:xfrm>
-            <a:off x="13167488" y="9326880"/>
-            <a:ext cx="10241280" cy="6039448"/>
-          </a:xfrm>
-          <a:prstGeom prst="roundRect">
-            <a:avLst>
-              <a:gd name="adj" fmla="val 0"/>
-            </a:avLst>
-          </a:prstGeom>
-          <a:effectLst>
-            <a:outerShdw blurRad="50800" dist="50800" dir="5400000" algn="tl" rotWithShape="0">
-              <a:srgbClr val="000000">
-                <a:alpha val="43000"/>
-              </a:srgbClr>
-            </a:outerShdw>
-          </a:effectLst>
-        </p:spPr>
-        <p:txBody>
-          <a:bodyPr anchor="t">
-            <a:normAutofit/>
-          </a:bodyPr>
-          <a:lstStyle>
-            <a:lvl1pPr marL="0" indent="0" algn="ctr">
-              <a:buNone/>
-              <a:defRPr sz="6400"/>
-            </a:lvl1pPr>
-            <a:lvl2pPr marL="1828800" indent="0">
-              <a:buNone/>
-              <a:defRPr sz="6400"/>
-            </a:lvl2pPr>
-            <a:lvl3pPr marL="3657600" indent="0">
-              <a:buNone/>
-              <a:defRPr sz="6400"/>
-            </a:lvl3pPr>
-            <a:lvl4pPr marL="5486400" indent="0">
-              <a:buNone/>
-              <a:defRPr sz="6400"/>
-            </a:lvl4pPr>
-            <a:lvl5pPr marL="7315200" indent="0">
-              <a:buNone/>
-              <a:defRPr sz="6400"/>
-            </a:lvl5pPr>
-            <a:lvl6pPr marL="9144000" indent="0">
-              <a:buNone/>
-              <a:defRPr sz="6400"/>
-            </a:lvl6pPr>
-            <a:lvl7pPr marL="10972800" indent="0">
-              <a:buNone/>
-              <a:defRPr sz="6400"/>
-            </a:lvl7pPr>
-            <a:lvl8pPr marL="12801600" indent="0">
-              <a:buNone/>
-              <a:defRPr sz="6400"/>
-            </a:lvl8pPr>
-            <a:lvl9pPr marL="14630400" indent="0">
-              <a:buNone/>
-              <a:defRPr sz="6400"/>
-            </a:lvl9pPr>
-          </a:lstStyle>
-          <a:p>
-            <a:r>
-              <a:rPr lang="zh-TW" altLang="en-US" smtClean="0"/>
-              <a:t>將圖片拖曳至版面配置區或按一下圖示以新增</a:t>
-            </a:r>
-            <a:endParaRPr lang="en-US" dirty="0"/>
-          </a:p>
-        </p:txBody>
-      </p:sp>
-      <p:sp>
-        <p:nvSpPr>
-          <p:cNvPr id="24" name="Text Placeholder 3"/>
-          <p:cNvSpPr>
-            <a:spLocks noGrp="1"/>
-          </p:cNvSpPr>
-          <p:nvPr>
-            <p:ph type="body" sz="half" idx="19"/>
-          </p:nvPr>
-        </p:nvSpPr>
-        <p:spPr>
-          <a:xfrm>
-            <a:off x="13163432" y="19184410"/>
-            <a:ext cx="10241280" cy="5870148"/>
-          </a:xfrm>
-        </p:spPr>
-        <p:txBody>
-          <a:bodyPr anchor="t">
-            <a:normAutofit/>
-          </a:bodyPr>
-          <a:lstStyle>
-            <a:lvl1pPr marL="0" indent="0">
-              <a:buNone/>
-              <a:defRPr sz="5600"/>
-            </a:lvl1pPr>
-            <a:lvl2pPr marL="1828800" indent="0">
-              <a:buNone/>
-              <a:defRPr sz="4800"/>
-            </a:lvl2pPr>
-            <a:lvl3pPr marL="3657600" indent="0">
-              <a:buNone/>
-              <a:defRPr sz="4000"/>
-            </a:lvl3pPr>
-            <a:lvl4pPr marL="5486400" indent="0">
-              <a:buNone/>
-              <a:defRPr sz="3600"/>
-            </a:lvl4pPr>
-            <a:lvl5pPr marL="7315200" indent="0">
-              <a:buNone/>
-              <a:defRPr sz="3600"/>
-            </a:lvl5pPr>
-            <a:lvl6pPr marL="9144000" indent="0">
-              <a:buNone/>
-              <a:defRPr sz="3600"/>
-            </a:lvl6pPr>
-            <a:lvl7pPr marL="10972800" indent="0">
-              <a:buNone/>
-              <a:defRPr sz="3600"/>
-            </a:lvl7pPr>
-            <a:lvl8pPr marL="12801600" indent="0">
-              <a:buNone/>
-              <a:defRPr sz="3600"/>
-            </a:lvl8pPr>
-            <a:lvl9pPr marL="14630400" indent="0">
-              <a:buNone/>
-              <a:defRPr sz="3600"/>
-            </a:lvl9pPr>
-          </a:lstStyle>
-          <a:p>
-            <a:pPr lvl="0"/>
-            <a:r>
-              <a:rPr lang="zh-TW" altLang="en-US" smtClean="0"/>
-              <a:t>按一下以編輯母片文字樣式</a:t>
-            </a:r>
-          </a:p>
-        </p:txBody>
-      </p:sp>
-      <p:sp>
-        <p:nvSpPr>
-          <p:cNvPr id="25" name="Text Placeholder 4"/>
-          <p:cNvSpPr>
-            <a:spLocks noGrp="1"/>
-          </p:cNvSpPr>
-          <p:nvPr>
-            <p:ph type="body" sz="quarter" idx="13"/>
-          </p:nvPr>
-        </p:nvSpPr>
-        <p:spPr>
-          <a:xfrm>
-            <a:off x="23973460" y="16453362"/>
-            <a:ext cx="10241280" cy="2731060"/>
-          </a:xfrm>
-        </p:spPr>
-        <p:txBody>
-          <a:bodyPr anchor="b">
-            <a:noAutofit/>
-          </a:bodyPr>
-          <a:lstStyle>
-            <a:lvl1pPr marL="0" indent="0">
-              <a:buNone/>
-              <a:defRPr sz="9600" b="0">
-                <a:solidFill>
-                  <a:schemeClr val="tx1"/>
-                </a:solidFill>
-              </a:defRPr>
-            </a:lvl1pPr>
-            <a:lvl2pPr marL="1828800" indent="0">
-              <a:buNone/>
-              <a:defRPr sz="8000" b="1"/>
-            </a:lvl2pPr>
-            <a:lvl3pPr marL="3657600" indent="0">
-              <a:buNone/>
-              <a:defRPr sz="7200" b="1"/>
-            </a:lvl3pPr>
-            <a:lvl4pPr marL="5486400" indent="0">
-              <a:buNone/>
-              <a:defRPr sz="6400" b="1"/>
-            </a:lvl4pPr>
-            <a:lvl5pPr marL="7315200" indent="0">
-              <a:buNone/>
-              <a:defRPr sz="6400" b="1"/>
-            </a:lvl5pPr>
-            <a:lvl6pPr marL="9144000" indent="0">
-              <a:buNone/>
-              <a:defRPr sz="6400" b="1"/>
-            </a:lvl6pPr>
-            <a:lvl7pPr marL="10972800" indent="0">
-              <a:buNone/>
-              <a:defRPr sz="6400" b="1"/>
-            </a:lvl7pPr>
-            <a:lvl8pPr marL="12801600" indent="0">
-              <a:buNone/>
-              <a:defRPr sz="6400" b="1"/>
-            </a:lvl8pPr>
-            <a:lvl9pPr marL="14630400" indent="0">
-              <a:buNone/>
-              <a:defRPr sz="6400" b="1"/>
-            </a:lvl9pPr>
-          </a:lstStyle>
-          <a:p>
-            <a:pPr lvl="0"/>
-            <a:r>
-              <a:rPr lang="zh-TW" altLang="en-US" smtClean="0"/>
-              <a:t>按一下以編輯母片文字樣式</a:t>
-            </a:r>
-          </a:p>
-        </p:txBody>
-      </p:sp>
-      <p:sp>
-        <p:nvSpPr>
-          <p:cNvPr id="26" name="Picture Placeholder 2"/>
-          <p:cNvSpPr>
-            <a:spLocks noGrp="1" noChangeAspect="1"/>
-          </p:cNvSpPr>
-          <p:nvPr>
-            <p:ph type="pic" idx="22"/>
-          </p:nvPr>
-        </p:nvSpPr>
-        <p:spPr>
-          <a:xfrm>
-            <a:off x="23973456" y="9326886"/>
-            <a:ext cx="10241280" cy="6035676"/>
-          </a:xfrm>
-          <a:prstGeom prst="roundRect">
-            <a:avLst>
-              <a:gd name="adj" fmla="val 0"/>
-            </a:avLst>
-          </a:prstGeom>
-          <a:effectLst>
-            <a:outerShdw blurRad="50800" dist="50800" dir="5400000" algn="tl" rotWithShape="0">
-              <a:srgbClr val="000000">
-                <a:alpha val="43000"/>
-              </a:srgbClr>
-            </a:outerShdw>
-          </a:effectLst>
-        </p:spPr>
-        <p:txBody>
-          <a:bodyPr anchor="t">
-            <a:normAutofit/>
-          </a:bodyPr>
-          <a:lstStyle>
-            <a:lvl1pPr marL="0" indent="0" algn="ctr">
-              <a:buNone/>
-              <a:defRPr sz="6400"/>
-            </a:lvl1pPr>
-            <a:lvl2pPr marL="1828800" indent="0">
-              <a:buNone/>
-              <a:defRPr sz="6400"/>
-            </a:lvl2pPr>
-            <a:lvl3pPr marL="3657600" indent="0">
-              <a:buNone/>
-              <a:defRPr sz="6400"/>
-            </a:lvl3pPr>
-            <a:lvl4pPr marL="5486400" indent="0">
-              <a:buNone/>
-              <a:defRPr sz="6400"/>
-            </a:lvl4pPr>
-            <a:lvl5pPr marL="7315200" indent="0">
-              <a:buNone/>
-              <a:defRPr sz="6400"/>
-            </a:lvl5pPr>
-            <a:lvl6pPr marL="9144000" indent="0">
-              <a:buNone/>
-              <a:defRPr sz="6400"/>
-            </a:lvl6pPr>
-            <a:lvl7pPr marL="10972800" indent="0">
-              <a:buNone/>
-              <a:defRPr sz="6400"/>
-            </a:lvl7pPr>
-            <a:lvl8pPr marL="12801600" indent="0">
-              <a:buNone/>
-              <a:defRPr sz="6400"/>
-            </a:lvl8pPr>
-            <a:lvl9pPr marL="14630400" indent="0">
-              <a:buNone/>
-              <a:defRPr sz="6400"/>
-            </a:lvl9pPr>
-          </a:lstStyle>
-          <a:p>
-            <a:r>
-              <a:rPr lang="zh-TW" altLang="en-US" smtClean="0"/>
-              <a:t>將圖片拖曳至版面配置區或按一下圖示以新增</a:t>
-            </a:r>
-            <a:endParaRPr lang="en-US" dirty="0"/>
-          </a:p>
-        </p:txBody>
-      </p:sp>
-      <p:sp>
-        <p:nvSpPr>
-          <p:cNvPr id="27" name="Text Placeholder 3"/>
-          <p:cNvSpPr>
-            <a:spLocks noGrp="1"/>
-          </p:cNvSpPr>
-          <p:nvPr>
-            <p:ph type="body" sz="half" idx="20"/>
-          </p:nvPr>
-        </p:nvSpPr>
-        <p:spPr>
-          <a:xfrm>
-            <a:off x="23973088" y="19184402"/>
-            <a:ext cx="10241280" cy="5870148"/>
-          </a:xfrm>
-        </p:spPr>
-        <p:txBody>
-          <a:bodyPr anchor="t">
-            <a:normAutofit/>
-          </a:bodyPr>
-          <a:lstStyle>
-            <a:lvl1pPr marL="0" indent="0">
-              <a:buNone/>
-              <a:defRPr sz="5600"/>
-            </a:lvl1pPr>
-            <a:lvl2pPr marL="1828800" indent="0">
-              <a:buNone/>
-              <a:defRPr sz="4800"/>
-            </a:lvl2pPr>
-            <a:lvl3pPr marL="3657600" indent="0">
-              <a:buNone/>
-              <a:defRPr sz="4000"/>
-            </a:lvl3pPr>
-            <a:lvl4pPr marL="5486400" indent="0">
-              <a:buNone/>
-              <a:defRPr sz="3600"/>
-            </a:lvl4pPr>
-            <a:lvl5pPr marL="7315200" indent="0">
-              <a:buNone/>
-              <a:defRPr sz="3600"/>
-            </a:lvl5pPr>
-            <a:lvl6pPr marL="9144000" indent="0">
-              <a:buNone/>
-              <a:defRPr sz="3600"/>
-            </a:lvl6pPr>
-            <a:lvl7pPr marL="10972800" indent="0">
-              <a:buNone/>
-              <a:defRPr sz="3600"/>
-            </a:lvl7pPr>
-            <a:lvl8pPr marL="12801600" indent="0">
-              <a:buNone/>
-              <a:defRPr sz="3600"/>
-            </a:lvl8pPr>
-            <a:lvl9pPr marL="14630400" indent="0">
-              <a:buNone/>
-              <a:defRPr sz="3600"/>
-            </a:lvl9pPr>
-          </a:lstStyle>
-          <a:p>
-            <a:pPr lvl="0"/>
-            <a:r>
-              <a:rPr lang="zh-TW" altLang="en-US" smtClean="0"/>
-              <a:t>按一下以編輯母片文字樣式</a:t>
-            </a:r>
-          </a:p>
-        </p:txBody>
-      </p:sp>
-      <p:sp>
-        <p:nvSpPr>
-          <p:cNvPr id="3" name="Date Placeholder 2"/>
+          <p:cNvPr id="4" name="Date Placeholder 3"/>
           <p:cNvSpPr>
             <a:spLocks noGrp="1"/>
           </p:cNvSpPr>
@@ -3706,7 +3477,7 @@
       </p:sp>
       <p:sp>
         <p:nvSpPr>
-          <p:cNvPr id="4" name="Footer Placeholder 3"/>
+          <p:cNvPr id="5" name="Footer Placeholder 4"/>
           <p:cNvSpPr>
             <a:spLocks noGrp="1"/>
           </p:cNvSpPr>
@@ -3725,7 +3496,7 @@
       </p:sp>
       <p:sp>
         <p:nvSpPr>
-          <p:cNvPr id="5" name="Slide Number Placeholder 4"/>
+          <p:cNvPr id="6" name="Slide Number Placeholder 5"/>
           <p:cNvSpPr>
             <a:spLocks noGrp="1"/>
           </p:cNvSpPr>
@@ -3773,177 +3544,9 @@
           <a:chExt cx="0" cy="0"/>
         </a:xfrm>
       </p:grpSpPr>
-      <p:sp>
-        <p:nvSpPr>
-          <p:cNvPr id="2" name="Title 1"/>
-          <p:cNvSpPr>
-            <a:spLocks noGrp="1"/>
-          </p:cNvSpPr>
-          <p:nvPr>
-            <p:ph type="title"/>
-          </p:nvPr>
-        </p:nvSpPr>
-        <p:spPr/>
-        <p:txBody>
-          <a:bodyPr/>
-          <a:lstStyle/>
-          <a:p>
-            <a:r>
-              <a:rPr lang="zh-TW" altLang="en-US" smtClean="0"/>
-              <a:t>按一下以編輯母片標題樣式</a:t>
-            </a:r>
-            <a:endParaRPr lang="en-US" dirty="0"/>
-          </a:p>
-        </p:txBody>
-      </p:sp>
-      <p:sp>
-        <p:nvSpPr>
-          <p:cNvPr id="3" name="Vertical Text Placeholder 2"/>
-          <p:cNvSpPr>
-            <a:spLocks noGrp="1"/>
-          </p:cNvSpPr>
-          <p:nvPr>
-            <p:ph type="body" orient="vert" idx="1"/>
-          </p:nvPr>
-        </p:nvSpPr>
-        <p:spPr>
-          <a:xfrm>
-            <a:off x="2377440" y="8778240"/>
-            <a:ext cx="31821120" cy="16276320"/>
-          </a:xfrm>
-        </p:spPr>
-        <p:txBody>
-          <a:bodyPr vert="eaVert"/>
-          <a:lstStyle/>
-          <a:p>
-            <a:pPr lvl="0"/>
-            <a:r>
-              <a:rPr lang="zh-TW" altLang="en-US" smtClean="0"/>
-              <a:t>按一下以編輯母片文字樣式</a:t>
-            </a:r>
-          </a:p>
-          <a:p>
-            <a:pPr lvl="1"/>
-            <a:r>
-              <a:rPr lang="zh-TW" altLang="en-US" smtClean="0"/>
-              <a:t>第二層</a:t>
-            </a:r>
-          </a:p>
-          <a:p>
-            <a:pPr lvl="2"/>
-            <a:r>
-              <a:rPr lang="zh-TW" altLang="en-US" smtClean="0"/>
-              <a:t>第三層</a:t>
-            </a:r>
-          </a:p>
-          <a:p>
-            <a:pPr lvl="3"/>
-            <a:r>
-              <a:rPr lang="zh-TW" altLang="en-US" smtClean="0"/>
-              <a:t>第四層</a:t>
-            </a:r>
-          </a:p>
-          <a:p>
-            <a:pPr lvl="4"/>
-            <a:r>
-              <a:rPr lang="zh-TW" altLang="en-US" smtClean="0"/>
-              <a:t>第五層</a:t>
-            </a:r>
-            <a:endParaRPr lang="en-US" dirty="0"/>
-          </a:p>
-        </p:txBody>
-      </p:sp>
-      <p:sp>
-        <p:nvSpPr>
-          <p:cNvPr id="4" name="Date Placeholder 3"/>
-          <p:cNvSpPr>
-            <a:spLocks noGrp="1"/>
-          </p:cNvSpPr>
-          <p:nvPr>
-            <p:ph type="dt" sz="half" idx="10"/>
-          </p:nvPr>
-        </p:nvSpPr>
-        <p:spPr/>
-        <p:txBody>
-          <a:bodyPr/>
-          <a:lstStyle/>
-          <a:p>
-            <a:endParaRPr lang="en-GB" altLang="x-none"/>
-          </a:p>
-        </p:txBody>
-      </p:sp>
-      <p:sp>
-        <p:nvSpPr>
-          <p:cNvPr id="5" name="Footer Placeholder 4"/>
-          <p:cNvSpPr>
-            <a:spLocks noGrp="1"/>
-          </p:cNvSpPr>
-          <p:nvPr>
-            <p:ph type="ftr" sz="quarter" idx="11"/>
-          </p:nvPr>
-        </p:nvSpPr>
-        <p:spPr/>
-        <p:txBody>
-          <a:bodyPr/>
-          <a:lstStyle/>
-          <a:p>
-            <a:endParaRPr lang="en-GB" altLang="x-none"/>
-          </a:p>
-        </p:txBody>
-      </p:sp>
-      <p:sp>
-        <p:nvSpPr>
-          <p:cNvPr id="6" name="Slide Number Placeholder 5"/>
-          <p:cNvSpPr>
-            <a:spLocks noGrp="1"/>
-          </p:cNvSpPr>
-          <p:nvPr>
-            <p:ph type="sldNum" sz="quarter" idx="12"/>
-          </p:nvPr>
-        </p:nvSpPr>
-        <p:spPr/>
-        <p:txBody>
-          <a:bodyPr/>
-          <a:lstStyle/>
-          <a:p>
-            <a:fld id="{AD74203F-F9AA-184C-B023-F705B72C1A29}" type="slidenum">
-              <a:rPr lang="en-GB" altLang="x-none" smtClean="0"/>
-              <a:pPr/>
-              <a:t>‹#›</a:t>
-            </a:fld>
-            <a:endParaRPr lang="en-GB" altLang="x-none"/>
-          </a:p>
-        </p:txBody>
-      </p:sp>
-    </p:spTree>
-  </p:cSld>
-  <p:clrMapOvr>
-    <a:masterClrMapping/>
-  </p:clrMapOvr>
-  <p:hf sldNum="0" hdr="0" ftr="0" dt="0"/>
-</p:sldLayout>
-</file>
-
-<file path=ppt/slideLayouts/slideLayout17.xml><?xml version="1.0" encoding="utf-8"?>
-<p:sldLayout xmlns:a="http://schemas.openxmlformats.org/drawingml/2006/main" xmlns:r="http://schemas.openxmlformats.org/officeDocument/2006/relationships" xmlns:p="http://schemas.openxmlformats.org/presentationml/2006/main" showMasterSp="0" type="vertTitleAndTx" preserve="1">
-  <p:cSld name="直排標題及文字">
-    <p:spTree>
-      <p:nvGrpSpPr>
-        <p:cNvPr id="1" name=""/>
-        <p:cNvGrpSpPr/>
-        <p:nvPr/>
-      </p:nvGrpSpPr>
-      <p:grpSpPr>
-        <a:xfrm>
-          <a:off x="0" y="0"/>
-          <a:ext cx="0" cy="0"/>
-          <a:chOff x="0" y="0"/>
-          <a:chExt cx="0" cy="0"/>
-        </a:xfrm>
-      </p:grpSpPr>
       <p:pic>
         <p:nvPicPr>
-          <p:cNvPr id="9" name="Picture 8" descr="C0-HD-BTM.png"/>
+          <p:cNvPr id="7" name="Picture 6" descr="Celestia-R1---OverlayContentSD.png"/>
           <p:cNvPicPr>
             <a:picLocks noChangeAspect="1"/>
           </p:cNvPicPr>
@@ -3963,8 +3566,8 @@
         </p:blipFill>
         <p:spPr>
           <a:xfrm>
-            <a:off x="0" y="19983448"/>
-            <a:ext cx="36576000" cy="7448552"/>
+            <a:off x="55824" y="0"/>
+            <a:ext cx="36474400" cy="27432000"/>
           </a:xfrm>
           <a:prstGeom prst="rect">
             <a:avLst/>
@@ -3973,25 +3576,27 @@
       </p:pic>
       <p:sp>
         <p:nvSpPr>
-          <p:cNvPr id="2" name="Vertical Title 1"/>
-          <p:cNvSpPr>
-            <a:spLocks noGrp="1"/>
-          </p:cNvSpPr>
-          <p:nvPr>
-            <p:ph type="title" orient="vert"/>
+          <p:cNvPr id="8" name="Title 1"/>
+          <p:cNvSpPr>
+            <a:spLocks noGrp="1"/>
+          </p:cNvSpPr>
+          <p:nvPr>
+            <p:ph type="title"/>
           </p:nvPr>
         </p:nvSpPr>
         <p:spPr>
           <a:xfrm>
-            <a:off x="28026360" y="2988734"/>
-            <a:ext cx="6172200" cy="16994700"/>
+            <a:off x="1828800" y="2438406"/>
+            <a:ext cx="31089600" cy="5825068"/>
           </a:xfrm>
         </p:spPr>
         <p:txBody>
-          <a:bodyPr vert="eaVert"/>
+          <a:bodyPr>
+            <a:normAutofit/>
+          </a:bodyPr>
           <a:lstStyle>
-            <a:lvl1pPr algn="l">
-              <a:defRPr/>
+            <a:lvl1pPr>
+              <a:defRPr sz="11200"/>
             </a:lvl1pPr>
           </a:lstStyle>
           <a:p>
@@ -4013,14 +3618,218 @@
             <p:ph type="body" orient="vert" idx="1"/>
           </p:nvPr>
         </p:nvSpPr>
+        <p:spPr/>
+        <p:txBody>
+          <a:bodyPr vert="eaVert" anchor="t"/>
+          <a:lstStyle/>
+          <a:p>
+            <a:pPr lvl="0"/>
+            <a:r>
+              <a:rPr lang="zh-TW" altLang="en-US" smtClean="0"/>
+              <a:t>按一下以編輯母片文字樣式</a:t>
+            </a:r>
+          </a:p>
+          <a:p>
+            <a:pPr lvl="1"/>
+            <a:r>
+              <a:rPr lang="zh-TW" altLang="en-US" smtClean="0"/>
+              <a:t>第二層</a:t>
+            </a:r>
+          </a:p>
+          <a:p>
+            <a:pPr lvl="2"/>
+            <a:r>
+              <a:rPr lang="zh-TW" altLang="en-US" smtClean="0"/>
+              <a:t>第三層</a:t>
+            </a:r>
+          </a:p>
+          <a:p>
+            <a:pPr lvl="3"/>
+            <a:r>
+              <a:rPr lang="zh-TW" altLang="en-US" smtClean="0"/>
+              <a:t>第四層</a:t>
+            </a:r>
+          </a:p>
+          <a:p>
+            <a:pPr lvl="4"/>
+            <a:r>
+              <a:rPr lang="zh-TW" altLang="en-US" smtClean="0"/>
+              <a:t>第五層</a:t>
+            </a:r>
+            <a:endParaRPr lang="en-US" dirty="0"/>
+          </a:p>
+        </p:txBody>
+      </p:sp>
+      <p:sp>
+        <p:nvSpPr>
+          <p:cNvPr id="4" name="Date Placeholder 3"/>
+          <p:cNvSpPr>
+            <a:spLocks noGrp="1"/>
+          </p:cNvSpPr>
+          <p:nvPr>
+            <p:ph type="dt" sz="half" idx="10"/>
+          </p:nvPr>
+        </p:nvSpPr>
+        <p:spPr/>
+        <p:txBody>
+          <a:bodyPr/>
+          <a:lstStyle/>
+          <a:p>
+            <a:endParaRPr lang="en-GB" altLang="x-none"/>
+          </a:p>
+        </p:txBody>
+      </p:sp>
+      <p:sp>
+        <p:nvSpPr>
+          <p:cNvPr id="5" name="Footer Placeholder 4"/>
+          <p:cNvSpPr>
+            <a:spLocks noGrp="1"/>
+          </p:cNvSpPr>
+          <p:nvPr>
+            <p:ph type="ftr" sz="quarter" idx="11"/>
+          </p:nvPr>
+        </p:nvSpPr>
+        <p:spPr/>
+        <p:txBody>
+          <a:bodyPr/>
+          <a:lstStyle/>
+          <a:p>
+            <a:endParaRPr lang="en-GB" altLang="x-none"/>
+          </a:p>
+        </p:txBody>
+      </p:sp>
+      <p:sp>
+        <p:nvSpPr>
+          <p:cNvPr id="6" name="Slide Number Placeholder 5"/>
+          <p:cNvSpPr>
+            <a:spLocks noGrp="1"/>
+          </p:cNvSpPr>
+          <p:nvPr>
+            <p:ph type="sldNum" sz="quarter" idx="12"/>
+          </p:nvPr>
+        </p:nvSpPr>
+        <p:spPr/>
+        <p:txBody>
+          <a:bodyPr/>
+          <a:lstStyle/>
+          <a:p>
+            <a:fld id="{AD74203F-F9AA-184C-B023-F705B72C1A29}" type="slidenum">
+              <a:rPr lang="en-GB" altLang="x-none" smtClean="0"/>
+              <a:pPr/>
+              <a:t>‹#›</a:t>
+            </a:fld>
+            <a:endParaRPr lang="en-GB" altLang="x-none"/>
+          </a:p>
+        </p:txBody>
+      </p:sp>
+    </p:spTree>
+  </p:cSld>
+  <p:clrMapOvr>
+    <a:masterClrMapping/>
+  </p:clrMapOvr>
+  <p:hf sldNum="0" hdr="0" ftr="0" dt="0"/>
+</p:sldLayout>
+</file>
+
+<file path=ppt/slideLayouts/slideLayout17.xml><?xml version="1.0" encoding="utf-8"?>
+<p:sldLayout xmlns:a="http://schemas.openxmlformats.org/drawingml/2006/main" xmlns:r="http://schemas.openxmlformats.org/officeDocument/2006/relationships" xmlns:p="http://schemas.openxmlformats.org/presentationml/2006/main" type="vertTitleAndTx" preserve="1">
+  <p:cSld name="直排標題及文字">
+    <p:spTree>
+      <p:nvGrpSpPr>
+        <p:cNvPr id="1" name=""/>
+        <p:cNvGrpSpPr/>
+        <p:nvPr/>
+      </p:nvGrpSpPr>
+      <p:grpSpPr>
+        <a:xfrm>
+          <a:off x="0" y="0"/>
+          <a:ext cx="0" cy="0"/>
+          <a:chOff x="0" y="0"/>
+          <a:chExt cx="0" cy="0"/>
+        </a:xfrm>
+      </p:grpSpPr>
+      <p:pic>
+        <p:nvPicPr>
+          <p:cNvPr id="7" name="Picture 6" descr="Celestia-R1---OverlayContentSD.png"/>
+          <p:cNvPicPr>
+            <a:picLocks noChangeAspect="1"/>
+          </p:cNvPicPr>
+          <p:nvPr/>
+        </p:nvPicPr>
+        <p:blipFill>
+          <a:blip r:embed="rId2">
+            <a:extLst>
+              <a:ext uri="{28A0092B-C50C-407E-A947-70E740481C1C}">
+                <a14:useLocalDpi xmlns:a14="http://schemas.microsoft.com/office/drawing/2010/main" val="0"/>
+              </a:ext>
+            </a:extLst>
+          </a:blip>
+          <a:stretch>
+            <a:fillRect/>
+          </a:stretch>
+        </p:blipFill>
         <p:spPr>
           <a:xfrm>
-            <a:off x="2377442" y="2984504"/>
-            <a:ext cx="25112140" cy="16998928"/>
+            <a:off x="55824" y="0"/>
+            <a:ext cx="36474400" cy="27432000"/>
+          </a:xfrm>
+          <a:prstGeom prst="rect">
+            <a:avLst/>
+          </a:prstGeom>
+        </p:spPr>
+      </p:pic>
+      <p:sp>
+        <p:nvSpPr>
+          <p:cNvPr id="2" name="Vertical Title 1"/>
+          <p:cNvSpPr>
+            <a:spLocks noGrp="1"/>
+          </p:cNvSpPr>
+          <p:nvPr>
+            <p:ph type="title" orient="vert"/>
+          </p:nvPr>
+        </p:nvSpPr>
+        <p:spPr>
+          <a:xfrm>
+            <a:off x="26211914" y="2438402"/>
+            <a:ext cx="6706484" cy="20726404"/>
           </a:xfrm>
         </p:spPr>
         <p:txBody>
-          <a:bodyPr vert="eaVert"/>
+          <a:bodyPr vert="eaVert">
+            <a:normAutofit/>
+          </a:bodyPr>
+          <a:lstStyle>
+            <a:lvl1pPr>
+              <a:defRPr sz="11200"/>
+            </a:lvl1pPr>
+          </a:lstStyle>
+          <a:p>
+            <a:r>
+              <a:rPr lang="zh-TW" altLang="en-US" smtClean="0"/>
+              <a:t>按一下以編輯母片標題樣式</a:t>
+            </a:r>
+            <a:endParaRPr lang="en-US" dirty="0"/>
+          </a:p>
+        </p:txBody>
+      </p:sp>
+      <p:sp>
+        <p:nvSpPr>
+          <p:cNvPr id="3" name="Vertical Text Placeholder 2"/>
+          <p:cNvSpPr>
+            <a:spLocks noGrp="1"/>
+          </p:cNvSpPr>
+          <p:nvPr>
+            <p:ph type="body" orient="vert" idx="1"/>
+          </p:nvPr>
+        </p:nvSpPr>
+        <p:spPr>
+          <a:xfrm>
+            <a:off x="1828800" y="2438400"/>
+            <a:ext cx="23960736" cy="20726400"/>
+          </a:xfrm>
+        </p:spPr>
+        <p:txBody>
+          <a:bodyPr vert="eaVert" anchor="t"/>
           <a:lstStyle/>
           <a:p>
             <a:pPr lvl="0"/>
@@ -4070,40 +3879,7 @@
             <p:ph type="dt" sz="half" idx="10"/>
           </p:nvPr>
         </p:nvSpPr>
-        <p:spPr>
-          <a:xfrm>
-            <a:off x="22248704" y="1524006"/>
-            <a:ext cx="8732520" cy="1460500"/>
-          </a:xfrm>
-        </p:spPr>
-        <p:txBody>
-          <a:bodyPr/>
-          <a:lstStyle>
-            <a:lvl1pPr algn="r">
-              <a:defRPr/>
-            </a:lvl1pPr>
-          </a:lstStyle>
-          <a:p>
-            <a:endParaRPr lang="en-GB" altLang="x-none"/>
-          </a:p>
-        </p:txBody>
-      </p:sp>
-      <p:sp>
-        <p:nvSpPr>
-          <p:cNvPr id="5" name="Footer Placeholder 4"/>
-          <p:cNvSpPr>
-            <a:spLocks noGrp="1"/>
-          </p:cNvSpPr>
-          <p:nvPr>
-            <p:ph type="ftr" sz="quarter" idx="11"/>
-          </p:nvPr>
-        </p:nvSpPr>
-        <p:spPr>
-          <a:xfrm>
-            <a:off x="2377440" y="1524006"/>
-            <a:ext cx="19322624" cy="1460500"/>
-          </a:xfrm>
-        </p:spPr>
+        <p:spPr/>
         <p:txBody>
           <a:bodyPr/>
           <a:lstStyle/>
@@ -4114,6 +3890,25 @@
       </p:sp>
       <p:sp>
         <p:nvSpPr>
+          <p:cNvPr id="5" name="Footer Placeholder 4"/>
+          <p:cNvSpPr>
+            <a:spLocks noGrp="1"/>
+          </p:cNvSpPr>
+          <p:nvPr>
+            <p:ph type="ftr" sz="quarter" idx="11"/>
+          </p:nvPr>
+        </p:nvSpPr>
+        <p:spPr/>
+        <p:txBody>
+          <a:bodyPr/>
+          <a:lstStyle/>
+          <a:p>
+            <a:endParaRPr lang="en-GB" altLang="x-none"/>
+          </a:p>
+        </p:txBody>
+      </p:sp>
+      <p:sp>
+        <p:nvSpPr>
           <p:cNvPr id="6" name="Slide Number Placeholder 5"/>
           <p:cNvSpPr>
             <a:spLocks noGrp="1"/>
@@ -4122,12 +3917,7 @@
             <p:ph type="sldNum" sz="quarter" idx="12"/>
           </p:nvPr>
         </p:nvSpPr>
-        <p:spPr>
-          <a:xfrm>
-            <a:off x="31529864" y="1524006"/>
-            <a:ext cx="2668696" cy="1460500"/>
-          </a:xfrm>
-        </p:spPr>
+        <p:spPr/>
         <p:txBody>
           <a:bodyPr/>
           <a:lstStyle/>
@@ -4172,172 +3962,9 @@
           <a:chExt cx="0" cy="0"/>
         </a:xfrm>
       </p:grpSpPr>
-      <p:sp>
-        <p:nvSpPr>
-          <p:cNvPr id="2" name="Title 1"/>
-          <p:cNvSpPr>
-            <a:spLocks noGrp="1"/>
-          </p:cNvSpPr>
-          <p:nvPr>
-            <p:ph type="title"/>
-          </p:nvPr>
-        </p:nvSpPr>
-        <p:spPr/>
-        <p:txBody>
-          <a:bodyPr/>
-          <a:lstStyle/>
-          <a:p>
-            <a:r>
-              <a:rPr lang="zh-TW" altLang="en-US" smtClean="0"/>
-              <a:t>按一下以編輯母片標題樣式</a:t>
-            </a:r>
-            <a:endParaRPr lang="en-US" dirty="0"/>
-          </a:p>
-        </p:txBody>
-      </p:sp>
-      <p:sp>
-        <p:nvSpPr>
-          <p:cNvPr id="3" name="Content Placeholder 2"/>
-          <p:cNvSpPr>
-            <a:spLocks noGrp="1"/>
-          </p:cNvSpPr>
-          <p:nvPr>
-            <p:ph idx="1"/>
-          </p:nvPr>
-        </p:nvSpPr>
-        <p:spPr/>
-        <p:txBody>
-          <a:bodyPr/>
-          <a:lstStyle/>
-          <a:p>
-            <a:pPr lvl="0"/>
-            <a:r>
-              <a:rPr lang="zh-TW" altLang="en-US" smtClean="0"/>
-              <a:t>按一下以編輯母片文字樣式</a:t>
-            </a:r>
-          </a:p>
-          <a:p>
-            <a:pPr lvl="1"/>
-            <a:r>
-              <a:rPr lang="zh-TW" altLang="en-US" smtClean="0"/>
-              <a:t>第二層</a:t>
-            </a:r>
-          </a:p>
-          <a:p>
-            <a:pPr lvl="2"/>
-            <a:r>
-              <a:rPr lang="zh-TW" altLang="en-US" smtClean="0"/>
-              <a:t>第三層</a:t>
-            </a:r>
-          </a:p>
-          <a:p>
-            <a:pPr lvl="3"/>
-            <a:r>
-              <a:rPr lang="zh-TW" altLang="en-US" smtClean="0"/>
-              <a:t>第四層</a:t>
-            </a:r>
-          </a:p>
-          <a:p>
-            <a:pPr lvl="4"/>
-            <a:r>
-              <a:rPr lang="zh-TW" altLang="en-US" smtClean="0"/>
-              <a:t>第五層</a:t>
-            </a:r>
-            <a:endParaRPr lang="en-US" dirty="0"/>
-          </a:p>
-        </p:txBody>
-      </p:sp>
-      <p:sp>
-        <p:nvSpPr>
-          <p:cNvPr id="4" name="Date Placeholder 3"/>
-          <p:cNvSpPr>
-            <a:spLocks noGrp="1"/>
-          </p:cNvSpPr>
-          <p:nvPr>
-            <p:ph type="dt" sz="half" idx="10"/>
-          </p:nvPr>
-        </p:nvSpPr>
-        <p:spPr/>
-        <p:txBody>
-          <a:bodyPr/>
-          <a:lstStyle/>
-          <a:p>
-            <a:endParaRPr lang="en-GB" altLang="x-none"/>
-          </a:p>
-        </p:txBody>
-      </p:sp>
-      <p:sp>
-        <p:nvSpPr>
-          <p:cNvPr id="5" name="Footer Placeholder 4"/>
-          <p:cNvSpPr>
-            <a:spLocks noGrp="1"/>
-          </p:cNvSpPr>
-          <p:nvPr>
-            <p:ph type="ftr" sz="quarter" idx="11"/>
-          </p:nvPr>
-        </p:nvSpPr>
-        <p:spPr/>
-        <p:txBody>
-          <a:bodyPr/>
-          <a:lstStyle/>
-          <a:p>
-            <a:endParaRPr lang="en-GB" altLang="x-none"/>
-          </a:p>
-        </p:txBody>
-      </p:sp>
-      <p:sp>
-        <p:nvSpPr>
-          <p:cNvPr id="6" name="Slide Number Placeholder 5"/>
-          <p:cNvSpPr>
-            <a:spLocks noGrp="1"/>
-          </p:cNvSpPr>
-          <p:nvPr>
-            <p:ph type="sldNum" sz="quarter" idx="12"/>
-          </p:nvPr>
-        </p:nvSpPr>
-        <p:spPr/>
-        <p:txBody>
-          <a:bodyPr/>
-          <a:lstStyle/>
-          <a:p>
-            <a:fld id="{AD74203F-F9AA-184C-B023-F705B72C1A29}" type="slidenum">
-              <a:rPr lang="en-GB" altLang="x-none" smtClean="0"/>
-              <a:pPr/>
-              <a:t>‹#›</a:t>
-            </a:fld>
-            <a:endParaRPr lang="en-GB" altLang="x-none"/>
-          </a:p>
-        </p:txBody>
-      </p:sp>
-    </p:spTree>
-  </p:cSld>
-  <p:clrMapOvr>
-    <a:masterClrMapping/>
-  </p:clrMapOvr>
-  <p:hf sldNum="0" hdr="0" ftr="0" dt="0"/>
-</p:sldLayout>
-</file>
-
-<file path=ppt/slideLayouts/slideLayout3.xml><?xml version="1.0" encoding="utf-8"?>
-<p:sldLayout xmlns:a="http://schemas.openxmlformats.org/drawingml/2006/main" xmlns:r="http://schemas.openxmlformats.org/officeDocument/2006/relationships" xmlns:p="http://schemas.openxmlformats.org/presentationml/2006/main" showMasterSp="0" type="secHead" preserve="1">
-  <p:cSld name="章節標題">
-    <p:spTree>
-      <p:nvGrpSpPr>
-        <p:cNvPr id="1" name=""/>
-        <p:cNvGrpSpPr/>
-        <p:nvPr/>
-      </p:nvGrpSpPr>
-      <p:grpSpPr>
-        <a:xfrm>
-          <a:off x="0" y="0"/>
-          <a:ext cx="0" cy="0"/>
-          <a:chOff x="0" y="0"/>
-          <a:chExt cx="0" cy="0"/>
-        </a:xfrm>
-      </p:grpSpPr>
       <p:pic>
         <p:nvPicPr>
-          <p:cNvPr id="8" name="Picture 7" descr="C0-HD-BTM.png"/>
+          <p:cNvPr id="8" name="Picture 7" descr="Celestia-R1---OverlayContentSD.png"/>
           <p:cNvPicPr>
             <a:picLocks noChangeAspect="1"/>
           </p:cNvPicPr>
@@ -4357,8 +3984,8 @@
         </p:blipFill>
         <p:spPr>
           <a:xfrm>
-            <a:off x="0" y="19983448"/>
-            <a:ext cx="36576000" cy="7448552"/>
+            <a:off x="55824" y="0"/>
+            <a:ext cx="36474400" cy="27432000"/>
           </a:xfrm>
           <a:prstGeom prst="rect">
             <a:avLst/>
@@ -4375,10 +4002,209 @@
             <p:ph type="title"/>
           </p:nvPr>
         </p:nvSpPr>
+        <p:spPr/>
+        <p:txBody>
+          <a:bodyPr>
+            <a:normAutofit/>
+          </a:bodyPr>
+          <a:lstStyle>
+            <a:lvl1pPr>
+              <a:defRPr sz="11200"/>
+            </a:lvl1pPr>
+          </a:lstStyle>
+          <a:p>
+            <a:r>
+              <a:rPr lang="zh-TW" altLang="en-US" smtClean="0"/>
+              <a:t>按一下以編輯母片標題樣式</a:t>
+            </a:r>
+            <a:endParaRPr lang="en-US" dirty="0"/>
+          </a:p>
+        </p:txBody>
+      </p:sp>
+      <p:sp>
+        <p:nvSpPr>
+          <p:cNvPr id="3" name="Content Placeholder 2"/>
+          <p:cNvSpPr>
+            <a:spLocks noGrp="1"/>
+          </p:cNvSpPr>
+          <p:nvPr>
+            <p:ph idx="1"/>
+          </p:nvPr>
+        </p:nvSpPr>
+        <p:spPr/>
+        <p:txBody>
+          <a:bodyPr anchor="ctr"/>
+          <a:lstStyle/>
+          <a:p>
+            <a:pPr lvl="0"/>
+            <a:r>
+              <a:rPr lang="zh-TW" altLang="en-US" smtClean="0"/>
+              <a:t>按一下以編輯母片文字樣式</a:t>
+            </a:r>
+          </a:p>
+          <a:p>
+            <a:pPr lvl="1"/>
+            <a:r>
+              <a:rPr lang="zh-TW" altLang="en-US" smtClean="0"/>
+              <a:t>第二層</a:t>
+            </a:r>
+          </a:p>
+          <a:p>
+            <a:pPr lvl="2"/>
+            <a:r>
+              <a:rPr lang="zh-TW" altLang="en-US" smtClean="0"/>
+              <a:t>第三層</a:t>
+            </a:r>
+          </a:p>
+          <a:p>
+            <a:pPr lvl="3"/>
+            <a:r>
+              <a:rPr lang="zh-TW" altLang="en-US" smtClean="0"/>
+              <a:t>第四層</a:t>
+            </a:r>
+          </a:p>
+          <a:p>
+            <a:pPr lvl="4"/>
+            <a:r>
+              <a:rPr lang="zh-TW" altLang="en-US" smtClean="0"/>
+              <a:t>第五層</a:t>
+            </a:r>
+            <a:endParaRPr lang="en-US" dirty="0"/>
+          </a:p>
+        </p:txBody>
+      </p:sp>
+      <p:sp>
+        <p:nvSpPr>
+          <p:cNvPr id="4" name="Date Placeholder 3"/>
+          <p:cNvSpPr>
+            <a:spLocks noGrp="1"/>
+          </p:cNvSpPr>
+          <p:nvPr>
+            <p:ph type="dt" sz="half" idx="10"/>
+          </p:nvPr>
+        </p:nvSpPr>
+        <p:spPr/>
+        <p:txBody>
+          <a:bodyPr/>
+          <a:lstStyle/>
+          <a:p>
+            <a:endParaRPr lang="en-GB" altLang="x-none"/>
+          </a:p>
+        </p:txBody>
+      </p:sp>
+      <p:sp>
+        <p:nvSpPr>
+          <p:cNvPr id="5" name="Footer Placeholder 4"/>
+          <p:cNvSpPr>
+            <a:spLocks noGrp="1"/>
+          </p:cNvSpPr>
+          <p:nvPr>
+            <p:ph type="ftr" sz="quarter" idx="11"/>
+          </p:nvPr>
+        </p:nvSpPr>
+        <p:spPr/>
+        <p:txBody>
+          <a:bodyPr/>
+          <a:lstStyle/>
+          <a:p>
+            <a:endParaRPr lang="en-GB" altLang="x-none"/>
+          </a:p>
+        </p:txBody>
+      </p:sp>
+      <p:sp>
+        <p:nvSpPr>
+          <p:cNvPr id="6" name="Slide Number Placeholder 5"/>
+          <p:cNvSpPr>
+            <a:spLocks noGrp="1"/>
+          </p:cNvSpPr>
+          <p:nvPr>
+            <p:ph type="sldNum" sz="quarter" idx="12"/>
+          </p:nvPr>
+        </p:nvSpPr>
+        <p:spPr/>
+        <p:txBody>
+          <a:bodyPr/>
+          <a:lstStyle/>
+          <a:p>
+            <a:fld id="{AD74203F-F9AA-184C-B023-F705B72C1A29}" type="slidenum">
+              <a:rPr lang="en-GB" altLang="x-none" smtClean="0"/>
+              <a:pPr/>
+              <a:t>‹#›</a:t>
+            </a:fld>
+            <a:endParaRPr lang="en-GB" altLang="x-none"/>
+          </a:p>
+        </p:txBody>
+      </p:sp>
+    </p:spTree>
+  </p:cSld>
+  <p:clrMapOvr>
+    <a:masterClrMapping/>
+  </p:clrMapOvr>
+  <p:hf sldNum="0" hdr="0" ftr="0" dt="0"/>
+</p:sldLayout>
+</file>
+
+<file path=ppt/slideLayouts/slideLayout3.xml><?xml version="1.0" encoding="utf-8"?>
+<p:sldLayout xmlns:a="http://schemas.openxmlformats.org/drawingml/2006/main" xmlns:r="http://schemas.openxmlformats.org/officeDocument/2006/relationships" xmlns:p="http://schemas.openxmlformats.org/presentationml/2006/main" type="secHead" preserve="1">
+  <p:cSld name="章節標題">
+    <p:spTree>
+      <p:nvGrpSpPr>
+        <p:cNvPr id="1" name=""/>
+        <p:cNvGrpSpPr/>
+        <p:nvPr/>
+      </p:nvGrpSpPr>
+      <p:grpSpPr>
+        <a:xfrm>
+          <a:off x="0" y="0"/>
+          <a:ext cx="0" cy="0"/>
+          <a:chOff x="0" y="0"/>
+          <a:chExt cx="0" cy="0"/>
+        </a:xfrm>
+      </p:grpSpPr>
+      <p:pic>
+        <p:nvPicPr>
+          <p:cNvPr id="8" name="Picture 7" descr="Celestia-R1---OverlayContentSD.png"/>
+          <p:cNvPicPr>
+            <a:picLocks noChangeAspect="1"/>
+          </p:cNvPicPr>
+          <p:nvPr/>
+        </p:nvPicPr>
+        <p:blipFill>
+          <a:blip r:embed="rId2">
+            <a:extLst>
+              <a:ext uri="{28A0092B-C50C-407E-A947-70E740481C1C}">
+                <a14:useLocalDpi xmlns:a14="http://schemas.microsoft.com/office/drawing/2010/main" val="0"/>
+              </a:ext>
+            </a:extLst>
+          </a:blip>
+          <a:stretch>
+            <a:fillRect/>
+          </a:stretch>
+        </p:blipFill>
         <p:spPr>
           <a:xfrm>
-            <a:off x="2377440" y="3014138"/>
-            <a:ext cx="31821120" cy="11207740"/>
+            <a:off x="55824" y="0"/>
+            <a:ext cx="36474400" cy="27432000"/>
+          </a:xfrm>
+          <a:prstGeom prst="rect">
+            <a:avLst/>
+          </a:prstGeom>
+        </p:spPr>
+      </p:pic>
+      <p:sp>
+        <p:nvSpPr>
+          <p:cNvPr id="2" name="Title 1"/>
+          <p:cNvSpPr>
+            <a:spLocks noGrp="1"/>
+          </p:cNvSpPr>
+          <p:nvPr>
+            <p:ph type="title"/>
+          </p:nvPr>
+        </p:nvSpPr>
+        <p:spPr>
+          <a:xfrm>
+            <a:off x="1828808" y="13234324"/>
+            <a:ext cx="31089600" cy="5875200"/>
           </a:xfrm>
         </p:spPr>
         <p:txBody>
@@ -4386,8 +4212,8 @@
             <a:normAutofit/>
           </a:bodyPr>
           <a:lstStyle>
-            <a:lvl1pPr algn="r">
-              <a:defRPr sz="16000"/>
+            <a:lvl1pPr algn="l">
+              <a:defRPr sz="12800" b="0" cap="all"/>
             </a:lvl1pPr>
           </a:lstStyle>
           <a:p>
@@ -4411,104 +4237,102 @@
         </p:nvSpPr>
         <p:spPr>
           <a:xfrm>
-            <a:off x="2377442" y="14566904"/>
-            <a:ext cx="31821124" cy="5416536"/>
+            <a:off x="1828804" y="19109524"/>
+            <a:ext cx="31089600" cy="3441600"/>
           </a:xfrm>
         </p:spPr>
         <p:txBody>
-          <a:bodyPr>
+          <a:bodyPr anchor="t">
             <a:normAutofit/>
           </a:bodyPr>
           <a:lstStyle>
-            <a:lvl1pPr marL="0" indent="0" algn="r">
-              <a:buNone/>
-              <a:defRPr sz="8800">
+            <a:lvl1pPr marL="0" indent="0" algn="l">
+              <a:buNone/>
+              <a:defRPr sz="7200" cap="all">
+                <a:solidFill>
+                  <a:schemeClr val="tx1"/>
+                </a:solidFill>
+              </a:defRPr>
+            </a:lvl1pPr>
+            <a:lvl2pPr marL="1828800" indent="0">
+              <a:buNone/>
+              <a:defRPr sz="7200">
                 <a:solidFill>
                   <a:schemeClr val="tx1">
                     <a:tint val="75000"/>
                   </a:schemeClr>
                 </a:solidFill>
               </a:defRPr>
-            </a:lvl1pPr>
-            <a:lvl2pPr marL="1828800" indent="0">
-              <a:buNone/>
-              <a:defRPr sz="8000">
+            </a:lvl2pPr>
+            <a:lvl3pPr marL="3657600" indent="0">
+              <a:buNone/>
+              <a:defRPr sz="6400">
                 <a:solidFill>
                   <a:schemeClr val="tx1">
                     <a:tint val="75000"/>
                   </a:schemeClr>
                 </a:solidFill>
               </a:defRPr>
-            </a:lvl2pPr>
-            <a:lvl3pPr marL="3657600" indent="0">
-              <a:buNone/>
-              <a:defRPr sz="7200">
+            </a:lvl3pPr>
+            <a:lvl4pPr marL="5486400" indent="0">
+              <a:buNone/>
+              <a:defRPr sz="5600">
                 <a:solidFill>
                   <a:schemeClr val="tx1">
                     <a:tint val="75000"/>
                   </a:schemeClr>
                 </a:solidFill>
               </a:defRPr>
-            </a:lvl3pPr>
-            <a:lvl4pPr marL="5486400" indent="0">
-              <a:buNone/>
-              <a:defRPr sz="6400">
+            </a:lvl4pPr>
+            <a:lvl5pPr marL="7315200" indent="0">
+              <a:buNone/>
+              <a:defRPr sz="5600">
                 <a:solidFill>
                   <a:schemeClr val="tx1">
                     <a:tint val="75000"/>
                   </a:schemeClr>
                 </a:solidFill>
               </a:defRPr>
-            </a:lvl4pPr>
-            <a:lvl5pPr marL="7315200" indent="0">
-              <a:buNone/>
-              <a:defRPr sz="6400">
+            </a:lvl5pPr>
+            <a:lvl6pPr marL="9144000" indent="0">
+              <a:buNone/>
+              <a:defRPr sz="5600">
                 <a:solidFill>
                   <a:schemeClr val="tx1">
                     <a:tint val="75000"/>
                   </a:schemeClr>
                 </a:solidFill>
               </a:defRPr>
-            </a:lvl5pPr>
-            <a:lvl6pPr marL="9144000" indent="0">
-              <a:buNone/>
-              <a:defRPr sz="6400">
+            </a:lvl6pPr>
+            <a:lvl7pPr marL="10972800" indent="0">
+              <a:buNone/>
+              <a:defRPr sz="5600">
                 <a:solidFill>
                   <a:schemeClr val="tx1">
                     <a:tint val="75000"/>
                   </a:schemeClr>
                 </a:solidFill>
               </a:defRPr>
-            </a:lvl6pPr>
-            <a:lvl7pPr marL="10972800" indent="0">
-              <a:buNone/>
-              <a:defRPr sz="6400">
+            </a:lvl7pPr>
+            <a:lvl8pPr marL="12801600" indent="0">
+              <a:buNone/>
+              <a:defRPr sz="5600">
                 <a:solidFill>
                   <a:schemeClr val="tx1">
                     <a:tint val="75000"/>
                   </a:schemeClr>
                 </a:solidFill>
               </a:defRPr>
-            </a:lvl7pPr>
-            <a:lvl8pPr marL="12801600" indent="0">
-              <a:buNone/>
-              <a:defRPr sz="6400">
+            </a:lvl8pPr>
+            <a:lvl9pPr marL="14630400" indent="0">
+              <a:buNone/>
+              <a:defRPr sz="5600">
                 <a:solidFill>
                   <a:schemeClr val="tx1">
                     <a:tint val="75000"/>
                   </a:schemeClr>
                 </a:solidFill>
               </a:defRPr>
-            </a:lvl8pPr>
-            <a:lvl9pPr marL="14630400" indent="0">
-              <a:buNone/>
-              <a:defRPr sz="6400">
-                <a:solidFill>
-                  <a:schemeClr val="tx1">
-                    <a:tint val="75000"/>
-                  </a:schemeClr>
-                </a:solidFill>
-              </a:defRPr>
             </a:lvl9pPr>
           </a:lstStyle>
           <a:p>
@@ -4530,40 +4354,7 @@
             <p:ph type="dt" sz="half" idx="10"/>
           </p:nvPr>
         </p:nvSpPr>
-        <p:spPr>
-          <a:xfrm>
-            <a:off x="22248704" y="1524006"/>
-            <a:ext cx="8732520" cy="1460500"/>
-          </a:xfrm>
-        </p:spPr>
-        <p:txBody>
-          <a:bodyPr/>
-          <a:lstStyle>
-            <a:lvl1pPr algn="r">
-              <a:defRPr/>
-            </a:lvl1pPr>
-          </a:lstStyle>
-          <a:p>
-            <a:endParaRPr lang="en-GB" altLang="x-none"/>
-          </a:p>
-        </p:txBody>
-      </p:sp>
-      <p:sp>
-        <p:nvSpPr>
-          <p:cNvPr id="5" name="Footer Placeholder 4"/>
-          <p:cNvSpPr>
-            <a:spLocks noGrp="1"/>
-          </p:cNvSpPr>
-          <p:nvPr>
-            <p:ph type="ftr" sz="quarter" idx="11"/>
-          </p:nvPr>
-        </p:nvSpPr>
-        <p:spPr>
-          <a:xfrm>
-            <a:off x="2377440" y="1524006"/>
-            <a:ext cx="19322624" cy="1460500"/>
-          </a:xfrm>
-        </p:spPr>
+        <p:spPr/>
         <p:txBody>
           <a:bodyPr/>
           <a:lstStyle/>
@@ -4574,6 +4365,25 @@
       </p:sp>
       <p:sp>
         <p:nvSpPr>
+          <p:cNvPr id="5" name="Footer Placeholder 4"/>
+          <p:cNvSpPr>
+            <a:spLocks noGrp="1"/>
+          </p:cNvSpPr>
+          <p:nvPr>
+            <p:ph type="ftr" sz="quarter" idx="11"/>
+          </p:nvPr>
+        </p:nvSpPr>
+        <p:spPr/>
+        <p:txBody>
+          <a:bodyPr/>
+          <a:lstStyle/>
+          <a:p>
+            <a:endParaRPr lang="en-GB" altLang="x-none"/>
+          </a:p>
+        </p:txBody>
+      </p:sp>
+      <p:sp>
+        <p:nvSpPr>
           <p:cNvPr id="6" name="Slide Number Placeholder 5"/>
           <p:cNvSpPr>
             <a:spLocks noGrp="1"/>
@@ -4582,12 +4392,7 @@
             <p:ph type="sldNum" sz="quarter" idx="12"/>
           </p:nvPr>
         </p:nvSpPr>
-        <p:spPr>
-          <a:xfrm>
-            <a:off x="31529866" y="1524006"/>
-            <a:ext cx="2668692" cy="1460500"/>
-          </a:xfrm>
-        </p:spPr>
+        <p:spPr/>
         <p:txBody>
           <a:bodyPr/>
           <a:lstStyle/>
@@ -4632,6 +4437,36 @@
           <a:chExt cx="0" cy="0"/>
         </a:xfrm>
       </p:grpSpPr>
+      <p:pic>
+        <p:nvPicPr>
+          <p:cNvPr id="10" name="Picture 9" descr="Celestia-R1---OverlayContentSD.png"/>
+          <p:cNvPicPr>
+            <a:picLocks noChangeAspect="1"/>
+          </p:cNvPicPr>
+          <p:nvPr/>
+        </p:nvPicPr>
+        <p:blipFill>
+          <a:blip r:embed="rId2">
+            <a:extLst>
+              <a:ext uri="{28A0092B-C50C-407E-A947-70E740481C1C}">
+                <a14:useLocalDpi xmlns:a14="http://schemas.microsoft.com/office/drawing/2010/main" val="0"/>
+              </a:ext>
+            </a:extLst>
+          </a:blip>
+          <a:stretch>
+            <a:fillRect/>
+          </a:stretch>
+        </p:blipFill>
+        <p:spPr>
+          <a:xfrm>
+            <a:off x="55824" y="0"/>
+            <a:ext cx="36474400" cy="27432000"/>
+          </a:xfrm>
+          <a:prstGeom prst="rect">
+            <a:avLst/>
+          </a:prstGeom>
+        </p:spPr>
+      </p:pic>
       <p:sp>
         <p:nvSpPr>
           <p:cNvPr id="2" name="Title 1"/>
@@ -4667,12 +4502,14 @@
         </p:nvSpPr>
         <p:spPr>
           <a:xfrm>
-            <a:off x="2377442" y="8778240"/>
-            <a:ext cx="15642316" cy="16276320"/>
+            <a:off x="1828804" y="8568272"/>
+            <a:ext cx="15252192" cy="14596536"/>
           </a:xfrm>
         </p:spPr>
         <p:txBody>
-          <a:bodyPr/>
+          <a:bodyPr>
+            <a:normAutofit/>
+          </a:bodyPr>
           <a:lstStyle/>
           <a:p>
             <a:pPr lvl="0"/>
@@ -4724,12 +4561,14 @@
         </p:nvSpPr>
         <p:spPr>
           <a:xfrm>
-            <a:off x="18568396" y="8778240"/>
-            <a:ext cx="15630160" cy="16276320"/>
+            <a:off x="17666212" y="8568274"/>
+            <a:ext cx="15252192" cy="14596532"/>
           </a:xfrm>
         </p:spPr>
         <p:txBody>
-          <a:bodyPr/>
+          <a:bodyPr>
+            <a:normAutofit/>
+          </a:bodyPr>
           <a:lstStyle/>
           <a:p>
             <a:pPr lvl="0"/>
@@ -4857,62 +4696,89 @@
           <a:chExt cx="0" cy="0"/>
         </a:xfrm>
       </p:grpSpPr>
-      <p:sp>
-        <p:nvSpPr>
-          <p:cNvPr id="2" name="Title 1"/>
-          <p:cNvSpPr>
-            <a:spLocks noGrp="1"/>
-          </p:cNvSpPr>
-          <p:nvPr>
-            <p:ph type="title"/>
-          </p:nvPr>
-        </p:nvSpPr>
+      <p:pic>
+        <p:nvPicPr>
+          <p:cNvPr id="13" name="Picture 12" descr="Celestia-R1---OverlayContentSD.png"/>
+          <p:cNvPicPr>
+            <a:picLocks noChangeAspect="1"/>
+          </p:cNvPicPr>
+          <p:nvPr/>
+        </p:nvPicPr>
+        <p:blipFill>
+          <a:blip r:embed="rId2">
+            <a:extLst>
+              <a:ext uri="{28A0092B-C50C-407E-A947-70E740481C1C}">
+                <a14:useLocalDpi xmlns:a14="http://schemas.microsoft.com/office/drawing/2010/main" val="0"/>
+              </a:ext>
+            </a:extLst>
+          </a:blip>
+          <a:stretch>
+            <a:fillRect/>
+          </a:stretch>
+        </p:blipFill>
         <p:spPr>
           <a:xfrm>
-            <a:off x="8686800" y="3048000"/>
-            <a:ext cx="25511760" cy="5181600"/>
+            <a:off x="55824" y="0"/>
+            <a:ext cx="36474400" cy="27432000"/>
           </a:xfrm>
+          <a:prstGeom prst="rect">
+            <a:avLst/>
+          </a:prstGeom>
         </p:spPr>
-        <p:txBody>
-          <a:bodyPr/>
-          <a:lstStyle/>
-          <a:p>
-            <a:r>
-              <a:rPr lang="zh-TW" altLang="en-US" smtClean="0"/>
-              <a:t>按一下以編輯母片標題樣式</a:t>
-            </a:r>
-            <a:endParaRPr lang="en-US" dirty="0"/>
-          </a:p>
-        </p:txBody>
-      </p:sp>
-      <p:sp>
-        <p:nvSpPr>
-          <p:cNvPr id="3" name="Text Placeholder 2"/>
-          <p:cNvSpPr>
-            <a:spLocks noGrp="1"/>
-          </p:cNvSpPr>
-          <p:nvPr>
-            <p:ph type="body" idx="1"/>
-          </p:nvPr>
-        </p:nvSpPr>
-        <p:spPr>
-          <a:xfrm>
-            <a:off x="3285118" y="8735208"/>
-            <a:ext cx="14734636" cy="3295648"/>
-          </a:xfrm>
-        </p:spPr>
-        <p:txBody>
-          <a:bodyPr anchor="b">
+      </p:pic>
+      <p:sp>
+        <p:nvSpPr>
+          <p:cNvPr id="2" name="Title 1"/>
+          <p:cNvSpPr>
+            <a:spLocks noGrp="1"/>
+          </p:cNvSpPr>
+          <p:nvPr>
+            <p:ph type="title"/>
+          </p:nvPr>
+        </p:nvSpPr>
+        <p:spPr/>
+        <p:txBody>
+          <a:bodyPr>
             <a:normAutofit/>
           </a:bodyPr>
           <a:lstStyle>
+            <a:lvl1pPr>
+              <a:defRPr sz="12800"/>
+            </a:lvl1pPr>
+          </a:lstStyle>
+          <a:p>
+            <a:r>
+              <a:rPr lang="zh-TW" altLang="en-US" smtClean="0"/>
+              <a:t>按一下以編輯母片標題樣式</a:t>
+            </a:r>
+            <a:endParaRPr lang="en-US" dirty="0"/>
+          </a:p>
+        </p:txBody>
+      </p:sp>
+      <p:sp>
+        <p:nvSpPr>
+          <p:cNvPr id="3" name="Text Placeholder 2"/>
+          <p:cNvSpPr>
+            <a:spLocks noGrp="1"/>
+          </p:cNvSpPr>
+          <p:nvPr>
+            <p:ph type="body" idx="1"/>
+          </p:nvPr>
+        </p:nvSpPr>
+        <p:spPr>
+          <a:xfrm>
+            <a:off x="2973922" y="8873068"/>
+            <a:ext cx="14162412" cy="2305048"/>
+          </a:xfrm>
+        </p:spPr>
+        <p:txBody>
+          <a:bodyPr anchor="b">
+            <a:noAutofit/>
+          </a:bodyPr>
+          <a:lstStyle>
             <a:lvl1pPr marL="0" indent="0">
               <a:buNone/>
-              <a:defRPr sz="11200" b="0">
-                <a:solidFill>
-                  <a:schemeClr val="tx1"/>
-                </a:solidFill>
-              </a:defRPr>
+              <a:defRPr sz="9600" b="0"/>
             </a:lvl1pPr>
             <a:lvl2pPr marL="1828800" indent="0">
               <a:buNone/>
@@ -4968,12 +4834,14 @@
         </p:nvSpPr>
         <p:spPr>
           <a:xfrm>
-            <a:off x="2377438" y="12530670"/>
-            <a:ext cx="15642316" cy="12523892"/>
+            <a:off x="1828800" y="11480804"/>
+            <a:ext cx="15252192" cy="11683992"/>
           </a:xfrm>
         </p:spPr>
         <p:txBody>
-          <a:bodyPr/>
+          <a:bodyPr anchor="t">
+            <a:normAutofit/>
+          </a:bodyPr>
           <a:lstStyle/>
           <a:p>
             <a:pPr lvl="0"/>
@@ -5025,22 +4893,18 @@
         </p:nvSpPr>
         <p:spPr>
           <a:xfrm>
-            <a:off x="19476074" y="8735208"/>
-            <a:ext cx="14722484" cy="3295648"/>
+            <a:off x="18844480" y="8873068"/>
+            <a:ext cx="14073920" cy="2305048"/>
           </a:xfrm>
         </p:spPr>
         <p:txBody>
           <a:bodyPr anchor="b">
-            <a:normAutofit/>
+            <a:noAutofit/>
           </a:bodyPr>
           <a:lstStyle>
             <a:lvl1pPr marL="0" indent="0">
               <a:buNone/>
-              <a:defRPr sz="11200" b="0">
-                <a:solidFill>
-                  <a:schemeClr val="tx1"/>
-                </a:solidFill>
-              </a:defRPr>
+              <a:defRPr sz="9600" b="0"/>
             </a:lvl1pPr>
             <a:lvl2pPr marL="1828800" indent="0">
               <a:buNone/>
@@ -5096,12 +4960,14 @@
         </p:nvSpPr>
         <p:spPr>
           <a:xfrm>
-            <a:off x="18568394" y="12530670"/>
-            <a:ext cx="15630164" cy="12523892"/>
+            <a:off x="17666208" y="11480804"/>
+            <a:ext cx="15252192" cy="11683992"/>
           </a:xfrm>
         </p:spPr>
         <p:txBody>
-          <a:bodyPr/>
+          <a:bodyPr anchor="t">
+            <a:normAutofit/>
+          </a:bodyPr>
           <a:lstStyle/>
           <a:p>
             <a:pPr lvl="0"/>
@@ -5229,6 +5095,36 @@
           <a:chExt cx="0" cy="0"/>
         </a:xfrm>
       </p:grpSpPr>
+      <p:pic>
+        <p:nvPicPr>
+          <p:cNvPr id="6" name="Picture 5" descr="Celestia-R1---OverlayContentSD.png"/>
+          <p:cNvPicPr>
+            <a:picLocks noChangeAspect="1"/>
+          </p:cNvPicPr>
+          <p:nvPr/>
+        </p:nvPicPr>
+        <p:blipFill>
+          <a:blip r:embed="rId2">
+            <a:extLst>
+              <a:ext uri="{28A0092B-C50C-407E-A947-70E740481C1C}">
+                <a14:useLocalDpi xmlns:a14="http://schemas.microsoft.com/office/drawing/2010/main" val="0"/>
+              </a:ext>
+            </a:extLst>
+          </a:blip>
+          <a:stretch>
+            <a:fillRect/>
+          </a:stretch>
+        </p:blipFill>
+        <p:spPr>
+          <a:xfrm>
+            <a:off x="55824" y="0"/>
+            <a:ext cx="36474400" cy="27432000"/>
+          </a:xfrm>
+          <a:prstGeom prst="rect">
+            <a:avLst/>
+          </a:prstGeom>
+        </p:spPr>
+      </p:pic>
       <p:sp>
         <p:nvSpPr>
           <p:cNvPr id="2" name="Title 1"/>
@@ -5239,10 +5135,21 @@
             <p:ph type="title"/>
           </p:nvPr>
         </p:nvSpPr>
-        <p:spPr/>
-        <p:txBody>
-          <a:bodyPr/>
-          <a:lstStyle/>
+        <p:spPr>
+          <a:xfrm>
+            <a:off x="1828804" y="2438406"/>
+            <a:ext cx="31089600" cy="5825068"/>
+          </a:xfrm>
+        </p:spPr>
+        <p:txBody>
+          <a:bodyPr>
+            <a:normAutofit/>
+          </a:bodyPr>
+          <a:lstStyle>
+            <a:lvl1pPr>
+              <a:defRPr sz="12800"/>
+            </a:lvl1pPr>
+          </a:lstStyle>
           <a:p>
             <a:r>
               <a:rPr lang="zh-TW" altLang="en-US" smtClean="0"/>
@@ -5340,6 +5247,36 @@
           <a:chExt cx="0" cy="0"/>
         </a:xfrm>
       </p:grpSpPr>
+      <p:pic>
+        <p:nvPicPr>
+          <p:cNvPr id="5" name="Picture 4" descr="Celestia-R1---OverlayContentSD.png"/>
+          <p:cNvPicPr>
+            <a:picLocks noChangeAspect="1"/>
+          </p:cNvPicPr>
+          <p:nvPr/>
+        </p:nvPicPr>
+        <p:blipFill>
+          <a:blip r:embed="rId2">
+            <a:extLst>
+              <a:ext uri="{28A0092B-C50C-407E-A947-70E740481C1C}">
+                <a14:useLocalDpi xmlns:a14="http://schemas.microsoft.com/office/drawing/2010/main" val="0"/>
+              </a:ext>
+            </a:extLst>
+          </a:blip>
+          <a:stretch>
+            <a:fillRect/>
+          </a:stretch>
+        </p:blipFill>
+        <p:spPr>
+          <a:xfrm>
+            <a:off x="55824" y="0"/>
+            <a:ext cx="36474400" cy="27432000"/>
+          </a:xfrm>
+          <a:prstGeom prst="rect">
+            <a:avLst/>
+          </a:prstGeom>
+        </p:spPr>
+      </p:pic>
       <p:sp>
         <p:nvSpPr>
           <p:cNvPr id="2" name="Date Placeholder 1"/>
@@ -5428,27 +5365,59 @@
           <a:chExt cx="0" cy="0"/>
         </a:xfrm>
       </p:grpSpPr>
-      <p:sp>
-        <p:nvSpPr>
-          <p:cNvPr id="2" name="Title 1"/>
-          <p:cNvSpPr>
-            <a:spLocks noGrp="1"/>
-          </p:cNvSpPr>
-          <p:nvPr>
-            <p:ph type="title"/>
-          </p:nvPr>
-        </p:nvSpPr>
+      <p:pic>
+        <p:nvPicPr>
+          <p:cNvPr id="12" name="Picture 11" descr="Celestia-R1---OverlayContentSD.png"/>
+          <p:cNvPicPr>
+            <a:picLocks noChangeAspect="1"/>
+          </p:cNvPicPr>
+          <p:nvPr/>
+        </p:nvPicPr>
+        <p:blipFill>
+          <a:blip r:embed="rId2">
+            <a:extLst>
+              <a:ext uri="{28A0092B-C50C-407E-A947-70E740481C1C}">
+                <a14:useLocalDpi xmlns:a14="http://schemas.microsoft.com/office/drawing/2010/main" val="0"/>
+              </a:ext>
+            </a:extLst>
+          </a:blip>
+          <a:stretch>
+            <a:fillRect/>
+          </a:stretch>
+        </p:blipFill>
         <p:spPr>
           <a:xfrm>
-            <a:off x="2377440" y="6096000"/>
-            <a:ext cx="12344400" cy="6400800"/>
+            <a:off x="55824" y="0"/>
+            <a:ext cx="36474400" cy="27432000"/>
+          </a:xfrm>
+          <a:prstGeom prst="rect">
+            <a:avLst/>
+          </a:prstGeom>
+        </p:spPr>
+      </p:pic>
+      <p:sp>
+        <p:nvSpPr>
+          <p:cNvPr id="2" name="Title 1"/>
+          <p:cNvSpPr>
+            <a:spLocks noGrp="1"/>
+          </p:cNvSpPr>
+          <p:nvPr>
+            <p:ph type="title"/>
+          </p:nvPr>
+        </p:nvSpPr>
+        <p:spPr>
+          <a:xfrm>
+            <a:off x="1846872" y="6231472"/>
+            <a:ext cx="11451640" cy="5757328"/>
           </a:xfrm>
         </p:spPr>
         <p:txBody>
-          <a:bodyPr anchor="b"/>
+          <a:bodyPr anchor="b">
+            <a:normAutofit/>
+          </a:bodyPr>
           <a:lstStyle>
             <a:lvl1pPr algn="l">
-              <a:defRPr sz="12800"/>
+              <a:defRPr sz="9600" b="0"/>
             </a:lvl1pPr>
           </a:lstStyle>
           <a:p>
@@ -5472,12 +5441,14 @@
         </p:nvSpPr>
         <p:spPr>
           <a:xfrm>
-            <a:off x="15544800" y="2987040"/>
-            <a:ext cx="18653760" cy="22067520"/>
+            <a:off x="14424578" y="2438404"/>
+            <a:ext cx="18511900" cy="20726400"/>
           </a:xfrm>
         </p:spPr>
         <p:txBody>
-          <a:bodyPr anchor="ctr"/>
+          <a:bodyPr anchor="ctr">
+            <a:normAutofit/>
+          </a:bodyPr>
           <a:lstStyle/>
           <a:p>
             <a:pPr lvl="0"/>
@@ -5529,48 +5500,50 @@
         </p:nvSpPr>
         <p:spPr>
           <a:xfrm>
-            <a:off x="2377440" y="12496800"/>
-            <a:ext cx="12344400" cy="12557760"/>
+            <a:off x="1846872" y="11988802"/>
+            <a:ext cx="11451640" cy="7382940"/>
           </a:xfrm>
         </p:spPr>
         <p:txBody>
-          <a:bodyPr/>
+          <a:bodyPr anchor="t">
+            <a:normAutofit/>
+          </a:bodyPr>
           <a:lstStyle>
             <a:lvl1pPr marL="0" indent="0">
               <a:buNone/>
-              <a:defRPr sz="6400"/>
+              <a:defRPr sz="5600"/>
             </a:lvl1pPr>
             <a:lvl2pPr marL="1828800" indent="0">
               <a:buNone/>
-              <a:defRPr sz="5600"/>
+              <a:defRPr sz="4800"/>
             </a:lvl2pPr>
             <a:lvl3pPr marL="3657600" indent="0">
               <a:buNone/>
-              <a:defRPr sz="4800"/>
+              <a:defRPr sz="4000"/>
             </a:lvl3pPr>
             <a:lvl4pPr marL="5486400" indent="0">
               <a:buNone/>
-              <a:defRPr sz="4000"/>
+              <a:defRPr sz="3600"/>
             </a:lvl4pPr>
             <a:lvl5pPr marL="7315200" indent="0">
               <a:buNone/>
-              <a:defRPr sz="4000"/>
+              <a:defRPr sz="3600"/>
             </a:lvl5pPr>
             <a:lvl6pPr marL="9144000" indent="0">
               <a:buNone/>
-              <a:defRPr sz="4000"/>
+              <a:defRPr sz="3600"/>
             </a:lvl6pPr>
             <a:lvl7pPr marL="10972800" indent="0">
               <a:buNone/>
-              <a:defRPr sz="4000"/>
+              <a:defRPr sz="3600"/>
             </a:lvl7pPr>
             <a:lvl8pPr marL="12801600" indent="0">
               <a:buNone/>
-              <a:defRPr sz="4000"/>
+              <a:defRPr sz="3600"/>
             </a:lvl8pPr>
             <a:lvl9pPr marL="14630400" indent="0">
               <a:buNone/>
-              <a:defRPr sz="4000"/>
+              <a:defRPr sz="3600"/>
             </a:lvl9pPr>
           </a:lstStyle>
           <a:p>
@@ -5670,27 +5643,59 @@
           <a:chExt cx="0" cy="0"/>
         </a:xfrm>
       </p:grpSpPr>
-      <p:sp>
-        <p:nvSpPr>
-          <p:cNvPr id="2" name="Title 1"/>
-          <p:cNvSpPr>
-            <a:spLocks noGrp="1"/>
-          </p:cNvSpPr>
-          <p:nvPr>
-            <p:ph type="title"/>
-          </p:nvPr>
-        </p:nvSpPr>
+      <p:pic>
+        <p:nvPicPr>
+          <p:cNvPr id="11" name="Picture 10" descr="Celestia-R1---OverlayContentSD.png"/>
+          <p:cNvPicPr>
+            <a:picLocks noChangeAspect="1"/>
+          </p:cNvPicPr>
+          <p:nvPr/>
+        </p:nvPicPr>
+        <p:blipFill>
+          <a:blip r:embed="rId2">
+            <a:extLst>
+              <a:ext uri="{28A0092B-C50C-407E-A947-70E740481C1C}">
+                <a14:useLocalDpi xmlns:a14="http://schemas.microsoft.com/office/drawing/2010/main" val="0"/>
+              </a:ext>
+            </a:extLst>
+          </a:blip>
+          <a:stretch>
+            <a:fillRect/>
+          </a:stretch>
+        </p:blipFill>
         <p:spPr>
           <a:xfrm>
-            <a:off x="2377440" y="6096000"/>
-            <a:ext cx="16302920" cy="6400800"/>
+            <a:off x="55824" y="0"/>
+            <a:ext cx="36474400" cy="27432000"/>
+          </a:xfrm>
+          <a:prstGeom prst="rect">
+            <a:avLst/>
+          </a:prstGeom>
+        </p:spPr>
+      </p:pic>
+      <p:sp>
+        <p:nvSpPr>
+          <p:cNvPr id="2" name="Title 1"/>
+          <p:cNvSpPr>
+            <a:spLocks noGrp="1"/>
+          </p:cNvSpPr>
+          <p:nvPr>
+            <p:ph type="title"/>
+          </p:nvPr>
+        </p:nvSpPr>
+        <p:spPr>
+          <a:xfrm>
+            <a:off x="1848512" y="6942688"/>
+            <a:ext cx="16388816" cy="5486400"/>
           </a:xfrm>
         </p:spPr>
         <p:txBody>
-          <a:bodyPr anchor="b"/>
+          <a:bodyPr anchor="b">
+            <a:normAutofit/>
+          </a:bodyPr>
           <a:lstStyle>
             <a:lvl1pPr algn="l">
-              <a:defRPr sz="12800"/>
+              <a:defRPr sz="9600" b="0"/>
             </a:lvl1pPr>
           </a:lstStyle>
           <a:p>
@@ -5704,7 +5709,7 @@
       </p:sp>
       <p:sp>
         <p:nvSpPr>
-          <p:cNvPr id="3" name="Picture Placeholder 2"/>
+          <p:cNvPr id="14" name="Picture Placeholder 2"/>
           <p:cNvSpPr>
             <a:spLocks noGrp="1" noChangeAspect="1"/>
           </p:cNvSpPr>
@@ -5714,77 +5719,82 @@
         </p:nvSpPr>
         <p:spPr>
           <a:xfrm>
-            <a:off x="19510096" y="3004968"/>
-            <a:ext cx="14696936" cy="22049592"/>
+            <a:off x="20116800" y="3657600"/>
+            <a:ext cx="12801600" cy="18288000"/>
+          </a:xfrm>
+          <a:prstGeom prst="roundRect">
+            <a:avLst>
+              <a:gd name="adj" fmla="val 4280"/>
+            </a:avLst>
+          </a:prstGeom>
+          <a:ln w="50800" cap="sq" cmpd="dbl">
+            <a:gradFill flip="none" rotWithShape="1">
+              <a:gsLst>
+                <a:gs pos="0">
+                  <a:srgbClr val="FFFFFF"/>
+                </a:gs>
+                <a:gs pos="100000">
+                  <a:schemeClr val="tx1">
+                    <a:alpha val="0"/>
+                  </a:schemeClr>
+                </a:gs>
+              </a:gsLst>
+              <a:path path="circle">
+                <a:fillToRect l="50000" t="50000" r="50000" b="50000"/>
+              </a:path>
+              <a:tileRect/>
+            </a:gradFill>
+            <a:miter lim="800000"/>
+          </a:ln>
+          <a:effectLst>
+            <a:outerShdw blurRad="254000" algn="tl" rotWithShape="0">
+              <a:srgbClr val="000000">
+                <a:alpha val="43000"/>
+              </a:srgbClr>
+            </a:outerShdw>
+          </a:effectLst>
+        </p:spPr>
+        <p:txBody>
+          <a:bodyPr vert="horz" lIns="91440" tIns="45720" rIns="91440" bIns="45720" rtlCol="0" anchor="t">
+            <a:normAutofit/>
+          </a:bodyPr>
+          <a:lstStyle>
+            <a:lvl1pPr>
+              <a:defRPr lang="en-US" sz="6400" dirty="0"/>
+            </a:lvl1pPr>
+          </a:lstStyle>
+          <a:p>
+            <a:pPr marL="0" lvl="0" indent="0" algn="ctr">
+              <a:buNone/>
+            </a:pPr>
+            <a:r>
+              <a:rPr lang="zh-TW" altLang="en-US" smtClean="0"/>
+              <a:t>將圖片拖曳至版面配置區或按一下圖示以新增</a:t>
+            </a:r>
+            <a:endParaRPr lang="en-US" dirty="0"/>
+          </a:p>
+        </p:txBody>
+      </p:sp>
+      <p:sp>
+        <p:nvSpPr>
+          <p:cNvPr id="4" name="Text Placeholder 3"/>
+          <p:cNvSpPr>
+            <a:spLocks noGrp="1"/>
+          </p:cNvSpPr>
+          <p:nvPr>
+            <p:ph type="body" sz="half" idx="2"/>
+          </p:nvPr>
+        </p:nvSpPr>
+        <p:spPr>
+          <a:xfrm>
+            <a:off x="1848512" y="12429088"/>
+            <a:ext cx="16388816" cy="7315200"/>
           </a:xfrm>
         </p:spPr>
         <p:txBody>
-          <a:bodyPr anchor="t"/>
-          <a:lstStyle>
-            <a:lvl1pPr marL="0" indent="0">
-              <a:buNone/>
-              <a:defRPr sz="12800"/>
-            </a:lvl1pPr>
-            <a:lvl2pPr marL="1828800" indent="0">
-              <a:buNone/>
-              <a:defRPr sz="11200"/>
-            </a:lvl2pPr>
-            <a:lvl3pPr marL="3657600" indent="0">
-              <a:buNone/>
-              <a:defRPr sz="9600"/>
-            </a:lvl3pPr>
-            <a:lvl4pPr marL="5486400" indent="0">
-              <a:buNone/>
-              <a:defRPr sz="8000"/>
-            </a:lvl4pPr>
-            <a:lvl5pPr marL="7315200" indent="0">
-              <a:buNone/>
-              <a:defRPr sz="8000"/>
-            </a:lvl5pPr>
-            <a:lvl6pPr marL="9144000" indent="0">
-              <a:buNone/>
-              <a:defRPr sz="8000"/>
-            </a:lvl6pPr>
-            <a:lvl7pPr marL="10972800" indent="0">
-              <a:buNone/>
-              <a:defRPr sz="8000"/>
-            </a:lvl7pPr>
-            <a:lvl8pPr marL="12801600" indent="0">
-              <a:buNone/>
-              <a:defRPr sz="8000"/>
-            </a:lvl8pPr>
-            <a:lvl9pPr marL="14630400" indent="0">
-              <a:buNone/>
-              <a:defRPr sz="8000"/>
-            </a:lvl9pPr>
-          </a:lstStyle>
-          <a:p>
-            <a:r>
-              <a:rPr lang="zh-TW" altLang="en-US" smtClean="0"/>
-              <a:t>將圖片拖曳至版面配置區或按一下圖示以新增</a:t>
-            </a:r>
-            <a:endParaRPr lang="en-US" dirty="0"/>
-          </a:p>
-        </p:txBody>
-      </p:sp>
-      <p:sp>
-        <p:nvSpPr>
-          <p:cNvPr id="4" name="Text Placeholder 3"/>
-          <p:cNvSpPr>
-            <a:spLocks noGrp="1"/>
-          </p:cNvSpPr>
-          <p:nvPr>
-            <p:ph type="body" sz="half" idx="2"/>
-          </p:nvPr>
-        </p:nvSpPr>
-        <p:spPr>
-          <a:xfrm>
-            <a:off x="2377440" y="12496800"/>
-            <a:ext cx="16302920" cy="12557760"/>
-          </a:xfrm>
-        </p:spPr>
-        <p:txBody>
-          <a:bodyPr/>
+          <a:bodyPr anchor="t">
+            <a:normAutofit/>
+          </a:bodyPr>
           <a:lstStyle>
             <a:lvl1pPr marL="0" indent="0">
               <a:buNone/>
@@ -5792,35 +5802,35 @@
             </a:lvl1pPr>
             <a:lvl2pPr marL="1828800" indent="0">
               <a:buNone/>
-              <a:defRPr sz="5600"/>
+              <a:defRPr sz="4800"/>
             </a:lvl2pPr>
             <a:lvl3pPr marL="3657600" indent="0">
               <a:buNone/>
-              <a:defRPr sz="4800"/>
+              <a:defRPr sz="4000"/>
             </a:lvl3pPr>
             <a:lvl4pPr marL="5486400" indent="0">
               <a:buNone/>
-              <a:defRPr sz="4000"/>
+              <a:defRPr sz="3600"/>
             </a:lvl4pPr>
             <a:lvl5pPr marL="7315200" indent="0">
               <a:buNone/>
-              <a:defRPr sz="4000"/>
+              <a:defRPr sz="3600"/>
             </a:lvl5pPr>
             <a:lvl6pPr marL="9144000" indent="0">
               <a:buNone/>
-              <a:defRPr sz="4000"/>
+              <a:defRPr sz="3600"/>
             </a:lvl6pPr>
             <a:lvl7pPr marL="10972800" indent="0">
               <a:buNone/>
-              <a:defRPr sz="4000"/>
+              <a:defRPr sz="3600"/>
             </a:lvl7pPr>
             <a:lvl8pPr marL="12801600" indent="0">
               <a:buNone/>
-              <a:defRPr sz="4000"/>
+              <a:defRPr sz="3600"/>
             </a:lvl8pPr>
             <a:lvl9pPr marL="14630400" indent="0">
               <a:buNone/>
-              <a:defRPr sz="4000"/>
+              <a:defRPr sz="3600"/>
             </a:lvl9pPr>
           </a:lstStyle>
           <a:p>
@@ -5866,7 +5876,7 @@
           <a:bodyPr/>
           <a:lstStyle/>
           <a:p>
-            <a:endParaRPr lang="en-GB" altLang="x-none"/>
+            <a:endParaRPr lang="en-US" dirty="0"/>
           </a:p>
         </p:txBody>
       </p:sp>
@@ -5907,8 +5917,8 @@
 <p:sldMaster xmlns:a="http://schemas.openxmlformats.org/drawingml/2006/main" xmlns:r="http://schemas.openxmlformats.org/officeDocument/2006/relationships" xmlns:p="http://schemas.openxmlformats.org/presentationml/2006/main">
   <p:cSld>
     <p:bg>
-      <p:bgRef idx="1001">
-        <a:schemeClr val="bg1"/>
+      <p:bgRef idx="1003">
+        <a:schemeClr val="bg2"/>
       </p:bgRef>
     </p:bg>
     <p:spTree>
@@ -5925,145 +5935,190 @@
           <a:chExt cx="0" cy="0"/>
         </a:xfrm>
       </p:grpSpPr>
-      <p:pic>
-        <p:nvPicPr>
-          <p:cNvPr id="7" name="Picture 6" descr="C0-HD-TOP.png"/>
-          <p:cNvPicPr>
-            <a:picLocks noChangeAspect="1"/>
-          </p:cNvPicPr>
-          <p:nvPr/>
-        </p:nvPicPr>
-        <p:blipFill>
-          <a:blip r:embed="rId19">
-            <a:extLst>
-              <a:ext uri="{28A0092B-C50C-407E-A947-70E740481C1C}">
-                <a14:useLocalDpi xmlns:a14="http://schemas.microsoft.com/office/drawing/2010/main" val="0"/>
-              </a:ext>
-            </a:extLst>
-          </a:blip>
-          <a:stretch>
-            <a:fillRect/>
-          </a:stretch>
-        </p:blipFill>
+      <p:sp>
+        <p:nvSpPr>
+          <p:cNvPr id="2" name="Title Placeholder 1"/>
+          <p:cNvSpPr>
+            <a:spLocks noGrp="1"/>
+          </p:cNvSpPr>
+          <p:nvPr>
+            <p:ph type="title"/>
+          </p:nvPr>
+        </p:nvSpPr>
         <p:spPr>
           <a:xfrm>
-            <a:off x="0" y="0"/>
-            <a:ext cx="36576000" cy="4324352"/>
+            <a:off x="1828800" y="2438406"/>
+            <a:ext cx="31089600" cy="5825068"/>
+          </a:xfrm>
+          <a:prstGeom prst="rect">
+            <a:avLst/>
+          </a:prstGeom>
+          <a:effectLst/>
+        </p:spPr>
+        <p:txBody>
+          <a:bodyPr vert="horz" lIns="91440" tIns="45720" rIns="91440" bIns="45720" rtlCol="0" anchor="ctr">
+            <a:normAutofit/>
+          </a:bodyPr>
+          <a:lstStyle/>
+          <a:p>
+            <a:r>
+              <a:rPr lang="zh-TW" altLang="en-US" smtClean="0"/>
+              <a:t>按一下以編輯母片標題樣式</a:t>
+            </a:r>
+            <a:endParaRPr lang="en-US" dirty="0"/>
+          </a:p>
+        </p:txBody>
+      </p:sp>
+      <p:sp>
+        <p:nvSpPr>
+          <p:cNvPr id="3" name="Text Placeholder 2"/>
+          <p:cNvSpPr>
+            <a:spLocks noGrp="1"/>
+          </p:cNvSpPr>
+          <p:nvPr>
+            <p:ph type="body" idx="1"/>
+          </p:nvPr>
+        </p:nvSpPr>
+        <p:spPr>
+          <a:xfrm>
+            <a:off x="1828800" y="8568274"/>
+            <a:ext cx="31089600" cy="14596532"/>
           </a:xfrm>
           <a:prstGeom prst="rect">
             <a:avLst/>
           </a:prstGeom>
         </p:spPr>
-      </p:pic>
-      <p:sp>
-        <p:nvSpPr>
-          <p:cNvPr id="2" name="Title Placeholder 1"/>
-          <p:cNvSpPr>
-            <a:spLocks noGrp="1"/>
-          </p:cNvSpPr>
-          <p:nvPr>
-            <p:ph type="title"/>
+        <p:txBody>
+          <a:bodyPr vert="horz" lIns="91440" tIns="45720" rIns="91440" bIns="45720" rtlCol="0" anchor="ctr">
+            <a:normAutofit/>
+          </a:bodyPr>
+          <a:lstStyle/>
+          <a:p>
+            <a:pPr lvl="0"/>
+            <a:r>
+              <a:rPr lang="zh-TW" altLang="en-US" smtClean="0"/>
+              <a:t>按一下以編輯母片文字樣式</a:t>
+            </a:r>
+          </a:p>
+          <a:p>
+            <a:pPr lvl="1"/>
+            <a:r>
+              <a:rPr lang="zh-TW" altLang="en-US" smtClean="0"/>
+              <a:t>第二層</a:t>
+            </a:r>
+          </a:p>
+          <a:p>
+            <a:pPr lvl="2"/>
+            <a:r>
+              <a:rPr lang="zh-TW" altLang="en-US" smtClean="0"/>
+              <a:t>第三層</a:t>
+            </a:r>
+          </a:p>
+          <a:p>
+            <a:pPr lvl="3"/>
+            <a:r>
+              <a:rPr lang="zh-TW" altLang="en-US" smtClean="0"/>
+              <a:t>第四層</a:t>
+            </a:r>
+          </a:p>
+          <a:p>
+            <a:pPr lvl="4"/>
+            <a:r>
+              <a:rPr lang="zh-TW" altLang="en-US" smtClean="0"/>
+              <a:t>第五層</a:t>
+            </a:r>
+            <a:endParaRPr lang="en-US" dirty="0"/>
+          </a:p>
+        </p:txBody>
+      </p:sp>
+      <p:sp>
+        <p:nvSpPr>
+          <p:cNvPr id="4" name="Date Placeholder 3"/>
+          <p:cNvSpPr>
+            <a:spLocks noGrp="1"/>
+          </p:cNvSpPr>
+          <p:nvPr>
+            <p:ph type="dt" sz="half" idx="2"/>
           </p:nvPr>
         </p:nvSpPr>
         <p:spPr>
           <a:xfrm>
-            <a:off x="8686800" y="3057492"/>
-            <a:ext cx="25511760" cy="5172112"/>
+            <a:off x="26094850" y="23482306"/>
+            <a:ext cx="4848692" cy="1511300"/>
           </a:xfrm>
           <a:prstGeom prst="rect">
             <a:avLst/>
           </a:prstGeom>
         </p:spPr>
         <p:txBody>
-          <a:bodyPr vert="horz" lIns="91440" tIns="45720" rIns="91440" bIns="45720" rtlCol="0" anchor="ctr">
-            <a:normAutofit/>
-          </a:bodyPr>
-          <a:lstStyle/>
-          <a:p>
-            <a:r>
-              <a:rPr lang="zh-TW" altLang="en-US" smtClean="0"/>
-              <a:t>按一下以編輯母片標題樣式</a:t>
-            </a:r>
-            <a:endParaRPr lang="en-US" dirty="0"/>
-          </a:p>
-        </p:txBody>
-      </p:sp>
-      <p:sp>
-        <p:nvSpPr>
-          <p:cNvPr id="3" name="Text Placeholder 2"/>
-          <p:cNvSpPr>
-            <a:spLocks noGrp="1"/>
-          </p:cNvSpPr>
-          <p:nvPr>
-            <p:ph type="body" idx="1"/>
+          <a:bodyPr vert="horz" lIns="91440" tIns="45720" rIns="91440" bIns="45720" rtlCol="0" anchor="ctr"/>
+          <a:lstStyle>
+            <a:lvl1pPr algn="r">
+              <a:defRPr sz="4000" b="0" i="0">
+                <a:solidFill>
+                  <a:schemeClr val="tx1"/>
+                </a:solidFill>
+                <a:effectLst/>
+                <a:latin typeface="+mn-lt"/>
+              </a:defRPr>
+            </a:lvl1pPr>
+          </a:lstStyle>
+          <a:p>
+            <a:endParaRPr lang="en-GB" altLang="x-none"/>
+          </a:p>
+        </p:txBody>
+      </p:sp>
+      <p:sp>
+        <p:nvSpPr>
+          <p:cNvPr id="5" name="Footer Placeholder 4"/>
+          <p:cNvSpPr>
+            <a:spLocks noGrp="1"/>
+          </p:cNvSpPr>
+          <p:nvPr>
+            <p:ph type="ftr" sz="quarter" idx="3"/>
           </p:nvPr>
         </p:nvSpPr>
         <p:spPr>
           <a:xfrm>
-            <a:off x="2377440" y="8778240"/>
-            <a:ext cx="31821120" cy="16276320"/>
+            <a:off x="1828802" y="23482306"/>
+            <a:ext cx="23961244" cy="1511300"/>
           </a:xfrm>
           <a:prstGeom prst="rect">
             <a:avLst/>
           </a:prstGeom>
         </p:spPr>
         <p:txBody>
-          <a:bodyPr vert="horz" lIns="91440" tIns="45720" rIns="91440" bIns="45720" rtlCol="0">
-            <a:normAutofit/>
-          </a:bodyPr>
-          <a:lstStyle/>
-          <a:p>
-            <a:pPr lvl="0"/>
-            <a:r>
-              <a:rPr lang="zh-TW" altLang="en-US" smtClean="0"/>
-              <a:t>按一下以編輯母片文字樣式</a:t>
-            </a:r>
-          </a:p>
-          <a:p>
-            <a:pPr lvl="1"/>
-            <a:r>
-              <a:rPr lang="zh-TW" altLang="en-US" smtClean="0"/>
-              <a:t>第二層</a:t>
-            </a:r>
-          </a:p>
-          <a:p>
-            <a:pPr lvl="2"/>
-            <a:r>
-              <a:rPr lang="zh-TW" altLang="en-US" smtClean="0"/>
-              <a:t>第三層</a:t>
-            </a:r>
-          </a:p>
-          <a:p>
-            <a:pPr lvl="3"/>
-            <a:r>
-              <a:rPr lang="zh-TW" altLang="en-US" smtClean="0"/>
-              <a:t>第四層</a:t>
-            </a:r>
-          </a:p>
-          <a:p>
-            <a:pPr lvl="4"/>
-            <a:r>
-              <a:rPr lang="zh-TW" altLang="en-US" smtClean="0"/>
-              <a:t>第五層</a:t>
-            </a:r>
-            <a:endParaRPr lang="en-US" dirty="0"/>
-          </a:p>
-        </p:txBody>
-      </p:sp>
-      <p:sp>
-        <p:nvSpPr>
-          <p:cNvPr id="4" name="Date Placeholder 3"/>
-          <p:cNvSpPr>
-            <a:spLocks noGrp="1"/>
-          </p:cNvSpPr>
-          <p:nvPr>
-            <p:ph type="dt" sz="half" idx="2"/>
+          <a:bodyPr vert="horz" lIns="91440" tIns="45720" rIns="91440" bIns="45720" rtlCol="0" anchor="ctr"/>
+          <a:lstStyle>
+            <a:lvl1pPr algn="l">
+              <a:defRPr sz="4000" b="0" i="0">
+                <a:solidFill>
+                  <a:schemeClr val="tx1"/>
+                </a:solidFill>
+                <a:effectLst/>
+                <a:latin typeface="+mn-lt"/>
+              </a:defRPr>
+            </a:lvl1pPr>
+          </a:lstStyle>
+          <a:p>
+            <a:endParaRPr lang="en-GB" altLang="x-none"/>
+          </a:p>
+        </p:txBody>
+      </p:sp>
+      <p:sp>
+        <p:nvSpPr>
+          <p:cNvPr id="6" name="Slide Number Placeholder 5"/>
+          <p:cNvSpPr>
+            <a:spLocks noGrp="1"/>
+          </p:cNvSpPr>
+          <p:nvPr>
+            <p:ph type="sldNum" sz="quarter" idx="4"/>
           </p:nvPr>
         </p:nvSpPr>
         <p:spPr>
           <a:xfrm>
-            <a:off x="25648920" y="25425406"/>
-            <a:ext cx="8549640" cy="1460500"/>
+            <a:off x="31248340" y="23482306"/>
+            <a:ext cx="1670064" cy="1511300"/>
           </a:xfrm>
           <a:prstGeom prst="rect">
             <a:avLst/>
@@ -6073,86 +6128,12 @@
           <a:bodyPr vert="horz" lIns="91440" tIns="45720" rIns="91440" bIns="45720" rtlCol="0" anchor="ctr"/>
           <a:lstStyle>
             <a:lvl1pPr algn="r">
-              <a:defRPr sz="4200">
-                <a:solidFill>
-                  <a:schemeClr val="tx1">
-                    <a:tint val="75000"/>
-                  </a:schemeClr>
-                </a:solidFill>
-              </a:defRPr>
-            </a:lvl1pPr>
-          </a:lstStyle>
-          <a:p>
-            <a:endParaRPr lang="en-GB" altLang="x-none"/>
-          </a:p>
-        </p:txBody>
-      </p:sp>
-      <p:sp>
-        <p:nvSpPr>
-          <p:cNvPr id="5" name="Footer Placeholder 4"/>
-          <p:cNvSpPr>
-            <a:spLocks noGrp="1"/>
-          </p:cNvSpPr>
-          <p:nvPr>
-            <p:ph type="ftr" sz="quarter" idx="3"/>
-          </p:nvPr>
-        </p:nvSpPr>
-        <p:spPr>
-          <a:xfrm>
-            <a:off x="2377440" y="25423386"/>
-            <a:ext cx="22722840" cy="1460500"/>
-          </a:xfrm>
-          <a:prstGeom prst="rect">
-            <a:avLst/>
-          </a:prstGeom>
-        </p:spPr>
-        <p:txBody>
-          <a:bodyPr vert="horz" lIns="91440" tIns="45720" rIns="91440" bIns="45720" rtlCol="0" anchor="ctr"/>
-          <a:lstStyle>
-            <a:lvl1pPr algn="l">
-              <a:defRPr sz="4200">
-                <a:solidFill>
-                  <a:schemeClr val="tx1">
-                    <a:tint val="75000"/>
-                  </a:schemeClr>
-                </a:solidFill>
-              </a:defRPr>
-            </a:lvl1pPr>
-          </a:lstStyle>
-          <a:p>
-            <a:endParaRPr lang="en-GB" altLang="x-none"/>
-          </a:p>
-        </p:txBody>
-      </p:sp>
-      <p:sp>
-        <p:nvSpPr>
-          <p:cNvPr id="6" name="Slide Number Placeholder 5"/>
-          <p:cNvSpPr>
-            <a:spLocks noGrp="1"/>
-          </p:cNvSpPr>
-          <p:nvPr>
-            <p:ph type="sldNum" sz="quarter" idx="4"/>
-          </p:nvPr>
-        </p:nvSpPr>
-        <p:spPr>
-          <a:xfrm>
-            <a:off x="26289000" y="1524006"/>
-            <a:ext cx="7909560" cy="1460500"/>
-          </a:xfrm>
-          <a:prstGeom prst="rect">
-            <a:avLst/>
-          </a:prstGeom>
-        </p:spPr>
-        <p:txBody>
-          <a:bodyPr vert="horz" lIns="91440" tIns="45720" rIns="91440" bIns="45720" rtlCol="0" anchor="ctr"/>
-          <a:lstStyle>
-            <a:lvl1pPr algn="r">
-              <a:defRPr sz="4200">
-                <a:solidFill>
-                  <a:schemeClr val="tx1">
-                    <a:tint val="75000"/>
-                  </a:schemeClr>
-                </a:solidFill>
+              <a:defRPr sz="4000" b="0" i="0">
+                <a:solidFill>
+                  <a:schemeClr val="tx1"/>
+                </a:solidFill>
+                <a:effectLst/>
+                <a:latin typeface="+mn-lt"/>
               </a:defRPr>
             </a:lvl1pPr>
           </a:lstStyle>
@@ -6169,209 +6150,311 @@
     </p:spTree>
     <p:extLst>
       <p:ext uri="{BB962C8B-B14F-4D97-AF65-F5344CB8AC3E}">
-        <p14:creationId xmlns:p14="http://schemas.microsoft.com/office/powerpoint/2010/main" val="1616533774"/>
+        <p14:creationId xmlns:p14="http://schemas.microsoft.com/office/powerpoint/2010/main" val="1420989353"/>
       </p:ext>
     </p:extLst>
   </p:cSld>
   <p:clrMap bg1="dk1" tx1="lt1" bg2="dk2" tx2="lt2" accent1="accent1" accent2="accent2" accent3="accent3" accent4="accent4" accent5="accent5" accent6="accent6" hlink="hlink" folHlink="folHlink"/>
   <p:sldLayoutIdLst>
-    <p:sldLayoutId id="2147483685" r:id="rId1"/>
-    <p:sldLayoutId id="2147483686" r:id="rId2"/>
-    <p:sldLayoutId id="2147483687" r:id="rId3"/>
-    <p:sldLayoutId id="2147483688" r:id="rId4"/>
-    <p:sldLayoutId id="2147483689" r:id="rId5"/>
-    <p:sldLayoutId id="2147483690" r:id="rId6"/>
-    <p:sldLayoutId id="2147483691" r:id="rId7"/>
-    <p:sldLayoutId id="2147483692" r:id="rId8"/>
-    <p:sldLayoutId id="2147483693" r:id="rId9"/>
-    <p:sldLayoutId id="2147483694" r:id="rId10"/>
-    <p:sldLayoutId id="2147483695" r:id="rId11"/>
-    <p:sldLayoutId id="2147483696" r:id="rId12"/>
-    <p:sldLayoutId id="2147483697" r:id="rId13"/>
-    <p:sldLayoutId id="2147483698" r:id="rId14"/>
-    <p:sldLayoutId id="2147483699" r:id="rId15"/>
-    <p:sldLayoutId id="2147483700" r:id="rId16"/>
-    <p:sldLayoutId id="2147483701" r:id="rId17"/>
+    <p:sldLayoutId id="2147483763" r:id="rId1"/>
+    <p:sldLayoutId id="2147483764" r:id="rId2"/>
+    <p:sldLayoutId id="2147483765" r:id="rId3"/>
+    <p:sldLayoutId id="2147483766" r:id="rId4"/>
+    <p:sldLayoutId id="2147483767" r:id="rId5"/>
+    <p:sldLayoutId id="2147483768" r:id="rId6"/>
+    <p:sldLayoutId id="2147483769" r:id="rId7"/>
+    <p:sldLayoutId id="2147483770" r:id="rId8"/>
+    <p:sldLayoutId id="2147483771" r:id="rId9"/>
+    <p:sldLayoutId id="2147483772" r:id="rId10"/>
+    <p:sldLayoutId id="2147483773" r:id="rId11"/>
+    <p:sldLayoutId id="2147483774" r:id="rId12"/>
+    <p:sldLayoutId id="2147483775" r:id="rId13"/>
+    <p:sldLayoutId id="2147483776" r:id="rId14"/>
+    <p:sldLayoutId id="2147483777" r:id="rId15"/>
+    <p:sldLayoutId id="2147483778" r:id="rId16"/>
+    <p:sldLayoutId id="2147483779" r:id="rId17"/>
   </p:sldLayoutIdLst>
   <p:hf sldNum="0" hdr="0" ftr="0" dt="0"/>
   <p:txStyles>
     <p:titleStyle>
-      <a:lvl1pPr algn="r" defTabSz="3657600" rtl="0" eaLnBrk="1" latinLnBrk="0" hangingPunct="1">
-        <a:lnSpc>
-          <a:spcPct val="90000"/>
-        </a:lnSpc>
+      <a:lvl1pPr algn="l" defTabSz="1828800" rtl="0" eaLnBrk="1" latinLnBrk="0" hangingPunct="1">
         <a:spcBef>
           <a:spcPct val="0"/>
         </a:spcBef>
         <a:buNone/>
-        <a:defRPr sz="16000" kern="1200" cap="all" baseline="0">
+        <a:defRPr sz="12800" kern="1200" cap="all">
+          <a:ln w="3175" cmpd="sng">
+            <a:noFill/>
+          </a:ln>
           <a:solidFill>
             <a:schemeClr val="tx1"/>
           </a:solidFill>
+          <a:effectLst/>
           <a:latin typeface="+mj-lt"/>
           <a:ea typeface="+mj-ea"/>
           <a:cs typeface="+mj-cs"/>
         </a:defRPr>
       </a:lvl1pPr>
+      <a:lvl2pPr eaLnBrk="1" hangingPunct="1">
+        <a:defRPr>
+          <a:solidFill>
+            <a:schemeClr val="tx2"/>
+          </a:solidFill>
+        </a:defRPr>
+      </a:lvl2pPr>
+      <a:lvl3pPr eaLnBrk="1" hangingPunct="1">
+        <a:defRPr>
+          <a:solidFill>
+            <a:schemeClr val="tx2"/>
+          </a:solidFill>
+        </a:defRPr>
+      </a:lvl3pPr>
+      <a:lvl4pPr eaLnBrk="1" hangingPunct="1">
+        <a:defRPr>
+          <a:solidFill>
+            <a:schemeClr val="tx2"/>
+          </a:solidFill>
+        </a:defRPr>
+      </a:lvl4pPr>
+      <a:lvl5pPr eaLnBrk="1" hangingPunct="1">
+        <a:defRPr>
+          <a:solidFill>
+            <a:schemeClr val="tx2"/>
+          </a:solidFill>
+        </a:defRPr>
+      </a:lvl5pPr>
+      <a:lvl6pPr eaLnBrk="1" hangingPunct="1">
+        <a:defRPr>
+          <a:solidFill>
+            <a:schemeClr val="tx2"/>
+          </a:solidFill>
+        </a:defRPr>
+      </a:lvl6pPr>
+      <a:lvl7pPr eaLnBrk="1" hangingPunct="1">
+        <a:defRPr>
+          <a:solidFill>
+            <a:schemeClr val="tx2"/>
+          </a:solidFill>
+        </a:defRPr>
+      </a:lvl7pPr>
+      <a:lvl8pPr eaLnBrk="1" hangingPunct="1">
+        <a:defRPr>
+          <a:solidFill>
+            <a:schemeClr val="tx2"/>
+          </a:solidFill>
+        </a:defRPr>
+      </a:lvl8pPr>
+      <a:lvl9pPr eaLnBrk="1" hangingPunct="1">
+        <a:defRPr>
+          <a:solidFill>
+            <a:schemeClr val="tx2"/>
+          </a:solidFill>
+        </a:defRPr>
+      </a:lvl9pPr>
     </p:titleStyle>
     <p:bodyStyle>
-      <a:lvl1pPr marL="914400" indent="-914400" algn="l" defTabSz="3657600" rtl="0" eaLnBrk="1" latinLnBrk="0" hangingPunct="1">
-        <a:lnSpc>
-          <a:spcPct val="90000"/>
-        </a:lnSpc>
+      <a:lvl1pPr marL="1143000" indent="-1143000" algn="l" defTabSz="1828800" rtl="0" eaLnBrk="1" latinLnBrk="0" hangingPunct="1">
         <a:spcBef>
+          <a:spcPts val="0"/>
+        </a:spcBef>
+        <a:spcAft>
           <a:spcPts val="4000"/>
-        </a:spcBef>
-        <a:buFont typeface="Arial" panose="020B0604020202020204" pitchFamily="34" charset="0"/>
+        </a:spcAft>
+        <a:buClr>
+          <a:schemeClr val="tx1"/>
+        </a:buClr>
+        <a:buSzPct val="100000"/>
+        <a:buFont typeface="Arial"/>
         <a:buChar char="•"/>
-        <a:defRPr sz="8800" kern="1200">
+        <a:defRPr sz="7200" kern="1200" cap="none">
           <a:solidFill>
             <a:schemeClr val="tx1"/>
           </a:solidFill>
+          <a:effectLst/>
           <a:latin typeface="+mn-lt"/>
           <a:ea typeface="+mn-ea"/>
           <a:cs typeface="+mn-cs"/>
         </a:defRPr>
       </a:lvl1pPr>
-      <a:lvl2pPr marL="2743200" indent="-914400" algn="l" defTabSz="3657600" rtl="0" eaLnBrk="1" latinLnBrk="0" hangingPunct="1">
-        <a:lnSpc>
-          <a:spcPct val="90000"/>
-        </a:lnSpc>
+      <a:lvl2pPr marL="2971800" indent="-1143000" algn="l" defTabSz="1828800" rtl="0" eaLnBrk="1" latinLnBrk="0" hangingPunct="1">
         <a:spcBef>
-          <a:spcPts val="2000"/>
+          <a:spcPts val="0"/>
         </a:spcBef>
-        <a:buFont typeface="Arial" panose="020B0604020202020204" pitchFamily="34" charset="0"/>
+        <a:spcAft>
+          <a:spcPts val="4000"/>
+        </a:spcAft>
+        <a:buClr>
+          <a:schemeClr val="tx1"/>
+        </a:buClr>
+        <a:buSzPct val="100000"/>
+        <a:buFont typeface="Arial"/>
         <a:buChar char="•"/>
-        <a:defRPr sz="8000" kern="1200">
+        <a:defRPr sz="6400" kern="1200" cap="none">
           <a:solidFill>
             <a:schemeClr val="tx1"/>
           </a:solidFill>
+          <a:effectLst/>
           <a:latin typeface="+mn-lt"/>
           <a:ea typeface="+mn-ea"/>
           <a:cs typeface="+mn-cs"/>
         </a:defRPr>
       </a:lvl2pPr>
-      <a:lvl3pPr marL="4572000" indent="-914400" algn="l" defTabSz="3657600" rtl="0" eaLnBrk="1" latinLnBrk="0" hangingPunct="1">
-        <a:lnSpc>
-          <a:spcPct val="90000"/>
-        </a:lnSpc>
+      <a:lvl3pPr marL="4800600" indent="-1143000" algn="l" defTabSz="1828800" rtl="0" eaLnBrk="1" latinLnBrk="0" hangingPunct="1">
         <a:spcBef>
-          <a:spcPts val="2000"/>
+          <a:spcPts val="0"/>
         </a:spcBef>
-        <a:buFont typeface="Arial" panose="020B0604020202020204" pitchFamily="34" charset="0"/>
+        <a:spcAft>
+          <a:spcPts val="4000"/>
+        </a:spcAft>
+        <a:buClr>
+          <a:schemeClr val="tx1"/>
+        </a:buClr>
+        <a:buSzPct val="100000"/>
+        <a:buFont typeface="Arial"/>
         <a:buChar char="•"/>
-        <a:defRPr sz="7200" kern="1200">
+        <a:defRPr sz="5600" kern="1200" cap="none">
           <a:solidFill>
             <a:schemeClr val="tx1"/>
           </a:solidFill>
+          <a:effectLst/>
           <a:latin typeface="+mn-lt"/>
           <a:ea typeface="+mn-ea"/>
           <a:cs typeface="+mn-cs"/>
         </a:defRPr>
       </a:lvl3pPr>
-      <a:lvl4pPr marL="6400800" indent="-914400" algn="l" defTabSz="3657600" rtl="0" eaLnBrk="1" latinLnBrk="0" hangingPunct="1">
-        <a:lnSpc>
-          <a:spcPct val="90000"/>
-        </a:lnSpc>
+      <a:lvl4pPr marL="6172200" indent="-685800" algn="l" defTabSz="1828800" rtl="0" eaLnBrk="1" latinLnBrk="0" hangingPunct="1">
         <a:spcBef>
-          <a:spcPts val="2000"/>
+          <a:spcPts val="0"/>
         </a:spcBef>
-        <a:buFont typeface="Arial" panose="020B0604020202020204" pitchFamily="34" charset="0"/>
+        <a:spcAft>
+          <a:spcPts val="4000"/>
+        </a:spcAft>
+        <a:buClr>
+          <a:schemeClr val="tx1"/>
+        </a:buClr>
+        <a:buSzPct val="100000"/>
+        <a:buFont typeface="Arial"/>
         <a:buChar char="•"/>
-        <a:defRPr sz="6400" kern="1200">
+        <a:defRPr sz="4800" kern="1200" cap="none">
           <a:solidFill>
             <a:schemeClr val="tx1"/>
           </a:solidFill>
+          <a:effectLst/>
           <a:latin typeface="+mn-lt"/>
           <a:ea typeface="+mn-ea"/>
           <a:cs typeface="+mn-cs"/>
         </a:defRPr>
       </a:lvl4pPr>
-      <a:lvl5pPr marL="8229600" indent="-914400" algn="l" defTabSz="3657600" rtl="0" eaLnBrk="1" latinLnBrk="0" hangingPunct="1">
-        <a:lnSpc>
-          <a:spcPct val="90000"/>
-        </a:lnSpc>
+      <a:lvl5pPr marL="8001000" indent="-685800" algn="l" defTabSz="1828800" rtl="0" eaLnBrk="1" latinLnBrk="0" hangingPunct="1">
         <a:spcBef>
-          <a:spcPts val="2000"/>
+          <a:spcPts val="0"/>
         </a:spcBef>
-        <a:buFont typeface="Arial" panose="020B0604020202020204" pitchFamily="34" charset="0"/>
+        <a:spcAft>
+          <a:spcPts val="4000"/>
+        </a:spcAft>
+        <a:buClr>
+          <a:schemeClr val="tx1"/>
+        </a:buClr>
+        <a:buSzPct val="100000"/>
+        <a:buFont typeface="Arial"/>
         <a:buChar char="•"/>
-        <a:defRPr sz="6400" kern="1200">
+        <a:defRPr sz="4800" kern="1200" cap="none">
           <a:solidFill>
             <a:schemeClr val="tx1"/>
           </a:solidFill>
+          <a:effectLst/>
           <a:latin typeface="+mn-lt"/>
           <a:ea typeface="+mn-ea"/>
           <a:cs typeface="+mn-cs"/>
         </a:defRPr>
       </a:lvl5pPr>
-      <a:lvl6pPr marL="10058400" indent="-914400" algn="l" defTabSz="3657600" rtl="0" eaLnBrk="1" latinLnBrk="0" hangingPunct="1">
-        <a:lnSpc>
-          <a:spcPct val="90000"/>
-        </a:lnSpc>
+      <a:lvl6pPr marL="10058400" indent="-914400" algn="l" defTabSz="1828800" rtl="0" eaLnBrk="1" latinLnBrk="0" hangingPunct="1">
         <a:spcBef>
-          <a:spcPts val="2000"/>
+          <a:spcPts val="0"/>
         </a:spcBef>
-        <a:buFont typeface="Arial" panose="020B0604020202020204" pitchFamily="34" charset="0"/>
+        <a:spcAft>
+          <a:spcPts val="4000"/>
+        </a:spcAft>
+        <a:buClr>
+          <a:schemeClr val="tx1"/>
+        </a:buClr>
+        <a:buSzPct val="100000"/>
+        <a:buFont typeface="Arial"/>
         <a:buChar char="•"/>
-        <a:defRPr sz="6400" kern="1200">
+        <a:defRPr sz="4800" kern="1200" cap="none">
           <a:solidFill>
             <a:schemeClr val="tx1"/>
           </a:solidFill>
+          <a:effectLst/>
           <a:latin typeface="+mn-lt"/>
           <a:ea typeface="+mn-ea"/>
           <a:cs typeface="+mn-cs"/>
         </a:defRPr>
       </a:lvl6pPr>
-      <a:lvl7pPr marL="11887200" indent="-914400" algn="l" defTabSz="3657600" rtl="0" eaLnBrk="1" latinLnBrk="0" hangingPunct="1">
-        <a:lnSpc>
-          <a:spcPct val="90000"/>
-        </a:lnSpc>
+      <a:lvl7pPr marL="11887200" indent="-914400" algn="l" defTabSz="1828800" rtl="0" eaLnBrk="1" latinLnBrk="0" hangingPunct="1">
         <a:spcBef>
-          <a:spcPts val="2000"/>
+          <a:spcPts val="0"/>
         </a:spcBef>
-        <a:buFont typeface="Arial" panose="020B0604020202020204" pitchFamily="34" charset="0"/>
+        <a:spcAft>
+          <a:spcPts val="4000"/>
+        </a:spcAft>
+        <a:buClr>
+          <a:schemeClr val="tx1"/>
+        </a:buClr>
+        <a:buSzPct val="100000"/>
+        <a:buFont typeface="Arial"/>
         <a:buChar char="•"/>
-        <a:defRPr sz="6400" kern="1200">
+        <a:defRPr sz="4800" kern="1200" cap="none">
           <a:solidFill>
             <a:schemeClr val="tx1"/>
           </a:solidFill>
+          <a:effectLst/>
           <a:latin typeface="+mn-lt"/>
           <a:ea typeface="+mn-ea"/>
           <a:cs typeface="+mn-cs"/>
         </a:defRPr>
       </a:lvl7pPr>
-      <a:lvl8pPr marL="13716000" indent="-914400" algn="l" defTabSz="3657600" rtl="0" eaLnBrk="1" latinLnBrk="0" hangingPunct="1">
-        <a:lnSpc>
-          <a:spcPct val="90000"/>
-        </a:lnSpc>
+      <a:lvl8pPr marL="13716000" indent="-914400" algn="l" defTabSz="1828800" rtl="0" eaLnBrk="1" latinLnBrk="0" hangingPunct="1">
         <a:spcBef>
-          <a:spcPts val="2000"/>
+          <a:spcPts val="0"/>
         </a:spcBef>
-        <a:buFont typeface="Arial" panose="020B0604020202020204" pitchFamily="34" charset="0"/>
+        <a:spcAft>
+          <a:spcPts val="4000"/>
+        </a:spcAft>
+        <a:buClr>
+          <a:schemeClr val="tx1"/>
+        </a:buClr>
+        <a:buSzPct val="100000"/>
+        <a:buFont typeface="Arial"/>
         <a:buChar char="•"/>
-        <a:defRPr sz="6400" kern="1200">
+        <a:defRPr sz="4800" kern="1200" cap="none">
           <a:solidFill>
             <a:schemeClr val="tx1"/>
           </a:solidFill>
+          <a:effectLst/>
           <a:latin typeface="+mn-lt"/>
           <a:ea typeface="+mn-ea"/>
           <a:cs typeface="+mn-cs"/>
         </a:defRPr>
       </a:lvl8pPr>
-      <a:lvl9pPr marL="15544800" indent="-914400" algn="l" defTabSz="3657600" rtl="0" eaLnBrk="1" latinLnBrk="0" hangingPunct="1">
-        <a:lnSpc>
-          <a:spcPct val="90000"/>
-        </a:lnSpc>
+      <a:lvl9pPr marL="15544800" indent="-914400" algn="l" defTabSz="1828800" rtl="0" eaLnBrk="1" latinLnBrk="0" hangingPunct="1">
         <a:spcBef>
-          <a:spcPts val="2000"/>
+          <a:spcPts val="0"/>
         </a:spcBef>
-        <a:buFont typeface="Arial" panose="020B0604020202020204" pitchFamily="34" charset="0"/>
+        <a:spcAft>
+          <a:spcPts val="4000"/>
+        </a:spcAft>
+        <a:buClr>
+          <a:schemeClr val="tx1"/>
+        </a:buClr>
+        <a:buSzPct val="100000"/>
+        <a:buFont typeface="Arial"/>
         <a:buChar char="•"/>
-        <a:defRPr sz="6400" kern="1200">
+        <a:defRPr sz="4800" kern="1200" cap="none">
           <a:solidFill>
             <a:schemeClr val="tx1"/>
           </a:solidFill>
+          <a:effectLst/>
           <a:latin typeface="+mn-lt"/>
           <a:ea typeface="+mn-ea"/>
           <a:cs typeface="+mn-cs"/>
@@ -6382,7 +6465,7 @@
       <a:defPPr>
         <a:defRPr lang="en-US"/>
       </a:defPPr>
-      <a:lvl1pPr marL="0" algn="l" defTabSz="3657600" rtl="0" eaLnBrk="1" latinLnBrk="0" hangingPunct="1">
+      <a:lvl1pPr marL="0" algn="l" defTabSz="1828800" rtl="0" eaLnBrk="1" latinLnBrk="0" hangingPunct="1">
         <a:defRPr sz="7200" kern="1200">
           <a:solidFill>
             <a:schemeClr val="tx1"/>
@@ -6392,7 +6475,7 @@
           <a:cs typeface="+mn-cs"/>
         </a:defRPr>
       </a:lvl1pPr>
-      <a:lvl2pPr marL="1828800" algn="l" defTabSz="3657600" rtl="0" eaLnBrk="1" latinLnBrk="0" hangingPunct="1">
+      <a:lvl2pPr marL="1828800" algn="l" defTabSz="1828800" rtl="0" eaLnBrk="1" latinLnBrk="0" hangingPunct="1">
         <a:defRPr sz="7200" kern="1200">
           <a:solidFill>
             <a:schemeClr val="tx1"/>
@@ -6402,7 +6485,7 @@
           <a:cs typeface="+mn-cs"/>
         </a:defRPr>
       </a:lvl2pPr>
-      <a:lvl3pPr marL="3657600" algn="l" defTabSz="3657600" rtl="0" eaLnBrk="1" latinLnBrk="0" hangingPunct="1">
+      <a:lvl3pPr marL="3657600" algn="l" defTabSz="1828800" rtl="0" eaLnBrk="1" latinLnBrk="0" hangingPunct="1">
         <a:defRPr sz="7200" kern="1200">
           <a:solidFill>
             <a:schemeClr val="tx1"/>
@@ -6412,7 +6495,7 @@
           <a:cs typeface="+mn-cs"/>
         </a:defRPr>
       </a:lvl3pPr>
-      <a:lvl4pPr marL="5486400" algn="l" defTabSz="3657600" rtl="0" eaLnBrk="1" latinLnBrk="0" hangingPunct="1">
+      <a:lvl4pPr marL="5486400" algn="l" defTabSz="1828800" rtl="0" eaLnBrk="1" latinLnBrk="0" hangingPunct="1">
         <a:defRPr sz="7200" kern="1200">
           <a:solidFill>
             <a:schemeClr val="tx1"/>
@@ -6422,7 +6505,7 @@
           <a:cs typeface="+mn-cs"/>
         </a:defRPr>
       </a:lvl4pPr>
-      <a:lvl5pPr marL="7315200" algn="l" defTabSz="3657600" rtl="0" eaLnBrk="1" latinLnBrk="0" hangingPunct="1">
+      <a:lvl5pPr marL="7315200" algn="l" defTabSz="1828800" rtl="0" eaLnBrk="1" latinLnBrk="0" hangingPunct="1">
         <a:defRPr sz="7200" kern="1200">
           <a:solidFill>
             <a:schemeClr val="tx1"/>
@@ -6432,7 +6515,7 @@
           <a:cs typeface="+mn-cs"/>
         </a:defRPr>
       </a:lvl5pPr>
-      <a:lvl6pPr marL="9144000" algn="l" defTabSz="3657600" rtl="0" eaLnBrk="1" latinLnBrk="0" hangingPunct="1">
+      <a:lvl6pPr marL="9144000" algn="l" defTabSz="1828800" rtl="0" eaLnBrk="1" latinLnBrk="0" hangingPunct="1">
         <a:defRPr sz="7200" kern="1200">
           <a:solidFill>
             <a:schemeClr val="tx1"/>
@@ -6442,7 +6525,7 @@
           <a:cs typeface="+mn-cs"/>
         </a:defRPr>
       </a:lvl6pPr>
-      <a:lvl7pPr marL="10972800" algn="l" defTabSz="3657600" rtl="0" eaLnBrk="1" latinLnBrk="0" hangingPunct="1">
+      <a:lvl7pPr marL="10972800" algn="l" defTabSz="1828800" rtl="0" eaLnBrk="1" latinLnBrk="0" hangingPunct="1">
         <a:defRPr sz="7200" kern="1200">
           <a:solidFill>
             <a:schemeClr val="tx1"/>
@@ -6452,7 +6535,7 @@
           <a:cs typeface="+mn-cs"/>
         </a:defRPr>
       </a:lvl7pPr>
-      <a:lvl8pPr marL="12801600" algn="l" defTabSz="3657600" rtl="0" eaLnBrk="1" latinLnBrk="0" hangingPunct="1">
+      <a:lvl8pPr marL="12801600" algn="l" defTabSz="1828800" rtl="0" eaLnBrk="1" latinLnBrk="0" hangingPunct="1">
         <a:defRPr sz="7200" kern="1200">
           <a:solidFill>
             <a:schemeClr val="tx1"/>
@@ -6462,7 +6545,7 @@
           <a:cs typeface="+mn-cs"/>
         </a:defRPr>
       </a:lvl8pPr>
-      <a:lvl9pPr marL="14630400" algn="l" defTabSz="3657600" rtl="0" eaLnBrk="1" latinLnBrk="0" hangingPunct="1">
+      <a:lvl9pPr marL="14630400" algn="l" defTabSz="1828800" rtl="0" eaLnBrk="1" latinLnBrk="0" hangingPunct="1">
         <a:defRPr sz="7200" kern="1200">
           <a:solidFill>
             <a:schemeClr val="tx1"/>
@@ -6511,7 +6594,7 @@
         </p:nvSpPr>
         <p:spPr>
           <a:xfrm>
-            <a:off x="3276600" y="562596"/>
+            <a:off x="3505200" y="-128329"/>
             <a:ext cx="31546800" cy="2770820"/>
           </a:xfrm>
         </p:spPr>
@@ -6521,7 +6604,11 @@
           </a:bodyPr>
           <a:lstStyle/>
           <a:p>
-            <a:pPr algn="ctr"/>
+            <a:pPr algn="ctr">
+              <a:lnSpc>
+                <a:spcPct val="150000"/>
+              </a:lnSpc>
+            </a:pPr>
             <a:r>
               <a:rPr kumimoji="1" lang="en-US" altLang="zh-TW" sz="6000" dirty="0">
                 <a:ln w="0"/>
@@ -6554,7 +6641,7 @@
               </a:rPr>
             </a:br>
             <a:r>
-              <a:rPr kumimoji="1" lang="en-US" altLang="zh-TW" sz="8800" dirty="0">
+              <a:rPr kumimoji="1" lang="en-US" altLang="zh-TW" sz="8900" dirty="0">
                 <a:ln w="0"/>
                 <a:solidFill>
                   <a:schemeClr val="tx1"/>
@@ -6573,7 +6660,7 @@
               <a:t> The </a:t>
             </a:r>
             <a:r>
-              <a:rPr kumimoji="1" lang="en-US" altLang="zh-TW" sz="8800" dirty="0" smtClean="0">
+              <a:rPr kumimoji="1" lang="en-US" altLang="zh-TW" sz="8900" dirty="0" smtClean="0">
                 <a:ln w="0"/>
                 <a:solidFill>
                   <a:schemeClr val="tx1"/>
@@ -6592,7 +6679,7 @@
               <a:t>Impact </a:t>
             </a:r>
             <a:r>
-              <a:rPr kumimoji="1" lang="en-US" altLang="zh-TW" sz="8800" dirty="0">
+              <a:rPr kumimoji="1" lang="en-US" altLang="zh-TW" sz="8900" dirty="0">
                 <a:ln w="0"/>
                 <a:solidFill>
                   <a:schemeClr val="tx1"/>
@@ -6611,7 +6698,7 @@
               <a:t>of </a:t>
             </a:r>
             <a:r>
-              <a:rPr kumimoji="1" lang="en-US" altLang="zh-TW" sz="8800" dirty="0" smtClean="0">
+              <a:rPr kumimoji="1" lang="en-US" altLang="zh-TW" sz="8900" dirty="0" smtClean="0">
                 <a:ln w="0"/>
                 <a:solidFill>
                   <a:schemeClr val="tx1"/>
@@ -6630,7 +6717,7 @@
               <a:t>Crime </a:t>
             </a:r>
             <a:r>
-              <a:rPr kumimoji="1" lang="en-US" altLang="zh-TW" sz="8800" dirty="0">
+              <a:rPr kumimoji="1" lang="en-US" altLang="zh-TW" sz="8900" dirty="0">
                 <a:ln w="0"/>
                 <a:solidFill>
                   <a:schemeClr val="tx1"/>
@@ -6649,7 +6736,7 @@
               <a:t>on </a:t>
             </a:r>
             <a:r>
-              <a:rPr kumimoji="1" lang="en-US" altLang="zh-TW" sz="8800" dirty="0" smtClean="0">
+              <a:rPr kumimoji="1" lang="en-US" altLang="zh-TW" sz="8900" dirty="0" smtClean="0">
                 <a:ln w="0"/>
                 <a:solidFill>
                   <a:schemeClr val="tx1"/>
@@ -6711,6 +6798,9 @@
                     </a:schemeClr>
                   </a:outerShdw>
                 </a:effectLst>
+                <a:latin typeface="Times New Roman" charset="0"/>
+                <a:ea typeface="Times New Roman" charset="0"/>
+                <a:cs typeface="Times New Roman" charset="0"/>
               </a:rPr>
               <a:t>Xiaotong</a:t>
             </a:r>
@@ -6727,6 +6817,9 @@
                     </a:schemeClr>
                   </a:outerShdw>
                 </a:effectLst>
+                <a:latin typeface="Times New Roman" charset="0"/>
+                <a:ea typeface="Times New Roman" charset="0"/>
+                <a:cs typeface="Times New Roman" charset="0"/>
               </a:rPr>
               <a:t> </a:t>
             </a:r>
@@ -6743,6 +6836,9 @@
                     </a:schemeClr>
                   </a:outerShdw>
                 </a:effectLst>
+                <a:latin typeface="Times New Roman" charset="0"/>
+                <a:ea typeface="Times New Roman" charset="0"/>
+                <a:cs typeface="Times New Roman" charset="0"/>
               </a:rPr>
               <a:t>Niu, Po-Yu </a:t>
             </a:r>
@@ -6759,6 +6855,9 @@
                     </a:schemeClr>
                   </a:outerShdw>
                 </a:effectLst>
+                <a:latin typeface="Times New Roman" charset="0"/>
+                <a:ea typeface="Times New Roman" charset="0"/>
+                <a:cs typeface="Times New Roman" charset="0"/>
               </a:rPr>
               <a:t>Tseng</a:t>
             </a:r>
@@ -6774,6 +6873,9 @@
                   </a:schemeClr>
                 </a:outerShdw>
               </a:effectLst>
+              <a:latin typeface="Times New Roman" charset="0"/>
+              <a:ea typeface="Times New Roman" charset="0"/>
+              <a:cs typeface="Times New Roman" charset="0"/>
             </a:endParaRPr>
           </a:p>
         </p:txBody>
@@ -6790,13 +6892,13 @@
         </p:nvSpPr>
         <p:spPr>
           <a:xfrm>
-            <a:off x="404578" y="5598094"/>
+            <a:off x="404578" y="4734845"/>
             <a:ext cx="10415059" cy="12537506"/>
           </a:xfrm>
         </p:spPr>
         <p:txBody>
           <a:bodyPr>
-            <a:normAutofit lnSpcReduction="10000"/>
+            <a:normAutofit fontScale="92500"/>
           </a:bodyPr>
           <a:lstStyle/>
           <a:p>
@@ -6806,13 +6908,18 @@
               </a:lnSpc>
             </a:pPr>
             <a:r>
-              <a:rPr kumimoji="1" lang="en-US" altLang="zh-TW" sz="4000" u="sng" dirty="0" smtClean="0">
+              <a:rPr kumimoji="1" lang="en-US" altLang="zh-TW" sz="4300" b="1" u="sng" dirty="0" smtClean="0">
                 <a:latin typeface="Times New Roman" charset="0"/>
                 <a:ea typeface="Times New Roman" charset="0"/>
                 <a:cs typeface="Times New Roman" charset="0"/>
               </a:rPr>
-              <a:t>Introduction </a:t>
-            </a:r>
+              <a:t>Introduction</a:t>
+            </a:r>
+            <a:endParaRPr kumimoji="1" lang="en-US" altLang="zh-TW" sz="4300" u="sng" dirty="0" smtClean="0">
+              <a:latin typeface="Times New Roman" charset="0"/>
+              <a:ea typeface="Times New Roman" charset="0"/>
+              <a:cs typeface="Times New Roman" charset="0"/>
+            </a:endParaRPr>
           </a:p>
           <a:p>
             <a:pPr>
@@ -6947,8 +7054,8 @@
         </p:blipFill>
         <p:spPr>
           <a:xfrm>
-            <a:off x="478974" y="18059400"/>
-            <a:ext cx="10340663" cy="8384526"/>
+            <a:off x="478974" y="17272351"/>
+            <a:ext cx="10340663" cy="9171575"/>
           </a:xfrm>
         </p:spPr>
       </p:pic>
@@ -6964,12 +7071,14 @@
         </p:nvSpPr>
         <p:spPr>
           <a:xfrm>
-            <a:off x="12039600" y="16230600"/>
+            <a:off x="12001500" y="16589961"/>
             <a:ext cx="12573000" cy="10213326"/>
           </a:xfrm>
         </p:spPr>
         <p:txBody>
-          <a:bodyPr/>
+          <a:bodyPr>
+            <a:normAutofit/>
+          </a:bodyPr>
           <a:lstStyle/>
           <a:p>
             <a:pPr algn="ctr">
@@ -6978,14 +7087,14 @@
               </a:lnSpc>
             </a:pPr>
             <a:r>
-              <a:rPr kumimoji="1" lang="en-US" altLang="zh-TW" sz="4000" u="sng" dirty="0">
+              <a:rPr kumimoji="1" lang="en-US" altLang="zh-TW" sz="4000" b="1" u="sng" dirty="0">
                 <a:latin typeface="Times New Roman" charset="0"/>
                 <a:ea typeface="Times New Roman" charset="0"/>
                 <a:cs typeface="Times New Roman" charset="0"/>
               </a:rPr>
               <a:t>Statistical Analysis</a:t>
             </a:r>
-            <a:endParaRPr kumimoji="1" lang="zh-TW" altLang="zh-TW" sz="4000" u="sng" dirty="0">
+            <a:endParaRPr kumimoji="1" lang="zh-TW" altLang="zh-TW" sz="4000" b="1" u="sng" dirty="0">
               <a:latin typeface="Times New Roman" charset="0"/>
               <a:ea typeface="Times New Roman" charset="0"/>
               <a:cs typeface="Times New Roman" charset="0"/>
@@ -7129,7 +7238,10 @@
           </a:prstGeom>
           <a:ln w="76200">
             <a:solidFill>
-              <a:srgbClr val="FFFF00"/>
+              <a:schemeClr val="accent5">
+                <a:lumMod val="20000"/>
+                <a:lumOff val="80000"/>
+              </a:schemeClr>
             </a:solidFill>
             <a:headEnd type="none" w="med" len="med"/>
             <a:tailEnd type="none" w="med" len="med"/>
@@ -7161,7 +7273,7 @@
         </p:nvSpPr>
         <p:spPr bwMode="auto">
           <a:xfrm>
-            <a:off x="25908000" y="4734845"/>
+            <a:off x="25909765" y="5257939"/>
             <a:ext cx="10029470" cy="5551199"/>
           </a:xfrm>
           <a:prstGeom prst="rect">
@@ -7177,14 +7289,14 @@
               <ma14:placeholderFlag xmlns:ma14="http://schemas.microsoft.com/office/mac/drawingml/2011/main" val="1"/>
             </a:ext>
             <a:ext uri="{909E8E84-426E-40dd-AFC4-6F175D3DCCD1}">
-              <a14:hiddenFill xmlns="" xmlns:a14="http://schemas.microsoft.com/office/drawing/2010/main">
+              <a14:hiddenFill xmlns:a14="http://schemas.microsoft.com/office/drawing/2010/main" xmlns="">
                 <a:solidFill>
                   <a:srgbClr val="FFFFFF"/>
                 </a:solidFill>
               </a14:hiddenFill>
             </a:ext>
             <a:ext uri="{91240B29-F687-4f45-9708-019B960494DF}">
-              <a14:hiddenLine xmlns="" xmlns:a14="http://schemas.microsoft.com/office/drawing/2010/main" w="9525">
+              <a14:hiddenLine xmlns:a14="http://schemas.microsoft.com/office/drawing/2010/main" xmlns="" w="9525">
                 <a:solidFill>
                   <a:srgbClr val="000000"/>
                 </a:solidFill>
@@ -7194,7 +7306,7 @@
               </a14:hiddenLine>
             </a:ext>
             <a:ext uri="{AF507438-7753-43e0-B8FC-AC1667EBCBE1}">
-              <a14:hiddenEffects xmlns="" xmlns:a14="http://schemas.microsoft.com/office/drawing/2010/main">
+              <a14:hiddenEffects xmlns:a14="http://schemas.microsoft.com/office/drawing/2010/main" xmlns="">
                 <a:effectLst>
                   <a:outerShdw blurRad="63500" dist="38099" dir="2700000" algn="ctr" rotWithShape="0">
                     <a:schemeClr val="bg2">
@@ -7412,7 +7524,11 @@
             </a:lvl9pPr>
           </a:lstStyle>
           <a:p>
-            <a:pPr algn="ctr"/>
+            <a:pPr algn="ctr">
+              <a:lnSpc>
+                <a:spcPct val="200000"/>
+              </a:lnSpc>
+            </a:pPr>
             <a:r>
               <a:rPr kumimoji="1" lang="en-US" altLang="zh-TW" sz="4000" u="sng" dirty="0" smtClean="0">
                 <a:solidFill>
@@ -7489,8 +7605,8 @@
         </p:blipFill>
         <p:spPr>
           <a:xfrm>
-            <a:off x="644826" y="425822"/>
-            <a:ext cx="7190658" cy="3343656"/>
+            <a:off x="379179" y="381000"/>
+            <a:ext cx="7710796" cy="3585520"/>
           </a:xfrm>
           <a:prstGeom prst="rect">
             <a:avLst/>
@@ -7517,8 +7633,8 @@
         </p:nvSpPr>
         <p:spPr bwMode="auto">
           <a:xfrm>
-            <a:off x="25605767" y="17698332"/>
-            <a:ext cx="10684736" cy="11201400"/>
+            <a:off x="25909765" y="18389770"/>
+            <a:ext cx="10382503" cy="11201400"/>
           </a:xfrm>
           <a:prstGeom prst="rect">
             <a:avLst/>
@@ -7533,14 +7649,14 @@
               <ma14:placeholderFlag xmlns:ma14="http://schemas.microsoft.com/office/mac/drawingml/2011/main" val="1"/>
             </a:ext>
             <a:ext uri="{909E8E84-426E-40dd-AFC4-6F175D3DCCD1}">
-              <a14:hiddenFill xmlns="" xmlns:a14="http://schemas.microsoft.com/office/drawing/2010/main">
+              <a14:hiddenFill xmlns:a14="http://schemas.microsoft.com/office/drawing/2010/main" xmlns="">
                 <a:solidFill>
                   <a:srgbClr val="FFFFFF"/>
                 </a:solidFill>
               </a14:hiddenFill>
             </a:ext>
             <a:ext uri="{91240B29-F687-4f45-9708-019B960494DF}">
-              <a14:hiddenLine xmlns="" xmlns:a14="http://schemas.microsoft.com/office/drawing/2010/main" w="9525">
+              <a14:hiddenLine xmlns:a14="http://schemas.microsoft.com/office/drawing/2010/main" xmlns="" w="9525">
                 <a:solidFill>
                   <a:srgbClr val="000000"/>
                 </a:solidFill>
@@ -7550,7 +7666,7 @@
               </a14:hiddenLine>
             </a:ext>
             <a:ext uri="{AF507438-7753-43e0-B8FC-AC1667EBCBE1}">
-              <a14:hiddenEffects xmlns="" xmlns:a14="http://schemas.microsoft.com/office/drawing/2010/main">
+              <a14:hiddenEffects xmlns:a14="http://schemas.microsoft.com/office/drawing/2010/main" xmlns="">
                 <a:effectLst>
                   <a:outerShdw blurRad="63500" dist="38099" dir="2700000" algn="ctr" rotWithShape="0">
                     <a:schemeClr val="bg2">
@@ -7905,14 +8021,14 @@
               <ma14:placeholderFlag xmlns:ma14="http://schemas.microsoft.com/office/mac/drawingml/2011/main" val="1"/>
             </a:ext>
             <a:ext uri="{909E8E84-426E-40dd-AFC4-6F175D3DCCD1}">
-              <a14:hiddenFill xmlns="" xmlns:a14="http://schemas.microsoft.com/office/drawing/2010/main">
+              <a14:hiddenFill xmlns:a14="http://schemas.microsoft.com/office/drawing/2010/main" xmlns="">
                 <a:solidFill>
                   <a:srgbClr val="FFFFFF"/>
                 </a:solidFill>
               </a14:hiddenFill>
             </a:ext>
             <a:ext uri="{91240B29-F687-4f45-9708-019B960494DF}">
-              <a14:hiddenLine xmlns="" xmlns:a14="http://schemas.microsoft.com/office/drawing/2010/main" w="9525">
+              <a14:hiddenLine xmlns:a14="http://schemas.microsoft.com/office/drawing/2010/main" xmlns="" w="9525">
                 <a:solidFill>
                   <a:srgbClr val="000000"/>
                 </a:solidFill>
@@ -7922,7 +8038,7 @@
               </a14:hiddenLine>
             </a:ext>
             <a:ext uri="{AF507438-7753-43e0-B8FC-AC1667EBCBE1}">
-              <a14:hiddenEffects xmlns="" xmlns:a14="http://schemas.microsoft.com/office/drawing/2010/main">
+              <a14:hiddenEffects xmlns:a14="http://schemas.microsoft.com/office/drawing/2010/main" xmlns="">
                 <a:effectLst>
                   <a:outerShdw blurRad="63500" dist="38099" dir="2700000" algn="ctr" rotWithShape="0">
                     <a:schemeClr val="bg2">
@@ -7954,7 +8070,10 @@
           </a:solidFill>
           <a:ln w="9525" cap="flat" cmpd="sng" algn="ctr">
             <a:solidFill>
-              <a:srgbClr val="FFFF00"/>
+              <a:schemeClr val="accent5">
+                <a:lumMod val="20000"/>
+                <a:lumOff val="80000"/>
+              </a:schemeClr>
             </a:solidFill>
             <a:prstDash val="solid"/>
             <a:round/>
@@ -7964,7 +8083,7 @@
           <a:effectLst/>
           <a:extLst>
             <a:ext uri="{AF507438-7753-43e0-B8FC-AC1667EBCBE1}">
-              <a14:hiddenEffects xmlns="" xmlns:a14="http://schemas.microsoft.com/office/drawing/2010/main">
+              <a14:hiddenEffects xmlns:a14="http://schemas.microsoft.com/office/drawing/2010/main" xmlns="">
                 <a:effectLst>
                   <a:outerShdw blurRad="63500" dist="38099" dir="2700000" algn="ctr" rotWithShape="0">
                     <a:schemeClr val="bg2">
@@ -7996,7 +8115,10 @@
           </a:solidFill>
           <a:ln w="9525" cap="flat" cmpd="sng" algn="ctr">
             <a:solidFill>
-              <a:srgbClr val="FFFF00"/>
+              <a:schemeClr val="accent5">
+                <a:lumMod val="20000"/>
+                <a:lumOff val="80000"/>
+              </a:schemeClr>
             </a:solidFill>
             <a:prstDash val="solid"/>
             <a:round/>
@@ -8006,7 +8128,7 @@
           <a:effectLst/>
           <a:extLst>
             <a:ext uri="{AF507438-7753-43e0-B8FC-AC1667EBCBE1}">
-              <a14:hiddenEffects xmlns="" xmlns:a14="http://schemas.microsoft.com/office/drawing/2010/main">
+              <a14:hiddenEffects xmlns:a14="http://schemas.microsoft.com/office/drawing/2010/main" xmlns="">
                 <a:effectLst>
                   <a:outerShdw blurRad="63500" dist="38099" dir="2700000" algn="ctr" rotWithShape="0">
                     <a:schemeClr val="bg2">
@@ -8027,8 +8149,8 @@
         </p:nvSpPr>
         <p:spPr>
           <a:xfrm>
-            <a:off x="30948135" y="1060318"/>
-            <a:ext cx="5715000" cy="2584092"/>
+            <a:off x="31394400" y="699348"/>
+            <a:ext cx="5715000" cy="2755498"/>
           </a:xfrm>
           <a:prstGeom prst="rect">
             <a:avLst/>
@@ -8042,7 +8164,7 @@
           <a:lstStyle/>
           <a:p>
             <a:r>
-              <a:rPr lang="en-US" sz="4400" dirty="0" smtClean="0">
+              <a:rPr lang="en-US" sz="4800" dirty="0" smtClean="0">
                 <a:latin typeface="Times New Roman" charset="0"/>
                 <a:ea typeface="Times New Roman" charset="0"/>
                 <a:cs typeface="Times New Roman" charset="0"/>
@@ -8052,7 +8174,7 @@
           </a:p>
           <a:p>
             <a:r>
-              <a:rPr lang="en-US" sz="4400" dirty="0" smtClean="0">
+              <a:rPr lang="en-US" sz="4800" dirty="0" smtClean="0">
                 <a:latin typeface="Times New Roman" charset="0"/>
                 <a:ea typeface="Times New Roman" charset="0"/>
                 <a:cs typeface="Times New Roman" charset="0"/>
@@ -8062,14 +8184,14 @@
           </a:p>
           <a:p>
             <a:r>
-              <a:rPr lang="en-US" sz="4400" dirty="0" smtClean="0">
+              <a:rPr lang="en-US" sz="4800" dirty="0" smtClean="0">
                 <a:latin typeface="Times New Roman" charset="0"/>
                 <a:ea typeface="Times New Roman" charset="0"/>
                 <a:cs typeface="Times New Roman" charset="0"/>
               </a:rPr>
               <a:t>Spring 2017</a:t>
             </a:r>
-            <a:endParaRPr lang="en-US" sz="4400" dirty="0">
+            <a:endParaRPr lang="en-US" sz="4800" dirty="0">
               <a:latin typeface="Times New Roman" charset="0"/>
               <a:ea typeface="Times New Roman" charset="0"/>
               <a:cs typeface="Times New Roman" charset="0"/>
@@ -8099,7 +8221,7 @@
         </p:blipFill>
         <p:spPr>
           <a:xfrm>
-            <a:off x="25604615" y="10779088"/>
+            <a:off x="25493352" y="11360954"/>
             <a:ext cx="10560326" cy="6477000"/>
           </a:xfrm>
           <a:prstGeom prst="rect">
@@ -8128,9 +8250,9 @@
 </file>
 
 <file path=ppt/theme/theme1.xml><?xml version="1.0" encoding="utf-8"?>
-<a:theme xmlns:a="http://schemas.openxmlformats.org/drawingml/2006/main" name="飛機雲">
+<a:theme xmlns:a="http://schemas.openxmlformats.org/drawingml/2006/main" name="天空">
   <a:themeElements>
-    <a:clrScheme name="飛機雲">
+    <a:clrScheme name="天空">
       <a:dk1>
         <a:sysClr val="windowText" lastClr="000000"/>
       </a:dk1>
@@ -8138,39 +8260,39 @@
         <a:sysClr val="window" lastClr="FFFFFF"/>
       </a:lt1>
       <a:dk2>
-        <a:srgbClr val="454545"/>
+        <a:srgbClr val="18276C"/>
       </a:dk2>
       <a:lt2>
-        <a:srgbClr val="DADADA"/>
+        <a:srgbClr val="EBEBEB"/>
       </a:lt2>
       <a:accent1>
-        <a:srgbClr val="DF2E28"/>
+        <a:srgbClr val="AC3EC1"/>
       </a:accent1>
       <a:accent2>
-        <a:srgbClr val="FE801A"/>
+        <a:srgbClr val="477BD1"/>
       </a:accent2>
       <a:accent3>
-        <a:srgbClr val="E9BF35"/>
+        <a:srgbClr val="46B298"/>
       </a:accent3>
       <a:accent4>
-        <a:srgbClr val="81BB42"/>
+        <a:srgbClr val="90BA4C"/>
       </a:accent4>
       <a:accent5>
-        <a:srgbClr val="32C7A9"/>
+        <a:srgbClr val="DD9D31"/>
       </a:accent5>
       <a:accent6>
-        <a:srgbClr val="4A9BDC"/>
+        <a:srgbClr val="E25247"/>
       </a:accent6>
       <a:hlink>
-        <a:srgbClr val="F0532B"/>
+        <a:srgbClr val="C573D2"/>
       </a:hlink>
       <a:folHlink>
-        <a:srgbClr val="F38B53"/>
+        <a:srgbClr val="CCAEE8"/>
       </a:folHlink>
     </a:clrScheme>
-    <a:fontScheme name="飛機雲">
+    <a:fontScheme name="天空">
       <a:majorFont>
-        <a:latin typeface="Century Gothic" panose="020B0502020202020204"/>
+        <a:latin typeface="Calibri Light" panose="020F0302020204030204"/>
         <a:ea typeface=""/>
         <a:cs typeface=""/>
         <a:font script="Jpan" typeface="ＭＳ Ｐゴシック"/>
@@ -8205,7 +8327,7 @@
         <a:font script="Geor" typeface="Sylfaen"/>
       </a:majorFont>
       <a:minorFont>
-        <a:latin typeface="Century Gothic" panose="020B0502020202020204"/>
+        <a:latin typeface="Calibri" panose="020F0502020204030204"/>
         <a:ea typeface=""/>
         <a:cs typeface=""/>
         <a:font script="Jpan" typeface="ＭＳ Ｐゴシック"/>
@@ -8240,7 +8362,7 @@
         <a:font script="Geor" typeface="Sylfaen"/>
       </a:minorFont>
     </a:fontScheme>
-    <a:fmtScheme name="飛機雲">
+    <a:fmtScheme name="天空">
       <a:fillStyleLst>
         <a:solidFill>
           <a:schemeClr val="phClr"/>
@@ -8249,24 +8371,14 @@
           <a:gsLst>
             <a:gs pos="0">
               <a:schemeClr val="phClr">
-                <a:tint val="69000"/>
-                <a:alpha val="100000"/>
-                <a:satMod val="109000"/>
+                <a:tint val="70000"/>
                 <a:lumMod val="110000"/>
-              </a:schemeClr>
-            </a:gs>
-            <a:gs pos="52000">
-              <a:schemeClr val="phClr">
-                <a:tint val="74000"/>
-                <a:satMod val="100000"/>
-                <a:lumMod val="104000"/>
               </a:schemeClr>
             </a:gs>
             <a:gs pos="100000">
               <a:schemeClr val="phClr">
-                <a:tint val="78000"/>
-                <a:satMod val="100000"/>
-                <a:lumMod val="100000"/>
+                <a:tint val="82000"/>
+                <a:alpha val="74000"/>
               </a:schemeClr>
             </a:gs>
           </a:gsLst>
@@ -8276,36 +8388,34 @@
           <a:gsLst>
             <a:gs pos="0">
               <a:schemeClr val="phClr">
-                <a:tint val="96000"/>
-                <a:satMod val="100000"/>
-                <a:lumMod val="104000"/>
-              </a:schemeClr>
-            </a:gs>
-            <a:gs pos="78000">
-              <a:schemeClr val="phClr">
-                <a:shade val="100000"/>
-                <a:satMod val="110000"/>
+                <a:tint val="98000"/>
                 <a:lumMod val="100000"/>
               </a:schemeClr>
             </a:gs>
+            <a:gs pos="100000">
+              <a:schemeClr val="phClr">
+                <a:shade val="88000"/>
+                <a:lumMod val="88000"/>
+              </a:schemeClr>
+            </a:gs>
           </a:gsLst>
-          <a:lin ang="5400000" scaled="0"/>
+          <a:lin ang="5400000" scaled="1"/>
         </a:gradFill>
       </a:fillStyleLst>
       <a:lnStyleLst>
-        <a:ln w="9525" cap="flat" cmpd="sng" algn="ctr">
+        <a:ln w="9525" cap="rnd" cmpd="sng" algn="ctr">
           <a:solidFill>
             <a:schemeClr val="phClr"/>
           </a:solidFill>
           <a:prstDash val="solid"/>
         </a:ln>
-        <a:ln w="12700" cap="flat" cmpd="sng" algn="ctr">
+        <a:ln w="19050" cap="rnd" cmpd="sng" algn="ctr">
           <a:solidFill>
             <a:schemeClr val="phClr"/>
           </a:solidFill>
           <a:prstDash val="solid"/>
         </a:ln>
-        <a:ln w="19050" cap="flat" cmpd="sng" algn="ctr">
+        <a:ln w="25400" cap="rnd" cmpd="sng" algn="ctr">
           <a:solidFill>
             <a:schemeClr val="phClr"/>
           </a:solidFill>
@@ -8317,22 +8427,19 @@
           <a:effectLst/>
         </a:effectStyle>
         <a:effectStyle>
-          <a:effectLst/>
-          <a:scene3d>
-            <a:camera prst="orthographicFront">
-              <a:rot lat="0" lon="0" rev="0"/>
-            </a:camera>
-            <a:lightRig rig="threePt" dir="t"/>
-          </a:scene3d>
-          <a:sp3d>
-            <a:bevelT w="25400" h="12700"/>
-          </a:sp3d>
+          <a:effectLst>
+            <a:outerShdw blurRad="50800" dist="38100" dir="5400000" rotWithShape="0">
+              <a:srgbClr val="000000">
+                <a:alpha val="35000"/>
+              </a:srgbClr>
+            </a:outerShdw>
+          </a:effectLst>
         </a:effectStyle>
         <a:effectStyle>
           <a:effectLst>
-            <a:outerShdw blurRad="57150" dist="19050" dir="5400000" algn="ctr" rotWithShape="0">
+            <a:outerShdw blurRad="63500" dist="38100" dir="5400000" rotWithShape="0">
               <a:srgbClr val="000000">
-                <a:alpha val="48000"/>
+                <a:alpha val="65000"/>
               </a:srgbClr>
             </a:outerShdw>
           </a:effectLst>
@@ -8340,10 +8447,12 @@
             <a:camera prst="orthographicFront">
               <a:rot lat="0" lon="0" rev="0"/>
             </a:camera>
-            <a:lightRig rig="threePt" dir="t"/>
+            <a:lightRig rig="threePt" dir="tl">
+              <a:rot lat="0" lon="0" rev="1200000"/>
+            </a:lightRig>
           </a:scene3d>
           <a:sp3d>
-            <a:bevelT w="50800" h="25400"/>
+            <a:bevelT w="38100" h="12700"/>
           </a:sp3d>
         </a:effectStyle>
       </a:effectStyleLst>
@@ -8351,39 +8460,31 @@
         <a:solidFill>
           <a:schemeClr val="phClr"/>
         </a:solidFill>
-        <a:solidFill>
-          <a:schemeClr val="phClr">
-            <a:tint val="95000"/>
-            <a:satMod val="170000"/>
-          </a:schemeClr>
-        </a:solidFill>
         <a:gradFill rotWithShape="1">
           <a:gsLst>
             <a:gs pos="0">
               <a:schemeClr val="phClr">
-                <a:tint val="93000"/>
-                <a:shade val="98000"/>
-                <a:satMod val="150000"/>
-                <a:lumMod val="102000"/>
-              </a:schemeClr>
-            </a:gs>
-            <a:gs pos="50000">
-              <a:schemeClr val="phClr">
-                <a:tint val="98000"/>
-                <a:shade val="90000"/>
-                <a:satMod val="130000"/>
-                <a:lumMod val="103000"/>
+                <a:tint val="90000"/>
+                <a:shade val="96000"/>
+                <a:hueMod val="100000"/>
+                <a:satMod val="180000"/>
+                <a:lumMod val="110000"/>
               </a:schemeClr>
             </a:gs>
             <a:gs pos="100000">
               <a:schemeClr val="phClr">
-                <a:shade val="63000"/>
-                <a:satMod val="120000"/>
+                <a:shade val="96000"/>
+                <a:satMod val="160000"/>
+                <a:lumMod val="100000"/>
               </a:schemeClr>
             </a:gs>
           </a:gsLst>
-          <a:lin ang="5400000" scaled="0"/>
+          <a:lin ang="4740000" scaled="1"/>
         </a:gradFill>
+        <a:blipFill>
+          <a:blip xmlns:r="http://schemas.openxmlformats.org/officeDocument/2006/relationships" r:embed="rId1"/>
+          <a:stretch/>
+        </a:blipFill>
       </a:bgFillStyleLst>
     </a:fmtScheme>
   </a:themeElements>
@@ -8391,7 +8492,7 @@
   <a:extraClrSchemeLst/>
   <a:extLst>
     <a:ext uri="{05A4C25C-085E-4340-85A3-A5531E510DB2}">
-      <thm15:themeFamily xmlns:thm15="http://schemas.microsoft.com/office/thememl/2012/main" name="Vapor Trail" id="{4FDF2955-7D9C-493C-B9F9-C205151B46CD}" vid="{8F31A783-2159-4870-BC29-2BA7D038EA44}"/>
+      <thm15:themeFamily xmlns:thm15="http://schemas.microsoft.com/office/thememl/2012/main" name="Celestial" id="{C4BB2A3D-0E93-4C5F-B0D2-9D3FCE089CC5}" vid="{42E5908D-19A2-46FD-89FA-638B126129EF}"/>
     </a:ext>
   </a:extLst>
 </a:theme>

--- a/pt0713_silnuext/poster/591 poster.pptx
+++ b/pt0713_silnuext/poster/591 poster.pptx
@@ -926,6 +926,17 @@
           <a:bodyPr/>
           <a:lstStyle/>
           <a:p>
+            <a:r>
+              <a:rPr kumimoji="1" lang="en-US" altLang="zh-TW" sz="1200" b="0" smtClean="0">
+                <a:solidFill>
+                  <a:schemeClr val="tx1"/>
+                </a:solidFill>
+                <a:latin typeface="Times New Roman" charset="0"/>
+                <a:ea typeface="Times New Roman" charset="0"/>
+                <a:cs typeface="Times New Roman" charset="0"/>
+              </a:rPr>
+              <a:t>more thoroughly that might also affect crime numbers </a:t>
+            </a:r>
             <a:endParaRPr kumimoji="1" lang="zh-TW" altLang="en-US" dirty="0"/>
           </a:p>
         </p:txBody>
@@ -6892,90 +6903,52 @@
         </p:nvSpPr>
         <p:spPr>
           <a:xfrm>
-            <a:off x="404578" y="4734845"/>
-            <a:ext cx="10415059" cy="12537506"/>
+            <a:off x="441775" y="4372697"/>
+            <a:ext cx="10415059" cy="12550602"/>
           </a:xfrm>
         </p:spPr>
         <p:txBody>
           <a:bodyPr>
-            <a:normAutofit fontScale="92500"/>
+            <a:normAutofit lnSpcReduction="10000"/>
           </a:bodyPr>
           <a:lstStyle/>
           <a:p>
-            <a:pPr algn="ctr">
-              <a:lnSpc>
-                <a:spcPct val="100000"/>
-              </a:lnSpc>
-            </a:pPr>
-            <a:r>
-              <a:rPr kumimoji="1" lang="en-US" altLang="zh-TW" sz="4300" b="1" u="sng" dirty="0" smtClean="0">
+            <a:pPr algn="ctr"/>
+            <a:r>
+              <a:rPr lang="en-US" altLang="zh-TW" sz="4000" b="1" u="sng" dirty="0">
                 <a:latin typeface="Times New Roman" charset="0"/>
                 <a:ea typeface="Times New Roman" charset="0"/>
                 <a:cs typeface="Times New Roman" charset="0"/>
               </a:rPr>
               <a:t>Introduction</a:t>
             </a:r>
-            <a:endParaRPr kumimoji="1" lang="en-US" altLang="zh-TW" sz="4300" u="sng" dirty="0" smtClean="0">
+            <a:endParaRPr lang="en-US" altLang="zh-TW" sz="4000" b="1" dirty="0">
               <a:latin typeface="Times New Roman" charset="0"/>
               <a:ea typeface="Times New Roman" charset="0"/>
               <a:cs typeface="Times New Roman" charset="0"/>
             </a:endParaRPr>
           </a:p>
           <a:p>
-            <a:pPr>
-              <a:lnSpc>
-                <a:spcPct val="100000"/>
-              </a:lnSpc>
-            </a:pPr>
-            <a:r>
-              <a:rPr lang="en-US" altLang="zh-TW" sz="3200" b="0" dirty="0" smtClean="0">
+            <a:r>
+              <a:rPr lang="en-US" altLang="zh-TW" sz="3200" dirty="0">
                 <a:latin typeface="Times New Roman" charset="0"/>
                 <a:ea typeface="Times New Roman" charset="0"/>
                 <a:cs typeface="Times New Roman" charset="0"/>
               </a:rPr>
-              <a:t>Nowadays</a:t>
-            </a:r>
-            <a:r>
-              <a:rPr lang="en-US" altLang="zh-TW" sz="3200" b="0" dirty="0">
+              <a:t>For most people nowadays, the most pressing demand is to improve their living standards. In a crowded city like Boston, one of the main factors that influence people’s decision on choosing residential properties is the amount of crime incidents that had happened in their respective area. For this project, we attempt to analyze the relationship between property prices in 2015 and the number of crime incidents that had happened in 2015 in the Boston area.</a:t>
+            </a:r>
+          </a:p>
+          <a:p>
+            <a:r>
+              <a:rPr lang="en-US" altLang="zh-TW" sz="3200" dirty="0">
                 <a:latin typeface="Times New Roman" charset="0"/>
                 <a:ea typeface="Times New Roman" charset="0"/>
                 <a:cs typeface="Times New Roman" charset="0"/>
               </a:rPr>
-              <a:t>, people are more concerned in their living qualities, especially for a city that has as many people as Boston, and one of the main determinants of choosing places to live in residents’ minds is the amount of crime incidents that has happened in a certain area. In this project, we attempt to analyze the relationship between property prices of the year 2015 and the number of crime incidents that happened in 2015 in Boston area. </a:t>
-            </a:r>
-            <a:endParaRPr lang="en-US" altLang="zh-TW" sz="3200" b="0" dirty="0" smtClean="0">
-              <a:latin typeface="Times New Roman" charset="0"/>
-              <a:ea typeface="Times New Roman" charset="0"/>
-              <a:cs typeface="Times New Roman" charset="0"/>
-            </a:endParaRPr>
-          </a:p>
-          <a:p>
-            <a:pPr>
-              <a:lnSpc>
-                <a:spcPct val="100000"/>
-              </a:lnSpc>
-            </a:pPr>
-            <a:r>
-              <a:rPr lang="en-US" altLang="zh-TW" sz="3200" b="0" dirty="0" smtClean="0">
-                <a:latin typeface="Times New Roman" charset="0"/>
-                <a:ea typeface="Times New Roman" charset="0"/>
-                <a:cs typeface="Times New Roman" charset="0"/>
-              </a:rPr>
-              <a:t>We </a:t>
-            </a:r>
-            <a:r>
-              <a:rPr lang="en-US" altLang="zh-TW" sz="3200" b="0" dirty="0">
-                <a:latin typeface="Times New Roman" charset="0"/>
-                <a:ea typeface="Times New Roman" charset="0"/>
-                <a:cs typeface="Times New Roman" charset="0"/>
-              </a:rPr>
-              <a:t>use Relational Paradigm to extract certain data from </a:t>
-            </a:r>
-            <a:r>
-              <a:rPr lang="en-US" altLang="zh-TW" sz="3200" b="0" dirty="0">
-                <a:solidFill>
-                  <a:schemeClr val="tx1"/>
-                </a:solidFill>
+              <a:t>We use Relational Paradigm to extract certain data from </a:t>
+            </a:r>
+            <a:r>
+              <a:rPr lang="en-US" altLang="zh-TW" sz="3200" i="1" dirty="0">
                 <a:latin typeface="Times New Roman" charset="0"/>
                 <a:ea typeface="Times New Roman" charset="0"/>
                 <a:cs typeface="Times New Roman" charset="0"/>
@@ -6983,50 +6956,23 @@
               <a:t>City of Boston Data Portal</a:t>
             </a:r>
             <a:r>
-              <a:rPr lang="en-US" altLang="zh-TW" sz="3200" b="0" dirty="0">
+              <a:rPr lang="en-US" altLang="zh-TW" sz="3200" dirty="0">
                 <a:latin typeface="Times New Roman" charset="0"/>
                 <a:ea typeface="Times New Roman" charset="0"/>
                 <a:cs typeface="Times New Roman" charset="0"/>
               </a:rPr>
-              <a:t>: Property Assessment 2015 and Crime Incident Reports. First, we assume higher property price will lead to lower number of crime incidents. To check our assumption, we use statistical analysis to find if the correlation value between them is negative, how strongly they are correlated, and we also look at the p-value to check the accuracy of our correlation value. Second, we use k-means technique to find the most optimized point where the property is the cheapest but safest, which means that the amount of crime incidents happened around that point is the smallest.</a:t>
-            </a:r>
-            <a:endParaRPr lang="zh-TW" altLang="zh-TW" sz="3200" b="0" dirty="0">
-              <a:latin typeface="Times New Roman" charset="0"/>
-              <a:ea typeface="Times New Roman" charset="0"/>
-              <a:cs typeface="Times New Roman" charset="0"/>
-            </a:endParaRPr>
-          </a:p>
-          <a:p>
-            <a:pPr>
-              <a:lnSpc>
-                <a:spcPct val="100000"/>
-              </a:lnSpc>
-            </a:pPr>
-            <a:r>
-              <a:rPr lang="en-US" altLang="zh-TW" sz="3200" b="0" dirty="0">
+              <a:t>: Property Assessment 2015 and Crime Incident Reports. First, we assume higher property price will lead to lower number of crime incidents. To test our assumption, we use statistical analysis to find if the correlation value between the two is negative, and how strongly they are correlated; we also look at the p-value to check the accuracy of our correlation value. Secondly, we use k-means technique to find the most optimized point where the property is the cheapest yet the safest, which indicates that the frequency of crime incidents happened around that point is the smallest.</a:t>
+            </a:r>
+          </a:p>
+          <a:p>
+            <a:r>
+              <a:rPr lang="en-US" altLang="zh-TW" sz="3200" dirty="0">
                 <a:latin typeface="Times New Roman" charset="0"/>
                 <a:ea typeface="Times New Roman" charset="0"/>
                 <a:cs typeface="Times New Roman" charset="0"/>
               </a:rPr>
-              <a:t>Overall, we implement two techniques: statistical analysis and optimization(k-means) to study the relationship between the 2015 property price and the number of crime incidents in Boston area. </a:t>
-            </a:r>
-            <a:endParaRPr lang="zh-TW" altLang="zh-TW" sz="3200" b="0" dirty="0">
-              <a:latin typeface="Times New Roman" charset="0"/>
-              <a:ea typeface="Times New Roman" charset="0"/>
-              <a:cs typeface="Times New Roman" charset="0"/>
-            </a:endParaRPr>
-          </a:p>
-          <a:p>
-            <a:pPr>
-              <a:lnSpc>
-                <a:spcPct val="100000"/>
-              </a:lnSpc>
-            </a:pPr>
-            <a:endParaRPr kumimoji="1" lang="zh-TW" altLang="en-US" sz="3200" b="0" dirty="0">
-              <a:latin typeface="Times New Roman" charset="0"/>
-              <a:ea typeface="Times New Roman" charset="0"/>
-              <a:cs typeface="Times New Roman" charset="0"/>
-            </a:endParaRPr>
+              <a:t>Overall, we implement two techniques: statistical analysis and optimization(k-means) to study the relationship between the 2015 property price and the number of crime incidents in Boston area.</a:t>
+            </a:r>
           </a:p>
         </p:txBody>
       </p:sp>
@@ -7054,8 +7000,8 @@
         </p:blipFill>
         <p:spPr>
           <a:xfrm>
-            <a:off x="478974" y="17272351"/>
-            <a:ext cx="10340663" cy="9171575"/>
+            <a:off x="467175" y="17373600"/>
+            <a:ext cx="10340663" cy="9429687"/>
           </a:xfrm>
         </p:spPr>
       </p:pic>
@@ -7107,15 +7053,71 @@
               </a:lnSpc>
             </a:pPr>
             <a:r>
+              <a:rPr lang="en-US" altLang="zh-TW" sz="3200" b="0" dirty="0" smtClean="0">
+                <a:latin typeface="Times New Roman" charset="0"/>
+                <a:ea typeface="Times New Roman" charset="0"/>
+                <a:cs typeface="Times New Roman" charset="0"/>
+              </a:rPr>
+              <a:t>As for the </a:t>
+            </a:r>
+            <a:r>
               <a:rPr lang="en-US" altLang="zh-TW" sz="3200" b="0" dirty="0">
                 <a:latin typeface="Times New Roman" charset="0"/>
                 <a:ea typeface="Times New Roman" charset="0"/>
                 <a:cs typeface="Times New Roman" charset="0"/>
               </a:rPr>
-              <a:t>For the statistical analysis part, we want to find the correlation between property price and number of crime incidents, and we are expecting that higher property price will lead to lower number of crime incidents. We first use the definition of r-tree and polygon to correspond “property15_price_coordination_float” to “</a:t>
-            </a:r>
-            <a:r>
-              <a:rPr lang="en-US" altLang="zh-TW" sz="3200" b="0" dirty="0" err="1">
+              <a:t>statistical </a:t>
+            </a:r>
+            <a:r>
+              <a:rPr lang="en-US" altLang="zh-TW" sz="3200" b="0" dirty="0" smtClean="0">
+                <a:latin typeface="Times New Roman" charset="0"/>
+                <a:ea typeface="Times New Roman" charset="0"/>
+                <a:cs typeface="Times New Roman" charset="0"/>
+              </a:rPr>
+              <a:t>analysis, </a:t>
+            </a:r>
+            <a:r>
+              <a:rPr lang="en-US" altLang="zh-TW" sz="3200" b="0" dirty="0">
+                <a:latin typeface="Times New Roman" charset="0"/>
+                <a:ea typeface="Times New Roman" charset="0"/>
+                <a:cs typeface="Times New Roman" charset="0"/>
+              </a:rPr>
+              <a:t>we want to find the correlation between property price and number of crime </a:t>
+            </a:r>
+            <a:r>
+              <a:rPr lang="en-US" altLang="zh-TW" sz="3200" b="0" dirty="0" smtClean="0">
+                <a:latin typeface="Times New Roman" charset="0"/>
+                <a:ea typeface="Times New Roman" charset="0"/>
+                <a:cs typeface="Times New Roman" charset="0"/>
+              </a:rPr>
+              <a:t>incidents; we expected that </a:t>
+            </a:r>
+            <a:r>
+              <a:rPr lang="en-US" altLang="zh-TW" sz="3200" b="0" dirty="0" smtClean="0">
+                <a:latin typeface="Times New Roman" charset="0"/>
+                <a:ea typeface="Times New Roman" charset="0"/>
+                <a:cs typeface="Times New Roman" charset="0"/>
+              </a:rPr>
+              <a:t>the higher </a:t>
+            </a:r>
+            <a:r>
+              <a:rPr lang="en-US" altLang="zh-TW" sz="3200" b="0" dirty="0" smtClean="0">
+                <a:latin typeface="Times New Roman" charset="0"/>
+                <a:ea typeface="Times New Roman" charset="0"/>
+                <a:cs typeface="Times New Roman" charset="0"/>
+              </a:rPr>
+              <a:t>property </a:t>
+            </a:r>
+            <a:r>
+              <a:rPr lang="en-US" altLang="zh-TW" sz="3200" b="0" dirty="0">
+                <a:latin typeface="Times New Roman" charset="0"/>
+                <a:ea typeface="Times New Roman" charset="0"/>
+                <a:cs typeface="Times New Roman" charset="0"/>
+              </a:rPr>
+              <a:t>price will lead to lower number of crime incidents. We first use the definition of r-tree and polygon to correspond “property15_price_coordination_float” to “</a:t>
+            </a:r>
+            <a:r>
+              <a:rPr lang="en-US" altLang="zh-TW" sz="3200" b="0" dirty="0" err="1" smtClean="0">
                 <a:latin typeface="Times New Roman" charset="0"/>
                 <a:ea typeface="Times New Roman" charset="0"/>
                 <a:cs typeface="Times New Roman" charset="0"/>
@@ -7123,12 +7125,44 @@
               <a:t>zip_to_coor</a:t>
             </a:r>
             <a:r>
+              <a:rPr lang="en-US" altLang="zh-TW" sz="3200" dirty="0" smtClean="0">
+                <a:latin typeface="Times New Roman" charset="0"/>
+                <a:ea typeface="Times New Roman" charset="0"/>
+                <a:cs typeface="Times New Roman" charset="0"/>
+              </a:rPr>
+              <a:t>,” </a:t>
+            </a:r>
+            <a:r>
+              <a:rPr lang="en-US" altLang="zh-TW" sz="3200" b="0" dirty="0" smtClean="0">
+                <a:latin typeface="Times New Roman" charset="0"/>
+                <a:ea typeface="Times New Roman" charset="0"/>
+                <a:cs typeface="Times New Roman" charset="0"/>
+              </a:rPr>
+              <a:t> </a:t>
+            </a:r>
+            <a:r>
               <a:rPr lang="en-US" altLang="zh-TW" sz="3200" b="0" dirty="0">
                 <a:latin typeface="Times New Roman" charset="0"/>
                 <a:ea typeface="Times New Roman" charset="0"/>
                 <a:cs typeface="Times New Roman" charset="0"/>
               </a:rPr>
-              <a:t>”, compute the number of properties and the average price of properties in each zip code, and the result shows all the zip codes along with its corresponding average property price in Boston area. </a:t>
+              <a:t>compute the number of properties and the average price of properties in each zip code, </a:t>
+            </a:r>
+            <a:r>
+              <a:rPr lang="en-US" altLang="zh-TW" sz="3200" b="0" dirty="0" smtClean="0">
+                <a:latin typeface="Times New Roman" charset="0"/>
+                <a:ea typeface="Times New Roman" charset="0"/>
+                <a:cs typeface="Times New Roman" charset="0"/>
+              </a:rPr>
+              <a:t>and the result </a:t>
+            </a:r>
+            <a:r>
+              <a:rPr lang="en-US" altLang="zh-TW" sz="3200" b="0" dirty="0">
+                <a:latin typeface="Times New Roman" charset="0"/>
+                <a:ea typeface="Times New Roman" charset="0"/>
+                <a:cs typeface="Times New Roman" charset="0"/>
+              </a:rPr>
+              <a:t>shows all the zip codes along with its corresponding average property price in Boston area. </a:t>
             </a:r>
             <a:endParaRPr lang="en-US" altLang="zh-TW" sz="3200" b="0" dirty="0" smtClean="0">
               <a:latin typeface="Times New Roman" charset="0"/>
@@ -7159,7 +7193,7 @@
               <a:t>, we also use the same definition we mentioned earlier to correspond “crime_15coordination” to “</a:t>
             </a:r>
             <a:r>
-              <a:rPr lang="en-US" altLang="zh-TW" sz="3200" b="0" dirty="0" err="1">
+              <a:rPr lang="en-US" altLang="zh-TW" sz="3200" b="0" dirty="0" err="1" smtClean="0">
                 <a:latin typeface="Times New Roman" charset="0"/>
                 <a:ea typeface="Times New Roman" charset="0"/>
                 <a:cs typeface="Times New Roman" charset="0"/>
@@ -7167,12 +7201,20 @@
               <a:t>zip_to_coor</a:t>
             </a:r>
             <a:r>
+              <a:rPr lang="en-US" altLang="zh-TW" sz="3200" b="0" dirty="0" smtClean="0">
+                <a:latin typeface="Times New Roman" charset="0"/>
+                <a:ea typeface="Times New Roman" charset="0"/>
+                <a:cs typeface="Times New Roman" charset="0"/>
+              </a:rPr>
+              <a:t>,” compute </a:t>
+            </a:r>
+            <a:r>
               <a:rPr lang="en-US" altLang="zh-TW" sz="3200" b="0" dirty="0">
                 <a:latin typeface="Times New Roman" charset="0"/>
                 <a:ea typeface="Times New Roman" charset="0"/>
                 <a:cs typeface="Times New Roman" charset="0"/>
               </a:rPr>
-              <a:t>”, compute how many crime incidents happened within each zip code, and the result will show all the zip codes along with its corresponding number of crime incidents. Finally, we find the correlation between the average price of properties and the amount of crime incidents, </a:t>
+              <a:t>how many crime incidents happened within each zip code, and the result will show all the zip codes along with its corresponding number of crime incidents. Finally, we find the correlation between the average price of properties and the amount of crime </a:t>
             </a:r>
             <a:r>
               <a:rPr lang="en-US" altLang="zh-TW" sz="3200" b="0" dirty="0" smtClean="0">
@@ -7180,29 +7222,41 @@
                 <a:ea typeface="Times New Roman" charset="0"/>
                 <a:cs typeface="Times New Roman" charset="0"/>
               </a:rPr>
-              <a:t>and the number we got is:</a:t>
-            </a:r>
-            <a:endParaRPr lang="en-US" altLang="zh-TW" sz="3200" b="0" dirty="0">
-              <a:latin typeface="Times New Roman" charset="0"/>
-              <a:ea typeface="Times New Roman" charset="0"/>
-              <a:cs typeface="Times New Roman" charset="0"/>
-            </a:endParaRPr>
-          </a:p>
-          <a:p>
-            <a:pPr>
-              <a:lnSpc>
-                <a:spcPct val="100000"/>
-              </a:lnSpc>
-            </a:pPr>
+              <a:t>incidents. The number we got is</a:t>
+            </a:r>
             <a:r>
               <a:rPr lang="en-US" altLang="zh-TW" sz="3200" b="0" dirty="0" smtClean="0">
                 <a:latin typeface="Times New Roman" charset="0"/>
                 <a:ea typeface="Times New Roman" charset="0"/>
                 <a:cs typeface="Times New Roman" charset="0"/>
               </a:rPr>
-              <a:t>-0.246.</a:t>
-            </a:r>
-            <a:endParaRPr lang="zh-TW" altLang="zh-TW" sz="3200" b="0" dirty="0">
+              <a:t>:</a:t>
+            </a:r>
+            <a:r>
+              <a:rPr lang="en-US" altLang="zh-TW" sz="3200" dirty="0">
+                <a:latin typeface="Times New Roman" charset="0"/>
+                <a:ea typeface="Times New Roman" charset="0"/>
+                <a:cs typeface="Times New Roman" charset="0"/>
+              </a:rPr>
+              <a:t> </a:t>
+            </a:r>
+            <a:r>
+              <a:rPr lang="en-US" altLang="zh-TW" sz="3200" b="1" dirty="0" smtClean="0">
+                <a:latin typeface="Times New Roman" charset="0"/>
+                <a:ea typeface="Times New Roman" charset="0"/>
+                <a:cs typeface="Times New Roman" charset="0"/>
+              </a:rPr>
+              <a:t>-</a:t>
+            </a:r>
+            <a:r>
+              <a:rPr lang="en-US" altLang="zh-TW" sz="3200" b="1" dirty="0" smtClean="0">
+                <a:latin typeface="Times New Roman" charset="0"/>
+                <a:ea typeface="Times New Roman" charset="0"/>
+                <a:cs typeface="Times New Roman" charset="0"/>
+              </a:rPr>
+              <a:t>0.246.</a:t>
+            </a:r>
+            <a:endParaRPr lang="zh-TW" altLang="zh-TW" sz="3200" b="1" dirty="0">
               <a:latin typeface="Times New Roman" charset="0"/>
               <a:ea typeface="Times New Roman" charset="0"/>
               <a:cs typeface="Times New Roman" charset="0"/>
@@ -7273,7 +7327,7 @@
         </p:nvSpPr>
         <p:spPr bwMode="auto">
           <a:xfrm>
-            <a:off x="25909765" y="5257939"/>
+            <a:off x="25909765" y="4964931"/>
             <a:ext cx="10029470" cy="5551199"/>
           </a:xfrm>
           <a:prstGeom prst="rect">
@@ -7559,7 +7613,95 @@
                 <a:ea typeface="Times New Roman" charset="0"/>
                 <a:cs typeface="Times New Roman" charset="0"/>
               </a:rPr>
-              <a:t>For the k-means part, we want to find the most optimized point where the property is the cheapest, while at the same time, the safest (farthest from crime incidents). To do so, we input “crime_15coordination” to our k-means function and find the most optimized coordinate. And we correspond the coordinate back to polygon and we claim the zip code we get is the area where people can obtain property that is both the cheapest and the </a:t>
+              <a:t>For the k-means </a:t>
+            </a:r>
+            <a:r>
+              <a:rPr lang="en-US" altLang="zh-TW" sz="3200" b="0" dirty="0" smtClean="0">
+                <a:solidFill>
+                  <a:schemeClr val="tx1"/>
+                </a:solidFill>
+                <a:latin typeface="Times New Roman" charset="0"/>
+                <a:ea typeface="Times New Roman" charset="0"/>
+                <a:cs typeface="Times New Roman" charset="0"/>
+              </a:rPr>
+              <a:t>section, </a:t>
+            </a:r>
+            <a:r>
+              <a:rPr lang="en-US" altLang="zh-TW" sz="3200" b="0" dirty="0">
+                <a:solidFill>
+                  <a:schemeClr val="tx1"/>
+                </a:solidFill>
+                <a:latin typeface="Times New Roman" charset="0"/>
+                <a:ea typeface="Times New Roman" charset="0"/>
+                <a:cs typeface="Times New Roman" charset="0"/>
+              </a:rPr>
+              <a:t>we want to find the most optimized point where the property is the </a:t>
+            </a:r>
+            <a:r>
+              <a:rPr lang="en-US" altLang="zh-TW" sz="3200" b="0" dirty="0" smtClean="0">
+                <a:solidFill>
+                  <a:schemeClr val="tx1"/>
+                </a:solidFill>
+                <a:latin typeface="Times New Roman" charset="0"/>
+                <a:ea typeface="Times New Roman" charset="0"/>
+                <a:cs typeface="Times New Roman" charset="0"/>
+              </a:rPr>
+              <a:t>cheapest yet </a:t>
+            </a:r>
+            <a:r>
+              <a:rPr lang="en-US" altLang="zh-TW" sz="3200" b="0" dirty="0">
+                <a:solidFill>
+                  <a:schemeClr val="tx1"/>
+                </a:solidFill>
+                <a:latin typeface="Times New Roman" charset="0"/>
+                <a:ea typeface="Times New Roman" charset="0"/>
+                <a:cs typeface="Times New Roman" charset="0"/>
+              </a:rPr>
+              <a:t>the safest (farthest from crime incidents). To do so, we input “crime_15coordination” to our k-means function and find the most optimized coordinate. </a:t>
+            </a:r>
+            <a:r>
+              <a:rPr lang="en-US" altLang="zh-TW" sz="3200" b="0" dirty="0" smtClean="0">
+                <a:solidFill>
+                  <a:schemeClr val="tx1"/>
+                </a:solidFill>
+                <a:latin typeface="Times New Roman" charset="0"/>
+                <a:ea typeface="Times New Roman" charset="0"/>
+                <a:cs typeface="Times New Roman" charset="0"/>
+              </a:rPr>
+              <a:t>Then we </a:t>
+            </a:r>
+            <a:r>
+              <a:rPr lang="en-US" altLang="zh-TW" sz="3200" b="0" dirty="0">
+                <a:solidFill>
+                  <a:schemeClr val="tx1"/>
+                </a:solidFill>
+                <a:latin typeface="Times New Roman" charset="0"/>
+                <a:ea typeface="Times New Roman" charset="0"/>
+                <a:cs typeface="Times New Roman" charset="0"/>
+              </a:rPr>
+              <a:t>correspond the coordinate back to polygon and </a:t>
+            </a:r>
+            <a:r>
+              <a:rPr lang="en-US" altLang="zh-TW" sz="3200" b="0" dirty="0" smtClean="0">
+                <a:solidFill>
+                  <a:schemeClr val="tx1"/>
+                </a:solidFill>
+                <a:latin typeface="Times New Roman" charset="0"/>
+                <a:ea typeface="Times New Roman" charset="0"/>
+                <a:cs typeface="Times New Roman" charset="0"/>
+              </a:rPr>
+              <a:t>claim </a:t>
+            </a:r>
+            <a:r>
+              <a:rPr lang="en-US" altLang="zh-TW" sz="3200" b="0" dirty="0">
+                <a:solidFill>
+                  <a:schemeClr val="tx1"/>
+                </a:solidFill>
+                <a:latin typeface="Times New Roman" charset="0"/>
+                <a:ea typeface="Times New Roman" charset="0"/>
+                <a:cs typeface="Times New Roman" charset="0"/>
+              </a:rPr>
+              <a:t>the zip code we get is the area where people can obtain property that is both the cheapest and the </a:t>
             </a:r>
             <a:r>
               <a:rPr lang="en-US" altLang="zh-TW" sz="3200" b="0" dirty="0" smtClean="0">
@@ -7633,7 +7775,7 @@
         </p:nvSpPr>
         <p:spPr bwMode="auto">
           <a:xfrm>
-            <a:off x="25909765" y="18389770"/>
+            <a:off x="25909765" y="18450670"/>
             <a:ext cx="10382503" cy="11201400"/>
           </a:xfrm>
           <a:prstGeom prst="rect">
@@ -7915,7 +8057,72 @@
                 <a:ea typeface="Times New Roman" charset="0"/>
                 <a:cs typeface="Times New Roman" charset="0"/>
               </a:rPr>
-              <a:t>The correlation value, -0.246 shows that property value and crime incident are indeed in a negative relationship, which matches our assumption. However, | (-0.246)| also shows that they are weakly related, and the p- value we obtained is very high. Moving forward with this project, we should consider factors more thoroughly that would also influence on crime numbers such as population density, school districts or police districts. Furthermore, due to time constraint, we were only able to run the small portion of our crime data</a:t>
+              <a:t>The correlation value, </a:t>
+            </a:r>
+            <a:r>
+              <a:rPr kumimoji="1" lang="en-US" altLang="zh-TW" sz="3200" dirty="0" smtClean="0">
+                <a:solidFill>
+                  <a:schemeClr val="tx1"/>
+                </a:solidFill>
+                <a:latin typeface="Times New Roman" charset="0"/>
+                <a:ea typeface="Times New Roman" charset="0"/>
+                <a:cs typeface="Times New Roman" charset="0"/>
+              </a:rPr>
+              <a:t>-0.246 </a:t>
+            </a:r>
+            <a:r>
+              <a:rPr kumimoji="1" lang="en-US" altLang="zh-TW" sz="3200" b="0" dirty="0" smtClean="0">
+                <a:solidFill>
+                  <a:schemeClr val="tx1"/>
+                </a:solidFill>
+                <a:latin typeface="Times New Roman" charset="0"/>
+                <a:ea typeface="Times New Roman" charset="0"/>
+                <a:cs typeface="Times New Roman" charset="0"/>
+              </a:rPr>
+              <a:t>shows that property value and crime incident are indeed negatively related (an inverse</a:t>
+            </a:r>
+            <a:r>
+              <a:rPr kumimoji="1" lang="en-US" altLang="zh-TW" sz="3200" b="0" dirty="0">
+                <a:solidFill>
+                  <a:schemeClr val="tx1"/>
+                </a:solidFill>
+                <a:latin typeface="Times New Roman" charset="0"/>
+                <a:ea typeface="Times New Roman" charset="0"/>
+                <a:cs typeface="Times New Roman" charset="0"/>
+              </a:rPr>
+              <a:t> </a:t>
+            </a:r>
+            <a:r>
+              <a:rPr kumimoji="1" lang="en-US" altLang="zh-TW" sz="3200" b="0" dirty="0" smtClean="0">
+                <a:solidFill>
+                  <a:schemeClr val="tx1"/>
+                </a:solidFill>
+                <a:latin typeface="Times New Roman" charset="0"/>
+                <a:ea typeface="Times New Roman" charset="0"/>
+                <a:cs typeface="Times New Roman" charset="0"/>
+              </a:rPr>
+              <a:t>relationship) which matches our assumption. However, </a:t>
+            </a:r>
+            <a:br>
+              <a:rPr kumimoji="1" lang="en-US" altLang="zh-TW" sz="3200" b="0" dirty="0" smtClean="0">
+                <a:solidFill>
+                  <a:schemeClr val="tx1"/>
+                </a:solidFill>
+                <a:latin typeface="Times New Roman" charset="0"/>
+                <a:ea typeface="Times New Roman" charset="0"/>
+                <a:cs typeface="Times New Roman" charset="0"/>
+              </a:rPr>
+            </a:br>
+            <a:r>
+              <a:rPr kumimoji="1" lang="en-US" altLang="zh-TW" sz="3200" b="0" dirty="0" smtClean="0">
+                <a:solidFill>
+                  <a:schemeClr val="tx1"/>
+                </a:solidFill>
+                <a:latin typeface="Times New Roman" charset="0"/>
+                <a:ea typeface="Times New Roman" charset="0"/>
+                <a:cs typeface="Times New Roman" charset="0"/>
+              </a:rPr>
+              <a:t>|(-0.246)| also shows that they are weakly related, and the p- value we obtained is very high. Moving forward with this project, we should consider factors such as population density, school districts and police districts more thoroughly since they are also contributors to crime rates. Further, due to time constraint, we were only able to run the small portion of our crime data</a:t>
             </a:r>
             <a:r>
               <a:rPr kumimoji="1" lang="en-US" altLang="zh-TW" sz="3200" b="0" dirty="0">
@@ -7937,7 +8144,29 @@
                 <a:ea typeface="Times New Roman" charset="0"/>
                 <a:cs typeface="Times New Roman" charset="0"/>
               </a:rPr>
-              <a:t>might outcome the unideal correlation and p value. So we are assuming that we will obtain the better correlation and p value if we run more data on crime in the future.</a:t>
+              <a:t>might outcome the unideal correlation and p value. Thus, we assume by running more data in the future, we will be able to obtain </a:t>
+            </a:r>
+            <a:r>
+              <a:rPr kumimoji="1" lang="en-US" altLang="zh-TW" sz="3200" b="0" smtClean="0">
+                <a:solidFill>
+                  <a:schemeClr val="tx1"/>
+                </a:solidFill>
+                <a:latin typeface="Times New Roman" charset="0"/>
+                <a:ea typeface="Times New Roman" charset="0"/>
+                <a:cs typeface="Times New Roman" charset="0"/>
+              </a:rPr>
+              <a:t>a better correlation </a:t>
+            </a:r>
+            <a:r>
+              <a:rPr kumimoji="1" lang="en-US" altLang="zh-TW" sz="3200" b="0" dirty="0" smtClean="0">
+                <a:solidFill>
+                  <a:schemeClr val="tx1"/>
+                </a:solidFill>
+                <a:latin typeface="Times New Roman" charset="0"/>
+                <a:ea typeface="Times New Roman" charset="0"/>
+                <a:cs typeface="Times New Roman" charset="0"/>
+              </a:rPr>
+              <a:t>and p value.</a:t>
             </a:r>
             <a:endParaRPr kumimoji="1" lang="en-US" altLang="zh-TW" sz="4000" dirty="0" smtClean="0">
               <a:solidFill>
@@ -8059,7 +8288,7 @@
         </p:nvCxnSpPr>
         <p:spPr bwMode="auto">
           <a:xfrm>
-            <a:off x="11049000" y="4267200"/>
+            <a:off x="10989624" y="4419600"/>
             <a:ext cx="152400" cy="23164800"/>
           </a:xfrm>
           <a:prstGeom prst="line">
@@ -8201,7 +8430,7 @@
       </p:sp>
       <p:pic>
         <p:nvPicPr>
-          <p:cNvPr id="16" name="Picture 15" descr="WechatIMG2.jpeg"/>
+          <p:cNvPr id="16" name="Picture 15"/>
           <p:cNvPicPr>
             <a:picLocks noChangeAspect="1"/>
           </p:cNvPicPr>
@@ -8221,8 +8450,8 @@
         </p:blipFill>
         <p:spPr>
           <a:xfrm>
-            <a:off x="25493352" y="11360954"/>
-            <a:ext cx="10560326" cy="6477000"/>
+            <a:off x="25493352" y="10948679"/>
+            <a:ext cx="10560326" cy="7069442"/>
           </a:xfrm>
           <a:prstGeom prst="rect">
             <a:avLst/>

--- a/pt0713_silnuext/poster/591 poster.pptx
+++ b/pt0713_silnuext/poster/591 poster.pptx
@@ -179,7 +179,7 @@
   </p:defaultTextStyle>
   <p:extLst>
     <p:ext uri="{EFAFB233-063F-42B5-8137-9DF3F51BA10A}">
-      <p15:sldGuideLst xmlns:p15="http://schemas.microsoft.com/office/powerpoint/2012/main">
+      <p15:sldGuideLst xmlns:p15="http://schemas.microsoft.com/office/powerpoint/2012/main" xmlns="">
         <p15:guide id="1" orient="horz" pos="2160">
           <p15:clr>
             <a:srgbClr val="A4A3A4"/>
@@ -193,7 +193,7 @@
       </p15:sldGuideLst>
     </p:ext>
     <p:ext uri="{2D200454-40CA-4A62-9FC3-DE9A4176ACB9}">
-      <p15:notesGuideLst xmlns:p15="http://schemas.microsoft.com/office/powerpoint/2012/main">
+      <p15:notesGuideLst xmlns:p15="http://schemas.microsoft.com/office/powerpoint/2012/main" xmlns="">
         <p15:guide id="1" orient="horz" pos="2880">
           <p15:clr>
             <a:srgbClr val="A4A3A4"/>
@@ -259,18 +259,15 @@
           </a:ln>
           <a:effectLst/>
           <a:extLst>
-            <a:ext uri="{FAA26D3D-D897-4be2-8F04-BA451C77F1D7}">
-              <ma14:placeholderFlag xmlns:ma14="http://schemas.microsoft.com/office/mac/drawingml/2011/main" val="1"/>
-            </a:ext>
             <a:ext uri="{909E8E84-426E-40dd-AFC4-6F175D3DCCD1}">
-              <a14:hiddenFill xmlns:a14="http://schemas.microsoft.com/office/drawing/2010/main" xmlns="">
+              <a14:hiddenFill xmlns:a14="http://schemas.microsoft.com/office/drawing/2010/main">
                 <a:solidFill>
                   <a:srgbClr val="FFFFFF"/>
                 </a:solidFill>
               </a14:hiddenFill>
             </a:ext>
             <a:ext uri="{91240B29-F687-4f45-9708-019B960494DF}">
-              <a14:hiddenLine xmlns:a14="http://schemas.microsoft.com/office/drawing/2010/main" xmlns="" w="9525">
+              <a14:hiddenLine xmlns:a14="http://schemas.microsoft.com/office/drawing/2010/main" w="9525">
                 <a:solidFill>
                   <a:srgbClr val="000000"/>
                 </a:solidFill>
@@ -280,7 +277,7 @@
               </a14:hiddenLine>
             </a:ext>
             <a:ext uri="{AF507438-7753-43e0-B8FC-AC1667EBCBE1}">
-              <a14:hiddenEffects xmlns:a14="http://schemas.microsoft.com/office/drawing/2010/main" xmlns="">
+              <a14:hiddenEffects xmlns:a14="http://schemas.microsoft.com/office/drawing/2010/main">
                 <a:effectLst>
                   <a:outerShdw blurRad="63500" dist="38099" dir="2700000" algn="ctr" rotWithShape="0">
                     <a:schemeClr val="bg2">
@@ -289,6 +286,9 @@
                   </a:outerShdw>
                 </a:effectLst>
               </a14:hiddenEffects>
+            </a:ext>
+            <a:ext uri="{FAA26D3D-D897-4be2-8F04-BA451C77F1D7}">
+              <ma14:placeholderFlag xmlns:ma14="http://schemas.microsoft.com/office/mac/drawingml/2011/main" val="1"/>
             </a:ext>
           </a:extLst>
         </p:spPr>
@@ -317,18 +317,15 @@
           </a:ln>
           <a:effectLst/>
           <a:extLst>
-            <a:ext uri="{FAA26D3D-D897-4be2-8F04-BA451C77F1D7}">
-              <ma14:placeholderFlag xmlns:ma14="http://schemas.microsoft.com/office/mac/drawingml/2011/main" val="1"/>
-            </a:ext>
             <a:ext uri="{909E8E84-426E-40dd-AFC4-6F175D3DCCD1}">
-              <a14:hiddenFill xmlns:a14="http://schemas.microsoft.com/office/drawing/2010/main" xmlns="">
+              <a14:hiddenFill xmlns:a14="http://schemas.microsoft.com/office/drawing/2010/main">
                 <a:solidFill>
                   <a:srgbClr val="FFFFFF"/>
                 </a:solidFill>
               </a14:hiddenFill>
             </a:ext>
             <a:ext uri="{91240B29-F687-4f45-9708-019B960494DF}">
-              <a14:hiddenLine xmlns:a14="http://schemas.microsoft.com/office/drawing/2010/main" xmlns="" w="9525">
+              <a14:hiddenLine xmlns:a14="http://schemas.microsoft.com/office/drawing/2010/main" w="9525">
                 <a:solidFill>
                   <a:srgbClr val="000000"/>
                 </a:solidFill>
@@ -338,7 +335,7 @@
               </a14:hiddenLine>
             </a:ext>
             <a:ext uri="{AF507438-7753-43e0-B8FC-AC1667EBCBE1}">
-              <a14:hiddenEffects xmlns:a14="http://schemas.microsoft.com/office/drawing/2010/main" xmlns="">
+              <a14:hiddenEffects xmlns:a14="http://schemas.microsoft.com/office/drawing/2010/main">
                 <a:effectLst>
                   <a:outerShdw blurRad="63500" dist="38099" dir="2700000" algn="ctr" rotWithShape="0">
                     <a:schemeClr val="bg2">
@@ -347,6 +344,9 @@
                   </a:outerShdw>
                 </a:effectLst>
               </a14:hiddenEffects>
+            </a:ext>
+            <a:ext uri="{FAA26D3D-D897-4be2-8F04-BA451C77F1D7}">
+              <ma14:placeholderFlag xmlns:ma14="http://schemas.microsoft.com/office/mac/drawingml/2011/main" val="1"/>
             </a:ext>
           </a:extLst>
         </p:spPr>
@@ -387,18 +387,15 @@
           </a:ln>
           <a:effectLst/>
           <a:extLst>
-            <a:ext uri="{FAA26D3D-D897-4be2-8F04-BA451C77F1D7}">
-              <ma14:placeholderFlag xmlns:ma14="http://schemas.microsoft.com/office/mac/drawingml/2011/main" val="1"/>
-            </a:ext>
             <a:ext uri="{909E8E84-426E-40dd-AFC4-6F175D3DCCD1}">
-              <a14:hiddenFill xmlns:a14="http://schemas.microsoft.com/office/drawing/2010/main" xmlns="">
+              <a14:hiddenFill xmlns:a14="http://schemas.microsoft.com/office/drawing/2010/main">
                 <a:solidFill>
                   <a:srgbClr val="FFFFFF"/>
                 </a:solidFill>
               </a14:hiddenFill>
             </a:ext>
             <a:ext uri="{91240B29-F687-4f45-9708-019B960494DF}">
-              <a14:hiddenLine xmlns:a14="http://schemas.microsoft.com/office/drawing/2010/main" xmlns="" w="9525">
+              <a14:hiddenLine xmlns:a14="http://schemas.microsoft.com/office/drawing/2010/main" w="9525">
                 <a:solidFill>
                   <a:srgbClr val="000000"/>
                 </a:solidFill>
@@ -408,7 +405,7 @@
               </a14:hiddenLine>
             </a:ext>
             <a:ext uri="{AF507438-7753-43e0-B8FC-AC1667EBCBE1}">
-              <a14:hiddenEffects xmlns:a14="http://schemas.microsoft.com/office/drawing/2010/main" xmlns="">
+              <a14:hiddenEffects xmlns:a14="http://schemas.microsoft.com/office/drawing/2010/main">
                 <a:effectLst>
                   <a:outerShdw blurRad="63500" dist="38099" dir="2700000" algn="ctr" rotWithShape="0">
                     <a:schemeClr val="bg2">
@@ -417,6 +414,9 @@
                   </a:outerShdw>
                 </a:effectLst>
               </a14:hiddenEffects>
+            </a:ext>
+            <a:ext uri="{FAA26D3D-D897-4be2-8F04-BA451C77F1D7}">
+              <ma14:placeholderFlag xmlns:ma14="http://schemas.microsoft.com/office/mac/drawingml/2011/main" val="1"/>
             </a:ext>
           </a:extLst>
         </p:spPr>
@@ -476,18 +476,15 @@
           </a:ln>
           <a:effectLst/>
           <a:extLst>
-            <a:ext uri="{FAA26D3D-D897-4be2-8F04-BA451C77F1D7}">
-              <ma14:placeholderFlag xmlns:ma14="http://schemas.microsoft.com/office/mac/drawingml/2011/main" val="1"/>
-            </a:ext>
             <a:ext uri="{909E8E84-426E-40dd-AFC4-6F175D3DCCD1}">
-              <a14:hiddenFill xmlns:a14="http://schemas.microsoft.com/office/drawing/2010/main" xmlns="">
+              <a14:hiddenFill xmlns:a14="http://schemas.microsoft.com/office/drawing/2010/main">
                 <a:solidFill>
                   <a:srgbClr val="FFFFFF"/>
                 </a:solidFill>
               </a14:hiddenFill>
             </a:ext>
             <a:ext uri="{91240B29-F687-4f45-9708-019B960494DF}">
-              <a14:hiddenLine xmlns:a14="http://schemas.microsoft.com/office/drawing/2010/main" xmlns="" w="9525">
+              <a14:hiddenLine xmlns:a14="http://schemas.microsoft.com/office/drawing/2010/main" w="9525">
                 <a:solidFill>
                   <a:srgbClr val="000000"/>
                 </a:solidFill>
@@ -497,7 +494,7 @@
               </a14:hiddenLine>
             </a:ext>
             <a:ext uri="{AF507438-7753-43e0-B8FC-AC1667EBCBE1}">
-              <a14:hiddenEffects xmlns:a14="http://schemas.microsoft.com/office/drawing/2010/main" xmlns="">
+              <a14:hiddenEffects xmlns:a14="http://schemas.microsoft.com/office/drawing/2010/main">
                 <a:effectLst>
                   <a:outerShdw blurRad="63500" dist="38099" dir="2700000" algn="ctr" rotWithShape="0">
                     <a:schemeClr val="bg2">
@@ -506,6 +503,9 @@
                   </a:outerShdw>
                 </a:effectLst>
               </a14:hiddenEffects>
+            </a:ext>
+            <a:ext uri="{FAA26D3D-D897-4be2-8F04-BA451C77F1D7}">
+              <ma14:placeholderFlag xmlns:ma14="http://schemas.microsoft.com/office/mac/drawingml/2011/main" val="1"/>
             </a:ext>
           </a:extLst>
         </p:spPr>
@@ -565,18 +565,15 @@
           </a:ln>
           <a:effectLst/>
           <a:extLst>
-            <a:ext uri="{FAA26D3D-D897-4be2-8F04-BA451C77F1D7}">
-              <ma14:placeholderFlag xmlns:ma14="http://schemas.microsoft.com/office/mac/drawingml/2011/main" val="1"/>
-            </a:ext>
             <a:ext uri="{909E8E84-426E-40dd-AFC4-6F175D3DCCD1}">
-              <a14:hiddenFill xmlns:a14="http://schemas.microsoft.com/office/drawing/2010/main" xmlns="">
+              <a14:hiddenFill xmlns:a14="http://schemas.microsoft.com/office/drawing/2010/main">
                 <a:solidFill>
                   <a:srgbClr val="FFFFFF"/>
                 </a:solidFill>
               </a14:hiddenFill>
             </a:ext>
             <a:ext uri="{91240B29-F687-4f45-9708-019B960494DF}">
-              <a14:hiddenLine xmlns:a14="http://schemas.microsoft.com/office/drawing/2010/main" xmlns="" w="9525">
+              <a14:hiddenLine xmlns:a14="http://schemas.microsoft.com/office/drawing/2010/main" w="9525">
                 <a:solidFill>
                   <a:srgbClr val="000000"/>
                 </a:solidFill>
@@ -586,7 +583,7 @@
               </a14:hiddenLine>
             </a:ext>
             <a:ext uri="{AF507438-7753-43e0-B8FC-AC1667EBCBE1}">
-              <a14:hiddenEffects xmlns:a14="http://schemas.microsoft.com/office/drawing/2010/main" xmlns="">
+              <a14:hiddenEffects xmlns:a14="http://schemas.microsoft.com/office/drawing/2010/main">
                 <a:effectLst>
                   <a:outerShdw blurRad="63500" dist="38099" dir="2700000" algn="ctr" rotWithShape="0">
                     <a:schemeClr val="bg2">
@@ -595,6 +592,9 @@
                   </a:outerShdw>
                 </a:effectLst>
               </a14:hiddenEffects>
+            </a:ext>
+            <a:ext uri="{FAA26D3D-D897-4be2-8F04-BA451C77F1D7}">
+              <ma14:placeholderFlag xmlns:ma14="http://schemas.microsoft.com/office/mac/drawingml/2011/main" val="1"/>
             </a:ext>
           </a:extLst>
         </p:spPr>
@@ -654,18 +654,15 @@
           </a:ln>
           <a:effectLst/>
           <a:extLst>
-            <a:ext uri="{FAA26D3D-D897-4be2-8F04-BA451C77F1D7}">
-              <ma14:placeholderFlag xmlns:ma14="http://schemas.microsoft.com/office/mac/drawingml/2011/main" val="1"/>
-            </a:ext>
             <a:ext uri="{909E8E84-426E-40dd-AFC4-6F175D3DCCD1}">
-              <a14:hiddenFill xmlns:a14="http://schemas.microsoft.com/office/drawing/2010/main" xmlns="">
+              <a14:hiddenFill xmlns:a14="http://schemas.microsoft.com/office/drawing/2010/main">
                 <a:solidFill>
                   <a:srgbClr val="FFFFFF"/>
                 </a:solidFill>
               </a14:hiddenFill>
             </a:ext>
             <a:ext uri="{91240B29-F687-4f45-9708-019B960494DF}">
-              <a14:hiddenLine xmlns:a14="http://schemas.microsoft.com/office/drawing/2010/main" xmlns="" w="9525">
+              <a14:hiddenLine xmlns:a14="http://schemas.microsoft.com/office/drawing/2010/main" w="9525">
                 <a:solidFill>
                   <a:srgbClr val="000000"/>
                 </a:solidFill>
@@ -675,7 +672,7 @@
               </a14:hiddenLine>
             </a:ext>
             <a:ext uri="{AF507438-7753-43e0-B8FC-AC1667EBCBE1}">
-              <a14:hiddenEffects xmlns:a14="http://schemas.microsoft.com/office/drawing/2010/main" xmlns="">
+              <a14:hiddenEffects xmlns:a14="http://schemas.microsoft.com/office/drawing/2010/main">
                 <a:effectLst>
                   <a:outerShdw blurRad="63500" dist="38099" dir="2700000" algn="ctr" rotWithShape="0">
                     <a:schemeClr val="bg2">
@@ -684,6 +681,9 @@
                   </a:outerShdw>
                 </a:effectLst>
               </a14:hiddenEffects>
+            </a:ext>
+            <a:ext uri="{FAA26D3D-D897-4be2-8F04-BA451C77F1D7}">
+              <ma14:placeholderFlag xmlns:ma14="http://schemas.microsoft.com/office/mac/drawingml/2011/main" val="1"/>
             </a:ext>
           </a:extLst>
         </p:spPr>
@@ -1265,7 +1265,7 @@
   <p:hf sldNum="0" hdr="0" ftr="0" dt="0"/>
   <p:extLst>
     <p:ext uri="{DCECCB84-F9BA-43D5-87BE-67443E8EF086}">
-      <p15:sldGuideLst xmlns:p15="http://schemas.microsoft.com/office/powerpoint/2012/main"/>
+      <p15:sldGuideLst xmlns:p15="http://schemas.microsoft.com/office/powerpoint/2012/main" xmlns=""/>
     </p:ext>
   </p:extLst>
 </p:sldLayout>
@@ -3950,7 +3950,7 @@
   <p:hf sldNum="0" hdr="0" ftr="0" dt="0"/>
   <p:extLst>
     <p:ext uri="{DCECCB84-F9BA-43D5-87BE-67443E8EF086}">
-      <p15:sldGuideLst xmlns:p15="http://schemas.microsoft.com/office/powerpoint/2012/main"/>
+      <p15:sldGuideLst xmlns:p15="http://schemas.microsoft.com/office/powerpoint/2012/main" xmlns=""/>
     </p:ext>
   </p:extLst>
 </p:sldLayout>
@@ -4425,7 +4425,7 @@
   <p:hf sldNum="0" hdr="0" ftr="0" dt="0"/>
   <p:extLst>
     <p:ext uri="{DCECCB84-F9BA-43D5-87BE-67443E8EF086}">
-      <p15:sldGuideLst xmlns:p15="http://schemas.microsoft.com/office/powerpoint/2012/main"/>
+      <p15:sldGuideLst xmlns:p15="http://schemas.microsoft.com/office/powerpoint/2012/main" xmlns=""/>
     </p:ext>
   </p:extLst>
 </p:sldLayout>
@@ -6570,7 +6570,7 @@
   </p:txStyles>
   <p:extLst>
     <p:ext uri="{27BBF7A9-308A-43DC-89C8-2F10F3537804}">
-      <p15:sldGuideLst xmlns:p15="http://schemas.microsoft.com/office/powerpoint/2012/main"/>
+      <p15:sldGuideLst xmlns:p15="http://schemas.microsoft.com/office/powerpoint/2012/main" xmlns=""/>
     </p:ext>
   </p:extLst>
 </p:sldMaster>
@@ -7017,7 +7017,7 @@
         </p:nvSpPr>
         <p:spPr>
           <a:xfrm>
-            <a:off x="12001500" y="16589961"/>
+            <a:off x="12039600" y="16383000"/>
             <a:ext cx="12573000" cy="10213326"/>
           </a:xfrm>
         </p:spPr>
@@ -7090,23 +7090,7 @@
                 <a:ea typeface="Times New Roman" charset="0"/>
                 <a:cs typeface="Times New Roman" charset="0"/>
               </a:rPr>
-              <a:t>incidents; we expected that </a:t>
-            </a:r>
-            <a:r>
-              <a:rPr lang="en-US" altLang="zh-TW" sz="3200" b="0" dirty="0" smtClean="0">
-                <a:latin typeface="Times New Roman" charset="0"/>
-                <a:ea typeface="Times New Roman" charset="0"/>
-                <a:cs typeface="Times New Roman" charset="0"/>
-              </a:rPr>
-              <a:t>the higher </a:t>
-            </a:r>
-            <a:r>
-              <a:rPr lang="en-US" altLang="zh-TW" sz="3200" b="0" dirty="0" smtClean="0">
-                <a:latin typeface="Times New Roman" charset="0"/>
-                <a:ea typeface="Times New Roman" charset="0"/>
-                <a:cs typeface="Times New Roman" charset="0"/>
-              </a:rPr>
-              <a:t>property </a:t>
+              <a:t>incidents; we expected that the higher property </a:t>
             </a:r>
             <a:r>
               <a:rPr lang="en-US" altLang="zh-TW" sz="3200" b="0" dirty="0">
@@ -7222,15 +7206,7 @@
                 <a:ea typeface="Times New Roman" charset="0"/>
                 <a:cs typeface="Times New Roman" charset="0"/>
               </a:rPr>
-              <a:t>incidents. The number we got is</a:t>
-            </a:r>
-            <a:r>
-              <a:rPr lang="en-US" altLang="zh-TW" sz="3200" b="0" dirty="0" smtClean="0">
-                <a:latin typeface="Times New Roman" charset="0"/>
-                <a:ea typeface="Times New Roman" charset="0"/>
-                <a:cs typeface="Times New Roman" charset="0"/>
-              </a:rPr>
-              <a:t>:</a:t>
+              <a:t>incidents. The number we got is:</a:t>
             </a:r>
             <a:r>
               <a:rPr lang="en-US" altLang="zh-TW" sz="3200" dirty="0">
@@ -7246,15 +7222,7 @@
                 <a:ea typeface="Times New Roman" charset="0"/>
                 <a:cs typeface="Times New Roman" charset="0"/>
               </a:rPr>
-              <a:t>-</a:t>
-            </a:r>
-            <a:r>
-              <a:rPr lang="en-US" altLang="zh-TW" sz="3200" b="1" dirty="0" smtClean="0">
-                <a:latin typeface="Times New Roman" charset="0"/>
-                <a:ea typeface="Times New Roman" charset="0"/>
-                <a:cs typeface="Times New Roman" charset="0"/>
-              </a:rPr>
-              <a:t>0.246.</a:t>
+              <a:t>-0.246.</a:t>
             </a:r>
             <a:endParaRPr lang="zh-TW" altLang="zh-TW" sz="3200" b="1" dirty="0">
               <a:latin typeface="Times New Roman" charset="0"/>
@@ -7339,18 +7307,15 @@
           </a:ln>
           <a:effectLst/>
           <a:extLst>
-            <a:ext uri="{FAA26D3D-D897-4be2-8F04-BA451C77F1D7}">
-              <ma14:placeholderFlag xmlns:ma14="http://schemas.microsoft.com/office/mac/drawingml/2011/main" val="1"/>
-            </a:ext>
             <a:ext uri="{909E8E84-426E-40dd-AFC4-6F175D3DCCD1}">
-              <a14:hiddenFill xmlns:a14="http://schemas.microsoft.com/office/drawing/2010/main" xmlns="">
+              <a14:hiddenFill xmlns:a14="http://schemas.microsoft.com/office/drawing/2010/main">
                 <a:solidFill>
                   <a:srgbClr val="FFFFFF"/>
                 </a:solidFill>
               </a14:hiddenFill>
             </a:ext>
             <a:ext uri="{91240B29-F687-4f45-9708-019B960494DF}">
-              <a14:hiddenLine xmlns:a14="http://schemas.microsoft.com/office/drawing/2010/main" xmlns="" w="9525">
+              <a14:hiddenLine xmlns:a14="http://schemas.microsoft.com/office/drawing/2010/main" w="9525">
                 <a:solidFill>
                   <a:srgbClr val="000000"/>
                 </a:solidFill>
@@ -7360,7 +7325,7 @@
               </a14:hiddenLine>
             </a:ext>
             <a:ext uri="{AF507438-7753-43e0-B8FC-AC1667EBCBE1}">
-              <a14:hiddenEffects xmlns:a14="http://schemas.microsoft.com/office/drawing/2010/main" xmlns="">
+              <a14:hiddenEffects xmlns:a14="http://schemas.microsoft.com/office/drawing/2010/main">
                 <a:effectLst>
                   <a:outerShdw blurRad="63500" dist="38099" dir="2700000" algn="ctr" rotWithShape="0">
                     <a:schemeClr val="bg2">
@@ -7369,6 +7334,9 @@
                   </a:outerShdw>
                 </a:effectLst>
               </a14:hiddenEffects>
+            </a:ext>
+            <a:ext uri="{FAA26D3D-D897-4be2-8F04-BA451C77F1D7}">
+              <ma14:placeholderFlag xmlns:ma14="http://schemas.microsoft.com/office/mac/drawingml/2011/main" val="1"/>
             </a:ext>
           </a:extLst>
         </p:spPr>
@@ -7787,18 +7755,15 @@
           </a:ln>
           <a:effectLst/>
           <a:extLst>
-            <a:ext uri="{FAA26D3D-D897-4be2-8F04-BA451C77F1D7}">
-              <ma14:placeholderFlag xmlns:ma14="http://schemas.microsoft.com/office/mac/drawingml/2011/main" val="1"/>
-            </a:ext>
             <a:ext uri="{909E8E84-426E-40dd-AFC4-6F175D3DCCD1}">
-              <a14:hiddenFill xmlns:a14="http://schemas.microsoft.com/office/drawing/2010/main" xmlns="">
+              <a14:hiddenFill xmlns:a14="http://schemas.microsoft.com/office/drawing/2010/main">
                 <a:solidFill>
                   <a:srgbClr val="FFFFFF"/>
                 </a:solidFill>
               </a14:hiddenFill>
             </a:ext>
             <a:ext uri="{91240B29-F687-4f45-9708-019B960494DF}">
-              <a14:hiddenLine xmlns:a14="http://schemas.microsoft.com/office/drawing/2010/main" xmlns="" w="9525">
+              <a14:hiddenLine xmlns:a14="http://schemas.microsoft.com/office/drawing/2010/main" w="9525">
                 <a:solidFill>
                   <a:srgbClr val="000000"/>
                 </a:solidFill>
@@ -7808,7 +7773,7 @@
               </a14:hiddenLine>
             </a:ext>
             <a:ext uri="{AF507438-7753-43e0-B8FC-AC1667EBCBE1}">
-              <a14:hiddenEffects xmlns:a14="http://schemas.microsoft.com/office/drawing/2010/main" xmlns="">
+              <a14:hiddenEffects xmlns:a14="http://schemas.microsoft.com/office/drawing/2010/main">
                 <a:effectLst>
                   <a:outerShdw blurRad="63500" dist="38099" dir="2700000" algn="ctr" rotWithShape="0">
                     <a:schemeClr val="bg2">
@@ -7817,6 +7782,9 @@
                   </a:outerShdw>
                 </a:effectLst>
               </a14:hiddenEffects>
+            </a:ext>
+            <a:ext uri="{FAA26D3D-D897-4be2-8F04-BA451C77F1D7}">
+              <ma14:placeholderFlag xmlns:ma14="http://schemas.microsoft.com/office/mac/drawingml/2011/main" val="1"/>
             </a:ext>
           </a:extLst>
         </p:spPr>
@@ -8234,7 +8202,7 @@
         </p:blipFill>
         <p:spPr bwMode="auto">
           <a:xfrm>
-            <a:off x="11277600" y="5334000"/>
+            <a:off x="11277600" y="6019800"/>
             <a:ext cx="13793615" cy="10212036"/>
           </a:xfrm>
           <a:prstGeom prst="rect">
@@ -8246,18 +8214,15 @@
           </a:ln>
           <a:effectLst/>
           <a:extLst>
-            <a:ext uri="{FAA26D3D-D897-4be2-8F04-BA451C77F1D7}">
-              <ma14:placeholderFlag xmlns:ma14="http://schemas.microsoft.com/office/mac/drawingml/2011/main" val="1"/>
-            </a:ext>
             <a:ext uri="{909E8E84-426E-40dd-AFC4-6F175D3DCCD1}">
-              <a14:hiddenFill xmlns:a14="http://schemas.microsoft.com/office/drawing/2010/main" xmlns="">
+              <a14:hiddenFill xmlns:a14="http://schemas.microsoft.com/office/drawing/2010/main">
                 <a:solidFill>
                   <a:srgbClr val="FFFFFF"/>
                 </a:solidFill>
               </a14:hiddenFill>
             </a:ext>
             <a:ext uri="{91240B29-F687-4f45-9708-019B960494DF}">
-              <a14:hiddenLine xmlns:a14="http://schemas.microsoft.com/office/drawing/2010/main" xmlns="" w="9525">
+              <a14:hiddenLine xmlns:a14="http://schemas.microsoft.com/office/drawing/2010/main" w="9525">
                 <a:solidFill>
                   <a:srgbClr val="000000"/>
                 </a:solidFill>
@@ -8267,7 +8232,7 @@
               </a14:hiddenLine>
             </a:ext>
             <a:ext uri="{AF507438-7753-43e0-B8FC-AC1667EBCBE1}">
-              <a14:hiddenEffects xmlns:a14="http://schemas.microsoft.com/office/drawing/2010/main" xmlns="">
+              <a14:hiddenEffects xmlns:a14="http://schemas.microsoft.com/office/drawing/2010/main">
                 <a:effectLst>
                   <a:outerShdw blurRad="63500" dist="38099" dir="2700000" algn="ctr" rotWithShape="0">
                     <a:schemeClr val="bg2">
@@ -8276,6 +8241,9 @@
                   </a:outerShdw>
                 </a:effectLst>
               </a14:hiddenEffects>
+            </a:ext>
+            <a:ext uri="{FAA26D3D-D897-4be2-8F04-BA451C77F1D7}">
+              <ma14:placeholderFlag xmlns:ma14="http://schemas.microsoft.com/office/mac/drawingml/2011/main" val="1"/>
             </a:ext>
           </a:extLst>
         </p:spPr>
@@ -8312,7 +8280,7 @@
           <a:effectLst/>
           <a:extLst>
             <a:ext uri="{AF507438-7753-43e0-B8FC-AC1667EBCBE1}">
-              <a14:hiddenEffects xmlns:a14="http://schemas.microsoft.com/office/drawing/2010/main" xmlns="">
+              <a14:hiddenEffects xmlns:a14="http://schemas.microsoft.com/office/drawing/2010/main">
                 <a:effectLst>
                   <a:outerShdw blurRad="63500" dist="38099" dir="2700000" algn="ctr" rotWithShape="0">
                     <a:schemeClr val="bg2">
@@ -8357,7 +8325,7 @@
           <a:effectLst/>
           <a:extLst>
             <a:ext uri="{AF507438-7753-43e0-B8FC-AC1667EBCBE1}">
-              <a14:hiddenEffects xmlns:a14="http://schemas.microsoft.com/office/drawing/2010/main" xmlns="">
+              <a14:hiddenEffects xmlns:a14="http://schemas.microsoft.com/office/drawing/2010/main">
                 <a:effectLst>
                   <a:outerShdw blurRad="63500" dist="38099" dir="2700000" algn="ctr" rotWithShape="0">
                     <a:schemeClr val="bg2">
@@ -8471,7 +8439,7 @@
   <p:timing>
     <p:tnLst>
       <p:par>
-        <p:cTn id="1" dur="indefinite" restart="never" nodeType="tmRoot"/>
+        <p:cTn xmlns:p14="http://schemas.microsoft.com/office/powerpoint/2010/main" id="1" dur="indefinite" restart="never" nodeType="tmRoot"/>
       </p:par>
     </p:tnLst>
   </p:timing>
@@ -8521,7 +8489,7 @@
     </a:clrScheme>
     <a:fontScheme name="天空">
       <a:majorFont>
-        <a:latin typeface="Calibri Light" panose="020F0302020204030204"/>
+        <a:latin typeface="Calibri Light"/>
         <a:ea typeface=""/>
         <a:cs typeface=""/>
         <a:font script="Jpan" typeface="ＭＳ Ｐゴシック"/>
@@ -8556,7 +8524,7 @@
         <a:font script="Geor" typeface="Sylfaen"/>
       </a:majorFont>
       <a:minorFont>
-        <a:latin typeface="Calibri" panose="020F0502020204030204"/>
+        <a:latin typeface="Calibri"/>
         <a:ea typeface=""/>
         <a:cs typeface=""/>
         <a:font script="Jpan" typeface="ＭＳ Ｐゴシック"/>
@@ -8721,7 +8689,7 @@
   <a:extraClrSchemeLst/>
   <a:extLst>
     <a:ext uri="{05A4C25C-085E-4340-85A3-A5531E510DB2}">
-      <thm15:themeFamily xmlns:thm15="http://schemas.microsoft.com/office/thememl/2012/main" name="Celestial" id="{C4BB2A3D-0E93-4C5F-B0D2-9D3FCE089CC5}" vid="{42E5908D-19A2-46FD-89FA-638B126129EF}"/>
+      <thm15:themeFamily xmlns:thm15="http://schemas.microsoft.com/office/thememl/2012/main" xmlns="" name="Celestial" id="{C4BB2A3D-0E93-4C5F-B0D2-9D3FCE089CC5}" vid="{42E5908D-19A2-46FD-89FA-638B126129EF}"/>
     </a:ext>
   </a:extLst>
 </a:theme>
@@ -8982,7 +8950,7 @@
   <a:extraClrSchemeLst/>
   <a:extLst>
     <a:ext uri="{05A4C25C-085E-4340-85A3-A5531E510DB2}">
-      <thm15:themeFamily xmlns:thm15="http://schemas.microsoft.com/office/thememl/2012/main" name="Office Theme" id="{62F939B6-93AF-4DB8-9C6B-D6C7DFDC589F}" vid="{4A3C46E8-61CC-4603-A589-7422A47A8E4A}"/>
+      <thm15:themeFamily xmlns:thm15="http://schemas.microsoft.com/office/thememl/2012/main" xmlns="" name="Office Theme" id="{62F939B6-93AF-4DB8-9C6B-D6C7DFDC589F}" vid="{4A3C46E8-61CC-4603-A589-7422A47A8E4A}"/>
     </a:ext>
   </a:extLst>
 </a:theme>
